--- a/presentation.pptx
+++ b/presentation.pptx
@@ -28,36 +28,36 @@
     <p:sldId id="354" r:id="rId19"/>
     <p:sldId id="324" r:id="rId20"/>
     <p:sldId id="375" r:id="rId21"/>
-    <p:sldId id="320" r:id="rId22"/>
-    <p:sldId id="374" r:id="rId23"/>
-    <p:sldId id="361" r:id="rId24"/>
-    <p:sldId id="376" r:id="rId25"/>
-    <p:sldId id="362" r:id="rId26"/>
-    <p:sldId id="321" r:id="rId27"/>
-    <p:sldId id="363" r:id="rId28"/>
-    <p:sldId id="364" r:id="rId29"/>
-    <p:sldId id="368" r:id="rId30"/>
-    <p:sldId id="369" r:id="rId31"/>
-    <p:sldId id="366" r:id="rId32"/>
-    <p:sldId id="367" r:id="rId33"/>
-    <p:sldId id="371" r:id="rId34"/>
-    <p:sldId id="372" r:id="rId35"/>
-    <p:sldId id="387" r:id="rId36"/>
-    <p:sldId id="373" r:id="rId37"/>
-    <p:sldId id="365" r:id="rId38"/>
-    <p:sldId id="377" r:id="rId39"/>
-    <p:sldId id="379" r:id="rId40"/>
-    <p:sldId id="380" r:id="rId41"/>
-    <p:sldId id="384" r:id="rId42"/>
-    <p:sldId id="385" r:id="rId43"/>
-    <p:sldId id="381" r:id="rId44"/>
-    <p:sldId id="382" r:id="rId45"/>
-    <p:sldId id="383" r:id="rId46"/>
-    <p:sldId id="386" r:id="rId47"/>
-    <p:sldId id="388" r:id="rId48"/>
-    <p:sldId id="378" r:id="rId49"/>
-    <p:sldId id="323" r:id="rId50"/>
-    <p:sldId id="389" r:id="rId51"/>
+    <p:sldId id="397" r:id="rId22"/>
+    <p:sldId id="320" r:id="rId23"/>
+    <p:sldId id="374" r:id="rId24"/>
+    <p:sldId id="361" r:id="rId25"/>
+    <p:sldId id="376" r:id="rId26"/>
+    <p:sldId id="362" r:id="rId27"/>
+    <p:sldId id="321" r:id="rId28"/>
+    <p:sldId id="363" r:id="rId29"/>
+    <p:sldId id="364" r:id="rId30"/>
+    <p:sldId id="368" r:id="rId31"/>
+    <p:sldId id="369" r:id="rId32"/>
+    <p:sldId id="366" r:id="rId33"/>
+    <p:sldId id="367" r:id="rId34"/>
+    <p:sldId id="371" r:id="rId35"/>
+    <p:sldId id="372" r:id="rId36"/>
+    <p:sldId id="387" r:id="rId37"/>
+    <p:sldId id="373" r:id="rId38"/>
+    <p:sldId id="365" r:id="rId39"/>
+    <p:sldId id="377" r:id="rId40"/>
+    <p:sldId id="379" r:id="rId41"/>
+    <p:sldId id="380" r:id="rId42"/>
+    <p:sldId id="384" r:id="rId43"/>
+    <p:sldId id="385" r:id="rId44"/>
+    <p:sldId id="381" r:id="rId45"/>
+    <p:sldId id="382" r:id="rId46"/>
+    <p:sldId id="383" r:id="rId47"/>
+    <p:sldId id="386" r:id="rId48"/>
+    <p:sldId id="388" r:id="rId49"/>
+    <p:sldId id="378" r:id="rId50"/>
+    <p:sldId id="323" r:id="rId51"/>
     <p:sldId id="390" r:id="rId52"/>
     <p:sldId id="391" r:id="rId53"/>
     <p:sldId id="394" r:id="rId54"/>
@@ -201,6 +201,7 @@
         <p14:section name="Identification Phase" id="{67637D1A-0E06-48C2-88F0-4CC830FDB808}">
           <p14:sldIdLst>
             <p14:sldId id="375"/>
+            <p14:sldId id="397"/>
             <p14:sldId id="320"/>
             <p14:sldId id="374"/>
             <p14:sldId id="361"/>
@@ -242,7 +243,6 @@
           <p14:sldIdLst>
             <p14:sldId id="378"/>
             <p14:sldId id="323"/>
-            <p14:sldId id="389"/>
             <p14:sldId id="390"/>
             <p14:sldId id="391"/>
             <p14:sldId id="394"/>
@@ -18602,7 +18602,7 @@
           <a:p>
             <a:fld id="{D987070D-87AF-4443-8990-425EA27CC244}" type="datetimeFigureOut">
               <a:rPr lang="de-CH" smtClean="0"/>
-              <a:t>27.05.2016</a:t>
+              <a:t>30.05.2016</a:t>
             </a:fld>
             <a:endParaRPr lang="de-CH"/>
           </a:p>
@@ -21185,6 +21185,14 @@
           <a:bodyPr/>
           <a:lstStyle/>
           <a:p>
+            <a:r>
+              <a:rPr lang="en-US" dirty="0"/>
+              <a:t>ASYNC</a:t>
+            </a:r>
+            <a:r>
+              <a:rPr lang="en-US" baseline="0" dirty="0"/>
+              <a:t> ALL THE THINGS</a:t>
+            </a:r>
             <a:endParaRPr lang="de-CH" dirty="0"/>
           </a:p>
         </p:txBody>
@@ -21215,7 +21223,7 @@
     </p:spTree>
     <p:extLst>
       <p:ext uri="{BB962C8B-B14F-4D97-AF65-F5344CB8AC3E}">
-        <p14:creationId xmlns:p14="http://schemas.microsoft.com/office/powerpoint/2010/main" val="94328163"/>
+        <p14:creationId xmlns:p14="http://schemas.microsoft.com/office/powerpoint/2010/main" val="176274524"/>
       </p:ext>
     </p:extLst>
   </p:cSld>
@@ -21269,10 +21277,6 @@
           <a:bodyPr/>
           <a:lstStyle/>
           <a:p>
-            <a:r>
-              <a:rPr lang="en-US" dirty="0"/>
-              <a:t>Maybe leave this away?</a:t>
-            </a:r>
             <a:endParaRPr lang="de-CH" dirty="0"/>
           </a:p>
         </p:txBody>
@@ -21294,7 +21298,7 @@
           <a:p>
             <a:fld id="{9BCA07FD-5BD5-4529-84B0-48DD2C561176}" type="slidenum">
               <a:rPr lang="de-CH" smtClean="0"/>
-              <a:t>23</a:t>
+              <a:t>22</a:t>
             </a:fld>
             <a:endParaRPr lang="de-CH"/>
           </a:p>
@@ -21303,7 +21307,7 @@
     </p:spTree>
     <p:extLst>
       <p:ext uri="{BB962C8B-B14F-4D97-AF65-F5344CB8AC3E}">
-        <p14:creationId xmlns:p14="http://schemas.microsoft.com/office/powerpoint/2010/main" val="2271485313"/>
+        <p14:creationId xmlns:p14="http://schemas.microsoft.com/office/powerpoint/2010/main" val="94328163"/>
       </p:ext>
     </p:extLst>
   </p:cSld>
@@ -21359,61 +21363,7 @@
           <a:p>
             <a:r>
               <a:rPr lang="en-US" dirty="0"/>
-              <a:t>I show you a four-phased approach to evolving your code-base towards </a:t>
-            </a:r>
-            <a:r>
-              <a:rPr lang="en-US" dirty="0" err="1"/>
-              <a:t>async</a:t>
-            </a:r>
-            <a:r>
-              <a:rPr lang="en-US" dirty="0"/>
-              <a:t>/wait. In the identification phase, we classify the components which would benefit from </a:t>
-            </a:r>
-            <a:r>
-              <a:rPr lang="en-US" dirty="0" err="1"/>
-              <a:t>async</a:t>
-            </a:r>
-            <a:r>
-              <a:rPr lang="en-US" dirty="0"/>
-              <a:t>/await. In the exploration phase, we discover potential road blockers which might hinder the </a:t>
-            </a:r>
-            <a:r>
-              <a:rPr lang="en-US" dirty="0" err="1"/>
-              <a:t>async</a:t>
-            </a:r>
-            <a:r>
-              <a:rPr lang="en-US" dirty="0"/>
-              <a:t>/await adoption.</a:t>
-            </a:r>
-          </a:p>
-          <a:p>
-            <a:endParaRPr lang="en-US" dirty="0"/>
-          </a:p>
-          <a:p>
-            <a:r>
-              <a:rPr lang="en-US" dirty="0"/>
-              <a:t>In the obstacle phase, we learn to redesign parts of the code to remove the previously identified road blockers. In the bring-it-together phase, we gradually move the components which benefit the most from </a:t>
-            </a:r>
-            <a:r>
-              <a:rPr lang="en-US" dirty="0" err="1"/>
-              <a:t>async</a:t>
-            </a:r>
-            <a:r>
-              <a:rPr lang="en-US" dirty="0"/>
-              <a:t>/await to a full asynchronous API. Small steps. No Big Bang.</a:t>
-            </a:r>
-          </a:p>
-          <a:p>
-            <a:endParaRPr lang="en-US" dirty="0"/>
-          </a:p>
-          <a:p>
-            <a:r>
-              <a:rPr lang="en-US" dirty="0"/>
-              <a:t>Make a word</a:t>
-            </a:r>
-            <a:r>
-              <a:rPr lang="en-US" baseline="0" dirty="0"/>
-              <a:t> out of it</a:t>
+              <a:t>Maybe leave this away?</a:t>
             </a:r>
             <a:endParaRPr lang="de-CH" dirty="0"/>
           </a:p>
@@ -21445,7 +21395,7 @@
     </p:spTree>
     <p:extLst>
       <p:ext uri="{BB962C8B-B14F-4D97-AF65-F5344CB8AC3E}">
-        <p14:creationId xmlns:p14="http://schemas.microsoft.com/office/powerpoint/2010/main" val="3637497409"/>
+        <p14:creationId xmlns:p14="http://schemas.microsoft.com/office/powerpoint/2010/main" val="2271485313"/>
       </p:ext>
     </p:extLst>
   </p:cSld>
@@ -21501,16 +21451,61 @@
           <a:p>
             <a:r>
               <a:rPr lang="en-US" dirty="0"/>
-              <a:t>One way to do it is </a:t>
-            </a:r>
-            <a:r>
-              <a:rPr lang="en-US" sz="1200" dirty="0" err="1">
-                <a:solidFill>
-                  <a:schemeClr val="accent3"/>
-                </a:solidFill>
-                <a:latin typeface="Yanone Kaffeesatz Regular" panose="02000000000000000000" pitchFamily="2" charset="0"/>
-              </a:rPr>
-              <a:t>timeboxing</a:t>
+              <a:t>I show you a four-phased approach to evolving your code-base towards </a:t>
+            </a:r>
+            <a:r>
+              <a:rPr lang="en-US" dirty="0" err="1"/>
+              <a:t>async</a:t>
+            </a:r>
+            <a:r>
+              <a:rPr lang="en-US" dirty="0"/>
+              <a:t>/wait. In the identification phase, we classify the components which would benefit from </a:t>
+            </a:r>
+            <a:r>
+              <a:rPr lang="en-US" dirty="0" err="1"/>
+              <a:t>async</a:t>
+            </a:r>
+            <a:r>
+              <a:rPr lang="en-US" dirty="0"/>
+              <a:t>/await. In the exploration phase, we discover potential road blockers which might hinder the </a:t>
+            </a:r>
+            <a:r>
+              <a:rPr lang="en-US" dirty="0" err="1"/>
+              <a:t>async</a:t>
+            </a:r>
+            <a:r>
+              <a:rPr lang="en-US" dirty="0"/>
+              <a:t>/await adoption.</a:t>
+            </a:r>
+          </a:p>
+          <a:p>
+            <a:endParaRPr lang="en-US" dirty="0"/>
+          </a:p>
+          <a:p>
+            <a:r>
+              <a:rPr lang="en-US" dirty="0"/>
+              <a:t>In the obstacle phase, we learn to redesign parts of the code to remove the previously identified road blockers. In the bring-it-together phase, we gradually move the components which benefit the most from </a:t>
+            </a:r>
+            <a:r>
+              <a:rPr lang="en-US" dirty="0" err="1"/>
+              <a:t>async</a:t>
+            </a:r>
+            <a:r>
+              <a:rPr lang="en-US" dirty="0"/>
+              <a:t>/await to a full asynchronous API. Small steps. No Big Bang.</a:t>
+            </a:r>
+          </a:p>
+          <a:p>
+            <a:endParaRPr lang="en-US" dirty="0"/>
+          </a:p>
+          <a:p>
+            <a:r>
+              <a:rPr lang="en-US" dirty="0"/>
+              <a:t>Make a word</a:t>
+            </a:r>
+            <a:r>
+              <a:rPr lang="en-US" baseline="0" dirty="0"/>
+              <a:t> out of it</a:t>
             </a:r>
             <a:endParaRPr lang="de-CH" dirty="0"/>
           </a:p>
@@ -21542,7 +21537,7 @@
     </p:spTree>
     <p:extLst>
       <p:ext uri="{BB962C8B-B14F-4D97-AF65-F5344CB8AC3E}">
-        <p14:creationId xmlns:p14="http://schemas.microsoft.com/office/powerpoint/2010/main" val="2938123667"/>
+        <p14:creationId xmlns:p14="http://schemas.microsoft.com/office/powerpoint/2010/main" val="3637497409"/>
       </p:ext>
     </p:extLst>
   </p:cSld>
@@ -21598,17 +21593,33 @@
           <a:p>
             <a:r>
               <a:rPr lang="en-US" dirty="0"/>
-              <a:t>Maybe group</a:t>
-            </a:r>
-            <a:r>
-              <a:rPr lang="en-US" baseline="0" dirty="0"/>
-              <a:t> the topics??</a:t>
-            </a:r>
-          </a:p>
-          <a:p>
-            <a:r>
-              <a:rPr lang="en-US" baseline="0" dirty="0"/>
-              <a:t>Maybe repeat again</a:t>
+              <a:t>One way to do it is </a:t>
+            </a:r>
+            <a:r>
+              <a:rPr lang="en-US" sz="1200" dirty="0" err="1">
+                <a:solidFill>
+                  <a:schemeClr val="accent3"/>
+                </a:solidFill>
+                <a:latin typeface="Yanone Kaffeesatz Regular" panose="02000000000000000000" pitchFamily="2" charset="0"/>
+              </a:rPr>
+              <a:t>timeboxing</a:t>
+            </a:r>
+            <a:br>
+              <a:rPr lang="en-US" sz="1200" dirty="0">
+                <a:solidFill>
+                  <a:schemeClr val="accent3"/>
+                </a:solidFill>
+                <a:latin typeface="Yanone Kaffeesatz Regular" panose="02000000000000000000" pitchFamily="2" charset="0"/>
+              </a:rPr>
+            </a:br>
+            <a:r>
+              <a:rPr lang="en-US" sz="1200" dirty="0">
+                <a:solidFill>
+                  <a:schemeClr val="accent3"/>
+                </a:solidFill>
+                <a:latin typeface="Yanone Kaffeesatz Regular" panose="02000000000000000000" pitchFamily="2" charset="0"/>
+              </a:rPr>
+              <a:t>Efferent and Afferent coupling?</a:t>
             </a:r>
             <a:endParaRPr lang="de-CH" dirty="0"/>
           </a:p>
@@ -21631,7 +21642,7 @@
           <a:p>
             <a:fld id="{9BCA07FD-5BD5-4529-84B0-48DD2C561176}" type="slidenum">
               <a:rPr lang="de-CH" smtClean="0"/>
-              <a:t>28</a:t>
+              <a:t>26</a:t>
             </a:fld>
             <a:endParaRPr lang="de-CH"/>
           </a:p>
@@ -21640,7 +21651,7 @@
     </p:spTree>
     <p:extLst>
       <p:ext uri="{BB962C8B-B14F-4D97-AF65-F5344CB8AC3E}">
-        <p14:creationId xmlns:p14="http://schemas.microsoft.com/office/powerpoint/2010/main" val="1013340820"/>
+        <p14:creationId xmlns:p14="http://schemas.microsoft.com/office/powerpoint/2010/main" val="2938123667"/>
       </p:ext>
     </p:extLst>
   </p:cSld>
@@ -21694,6 +21705,20 @@
           <a:bodyPr/>
           <a:lstStyle/>
           <a:p>
+            <a:r>
+              <a:rPr lang="en-US" dirty="0"/>
+              <a:t>Maybe group</a:t>
+            </a:r>
+            <a:r>
+              <a:rPr lang="en-US" baseline="0" dirty="0"/>
+              <a:t> the topics??</a:t>
+            </a:r>
+          </a:p>
+          <a:p>
+            <a:r>
+              <a:rPr lang="en-US" baseline="0" dirty="0"/>
+              <a:t>Maybe repeat again</a:t>
+            </a:r>
             <a:endParaRPr lang="de-CH" dirty="0"/>
           </a:p>
         </p:txBody>
@@ -21724,7 +21749,7 @@
     </p:spTree>
     <p:extLst>
       <p:ext uri="{BB962C8B-B14F-4D97-AF65-F5344CB8AC3E}">
-        <p14:creationId xmlns:p14="http://schemas.microsoft.com/office/powerpoint/2010/main" val="2555691090"/>
+        <p14:creationId xmlns:p14="http://schemas.microsoft.com/office/powerpoint/2010/main" val="1013340820"/>
       </p:ext>
     </p:extLst>
   </p:cSld>
@@ -21778,107 +21803,6 @@
           <a:bodyPr/>
           <a:lstStyle/>
           <a:p>
-            <a:r>
-              <a:rPr lang="en-US" sz="1200" b="0" i="1" kern="1200" dirty="0">
-                <a:solidFill>
-                  <a:schemeClr val="tx1"/>
-                </a:solidFill>
-                <a:effectLst/>
-                <a:latin typeface="+mn-lt"/>
-                <a:ea typeface="+mn-ea"/>
-                <a:cs typeface="+mn-cs"/>
-              </a:rPr>
-              <a:t>Awaiting inside a lock is a recipe for producing deadlocks.</a:t>
-            </a:r>
-          </a:p>
-          <a:p>
-            <a:endParaRPr lang="en-US" sz="1200" b="0" i="0" kern="1200" dirty="0">
-              <a:solidFill>
-                <a:schemeClr val="tx1"/>
-              </a:solidFill>
-              <a:effectLst/>
-              <a:latin typeface="+mn-lt"/>
-              <a:ea typeface="+mn-ea"/>
-              <a:cs typeface="+mn-cs"/>
-            </a:endParaRPr>
-          </a:p>
-          <a:p>
-            <a:r>
-              <a:rPr lang="en-US" sz="1200" b="0" i="0" kern="1200" dirty="0">
-                <a:solidFill>
-                  <a:schemeClr val="tx1"/>
-                </a:solidFill>
-                <a:effectLst/>
-                <a:latin typeface="+mn-lt"/>
-                <a:ea typeface="+mn-ea"/>
-                <a:cs typeface="+mn-cs"/>
-              </a:rPr>
-              <a:t>I'm sure you can see why: </a:t>
-            </a:r>
-            <a:r>
-              <a:rPr lang="en-US" sz="1200" b="0" i="1" kern="1200" dirty="0">
-                <a:solidFill>
-                  <a:schemeClr val="tx1"/>
-                </a:solidFill>
-                <a:effectLst/>
-                <a:latin typeface="+mn-lt"/>
-                <a:ea typeface="+mn-ea"/>
-                <a:cs typeface="+mn-cs"/>
-              </a:rPr>
-              <a:t>arbitrary code runs between the time the await returns control to the caller and the method resumes</a:t>
-            </a:r>
-            <a:r>
-              <a:rPr lang="en-US" sz="1200" b="0" i="0" kern="1200" dirty="0">
-                <a:solidFill>
-                  <a:schemeClr val="tx1"/>
-                </a:solidFill>
-                <a:effectLst/>
-                <a:latin typeface="+mn-lt"/>
-                <a:ea typeface="+mn-ea"/>
-                <a:cs typeface="+mn-cs"/>
-              </a:rPr>
-              <a:t>. That arbitrary code could be taking out locks that produce lock ordering inversions, and therefore deadlocks.</a:t>
-            </a:r>
-          </a:p>
-          <a:p>
-            <a:r>
-              <a:rPr lang="en-US" sz="1200" b="0" i="0" kern="1200" dirty="0">
-                <a:solidFill>
-                  <a:schemeClr val="tx1"/>
-                </a:solidFill>
-                <a:effectLst/>
-                <a:latin typeface="+mn-lt"/>
-                <a:ea typeface="+mn-ea"/>
-                <a:cs typeface="+mn-cs"/>
-              </a:rPr>
-              <a:t>Worse, </a:t>
-            </a:r>
-            <a:r>
-              <a:rPr lang="en-US" sz="1200" b="0" i="1" kern="1200" dirty="0">
-                <a:solidFill>
-                  <a:schemeClr val="tx1"/>
-                </a:solidFill>
-                <a:effectLst/>
-                <a:latin typeface="+mn-lt"/>
-                <a:ea typeface="+mn-ea"/>
-                <a:cs typeface="+mn-cs"/>
-              </a:rPr>
-              <a:t>the code could resume on another thread</a:t>
-            </a:r>
-            <a:r>
-              <a:rPr lang="en-US" sz="1200" b="0" i="0" kern="1200" dirty="0">
-                <a:solidFill>
-                  <a:schemeClr val="tx1"/>
-                </a:solidFill>
-                <a:effectLst/>
-                <a:latin typeface="+mn-lt"/>
-                <a:ea typeface="+mn-ea"/>
-                <a:cs typeface="+mn-cs"/>
-              </a:rPr>
-              <a:t> (in advanced scenarios; normally you pick up again on the thread that did the await, but not necessarily) in which case the unlock would be unlocking a lock on a different thread than the thread that took out the lock.</a:t>
-            </a:r>
-          </a:p>
-          <a:p>
             <a:endParaRPr lang="de-CH" dirty="0"/>
           </a:p>
         </p:txBody>
@@ -21909,7 +21833,7 @@
     </p:spTree>
     <p:extLst>
       <p:ext uri="{BB962C8B-B14F-4D97-AF65-F5344CB8AC3E}">
-        <p14:creationId xmlns:p14="http://schemas.microsoft.com/office/powerpoint/2010/main" val="3092264235"/>
+        <p14:creationId xmlns:p14="http://schemas.microsoft.com/office/powerpoint/2010/main" val="2555691090"/>
       </p:ext>
     </p:extLst>
   </p:cSld>
@@ -21963,6 +21887,107 @@
           <a:bodyPr/>
           <a:lstStyle/>
           <a:p>
+            <a:r>
+              <a:rPr lang="en-US" sz="1200" b="0" i="1" kern="1200" dirty="0">
+                <a:solidFill>
+                  <a:schemeClr val="tx1"/>
+                </a:solidFill>
+                <a:effectLst/>
+                <a:latin typeface="+mn-lt"/>
+                <a:ea typeface="+mn-ea"/>
+                <a:cs typeface="+mn-cs"/>
+              </a:rPr>
+              <a:t>Awaiting inside a lock is a recipe for producing deadlocks.</a:t>
+            </a:r>
+          </a:p>
+          <a:p>
+            <a:endParaRPr lang="en-US" sz="1200" b="0" i="0" kern="1200" dirty="0">
+              <a:solidFill>
+                <a:schemeClr val="tx1"/>
+              </a:solidFill>
+              <a:effectLst/>
+              <a:latin typeface="+mn-lt"/>
+              <a:ea typeface="+mn-ea"/>
+              <a:cs typeface="+mn-cs"/>
+            </a:endParaRPr>
+          </a:p>
+          <a:p>
+            <a:r>
+              <a:rPr lang="en-US" sz="1200" b="0" i="0" kern="1200" dirty="0">
+                <a:solidFill>
+                  <a:schemeClr val="tx1"/>
+                </a:solidFill>
+                <a:effectLst/>
+                <a:latin typeface="+mn-lt"/>
+                <a:ea typeface="+mn-ea"/>
+                <a:cs typeface="+mn-cs"/>
+              </a:rPr>
+              <a:t>I'm sure you can see why: </a:t>
+            </a:r>
+            <a:r>
+              <a:rPr lang="en-US" sz="1200" b="0" i="1" kern="1200" dirty="0">
+                <a:solidFill>
+                  <a:schemeClr val="tx1"/>
+                </a:solidFill>
+                <a:effectLst/>
+                <a:latin typeface="+mn-lt"/>
+                <a:ea typeface="+mn-ea"/>
+                <a:cs typeface="+mn-cs"/>
+              </a:rPr>
+              <a:t>arbitrary code runs between the time the await returns control to the caller and the method resumes</a:t>
+            </a:r>
+            <a:r>
+              <a:rPr lang="en-US" sz="1200" b="0" i="0" kern="1200" dirty="0">
+                <a:solidFill>
+                  <a:schemeClr val="tx1"/>
+                </a:solidFill>
+                <a:effectLst/>
+                <a:latin typeface="+mn-lt"/>
+                <a:ea typeface="+mn-ea"/>
+                <a:cs typeface="+mn-cs"/>
+              </a:rPr>
+              <a:t>. That arbitrary code could be taking out locks that produce lock ordering inversions, and therefore deadlocks.</a:t>
+            </a:r>
+          </a:p>
+          <a:p>
+            <a:r>
+              <a:rPr lang="en-US" sz="1200" b="0" i="0" kern="1200" dirty="0">
+                <a:solidFill>
+                  <a:schemeClr val="tx1"/>
+                </a:solidFill>
+                <a:effectLst/>
+                <a:latin typeface="+mn-lt"/>
+                <a:ea typeface="+mn-ea"/>
+                <a:cs typeface="+mn-cs"/>
+              </a:rPr>
+              <a:t>Worse, </a:t>
+            </a:r>
+            <a:r>
+              <a:rPr lang="en-US" sz="1200" b="0" i="1" kern="1200" dirty="0">
+                <a:solidFill>
+                  <a:schemeClr val="tx1"/>
+                </a:solidFill>
+                <a:effectLst/>
+                <a:latin typeface="+mn-lt"/>
+                <a:ea typeface="+mn-ea"/>
+                <a:cs typeface="+mn-cs"/>
+              </a:rPr>
+              <a:t>the code could resume on another thread</a:t>
+            </a:r>
+            <a:r>
+              <a:rPr lang="en-US" sz="1200" b="0" i="0" kern="1200" dirty="0">
+                <a:solidFill>
+                  <a:schemeClr val="tx1"/>
+                </a:solidFill>
+                <a:effectLst/>
+                <a:latin typeface="+mn-lt"/>
+                <a:ea typeface="+mn-ea"/>
+                <a:cs typeface="+mn-cs"/>
+              </a:rPr>
+              <a:t> (in advanced scenarios; normally you pick up again on the thread that did the await, but not necessarily) in which case the unlock would be unlocking a lock on a different thread than the thread that took out the lock.</a:t>
+            </a:r>
+          </a:p>
+          <a:p>
             <a:endParaRPr lang="de-CH" dirty="0"/>
           </a:p>
         </p:txBody>
@@ -21993,7 +22018,7 @@
     </p:spTree>
     <p:extLst>
       <p:ext uri="{BB962C8B-B14F-4D97-AF65-F5344CB8AC3E}">
-        <p14:creationId xmlns:p14="http://schemas.microsoft.com/office/powerpoint/2010/main" val="2250041731"/>
+        <p14:creationId xmlns:p14="http://schemas.microsoft.com/office/powerpoint/2010/main" val="3092264235"/>
       </p:ext>
     </p:extLst>
   </p:cSld>
@@ -22048,106 +22073,13 @@
           <a:lstStyle/>
           <a:p>
             <a:r>
-              <a:rPr lang="en-US" sz="1200" b="0" i="1" kern="1200" dirty="0">
-                <a:solidFill>
-                  <a:schemeClr val="tx1"/>
-                </a:solidFill>
-                <a:effectLst/>
-                <a:latin typeface="+mn-lt"/>
-                <a:ea typeface="+mn-ea"/>
-                <a:cs typeface="+mn-cs"/>
-              </a:rPr>
-              <a:t>Awaiting inside a lock is a recipe for producing deadlocks.</a:t>
-            </a:r>
-          </a:p>
-          <a:p>
-            <a:endParaRPr lang="en-US" sz="1200" b="0" i="0" kern="1200" dirty="0">
-              <a:solidFill>
-                <a:schemeClr val="tx1"/>
-              </a:solidFill>
-              <a:effectLst/>
-              <a:latin typeface="+mn-lt"/>
-              <a:ea typeface="+mn-ea"/>
-              <a:cs typeface="+mn-cs"/>
-            </a:endParaRPr>
-          </a:p>
-          <a:p>
-            <a:r>
-              <a:rPr lang="en-US" sz="1200" b="0" i="0" kern="1200" dirty="0">
-                <a:solidFill>
-                  <a:schemeClr val="tx1"/>
-                </a:solidFill>
-                <a:effectLst/>
-                <a:latin typeface="+mn-lt"/>
-                <a:ea typeface="+mn-ea"/>
-                <a:cs typeface="+mn-cs"/>
-              </a:rPr>
-              <a:t>I'm sure you can see why: </a:t>
-            </a:r>
-            <a:r>
-              <a:rPr lang="en-US" sz="1200" b="0" i="1" kern="1200" dirty="0">
-                <a:solidFill>
-                  <a:schemeClr val="tx1"/>
-                </a:solidFill>
-                <a:effectLst/>
-                <a:latin typeface="+mn-lt"/>
-                <a:ea typeface="+mn-ea"/>
-                <a:cs typeface="+mn-cs"/>
-              </a:rPr>
-              <a:t>arbitrary code runs between the time the await returns control to the caller and the method resumes</a:t>
-            </a:r>
-            <a:r>
-              <a:rPr lang="en-US" sz="1200" b="0" i="0" kern="1200" dirty="0">
-                <a:solidFill>
-                  <a:schemeClr val="tx1"/>
-                </a:solidFill>
-                <a:effectLst/>
-                <a:latin typeface="+mn-lt"/>
-                <a:ea typeface="+mn-ea"/>
-                <a:cs typeface="+mn-cs"/>
-              </a:rPr>
-              <a:t>. That arbitrary code could be taking out locks that produce lock ordering inversions, and therefore deadlocks.</a:t>
-            </a:r>
-          </a:p>
-          <a:p>
-            <a:r>
-              <a:rPr lang="en-US" sz="1200" b="0" i="0" kern="1200" dirty="0">
-                <a:solidFill>
-                  <a:schemeClr val="tx1"/>
-                </a:solidFill>
-                <a:effectLst/>
-                <a:latin typeface="+mn-lt"/>
-                <a:ea typeface="+mn-ea"/>
-                <a:cs typeface="+mn-cs"/>
-              </a:rPr>
-              <a:t>Worse, </a:t>
-            </a:r>
-            <a:r>
-              <a:rPr lang="en-US" sz="1200" b="0" i="1" kern="1200" dirty="0">
-                <a:solidFill>
-                  <a:schemeClr val="tx1"/>
-                </a:solidFill>
-                <a:effectLst/>
-                <a:latin typeface="+mn-lt"/>
-                <a:ea typeface="+mn-ea"/>
-                <a:cs typeface="+mn-cs"/>
-              </a:rPr>
-              <a:t>the code could resume on another thread</a:t>
-            </a:r>
-            <a:r>
-              <a:rPr lang="en-US" sz="1200" b="0" i="0" kern="1200" dirty="0">
-                <a:solidFill>
-                  <a:schemeClr val="tx1"/>
-                </a:solidFill>
-                <a:effectLst/>
-                <a:latin typeface="+mn-lt"/>
-                <a:ea typeface="+mn-ea"/>
-                <a:cs typeface="+mn-cs"/>
-              </a:rPr>
-              <a:t> (in advanced scenarios; normally you pick up again on the thread that did the await, but not necessarily) in which case the unlock would be unlocking a lock on a different thread than the thread that took out the lock.</a:t>
-            </a:r>
-          </a:p>
-          <a:p>
+              <a:rPr lang="en-US" dirty="0"/>
+              <a:t>Use another</a:t>
+            </a:r>
+            <a:r>
+              <a:rPr lang="en-US" baseline="0" dirty="0"/>
+              <a:t> icon</a:t>
+            </a:r>
             <a:endParaRPr lang="de-CH" dirty="0"/>
           </a:p>
         </p:txBody>
@@ -22178,7 +22110,7 @@
     </p:spTree>
     <p:extLst>
       <p:ext uri="{BB962C8B-B14F-4D97-AF65-F5344CB8AC3E}">
-        <p14:creationId xmlns:p14="http://schemas.microsoft.com/office/powerpoint/2010/main" val="837369978"/>
+        <p14:creationId xmlns:p14="http://schemas.microsoft.com/office/powerpoint/2010/main" val="2250041731"/>
       </p:ext>
     </p:extLst>
   </p:cSld>
@@ -22352,6 +22284,107 @@
           <a:bodyPr/>
           <a:lstStyle/>
           <a:p>
+            <a:r>
+              <a:rPr lang="en-US" sz="1200" b="0" i="1" kern="1200" dirty="0">
+                <a:solidFill>
+                  <a:schemeClr val="tx1"/>
+                </a:solidFill>
+                <a:effectLst/>
+                <a:latin typeface="+mn-lt"/>
+                <a:ea typeface="+mn-ea"/>
+                <a:cs typeface="+mn-cs"/>
+              </a:rPr>
+              <a:t>Awaiting inside a lock is a recipe for producing deadlocks.</a:t>
+            </a:r>
+          </a:p>
+          <a:p>
+            <a:endParaRPr lang="en-US" sz="1200" b="0" i="0" kern="1200" dirty="0">
+              <a:solidFill>
+                <a:schemeClr val="tx1"/>
+              </a:solidFill>
+              <a:effectLst/>
+              <a:latin typeface="+mn-lt"/>
+              <a:ea typeface="+mn-ea"/>
+              <a:cs typeface="+mn-cs"/>
+            </a:endParaRPr>
+          </a:p>
+          <a:p>
+            <a:r>
+              <a:rPr lang="en-US" sz="1200" b="0" i="0" kern="1200" dirty="0">
+                <a:solidFill>
+                  <a:schemeClr val="tx1"/>
+                </a:solidFill>
+                <a:effectLst/>
+                <a:latin typeface="+mn-lt"/>
+                <a:ea typeface="+mn-ea"/>
+                <a:cs typeface="+mn-cs"/>
+              </a:rPr>
+              <a:t>I'm sure you can see why: </a:t>
+            </a:r>
+            <a:r>
+              <a:rPr lang="en-US" sz="1200" b="0" i="1" kern="1200" dirty="0">
+                <a:solidFill>
+                  <a:schemeClr val="tx1"/>
+                </a:solidFill>
+                <a:effectLst/>
+                <a:latin typeface="+mn-lt"/>
+                <a:ea typeface="+mn-ea"/>
+                <a:cs typeface="+mn-cs"/>
+              </a:rPr>
+              <a:t>arbitrary code runs between the time the await returns control to the caller and the method resumes</a:t>
+            </a:r>
+            <a:r>
+              <a:rPr lang="en-US" sz="1200" b="0" i="0" kern="1200" dirty="0">
+                <a:solidFill>
+                  <a:schemeClr val="tx1"/>
+                </a:solidFill>
+                <a:effectLst/>
+                <a:latin typeface="+mn-lt"/>
+                <a:ea typeface="+mn-ea"/>
+                <a:cs typeface="+mn-cs"/>
+              </a:rPr>
+              <a:t>. That arbitrary code could be taking out locks that produce lock ordering inversions, and therefore deadlocks.</a:t>
+            </a:r>
+          </a:p>
+          <a:p>
+            <a:r>
+              <a:rPr lang="en-US" sz="1200" b="0" i="0" kern="1200" dirty="0">
+                <a:solidFill>
+                  <a:schemeClr val="tx1"/>
+                </a:solidFill>
+                <a:effectLst/>
+                <a:latin typeface="+mn-lt"/>
+                <a:ea typeface="+mn-ea"/>
+                <a:cs typeface="+mn-cs"/>
+              </a:rPr>
+              <a:t>Worse, </a:t>
+            </a:r>
+            <a:r>
+              <a:rPr lang="en-US" sz="1200" b="0" i="1" kern="1200" dirty="0">
+                <a:solidFill>
+                  <a:schemeClr val="tx1"/>
+                </a:solidFill>
+                <a:effectLst/>
+                <a:latin typeface="+mn-lt"/>
+                <a:ea typeface="+mn-ea"/>
+                <a:cs typeface="+mn-cs"/>
+              </a:rPr>
+              <a:t>the code could resume on another thread</a:t>
+            </a:r>
+            <a:r>
+              <a:rPr lang="en-US" sz="1200" b="0" i="0" kern="1200" dirty="0">
+                <a:solidFill>
+                  <a:schemeClr val="tx1"/>
+                </a:solidFill>
+                <a:effectLst/>
+                <a:latin typeface="+mn-lt"/>
+                <a:ea typeface="+mn-ea"/>
+                <a:cs typeface="+mn-cs"/>
+              </a:rPr>
+              <a:t> (in advanced scenarios; normally you pick up again on the thread that did the await, but not necessarily) in which case the unlock would be unlocking a lock on a different thread than the thread that took out the lock.</a:t>
+            </a:r>
+          </a:p>
+          <a:p>
             <a:endParaRPr lang="de-CH" dirty="0"/>
           </a:p>
         </p:txBody>
@@ -22382,7 +22415,7 @@
     </p:spTree>
     <p:extLst>
       <p:ext uri="{BB962C8B-B14F-4D97-AF65-F5344CB8AC3E}">
-        <p14:creationId xmlns:p14="http://schemas.microsoft.com/office/powerpoint/2010/main" val="288405713"/>
+        <p14:creationId xmlns:p14="http://schemas.microsoft.com/office/powerpoint/2010/main" val="837369978"/>
       </p:ext>
     </p:extLst>
   </p:cSld>
@@ -22436,10 +22469,6 @@
           <a:bodyPr/>
           <a:lstStyle/>
           <a:p>
-            <a:r>
-              <a:rPr lang="en-US" dirty="0"/>
-              <a:t>Maybe add RPC??</a:t>
-            </a:r>
             <a:endParaRPr lang="de-CH" dirty="0"/>
           </a:p>
         </p:txBody>
@@ -22470,7 +22499,7 @@
     </p:spTree>
     <p:extLst>
       <p:ext uri="{BB962C8B-B14F-4D97-AF65-F5344CB8AC3E}">
-        <p14:creationId xmlns:p14="http://schemas.microsoft.com/office/powerpoint/2010/main" val="4050176330"/>
+        <p14:creationId xmlns:p14="http://schemas.microsoft.com/office/powerpoint/2010/main" val="288405713"/>
       </p:ext>
     </p:extLst>
   </p:cSld>
@@ -22526,7 +22555,11 @@
           <a:p>
             <a:r>
               <a:rPr lang="en-US" dirty="0"/>
-              <a:t>Maybe add RPC??</a:t>
+              <a:t>Maybe just refer to my blog</a:t>
+            </a:r>
+            <a:r>
+              <a:rPr lang="en-US" baseline="0" dirty="0"/>
+              <a:t> post</a:t>
             </a:r>
             <a:endParaRPr lang="de-CH" dirty="0"/>
           </a:p>
@@ -22558,7 +22591,7 @@
     </p:spTree>
     <p:extLst>
       <p:ext uri="{BB962C8B-B14F-4D97-AF65-F5344CB8AC3E}">
-        <p14:creationId xmlns:p14="http://schemas.microsoft.com/office/powerpoint/2010/main" val="1592288050"/>
+        <p14:creationId xmlns:p14="http://schemas.microsoft.com/office/powerpoint/2010/main" val="4050176330"/>
       </p:ext>
     </p:extLst>
   </p:cSld>
@@ -22612,6 +22645,10 @@
           <a:bodyPr/>
           <a:lstStyle/>
           <a:p>
+            <a:r>
+              <a:rPr lang="en-US" dirty="0"/>
+              <a:t>Maybe add RPC??</a:t>
+            </a:r>
             <a:endParaRPr lang="de-CH" dirty="0"/>
           </a:p>
         </p:txBody>
@@ -22642,7 +22679,7 @@
     </p:spTree>
     <p:extLst>
       <p:ext uri="{BB962C8B-B14F-4D97-AF65-F5344CB8AC3E}">
-        <p14:creationId xmlns:p14="http://schemas.microsoft.com/office/powerpoint/2010/main" val="1927449786"/>
+        <p14:creationId xmlns:p14="http://schemas.microsoft.com/office/powerpoint/2010/main" val="1592288050"/>
       </p:ext>
     </p:extLst>
   </p:cSld>
@@ -22696,14 +22733,35 @@
           <a:bodyPr/>
           <a:lstStyle/>
           <a:p>
+            <a:pPr marL="0" marR="0" indent="0" algn="l" defTabSz="914400" rtl="0" eaLnBrk="1" fontAlgn="auto" latinLnBrk="0" hangingPunct="1">
+              <a:lnSpc>
+                <a:spcPct val="100000"/>
+              </a:lnSpc>
+              <a:spcBef>
+                <a:spcPts val="0"/>
+              </a:spcBef>
+              <a:spcAft>
+                <a:spcPts val="0"/>
+              </a:spcAft>
+              <a:buClrTx/>
+              <a:buSzTx/>
+              <a:buFontTx/>
+              <a:buNone/>
+              <a:tabLst/>
+              <a:defRPr/>
+            </a:pPr>
             <a:r>
               <a:rPr lang="en-US" dirty="0"/>
-              <a:t>Stop thinking in threads. For</a:t>
+              <a:t>Use another</a:t>
             </a:r>
             <a:r>
               <a:rPr lang="en-US" baseline="0" dirty="0"/>
-              <a:t> most applications threads are no longer relevant. Think in Tasks. Rest assured the TPL runtime is heavily optimized for most production scenarios.</a:t>
-            </a:r>
+              <a:t> icon</a:t>
+            </a:r>
+            <a:endParaRPr lang="de-CH" dirty="0"/>
+          </a:p>
+          <a:p>
+            <a:endParaRPr lang="de-CH" dirty="0"/>
           </a:p>
         </p:txBody>
       </p:sp>
@@ -22733,7 +22791,7 @@
     </p:spTree>
     <p:extLst>
       <p:ext uri="{BB962C8B-B14F-4D97-AF65-F5344CB8AC3E}">
-        <p14:creationId xmlns:p14="http://schemas.microsoft.com/office/powerpoint/2010/main" val="2663047027"/>
+        <p14:creationId xmlns:p14="http://schemas.microsoft.com/office/powerpoint/2010/main" val="1927449786"/>
       </p:ext>
     </p:extLst>
   </p:cSld>
@@ -22789,63 +22847,12 @@
           <a:p>
             <a:r>
               <a:rPr lang="en-US" dirty="0"/>
-              <a:t>I show you a four-phased approach to evolving your code-base towards </a:t>
-            </a:r>
-            <a:r>
-              <a:rPr lang="en-US" dirty="0" err="1"/>
-              <a:t>async</a:t>
-            </a:r>
-            <a:r>
-              <a:rPr lang="en-US" dirty="0"/>
-              <a:t>/wait. In the identification phase, we classify the components which would benefit from </a:t>
-            </a:r>
-            <a:r>
-              <a:rPr lang="en-US" dirty="0" err="1"/>
-              <a:t>async</a:t>
-            </a:r>
-            <a:r>
-              <a:rPr lang="en-US" dirty="0"/>
-              <a:t>/await. In the exploration phase, we discover potential road blockers which might hinder the </a:t>
-            </a:r>
-            <a:r>
-              <a:rPr lang="en-US" dirty="0" err="1"/>
-              <a:t>async</a:t>
-            </a:r>
-            <a:r>
-              <a:rPr lang="en-US" dirty="0"/>
-              <a:t>/await adoption.</a:t>
-            </a:r>
-          </a:p>
-          <a:p>
-            <a:endParaRPr lang="en-US" dirty="0"/>
-          </a:p>
-          <a:p>
-            <a:r>
-              <a:rPr lang="en-US" dirty="0"/>
-              <a:t>In the obstacle phase, we learn to redesign parts of the code to remove the previously identified road blockers. In the bring-it-together phase, we gradually move the components which benefit the most from </a:t>
-            </a:r>
-            <a:r>
-              <a:rPr lang="en-US" dirty="0" err="1"/>
-              <a:t>async</a:t>
-            </a:r>
-            <a:r>
-              <a:rPr lang="en-US" dirty="0"/>
-              <a:t>/await to a full asynchronous API. Small steps. No Big Bang.</a:t>
-            </a:r>
-          </a:p>
-          <a:p>
-            <a:endParaRPr lang="en-US" dirty="0"/>
-          </a:p>
-          <a:p>
-            <a:r>
-              <a:rPr lang="en-US" dirty="0"/>
-              <a:t>Make a word</a:t>
+              <a:t>Stop thinking in threads. For</a:t>
             </a:r>
             <a:r>
               <a:rPr lang="en-US" baseline="0" dirty="0"/>
-              <a:t> out of it</a:t>
-            </a:r>
-            <a:endParaRPr lang="de-CH" dirty="0"/>
+              <a:t> most applications threads are no longer relevant. Think in Tasks. Rest assured the TPL runtime is heavily optimized for most production scenarios.</a:t>
+            </a:r>
           </a:p>
         </p:txBody>
       </p:sp>
@@ -22875,7 +22882,7 @@
     </p:spTree>
     <p:extLst>
       <p:ext uri="{BB962C8B-B14F-4D97-AF65-F5344CB8AC3E}">
-        <p14:creationId xmlns:p14="http://schemas.microsoft.com/office/powerpoint/2010/main" val="4275730487"/>
+        <p14:creationId xmlns:p14="http://schemas.microsoft.com/office/powerpoint/2010/main" val="2663047027"/>
       </p:ext>
     </p:extLst>
   </p:cSld>
@@ -22929,6 +22936,64 @@
           <a:bodyPr/>
           <a:lstStyle/>
           <a:p>
+            <a:r>
+              <a:rPr lang="en-US" dirty="0"/>
+              <a:t>I show you a four-phased approach to evolving your code-base towards </a:t>
+            </a:r>
+            <a:r>
+              <a:rPr lang="en-US" dirty="0" err="1"/>
+              <a:t>async</a:t>
+            </a:r>
+            <a:r>
+              <a:rPr lang="en-US" dirty="0"/>
+              <a:t>/wait. In the identification phase, we classify the components which would benefit from </a:t>
+            </a:r>
+            <a:r>
+              <a:rPr lang="en-US" dirty="0" err="1"/>
+              <a:t>async</a:t>
+            </a:r>
+            <a:r>
+              <a:rPr lang="en-US" dirty="0"/>
+              <a:t>/await. In the exploration phase, we discover potential road blockers which might hinder the </a:t>
+            </a:r>
+            <a:r>
+              <a:rPr lang="en-US" dirty="0" err="1"/>
+              <a:t>async</a:t>
+            </a:r>
+            <a:r>
+              <a:rPr lang="en-US" dirty="0"/>
+              <a:t>/await adoption.</a:t>
+            </a:r>
+          </a:p>
+          <a:p>
+            <a:endParaRPr lang="en-US" dirty="0"/>
+          </a:p>
+          <a:p>
+            <a:r>
+              <a:rPr lang="en-US" dirty="0"/>
+              <a:t>In the obstacle phase, we learn to redesign parts of the code to remove the previously identified road blockers. In the bring-it-together phase, we gradually move the components which benefit the most from </a:t>
+            </a:r>
+            <a:r>
+              <a:rPr lang="en-US" dirty="0" err="1"/>
+              <a:t>async</a:t>
+            </a:r>
+            <a:r>
+              <a:rPr lang="en-US" dirty="0"/>
+              <a:t>/await to a full asynchronous API. Small steps. No Big Bang.</a:t>
+            </a:r>
+          </a:p>
+          <a:p>
+            <a:endParaRPr lang="en-US" dirty="0"/>
+          </a:p>
+          <a:p>
+            <a:r>
+              <a:rPr lang="en-US" dirty="0"/>
+              <a:t>Make a word</a:t>
+            </a:r>
+            <a:r>
+              <a:rPr lang="en-US" baseline="0" dirty="0"/>
+              <a:t> out of it</a:t>
+            </a:r>
             <a:endParaRPr lang="de-CH" dirty="0"/>
           </a:p>
         </p:txBody>
@@ -22959,7 +23024,7 @@
     </p:spTree>
     <p:extLst>
       <p:ext uri="{BB962C8B-B14F-4D97-AF65-F5344CB8AC3E}">
-        <p14:creationId xmlns:p14="http://schemas.microsoft.com/office/powerpoint/2010/main" val="3079499084"/>
+        <p14:creationId xmlns:p14="http://schemas.microsoft.com/office/powerpoint/2010/main" val="4275730487"/>
       </p:ext>
     </p:extLst>
   </p:cSld>
@@ -23043,7 +23108,7 @@
     </p:spTree>
     <p:extLst>
       <p:ext uri="{BB962C8B-B14F-4D97-AF65-F5344CB8AC3E}">
-        <p14:creationId xmlns:p14="http://schemas.microsoft.com/office/powerpoint/2010/main" val="1579215875"/>
+        <p14:creationId xmlns:p14="http://schemas.microsoft.com/office/powerpoint/2010/main" val="3079499084"/>
       </p:ext>
     </p:extLst>
   </p:cSld>
@@ -23127,7 +23192,7 @@
     </p:spTree>
     <p:extLst>
       <p:ext uri="{BB962C8B-B14F-4D97-AF65-F5344CB8AC3E}">
-        <p14:creationId xmlns:p14="http://schemas.microsoft.com/office/powerpoint/2010/main" val="1588688443"/>
+        <p14:creationId xmlns:p14="http://schemas.microsoft.com/office/powerpoint/2010/main" val="1579215875"/>
       </p:ext>
     </p:extLst>
   </p:cSld>
@@ -23211,7 +23276,7 @@
     </p:spTree>
     <p:extLst>
       <p:ext uri="{BB962C8B-B14F-4D97-AF65-F5344CB8AC3E}">
-        <p14:creationId xmlns:p14="http://schemas.microsoft.com/office/powerpoint/2010/main" val="1228215780"/>
+        <p14:creationId xmlns:p14="http://schemas.microsoft.com/office/powerpoint/2010/main" val="1588688443"/>
       </p:ext>
     </p:extLst>
   </p:cSld>
@@ -23606,7 +23671,7 @@
     </p:spTree>
     <p:extLst>
       <p:ext uri="{BB962C8B-B14F-4D97-AF65-F5344CB8AC3E}">
-        <p14:creationId xmlns:p14="http://schemas.microsoft.com/office/powerpoint/2010/main" val="3569975160"/>
+        <p14:creationId xmlns:p14="http://schemas.microsoft.com/office/powerpoint/2010/main" val="1228215780"/>
       </p:ext>
     </p:extLst>
   </p:cSld>
@@ -23690,7 +23755,7 @@
     </p:spTree>
     <p:extLst>
       <p:ext uri="{BB962C8B-B14F-4D97-AF65-F5344CB8AC3E}">
-        <p14:creationId xmlns:p14="http://schemas.microsoft.com/office/powerpoint/2010/main" val="1956186479"/>
+        <p14:creationId xmlns:p14="http://schemas.microsoft.com/office/powerpoint/2010/main" val="3569975160"/>
       </p:ext>
     </p:extLst>
   </p:cSld>
@@ -23744,10 +23809,6 @@
           <a:bodyPr/>
           <a:lstStyle/>
           <a:p>
-            <a:r>
-              <a:rPr lang="en-US" dirty="0"/>
-              <a:t>Maybe add RPC??</a:t>
-            </a:r>
             <a:endParaRPr lang="de-CH" dirty="0"/>
           </a:p>
         </p:txBody>
@@ -23778,7 +23839,7 @@
     </p:spTree>
     <p:extLst>
       <p:ext uri="{BB962C8B-B14F-4D97-AF65-F5344CB8AC3E}">
-        <p14:creationId xmlns:p14="http://schemas.microsoft.com/office/powerpoint/2010/main" val="4060569646"/>
+        <p14:creationId xmlns:p14="http://schemas.microsoft.com/office/powerpoint/2010/main" val="1956186479"/>
       </p:ext>
     </p:extLst>
   </p:cSld>
@@ -23866,7 +23927,7 @@
     </p:spTree>
     <p:extLst>
       <p:ext uri="{BB962C8B-B14F-4D97-AF65-F5344CB8AC3E}">
-        <p14:creationId xmlns:p14="http://schemas.microsoft.com/office/powerpoint/2010/main" val="128107605"/>
+        <p14:creationId xmlns:p14="http://schemas.microsoft.com/office/powerpoint/2010/main" val="4060569646"/>
       </p:ext>
     </p:extLst>
   </p:cSld>
@@ -23954,7 +24015,7 @@
     </p:spTree>
     <p:extLst>
       <p:ext uri="{BB962C8B-B14F-4D97-AF65-F5344CB8AC3E}">
-        <p14:creationId xmlns:p14="http://schemas.microsoft.com/office/powerpoint/2010/main" val="1371806687"/>
+        <p14:creationId xmlns:p14="http://schemas.microsoft.com/office/powerpoint/2010/main" val="128107605"/>
       </p:ext>
     </p:extLst>
   </p:cSld>
@@ -24008,6 +24069,19 @@
           <a:bodyPr/>
           <a:lstStyle/>
           <a:p>
+            <a:r>
+              <a:rPr lang="en-US" dirty="0"/>
+              <a:t>Maybe add RPC??</a:t>
+            </a:r>
+          </a:p>
+          <a:p>
+            <a:endParaRPr lang="en-US" dirty="0"/>
+          </a:p>
+          <a:p>
+            <a:r>
+              <a:rPr lang="en-US" dirty="0"/>
+              <a:t>Show output?</a:t>
+            </a:r>
             <a:endParaRPr lang="de-CH" dirty="0"/>
           </a:p>
         </p:txBody>
@@ -24038,7 +24112,7 @@
     </p:spTree>
     <p:extLst>
       <p:ext uri="{BB962C8B-B14F-4D97-AF65-F5344CB8AC3E}">
-        <p14:creationId xmlns:p14="http://schemas.microsoft.com/office/powerpoint/2010/main" val="685339004"/>
+        <p14:creationId xmlns:p14="http://schemas.microsoft.com/office/powerpoint/2010/main" val="1371806687"/>
       </p:ext>
     </p:extLst>
   </p:cSld>
@@ -24113,7 +24187,7 @@
           <a:p>
             <a:fld id="{9BCA07FD-5BD5-4529-84B0-48DD2C561176}" type="slidenum">
               <a:rPr lang="de-CH" smtClean="0"/>
-              <a:t>53</a:t>
+              <a:t>49</a:t>
             </a:fld>
             <a:endParaRPr lang="de-CH"/>
           </a:p>
@@ -24122,7 +24196,7 @@
     </p:spTree>
     <p:extLst>
       <p:ext uri="{BB962C8B-B14F-4D97-AF65-F5344CB8AC3E}">
-        <p14:creationId xmlns:p14="http://schemas.microsoft.com/office/powerpoint/2010/main" val="1285901199"/>
+        <p14:creationId xmlns:p14="http://schemas.microsoft.com/office/powerpoint/2010/main" val="685339004"/>
       </p:ext>
     </p:extLst>
   </p:cSld>
@@ -24197,7 +24271,7 @@
           <a:p>
             <a:fld id="{9BCA07FD-5BD5-4529-84B0-48DD2C561176}" type="slidenum">
               <a:rPr lang="de-CH" smtClean="0"/>
-              <a:t>55</a:t>
+              <a:t>52</a:t>
             </a:fld>
             <a:endParaRPr lang="de-CH"/>
           </a:p>
@@ -24206,7 +24280,7 @@
     </p:spTree>
     <p:extLst>
       <p:ext uri="{BB962C8B-B14F-4D97-AF65-F5344CB8AC3E}">
-        <p14:creationId xmlns:p14="http://schemas.microsoft.com/office/powerpoint/2010/main" val="1928972092"/>
+        <p14:creationId xmlns:p14="http://schemas.microsoft.com/office/powerpoint/2010/main" val="982283487"/>
       </p:ext>
     </p:extLst>
   </p:cSld>
@@ -24281,7 +24355,7 @@
           <a:p>
             <a:fld id="{9BCA07FD-5BD5-4529-84B0-48DD2C561176}" type="slidenum">
               <a:rPr lang="de-CH" smtClean="0"/>
-              <a:t>57</a:t>
+              <a:t>53</a:t>
             </a:fld>
             <a:endParaRPr lang="de-CH"/>
           </a:p>
@@ -24290,7 +24364,7 @@
     </p:spTree>
     <p:extLst>
       <p:ext uri="{BB962C8B-B14F-4D97-AF65-F5344CB8AC3E}">
-        <p14:creationId xmlns:p14="http://schemas.microsoft.com/office/powerpoint/2010/main" val="3949617383"/>
+        <p14:creationId xmlns:p14="http://schemas.microsoft.com/office/powerpoint/2010/main" val="1285901199"/>
       </p:ext>
     </p:extLst>
   </p:cSld>
@@ -24344,30 +24418,6 @@
           <a:bodyPr/>
           <a:lstStyle/>
           <a:p>
-            <a:pPr marL="0" marR="0" indent="0" algn="l" defTabSz="914400" rtl="0" eaLnBrk="1" fontAlgn="auto" latinLnBrk="0" hangingPunct="1">
-              <a:lnSpc>
-                <a:spcPct val="100000"/>
-              </a:lnSpc>
-              <a:spcBef>
-                <a:spcPts val="0"/>
-              </a:spcBef>
-              <a:spcAft>
-                <a:spcPts val="0"/>
-              </a:spcAft>
-              <a:buClrTx/>
-              <a:buSzTx/>
-              <a:buFontTx/>
-              <a:buNone/>
-              <a:tabLst/>
-              <a:defRPr/>
-            </a:pPr>
-            <a:r>
-              <a:rPr lang="en-US" baseline="0" dirty="0"/>
-              <a:t>Before we dive deep into code I’m going to talk important terminologies.</a:t>
-            </a:r>
-            <a:endParaRPr lang="de-CH" dirty="0"/>
-          </a:p>
-          <a:p>
             <a:endParaRPr lang="de-CH" dirty="0"/>
           </a:p>
         </p:txBody>
@@ -24389,7 +24439,7 @@
           <a:p>
             <a:fld id="{9BCA07FD-5BD5-4529-84B0-48DD2C561176}" type="slidenum">
               <a:rPr lang="de-CH" smtClean="0"/>
-              <a:t>58</a:t>
+              <a:t>55</a:t>
             </a:fld>
             <a:endParaRPr lang="de-CH"/>
           </a:p>
@@ -24398,7 +24448,7 @@
     </p:spTree>
     <p:extLst>
       <p:ext uri="{BB962C8B-B14F-4D97-AF65-F5344CB8AC3E}">
-        <p14:creationId xmlns:p14="http://schemas.microsoft.com/office/powerpoint/2010/main" val="4133219354"/>
+        <p14:creationId xmlns:p14="http://schemas.microsoft.com/office/powerpoint/2010/main" val="1928972092"/>
       </p:ext>
     </p:extLst>
   </p:cSld>
@@ -24593,7 +24643,7 @@
           <a:p>
             <a:fld id="{9BCA07FD-5BD5-4529-84B0-48DD2C561176}" type="slidenum">
               <a:rPr lang="de-CH" smtClean="0"/>
-              <a:t>59</a:t>
+              <a:t>57</a:t>
             </a:fld>
             <a:endParaRPr lang="de-CH"/>
           </a:p>
@@ -24602,7 +24652,7 @@
     </p:spTree>
     <p:extLst>
       <p:ext uri="{BB962C8B-B14F-4D97-AF65-F5344CB8AC3E}">
-        <p14:creationId xmlns:p14="http://schemas.microsoft.com/office/powerpoint/2010/main" val="3503916100"/>
+        <p14:creationId xmlns:p14="http://schemas.microsoft.com/office/powerpoint/2010/main" val="3949617383"/>
       </p:ext>
     </p:extLst>
   </p:cSld>
@@ -24656,10 +24706,30 @@
           <a:bodyPr/>
           <a:lstStyle/>
           <a:p>
-            <a:r>
-              <a:rPr lang="en-US" dirty="0"/>
-              <a:t>Questions that can be answered in blog posts</a:t>
-            </a:r>
+            <a:pPr marL="0" marR="0" indent="0" algn="l" defTabSz="914400" rtl="0" eaLnBrk="1" fontAlgn="auto" latinLnBrk="0" hangingPunct="1">
+              <a:lnSpc>
+                <a:spcPct val="100000"/>
+              </a:lnSpc>
+              <a:spcBef>
+                <a:spcPts val="0"/>
+              </a:spcBef>
+              <a:spcAft>
+                <a:spcPts val="0"/>
+              </a:spcAft>
+              <a:buClrTx/>
+              <a:buSzTx/>
+              <a:buFontTx/>
+              <a:buNone/>
+              <a:tabLst/>
+              <a:defRPr/>
+            </a:pPr>
+            <a:r>
+              <a:rPr lang="en-US" baseline="0" dirty="0"/>
+              <a:t>Before we dive deep into code I’m going to talk important terminologies.</a:t>
+            </a:r>
+            <a:endParaRPr lang="de-CH" dirty="0"/>
+          </a:p>
+          <a:p>
             <a:endParaRPr lang="de-CH" dirty="0"/>
           </a:p>
         </p:txBody>
@@ -24681,7 +24751,7 @@
           <a:p>
             <a:fld id="{9BCA07FD-5BD5-4529-84B0-48DD2C561176}" type="slidenum">
               <a:rPr lang="de-CH" smtClean="0"/>
-              <a:t>60</a:t>
+              <a:t>58</a:t>
             </a:fld>
             <a:endParaRPr lang="de-CH"/>
           </a:p>
@@ -24690,7 +24760,7 @@
     </p:spTree>
     <p:extLst>
       <p:ext uri="{BB962C8B-B14F-4D97-AF65-F5344CB8AC3E}">
-        <p14:creationId xmlns:p14="http://schemas.microsoft.com/office/powerpoint/2010/main" val="3670487613"/>
+        <p14:creationId xmlns:p14="http://schemas.microsoft.com/office/powerpoint/2010/main" val="4133219354"/>
       </p:ext>
     </p:extLst>
   </p:cSld>
@@ -24765,6 +24835,178 @@
           <a:p>
             <a:fld id="{9BCA07FD-5BD5-4529-84B0-48DD2C561176}" type="slidenum">
               <a:rPr lang="de-CH" smtClean="0"/>
+              <a:t>59</a:t>
+            </a:fld>
+            <a:endParaRPr lang="de-CH"/>
+          </a:p>
+        </p:txBody>
+      </p:sp>
+    </p:spTree>
+    <p:extLst>
+      <p:ext uri="{BB962C8B-B14F-4D97-AF65-F5344CB8AC3E}">
+        <p14:creationId xmlns:p14="http://schemas.microsoft.com/office/powerpoint/2010/main" val="3503916100"/>
+      </p:ext>
+    </p:extLst>
+  </p:cSld>
+  <p:clrMapOvr>
+    <a:masterClrMapping/>
+  </p:clrMapOvr>
+</p:notes>
+</file>
+
+<file path=ppt/notesSlides/notesSlide53.xml><?xml version="1.0" encoding="utf-8"?>
+<p:notes xmlns:a="http://schemas.openxmlformats.org/drawingml/2006/main" xmlns:r="http://schemas.openxmlformats.org/officeDocument/2006/relationships" xmlns:p="http://schemas.openxmlformats.org/presentationml/2006/main">
+  <p:cSld>
+    <p:spTree>
+      <p:nvGrpSpPr>
+        <p:cNvPr id="1" name=""/>
+        <p:cNvGrpSpPr/>
+        <p:nvPr/>
+      </p:nvGrpSpPr>
+      <p:grpSpPr>
+        <a:xfrm>
+          <a:off x="0" y="0"/>
+          <a:ext cx="0" cy="0"/>
+          <a:chOff x="0" y="0"/>
+          <a:chExt cx="0" cy="0"/>
+        </a:xfrm>
+      </p:grpSpPr>
+      <p:sp>
+        <p:nvSpPr>
+          <p:cNvPr id="2" name="Slide Image Placeholder 1"/>
+          <p:cNvSpPr>
+            <a:spLocks noGrp="1" noRot="1" noChangeAspect="1"/>
+          </p:cNvSpPr>
+          <p:nvPr>
+            <p:ph type="sldImg"/>
+          </p:nvPr>
+        </p:nvSpPr>
+        <p:spPr/>
+      </p:sp>
+      <p:sp>
+        <p:nvSpPr>
+          <p:cNvPr id="3" name="Notes Placeholder 2"/>
+          <p:cNvSpPr>
+            <a:spLocks noGrp="1"/>
+          </p:cNvSpPr>
+          <p:nvPr>
+            <p:ph type="body" idx="1"/>
+          </p:nvPr>
+        </p:nvSpPr>
+        <p:spPr/>
+        <p:txBody>
+          <a:bodyPr/>
+          <a:lstStyle/>
+          <a:p>
+            <a:r>
+              <a:rPr lang="en-US" dirty="0"/>
+              <a:t>Questions that can be answered in blog posts</a:t>
+            </a:r>
+            <a:endParaRPr lang="de-CH" dirty="0"/>
+          </a:p>
+        </p:txBody>
+      </p:sp>
+      <p:sp>
+        <p:nvSpPr>
+          <p:cNvPr id="4" name="Slide Number Placeholder 3"/>
+          <p:cNvSpPr>
+            <a:spLocks noGrp="1"/>
+          </p:cNvSpPr>
+          <p:nvPr>
+            <p:ph type="sldNum" sz="quarter" idx="10"/>
+          </p:nvPr>
+        </p:nvSpPr>
+        <p:spPr/>
+        <p:txBody>
+          <a:bodyPr/>
+          <a:lstStyle/>
+          <a:p>
+            <a:fld id="{9BCA07FD-5BD5-4529-84B0-48DD2C561176}" type="slidenum">
+              <a:rPr lang="de-CH" smtClean="0"/>
+              <a:t>60</a:t>
+            </a:fld>
+            <a:endParaRPr lang="de-CH"/>
+          </a:p>
+        </p:txBody>
+      </p:sp>
+    </p:spTree>
+    <p:extLst>
+      <p:ext uri="{BB962C8B-B14F-4D97-AF65-F5344CB8AC3E}">
+        <p14:creationId xmlns:p14="http://schemas.microsoft.com/office/powerpoint/2010/main" val="3670487613"/>
+      </p:ext>
+    </p:extLst>
+  </p:cSld>
+  <p:clrMapOvr>
+    <a:masterClrMapping/>
+  </p:clrMapOvr>
+</p:notes>
+</file>
+
+<file path=ppt/notesSlides/notesSlide54.xml><?xml version="1.0" encoding="utf-8"?>
+<p:notes xmlns:a="http://schemas.openxmlformats.org/drawingml/2006/main" xmlns:r="http://schemas.openxmlformats.org/officeDocument/2006/relationships" xmlns:p="http://schemas.openxmlformats.org/presentationml/2006/main">
+  <p:cSld>
+    <p:spTree>
+      <p:nvGrpSpPr>
+        <p:cNvPr id="1" name=""/>
+        <p:cNvGrpSpPr/>
+        <p:nvPr/>
+      </p:nvGrpSpPr>
+      <p:grpSpPr>
+        <a:xfrm>
+          <a:off x="0" y="0"/>
+          <a:ext cx="0" cy="0"/>
+          <a:chOff x="0" y="0"/>
+          <a:chExt cx="0" cy="0"/>
+        </a:xfrm>
+      </p:grpSpPr>
+      <p:sp>
+        <p:nvSpPr>
+          <p:cNvPr id="2" name="Slide Image Placeholder 1"/>
+          <p:cNvSpPr>
+            <a:spLocks noGrp="1" noRot="1" noChangeAspect="1"/>
+          </p:cNvSpPr>
+          <p:nvPr>
+            <p:ph type="sldImg"/>
+          </p:nvPr>
+        </p:nvSpPr>
+        <p:spPr/>
+      </p:sp>
+      <p:sp>
+        <p:nvSpPr>
+          <p:cNvPr id="3" name="Notes Placeholder 2"/>
+          <p:cNvSpPr>
+            <a:spLocks noGrp="1"/>
+          </p:cNvSpPr>
+          <p:nvPr>
+            <p:ph type="body" idx="1"/>
+          </p:nvPr>
+        </p:nvSpPr>
+        <p:spPr/>
+        <p:txBody>
+          <a:bodyPr/>
+          <a:lstStyle/>
+          <a:p>
+            <a:endParaRPr lang="de-CH" dirty="0"/>
+          </a:p>
+        </p:txBody>
+      </p:sp>
+      <p:sp>
+        <p:nvSpPr>
+          <p:cNvPr id="4" name="Slide Number Placeholder 3"/>
+          <p:cNvSpPr>
+            <a:spLocks noGrp="1"/>
+          </p:cNvSpPr>
+          <p:nvPr>
+            <p:ph type="sldNum" sz="quarter" idx="10"/>
+          </p:nvPr>
+        </p:nvSpPr>
+        <p:spPr/>
+        <p:txBody>
+          <a:bodyPr/>
+          <a:lstStyle/>
+          <a:p>
+            <a:fld id="{9BCA07FD-5BD5-4529-84B0-48DD2C561176}" type="slidenum">
+              <a:rPr lang="de-CH" smtClean="0"/>
               <a:t>61</a:t>
             </a:fld>
             <a:endParaRPr lang="de-CH"/>
@@ -24784,7 +25026,7 @@
 </p:notes>
 </file>
 
-<file path=ppt/notesSlides/notesSlide53.xml><?xml version="1.0" encoding="utf-8"?>
+<file path=ppt/notesSlides/notesSlide55.xml><?xml version="1.0" encoding="utf-8"?>
 <p:notes xmlns:a="http://schemas.openxmlformats.org/drawingml/2006/main" xmlns:r="http://schemas.openxmlformats.org/officeDocument/2006/relationships" xmlns:p="http://schemas.openxmlformats.org/presentationml/2006/main">
   <p:cSld>
     <p:spTree>
@@ -25712,7 +25954,7 @@
           <a:p>
             <a:fld id="{A2EAEABE-1D59-4413-813E-803E21872067}" type="datetimeFigureOut">
               <a:rPr lang="de-CH" smtClean="0"/>
-              <a:t>27.05.2016</a:t>
+              <a:t>30.05.2016</a:t>
             </a:fld>
             <a:endParaRPr lang="de-CH"/>
           </a:p>
@@ -25882,7 +26124,7 @@
           <a:p>
             <a:fld id="{A2EAEABE-1D59-4413-813E-803E21872067}" type="datetimeFigureOut">
               <a:rPr lang="de-CH" smtClean="0"/>
-              <a:t>27.05.2016</a:t>
+              <a:t>30.05.2016</a:t>
             </a:fld>
             <a:endParaRPr lang="de-CH"/>
           </a:p>
@@ -26062,7 +26304,7 @@
           <a:p>
             <a:fld id="{A2EAEABE-1D59-4413-813E-803E21872067}" type="datetimeFigureOut">
               <a:rPr lang="de-CH" smtClean="0"/>
-              <a:t>27.05.2016</a:t>
+              <a:t>30.05.2016</a:t>
             </a:fld>
             <a:endParaRPr lang="de-CH"/>
           </a:p>
@@ -26231,7 +26473,7 @@
           <a:p>
             <a:fld id="{A2EAEABE-1D59-4413-813E-803E21872067}" type="datetimeFigureOut">
               <a:rPr lang="de-CH" smtClean="0"/>
-              <a:t>27.05.2016</a:t>
+              <a:t>30.05.2016</a:t>
             </a:fld>
             <a:endParaRPr lang="de-CH"/>
           </a:p>
@@ -26477,7 +26719,7 @@
           <a:p>
             <a:fld id="{A2EAEABE-1D59-4413-813E-803E21872067}" type="datetimeFigureOut">
               <a:rPr lang="de-CH" smtClean="0"/>
-              <a:t>27.05.2016</a:t>
+              <a:t>30.05.2016</a:t>
             </a:fld>
             <a:endParaRPr lang="de-CH"/>
           </a:p>
@@ -26709,7 +26951,7 @@
           <a:p>
             <a:fld id="{A2EAEABE-1D59-4413-813E-803E21872067}" type="datetimeFigureOut">
               <a:rPr lang="de-CH" smtClean="0"/>
-              <a:t>27.05.2016</a:t>
+              <a:t>30.05.2016</a:t>
             </a:fld>
             <a:endParaRPr lang="de-CH"/>
           </a:p>
@@ -27076,7 +27318,7 @@
           <a:p>
             <a:fld id="{A2EAEABE-1D59-4413-813E-803E21872067}" type="datetimeFigureOut">
               <a:rPr lang="de-CH" smtClean="0"/>
-              <a:t>27.05.2016</a:t>
+              <a:t>30.05.2016</a:t>
             </a:fld>
             <a:endParaRPr lang="de-CH"/>
           </a:p>
@@ -27194,7 +27436,7 @@
           <a:p>
             <a:fld id="{A2EAEABE-1D59-4413-813E-803E21872067}" type="datetimeFigureOut">
               <a:rPr lang="de-CH" smtClean="0"/>
-              <a:t>27.05.2016</a:t>
+              <a:t>30.05.2016</a:t>
             </a:fld>
             <a:endParaRPr lang="de-CH"/>
           </a:p>
@@ -27289,7 +27531,7 @@
           <a:p>
             <a:fld id="{A2EAEABE-1D59-4413-813E-803E21872067}" type="datetimeFigureOut">
               <a:rPr lang="de-CH" smtClean="0"/>
-              <a:t>27.05.2016</a:t>
+              <a:t>30.05.2016</a:t>
             </a:fld>
             <a:endParaRPr lang="de-CH"/>
           </a:p>
@@ -27566,7 +27808,7 @@
           <a:p>
             <a:fld id="{A2EAEABE-1D59-4413-813E-803E21872067}" type="datetimeFigureOut">
               <a:rPr lang="de-CH" smtClean="0"/>
-              <a:t>27.05.2016</a:t>
+              <a:t>30.05.2016</a:t>
             </a:fld>
             <a:endParaRPr lang="de-CH"/>
           </a:p>
@@ -27823,7 +28065,7 @@
           <a:p>
             <a:fld id="{A2EAEABE-1D59-4413-813E-803E21872067}" type="datetimeFigureOut">
               <a:rPr lang="de-CH" smtClean="0"/>
-              <a:t>27.05.2016</a:t>
+              <a:t>30.05.2016</a:t>
             </a:fld>
             <a:endParaRPr lang="de-CH"/>
           </a:p>
@@ -28034,7 +28276,7 @@
           <a:p>
             <a:fld id="{A2EAEABE-1D59-4413-813E-803E21872067}" type="datetimeFigureOut">
               <a:rPr lang="de-CH" smtClean="0"/>
-              <a:t>27.05.2016</a:t>
+              <a:t>30.05.2016</a:t>
             </a:fld>
             <a:endParaRPr lang="de-CH"/>
           </a:p>
@@ -30820,6 +31062,36 @@
           <a:chExt cx="0" cy="0"/>
         </a:xfrm>
       </p:grpSpPr>
+    </p:spTree>
+    <p:extLst>
+      <p:ext uri="{BB962C8B-B14F-4D97-AF65-F5344CB8AC3E}">
+        <p14:creationId xmlns:p14="http://schemas.microsoft.com/office/powerpoint/2010/main" val="2031791562"/>
+      </p:ext>
+    </p:extLst>
+  </p:cSld>
+  <p:clrMapOvr>
+    <a:masterClrMapping/>
+  </p:clrMapOvr>
+</p:sld>
+</file>
+
+<file path=ppt/slides/slide22.xml><?xml version="1.0" encoding="utf-8"?>
+<p:sld xmlns:a="http://schemas.openxmlformats.org/drawingml/2006/main" xmlns:r="http://schemas.openxmlformats.org/officeDocument/2006/relationships" xmlns:p="http://schemas.openxmlformats.org/presentationml/2006/main">
+  <p:cSld>
+    <p:spTree>
+      <p:nvGrpSpPr>
+        <p:cNvPr id="1" name=""/>
+        <p:cNvGrpSpPr/>
+        <p:nvPr/>
+      </p:nvGrpSpPr>
+      <p:grpSpPr>
+        <a:xfrm>
+          <a:off x="0" y="0"/>
+          <a:ext cx="0" cy="0"/>
+          <a:chOff x="0" y="0"/>
+          <a:chExt cx="0" cy="0"/>
+        </a:xfrm>
+      </p:grpSpPr>
       <p:sp>
         <p:nvSpPr>
           <p:cNvPr id="2" name="Rectangle 1"/>
@@ -31739,7 +32011,7 @@
 </p:sld>
 </file>
 
-<file path=ppt/slides/slide22.xml><?xml version="1.0" encoding="utf-8"?>
+<file path=ppt/slides/slide23.xml><?xml version="1.0" encoding="utf-8"?>
 <p:sld xmlns:a="http://schemas.openxmlformats.org/drawingml/2006/main" xmlns:r="http://schemas.openxmlformats.org/officeDocument/2006/relationships" xmlns:p="http://schemas.openxmlformats.org/presentationml/2006/main">
   <p:cSld>
     <p:spTree>
@@ -32395,7 +32667,7 @@
 </p:sld>
 </file>
 
-<file path=ppt/slides/slide23.xml><?xml version="1.0" encoding="utf-8"?>
+<file path=ppt/slides/slide24.xml><?xml version="1.0" encoding="utf-8"?>
 <p:sld xmlns:a="http://schemas.openxmlformats.org/drawingml/2006/main" xmlns:r="http://schemas.openxmlformats.org/officeDocument/2006/relationships" xmlns:p="http://schemas.openxmlformats.org/presentationml/2006/main">
   <p:cSld>
     <p:spTree>
@@ -33717,7 +33989,7 @@
 </p:sld>
 </file>
 
-<file path=ppt/slides/slide24.xml><?xml version="1.0" encoding="utf-8"?>
+<file path=ppt/slides/slide25.xml><?xml version="1.0" encoding="utf-8"?>
 <p:sld xmlns:a="http://schemas.openxmlformats.org/drawingml/2006/main" xmlns:r="http://schemas.openxmlformats.org/officeDocument/2006/relationships" xmlns:p="http://schemas.openxmlformats.org/presentationml/2006/main">
   <p:cSld>
     <p:spTree>
@@ -33769,7 +34041,7 @@
 </p:sld>
 </file>
 
-<file path=ppt/slides/slide25.xml><?xml version="1.0" encoding="utf-8"?>
+<file path=ppt/slides/slide26.xml><?xml version="1.0" encoding="utf-8"?>
 <p:sld xmlns:a="http://schemas.openxmlformats.org/drawingml/2006/main" xmlns:r="http://schemas.openxmlformats.org/officeDocument/2006/relationships" xmlns:p="http://schemas.openxmlformats.org/presentationml/2006/main">
   <p:cSld>
     <p:spTree>
@@ -34057,7 +34329,7 @@
 </p:sld>
 </file>
 
-<file path=ppt/slides/slide26.xml><?xml version="1.0" encoding="utf-8"?>
+<file path=ppt/slides/slide27.xml><?xml version="1.0" encoding="utf-8"?>
 <p:sld xmlns:a="http://schemas.openxmlformats.org/drawingml/2006/main" xmlns:r="http://schemas.openxmlformats.org/officeDocument/2006/relationships" xmlns:p="http://schemas.openxmlformats.org/presentationml/2006/main">
   <p:cSld>
     <p:spTree>
@@ -34622,7 +34894,7 @@
 </p:sld>
 </file>
 
-<file path=ppt/slides/slide27.xml><?xml version="1.0" encoding="utf-8"?>
+<file path=ppt/slides/slide28.xml><?xml version="1.0" encoding="utf-8"?>
 <p:sld xmlns:a="http://schemas.openxmlformats.org/drawingml/2006/main" xmlns:r="http://schemas.openxmlformats.org/officeDocument/2006/relationships" xmlns:p="http://schemas.openxmlformats.org/presentationml/2006/main">
   <p:cSld>
     <p:spTree>
@@ -35197,7 +35469,7 @@
 </p:sld>
 </file>
 
-<file path=ppt/slides/slide28.xml><?xml version="1.0" encoding="utf-8"?>
+<file path=ppt/slides/slide29.xml><?xml version="1.0" encoding="utf-8"?>
 <p:sld xmlns:a="http://schemas.openxmlformats.org/drawingml/2006/main" xmlns:r="http://schemas.openxmlformats.org/officeDocument/2006/relationships" xmlns:p="http://schemas.openxmlformats.org/presentationml/2006/main">
   <p:cSld>
     <p:spTree>
@@ -35512,7 +35784,286 @@
 </p:sld>
 </file>
 
-<file path=ppt/slides/slide29.xml><?xml version="1.0" encoding="utf-8"?>
+<file path=ppt/slides/slide3.xml><?xml version="1.0" encoding="utf-8"?>
+<p:sld xmlns:a="http://schemas.openxmlformats.org/drawingml/2006/main" xmlns:r="http://schemas.openxmlformats.org/officeDocument/2006/relationships" xmlns:p="http://schemas.openxmlformats.org/presentationml/2006/main">
+  <p:cSld>
+    <p:spTree>
+      <p:nvGrpSpPr>
+        <p:cNvPr id="1" name=""/>
+        <p:cNvGrpSpPr/>
+        <p:nvPr/>
+      </p:nvGrpSpPr>
+      <p:grpSpPr>
+        <a:xfrm>
+          <a:off x="0" y="0"/>
+          <a:ext cx="0" cy="0"/>
+          <a:chOff x="0" y="0"/>
+          <a:chExt cx="0" cy="0"/>
+        </a:xfrm>
+      </p:grpSpPr>
+      <p:sp>
+        <p:nvSpPr>
+          <p:cNvPr id="5" name="Rectangle 4"/>
+          <p:cNvSpPr/>
+          <p:nvPr/>
+        </p:nvSpPr>
+        <p:spPr>
+          <a:xfrm>
+            <a:off x="0" y="1952437"/>
+            <a:ext cx="4999912" cy="2646878"/>
+          </a:xfrm>
+          <a:prstGeom prst="rect">
+            <a:avLst/>
+          </a:prstGeom>
+        </p:spPr>
+        <p:txBody>
+          <a:bodyPr wrap="square">
+            <a:spAutoFit/>
+          </a:bodyPr>
+          <a:lstStyle/>
+          <a:p>
+            <a:pPr algn="ctr"/>
+            <a:r>
+              <a:rPr lang="en-US" sz="16600" dirty="0">
+                <a:solidFill>
+                  <a:schemeClr val="accent2"/>
+                </a:solidFill>
+                <a:latin typeface="Yanone Kaffeesatz Regular" panose="02000000000000000000" pitchFamily="2" charset="0"/>
+              </a:rPr>
+              <a:t>Goals</a:t>
+            </a:r>
+            <a:endParaRPr lang="de-CH" dirty="0"/>
+          </a:p>
+        </p:txBody>
+      </p:sp>
+      <p:sp>
+        <p:nvSpPr>
+          <p:cNvPr id="6" name="Rectangle 5"/>
+          <p:cNvSpPr/>
+          <p:nvPr/>
+        </p:nvSpPr>
+        <p:spPr>
+          <a:xfrm>
+            <a:off x="6485271" y="1290717"/>
+            <a:ext cx="5706729" cy="3970318"/>
+          </a:xfrm>
+          <a:prstGeom prst="rect">
+            <a:avLst/>
+          </a:prstGeom>
+        </p:spPr>
+        <p:txBody>
+          <a:bodyPr wrap="square">
+            <a:spAutoFit/>
+          </a:bodyPr>
+          <a:lstStyle/>
+          <a:p>
+            <a:r>
+              <a:rPr lang="en-US" sz="3600" dirty="0">
+                <a:solidFill>
+                  <a:schemeClr val="accent4"/>
+                </a:solidFill>
+                <a:latin typeface="Yanone Kaffeesatz Regular" panose="02000000000000000000" pitchFamily="2" charset="0"/>
+              </a:rPr>
+              <a:t>CPU</a:t>
+            </a:r>
+            <a:r>
+              <a:rPr lang="en-US" sz="3600" dirty="0">
+                <a:solidFill>
+                  <a:schemeClr val="tx2"/>
+                </a:solidFill>
+                <a:latin typeface="Yanone Kaffeesatz Regular" panose="02000000000000000000" pitchFamily="2" charset="0"/>
+              </a:rPr>
+              <a:t>-bound vs </a:t>
+            </a:r>
+            <a:r>
+              <a:rPr lang="en-US" sz="3600" dirty="0">
+                <a:solidFill>
+                  <a:schemeClr val="accent4"/>
+                </a:solidFill>
+                <a:latin typeface="Yanone Kaffeesatz Regular" panose="02000000000000000000" pitchFamily="2" charset="0"/>
+              </a:rPr>
+              <a:t>IO</a:t>
+            </a:r>
+            <a:r>
+              <a:rPr lang="en-US" sz="3600" dirty="0">
+                <a:solidFill>
+                  <a:schemeClr val="tx2"/>
+                </a:solidFill>
+                <a:latin typeface="Yanone Kaffeesatz Regular" panose="02000000000000000000" pitchFamily="2" charset="0"/>
+              </a:rPr>
+              <a:t>-bound</a:t>
+            </a:r>
+          </a:p>
+          <a:p>
+            <a:endParaRPr lang="en-US" sz="3600" dirty="0">
+              <a:solidFill>
+                <a:schemeClr val="tx2"/>
+              </a:solidFill>
+              <a:latin typeface="Yanone Kaffeesatz Regular" panose="02000000000000000000" pitchFamily="2" charset="0"/>
+            </a:endParaRPr>
+          </a:p>
+          <a:p>
+            <a:r>
+              <a:rPr lang="en-US" sz="3600" dirty="0">
+                <a:solidFill>
+                  <a:schemeClr val="accent4"/>
+                </a:solidFill>
+                <a:latin typeface="Yanone Kaffeesatz Regular" panose="02000000000000000000" pitchFamily="2" charset="0"/>
+              </a:rPr>
+              <a:t>Threads</a:t>
+            </a:r>
+            <a:r>
+              <a:rPr lang="en-US" sz="3600" dirty="0">
+                <a:solidFill>
+                  <a:schemeClr val="tx2"/>
+                </a:solidFill>
+                <a:latin typeface="Yanone Kaffeesatz Regular" panose="02000000000000000000" pitchFamily="2" charset="0"/>
+              </a:rPr>
+              <a:t> and </a:t>
+            </a:r>
+            <a:r>
+              <a:rPr lang="en-US" sz="3600" dirty="0">
+                <a:solidFill>
+                  <a:schemeClr val="accent4"/>
+                </a:solidFill>
+                <a:latin typeface="Yanone Kaffeesatz Regular" panose="02000000000000000000" pitchFamily="2" charset="0"/>
+              </a:rPr>
+              <a:t>Tasks</a:t>
+            </a:r>
+          </a:p>
+          <a:p>
+            <a:endParaRPr lang="en-US" sz="3600" dirty="0">
+              <a:solidFill>
+                <a:schemeClr val="tx2"/>
+              </a:solidFill>
+              <a:latin typeface="Yanone Kaffeesatz Regular" panose="02000000000000000000" pitchFamily="2" charset="0"/>
+            </a:endParaRPr>
+          </a:p>
+          <a:p>
+            <a:r>
+              <a:rPr lang="en-US" sz="3600" dirty="0" err="1">
+                <a:solidFill>
+                  <a:schemeClr val="tx2"/>
+                </a:solidFill>
+                <a:latin typeface="Yanone Kaffeesatz Regular" panose="02000000000000000000" pitchFamily="2" charset="0"/>
+              </a:rPr>
+              <a:t>Async</a:t>
+            </a:r>
+            <a:r>
+              <a:rPr lang="en-US" sz="3600" dirty="0">
+                <a:solidFill>
+                  <a:schemeClr val="tx2"/>
+                </a:solidFill>
+                <a:latin typeface="Yanone Kaffeesatz Regular" panose="02000000000000000000" pitchFamily="2" charset="0"/>
+              </a:rPr>
+              <a:t> </a:t>
+            </a:r>
+            <a:r>
+              <a:rPr lang="en-US" sz="3600" dirty="0">
+                <a:solidFill>
+                  <a:schemeClr val="accent4"/>
+                </a:solidFill>
+                <a:latin typeface="Yanone Kaffeesatz Regular" panose="02000000000000000000" pitchFamily="2" charset="0"/>
+              </a:rPr>
+              <a:t>best-practices</a:t>
+            </a:r>
+          </a:p>
+          <a:p>
+            <a:endParaRPr lang="en-US" sz="3600" dirty="0">
+              <a:solidFill>
+                <a:schemeClr val="accent4"/>
+              </a:solidFill>
+              <a:latin typeface="Yanone Kaffeesatz Regular" panose="02000000000000000000" pitchFamily="2" charset="0"/>
+            </a:endParaRPr>
+          </a:p>
+          <a:p>
+            <a:r>
+              <a:rPr lang="en-US" sz="3600" dirty="0">
+                <a:solidFill>
+                  <a:schemeClr val="tx2"/>
+                </a:solidFill>
+                <a:latin typeface="Yanone Kaffeesatz Regular" panose="02000000000000000000" pitchFamily="2" charset="0"/>
+              </a:rPr>
+              <a:t>Why </a:t>
+            </a:r>
+            <a:r>
+              <a:rPr lang="en-US" sz="3600" dirty="0" err="1">
+                <a:solidFill>
+                  <a:schemeClr val="tx2"/>
+                </a:solidFill>
+                <a:latin typeface="Yanone Kaffeesatz Regular" panose="02000000000000000000" pitchFamily="2" charset="0"/>
+              </a:rPr>
+              <a:t>async</a:t>
+            </a:r>
+            <a:r>
+              <a:rPr lang="en-US" sz="3600" dirty="0">
+                <a:solidFill>
+                  <a:schemeClr val="tx2"/>
+                </a:solidFill>
+                <a:latin typeface="Yanone Kaffeesatz Regular" panose="02000000000000000000" pitchFamily="2" charset="0"/>
+              </a:rPr>
+              <a:t> is</a:t>
+            </a:r>
+            <a:r>
+              <a:rPr lang="en-US" sz="3600" dirty="0">
+                <a:solidFill>
+                  <a:schemeClr val="accent4"/>
+                </a:solidFill>
+                <a:latin typeface="Yanone Kaffeesatz Regular" panose="02000000000000000000" pitchFamily="2" charset="0"/>
+              </a:rPr>
+              <a:t> the future</a:t>
+            </a:r>
+          </a:p>
+        </p:txBody>
+      </p:sp>
+      <p:sp>
+        <p:nvSpPr>
+          <p:cNvPr id="7" name="Rectangle 6"/>
+          <p:cNvSpPr/>
+          <p:nvPr/>
+        </p:nvSpPr>
+        <p:spPr>
+          <a:xfrm>
+            <a:off x="1" y="4399885"/>
+            <a:ext cx="6494332" cy="1200329"/>
+          </a:xfrm>
+          <a:prstGeom prst="rect">
+            <a:avLst/>
+          </a:prstGeom>
+        </p:spPr>
+        <p:txBody>
+          <a:bodyPr wrap="square">
+            <a:spAutoFit/>
+          </a:bodyPr>
+          <a:lstStyle/>
+          <a:p>
+            <a:pPr algn="ctr"/>
+            <a:r>
+              <a:rPr lang="en-US" sz="7200" dirty="0">
+                <a:solidFill>
+                  <a:schemeClr val="accent3"/>
+                </a:solidFill>
+                <a:latin typeface="Yanone Kaffeesatz Regular" panose="02000000000000000000" pitchFamily="2" charset="0"/>
+              </a:rPr>
+              <a:t>target</a:t>
+            </a:r>
+          </a:p>
+        </p:txBody>
+      </p:sp>
+    </p:spTree>
+    <p:extLst>
+      <p:ext uri="{BB962C8B-B14F-4D97-AF65-F5344CB8AC3E}">
+        <p14:creationId xmlns:p14="http://schemas.microsoft.com/office/powerpoint/2010/main" val="2864408021"/>
+      </p:ext>
+    </p:extLst>
+  </p:cSld>
+  <p:clrMapOvr>
+    <a:masterClrMapping/>
+  </p:clrMapOvr>
+</p:sld>
+</file>
+
+<file path=ppt/slides/slide30.xml><?xml version="1.0" encoding="utf-8"?>
 <p:sld xmlns:a="http://schemas.openxmlformats.org/drawingml/2006/main" xmlns:r="http://schemas.openxmlformats.org/officeDocument/2006/relationships" xmlns:p="http://schemas.openxmlformats.org/presentationml/2006/main">
   <p:cSld>
     <p:spTree>
@@ -35947,286 +36498,7 @@
 </p:sld>
 </file>
 
-<file path=ppt/slides/slide3.xml><?xml version="1.0" encoding="utf-8"?>
-<p:sld xmlns:a="http://schemas.openxmlformats.org/drawingml/2006/main" xmlns:r="http://schemas.openxmlformats.org/officeDocument/2006/relationships" xmlns:p="http://schemas.openxmlformats.org/presentationml/2006/main">
-  <p:cSld>
-    <p:spTree>
-      <p:nvGrpSpPr>
-        <p:cNvPr id="1" name=""/>
-        <p:cNvGrpSpPr/>
-        <p:nvPr/>
-      </p:nvGrpSpPr>
-      <p:grpSpPr>
-        <a:xfrm>
-          <a:off x="0" y="0"/>
-          <a:ext cx="0" cy="0"/>
-          <a:chOff x="0" y="0"/>
-          <a:chExt cx="0" cy="0"/>
-        </a:xfrm>
-      </p:grpSpPr>
-      <p:sp>
-        <p:nvSpPr>
-          <p:cNvPr id="5" name="Rectangle 4"/>
-          <p:cNvSpPr/>
-          <p:nvPr/>
-        </p:nvSpPr>
-        <p:spPr>
-          <a:xfrm>
-            <a:off x="0" y="1952437"/>
-            <a:ext cx="4999912" cy="2646878"/>
-          </a:xfrm>
-          <a:prstGeom prst="rect">
-            <a:avLst/>
-          </a:prstGeom>
-        </p:spPr>
-        <p:txBody>
-          <a:bodyPr wrap="square">
-            <a:spAutoFit/>
-          </a:bodyPr>
-          <a:lstStyle/>
-          <a:p>
-            <a:pPr algn="ctr"/>
-            <a:r>
-              <a:rPr lang="en-US" sz="16600" dirty="0">
-                <a:solidFill>
-                  <a:schemeClr val="accent2"/>
-                </a:solidFill>
-                <a:latin typeface="Yanone Kaffeesatz Regular" panose="02000000000000000000" pitchFamily="2" charset="0"/>
-              </a:rPr>
-              <a:t>Goals</a:t>
-            </a:r>
-            <a:endParaRPr lang="de-CH" dirty="0"/>
-          </a:p>
-        </p:txBody>
-      </p:sp>
-      <p:sp>
-        <p:nvSpPr>
-          <p:cNvPr id="6" name="Rectangle 5"/>
-          <p:cNvSpPr/>
-          <p:nvPr/>
-        </p:nvSpPr>
-        <p:spPr>
-          <a:xfrm>
-            <a:off x="6485271" y="1290717"/>
-            <a:ext cx="5706729" cy="3970318"/>
-          </a:xfrm>
-          <a:prstGeom prst="rect">
-            <a:avLst/>
-          </a:prstGeom>
-        </p:spPr>
-        <p:txBody>
-          <a:bodyPr wrap="square">
-            <a:spAutoFit/>
-          </a:bodyPr>
-          <a:lstStyle/>
-          <a:p>
-            <a:r>
-              <a:rPr lang="en-US" sz="3600" dirty="0">
-                <a:solidFill>
-                  <a:schemeClr val="accent4"/>
-                </a:solidFill>
-                <a:latin typeface="Yanone Kaffeesatz Regular" panose="02000000000000000000" pitchFamily="2" charset="0"/>
-              </a:rPr>
-              <a:t>CPU</a:t>
-            </a:r>
-            <a:r>
-              <a:rPr lang="en-US" sz="3600" dirty="0">
-                <a:solidFill>
-                  <a:schemeClr val="tx2"/>
-                </a:solidFill>
-                <a:latin typeface="Yanone Kaffeesatz Regular" panose="02000000000000000000" pitchFamily="2" charset="0"/>
-              </a:rPr>
-              <a:t>-bound vs </a:t>
-            </a:r>
-            <a:r>
-              <a:rPr lang="en-US" sz="3600" dirty="0">
-                <a:solidFill>
-                  <a:schemeClr val="accent4"/>
-                </a:solidFill>
-                <a:latin typeface="Yanone Kaffeesatz Regular" panose="02000000000000000000" pitchFamily="2" charset="0"/>
-              </a:rPr>
-              <a:t>IO</a:t>
-            </a:r>
-            <a:r>
-              <a:rPr lang="en-US" sz="3600" dirty="0">
-                <a:solidFill>
-                  <a:schemeClr val="tx2"/>
-                </a:solidFill>
-                <a:latin typeface="Yanone Kaffeesatz Regular" panose="02000000000000000000" pitchFamily="2" charset="0"/>
-              </a:rPr>
-              <a:t>-bound</a:t>
-            </a:r>
-          </a:p>
-          <a:p>
-            <a:endParaRPr lang="en-US" sz="3600" dirty="0">
-              <a:solidFill>
-                <a:schemeClr val="tx2"/>
-              </a:solidFill>
-              <a:latin typeface="Yanone Kaffeesatz Regular" panose="02000000000000000000" pitchFamily="2" charset="0"/>
-            </a:endParaRPr>
-          </a:p>
-          <a:p>
-            <a:r>
-              <a:rPr lang="en-US" sz="3600" dirty="0">
-                <a:solidFill>
-                  <a:schemeClr val="accent4"/>
-                </a:solidFill>
-                <a:latin typeface="Yanone Kaffeesatz Regular" panose="02000000000000000000" pitchFamily="2" charset="0"/>
-              </a:rPr>
-              <a:t>Threads</a:t>
-            </a:r>
-            <a:r>
-              <a:rPr lang="en-US" sz="3600" dirty="0">
-                <a:solidFill>
-                  <a:schemeClr val="tx2"/>
-                </a:solidFill>
-                <a:latin typeface="Yanone Kaffeesatz Regular" panose="02000000000000000000" pitchFamily="2" charset="0"/>
-              </a:rPr>
-              <a:t> and </a:t>
-            </a:r>
-            <a:r>
-              <a:rPr lang="en-US" sz="3600" dirty="0">
-                <a:solidFill>
-                  <a:schemeClr val="accent4"/>
-                </a:solidFill>
-                <a:latin typeface="Yanone Kaffeesatz Regular" panose="02000000000000000000" pitchFamily="2" charset="0"/>
-              </a:rPr>
-              <a:t>Tasks</a:t>
-            </a:r>
-          </a:p>
-          <a:p>
-            <a:endParaRPr lang="en-US" sz="3600" dirty="0">
-              <a:solidFill>
-                <a:schemeClr val="tx2"/>
-              </a:solidFill>
-              <a:latin typeface="Yanone Kaffeesatz Regular" panose="02000000000000000000" pitchFamily="2" charset="0"/>
-            </a:endParaRPr>
-          </a:p>
-          <a:p>
-            <a:r>
-              <a:rPr lang="en-US" sz="3600" dirty="0" err="1">
-                <a:solidFill>
-                  <a:schemeClr val="tx2"/>
-                </a:solidFill>
-                <a:latin typeface="Yanone Kaffeesatz Regular" panose="02000000000000000000" pitchFamily="2" charset="0"/>
-              </a:rPr>
-              <a:t>Async</a:t>
-            </a:r>
-            <a:r>
-              <a:rPr lang="en-US" sz="3600" dirty="0">
-                <a:solidFill>
-                  <a:schemeClr val="tx2"/>
-                </a:solidFill>
-                <a:latin typeface="Yanone Kaffeesatz Regular" panose="02000000000000000000" pitchFamily="2" charset="0"/>
-              </a:rPr>
-              <a:t> </a:t>
-            </a:r>
-            <a:r>
-              <a:rPr lang="en-US" sz="3600" dirty="0">
-                <a:solidFill>
-                  <a:schemeClr val="accent4"/>
-                </a:solidFill>
-                <a:latin typeface="Yanone Kaffeesatz Regular" panose="02000000000000000000" pitchFamily="2" charset="0"/>
-              </a:rPr>
-              <a:t>best-practices</a:t>
-            </a:r>
-          </a:p>
-          <a:p>
-            <a:endParaRPr lang="en-US" sz="3600" dirty="0">
-              <a:solidFill>
-                <a:schemeClr val="accent4"/>
-              </a:solidFill>
-              <a:latin typeface="Yanone Kaffeesatz Regular" panose="02000000000000000000" pitchFamily="2" charset="0"/>
-            </a:endParaRPr>
-          </a:p>
-          <a:p>
-            <a:r>
-              <a:rPr lang="en-US" sz="3600" dirty="0">
-                <a:solidFill>
-                  <a:schemeClr val="tx2"/>
-                </a:solidFill>
-                <a:latin typeface="Yanone Kaffeesatz Regular" panose="02000000000000000000" pitchFamily="2" charset="0"/>
-              </a:rPr>
-              <a:t>Why </a:t>
-            </a:r>
-            <a:r>
-              <a:rPr lang="en-US" sz="3600" dirty="0" err="1">
-                <a:solidFill>
-                  <a:schemeClr val="tx2"/>
-                </a:solidFill>
-                <a:latin typeface="Yanone Kaffeesatz Regular" panose="02000000000000000000" pitchFamily="2" charset="0"/>
-              </a:rPr>
-              <a:t>async</a:t>
-            </a:r>
-            <a:r>
-              <a:rPr lang="en-US" sz="3600" dirty="0">
-                <a:solidFill>
-                  <a:schemeClr val="tx2"/>
-                </a:solidFill>
-                <a:latin typeface="Yanone Kaffeesatz Regular" panose="02000000000000000000" pitchFamily="2" charset="0"/>
-              </a:rPr>
-              <a:t> is</a:t>
-            </a:r>
-            <a:r>
-              <a:rPr lang="en-US" sz="3600" dirty="0">
-                <a:solidFill>
-                  <a:schemeClr val="accent4"/>
-                </a:solidFill>
-                <a:latin typeface="Yanone Kaffeesatz Regular" panose="02000000000000000000" pitchFamily="2" charset="0"/>
-              </a:rPr>
-              <a:t> the future</a:t>
-            </a:r>
-          </a:p>
-        </p:txBody>
-      </p:sp>
-      <p:sp>
-        <p:nvSpPr>
-          <p:cNvPr id="7" name="Rectangle 6"/>
-          <p:cNvSpPr/>
-          <p:nvPr/>
-        </p:nvSpPr>
-        <p:spPr>
-          <a:xfrm>
-            <a:off x="1" y="4399885"/>
-            <a:ext cx="6494332" cy="1200329"/>
-          </a:xfrm>
-          <a:prstGeom prst="rect">
-            <a:avLst/>
-          </a:prstGeom>
-        </p:spPr>
-        <p:txBody>
-          <a:bodyPr wrap="square">
-            <a:spAutoFit/>
-          </a:bodyPr>
-          <a:lstStyle/>
-          <a:p>
-            <a:pPr algn="ctr"/>
-            <a:r>
-              <a:rPr lang="en-US" sz="7200" dirty="0">
-                <a:solidFill>
-                  <a:schemeClr val="accent3"/>
-                </a:solidFill>
-                <a:latin typeface="Yanone Kaffeesatz Regular" panose="02000000000000000000" pitchFamily="2" charset="0"/>
-              </a:rPr>
-              <a:t>target</a:t>
-            </a:r>
-          </a:p>
-        </p:txBody>
-      </p:sp>
-    </p:spTree>
-    <p:extLst>
-      <p:ext uri="{BB962C8B-B14F-4D97-AF65-F5344CB8AC3E}">
-        <p14:creationId xmlns:p14="http://schemas.microsoft.com/office/powerpoint/2010/main" val="2864408021"/>
-      </p:ext>
-    </p:extLst>
-  </p:cSld>
-  <p:clrMapOvr>
-    <a:masterClrMapping/>
-  </p:clrMapOvr>
-</p:sld>
-</file>
-
-<file path=ppt/slides/slide30.xml><?xml version="1.0" encoding="utf-8"?>
+<file path=ppt/slides/slide31.xml><?xml version="1.0" encoding="utf-8"?>
 <p:sld xmlns:a="http://schemas.openxmlformats.org/drawingml/2006/main" xmlns:r="http://schemas.openxmlformats.org/officeDocument/2006/relationships" xmlns:p="http://schemas.openxmlformats.org/presentationml/2006/main">
   <p:cSld>
     <p:spTree>
@@ -36506,7 +36778,7 @@
                 </a:solidFill>
                 <a:latin typeface="Yanone Kaffeesatz Regular" panose="02000000000000000000" pitchFamily="2" charset="0"/>
               </a:rPr>
-              <a:t>ar</a:t>
+              <a:t>var</a:t>
             </a:r>
             <a:r>
               <a:rPr lang="en-US" sz="2800" dirty="0">
@@ -36699,7 +36971,7 @@
         <p:spPr>
           <a:xfrm>
             <a:off x="8002959" y="2814674"/>
-            <a:ext cx="3768980" cy="1077218"/>
+            <a:ext cx="3254417" cy="1077218"/>
           </a:xfrm>
           <a:prstGeom prst="rect">
             <a:avLst/>
@@ -36718,7 +36990,7 @@
                 </a:solidFill>
                 <a:latin typeface="Yanone Kaffeesatz Regular" panose="02000000000000000000" pitchFamily="2" charset="0"/>
               </a:rPr>
-              <a:t>01:08:14:093: Entering wait</a:t>
+              <a:t>01:08:14: Entering wait</a:t>
             </a:r>
           </a:p>
           <a:p>
@@ -36729,7 +37001,7 @@
                 </a:solidFill>
                 <a:latin typeface="Yanone Kaffeesatz Regular" panose="02000000000000000000" pitchFamily="2" charset="0"/>
               </a:rPr>
-              <a:t>01:08:16:094: Continue</a:t>
+              <a:t>01:08:16: Continue</a:t>
             </a:r>
           </a:p>
         </p:txBody>
@@ -36842,7 +37114,7 @@
 </p:sld>
 </file>
 
-<file path=ppt/slides/slide31.xml><?xml version="1.0" encoding="utf-8"?>
+<file path=ppt/slides/slide32.xml><?xml version="1.0" encoding="utf-8"?>
 <p:sld xmlns:a="http://schemas.openxmlformats.org/drawingml/2006/main" xmlns:r="http://schemas.openxmlformats.org/officeDocument/2006/relationships" xmlns:p="http://schemas.openxmlformats.org/presentationml/2006/main">
   <p:cSld>
     <p:spTree>
@@ -37202,7 +37474,7 @@
 </p:sld>
 </file>
 
-<file path=ppt/slides/slide32.xml><?xml version="1.0" encoding="utf-8"?>
+<file path=ppt/slides/slide33.xml><?xml version="1.0" encoding="utf-8"?>
 <p:sld xmlns:a="http://schemas.openxmlformats.org/drawingml/2006/main" xmlns:r="http://schemas.openxmlformats.org/officeDocument/2006/relationships" xmlns:p="http://schemas.openxmlformats.org/presentationml/2006/main">
   <p:cSld>
     <p:spTree>
@@ -37582,7 +37854,7 @@
 </p:sld>
 </file>
 
-<file path=ppt/slides/slide33.xml><?xml version="1.0" encoding="utf-8"?>
+<file path=ppt/slides/slide34.xml><?xml version="1.0" encoding="utf-8"?>
 <p:sld xmlns:a="http://schemas.openxmlformats.org/drawingml/2006/main" xmlns:r="http://schemas.openxmlformats.org/officeDocument/2006/relationships" xmlns:p="http://schemas.openxmlformats.org/presentationml/2006/main">
   <p:cSld>
     <p:spTree>
@@ -38125,7 +38397,7 @@
 </p:sld>
 </file>
 
-<file path=ppt/slides/slide34.xml><?xml version="1.0" encoding="utf-8"?>
+<file path=ppt/slides/slide35.xml><?xml version="1.0" encoding="utf-8"?>
 <p:sld xmlns:a="http://schemas.openxmlformats.org/drawingml/2006/main" xmlns:r="http://schemas.openxmlformats.org/officeDocument/2006/relationships" xmlns:p="http://schemas.openxmlformats.org/presentationml/2006/main">
   <p:cSld>
     <p:spTree>
@@ -38548,7 +38820,7 @@
 </p:sld>
 </file>
 
-<file path=ppt/slides/slide35.xml><?xml version="1.0" encoding="utf-8"?>
+<file path=ppt/slides/slide36.xml><?xml version="1.0" encoding="utf-8"?>
 <p:sld xmlns:a="http://schemas.openxmlformats.org/drawingml/2006/main" xmlns:r="http://schemas.openxmlformats.org/officeDocument/2006/relationships" xmlns:p="http://schemas.openxmlformats.org/presentationml/2006/main">
   <p:cSld>
     <p:spTree>
@@ -39078,7 +39350,7 @@
 </p:sld>
 </file>
 
-<file path=ppt/slides/slide36.xml><?xml version="1.0" encoding="utf-8"?>
+<file path=ppt/slides/slide37.xml><?xml version="1.0" encoding="utf-8"?>
 <p:sld xmlns:a="http://schemas.openxmlformats.org/drawingml/2006/main" xmlns:r="http://schemas.openxmlformats.org/officeDocument/2006/relationships" xmlns:p="http://schemas.openxmlformats.org/presentationml/2006/main">
   <p:cSld>
     <p:spTree>
@@ -39313,7 +39585,7 @@
 </p:sld>
 </file>
 
-<file path=ppt/slides/slide37.xml><?xml version="1.0" encoding="utf-8"?>
+<file path=ppt/slides/slide38.xml><?xml version="1.0" encoding="utf-8"?>
 <p:sld xmlns:a="http://schemas.openxmlformats.org/drawingml/2006/main" xmlns:r="http://schemas.openxmlformats.org/officeDocument/2006/relationships" xmlns:p="http://schemas.openxmlformats.org/presentationml/2006/main">
   <p:cSld>
     <p:spTree>
@@ -39463,7 +39735,7 @@
 </p:sld>
 </file>
 
-<file path=ppt/slides/slide38.xml><?xml version="1.0" encoding="utf-8"?>
+<file path=ppt/slides/slide39.xml><?xml version="1.0" encoding="utf-8"?>
 <p:sld xmlns:a="http://schemas.openxmlformats.org/drawingml/2006/main" xmlns:r="http://schemas.openxmlformats.org/officeDocument/2006/relationships" xmlns:p="http://schemas.openxmlformats.org/presentationml/2006/main">
   <p:cSld>
     <p:spTree>
@@ -39515,7 +39787,72 @@
 </p:sld>
 </file>
 
-<file path=ppt/slides/slide39.xml><?xml version="1.0" encoding="utf-8"?>
+<file path=ppt/slides/slide4.xml><?xml version="1.0" encoding="utf-8"?>
+<p:sld xmlns:a="http://schemas.openxmlformats.org/drawingml/2006/main" xmlns:r="http://schemas.openxmlformats.org/officeDocument/2006/relationships" xmlns:p="http://schemas.openxmlformats.org/presentationml/2006/main">
+  <p:cSld>
+    <p:spTree>
+      <p:nvGrpSpPr>
+        <p:cNvPr id="1" name=""/>
+        <p:cNvGrpSpPr/>
+        <p:nvPr/>
+      </p:nvGrpSpPr>
+      <p:grpSpPr>
+        <a:xfrm>
+          <a:off x="0" y="0"/>
+          <a:ext cx="0" cy="0"/>
+          <a:chOff x="0" y="0"/>
+          <a:chExt cx="0" cy="0"/>
+        </a:xfrm>
+      </p:grpSpPr>
+      <p:sp>
+        <p:nvSpPr>
+          <p:cNvPr id="2" name="Rectangle 1"/>
+          <p:cNvSpPr/>
+          <p:nvPr/>
+        </p:nvSpPr>
+        <p:spPr>
+          <a:xfrm>
+            <a:off x="0" y="1952437"/>
+            <a:ext cx="4999912" cy="2215991"/>
+          </a:xfrm>
+          <a:prstGeom prst="rect">
+            <a:avLst/>
+          </a:prstGeom>
+        </p:spPr>
+        <p:txBody>
+          <a:bodyPr wrap="square">
+            <a:spAutoFit/>
+          </a:bodyPr>
+          <a:lstStyle/>
+          <a:p>
+            <a:pPr algn="ctr"/>
+            <a:r>
+              <a:rPr lang="en-US" sz="13800" dirty="0">
+                <a:solidFill>
+                  <a:schemeClr val="accent2"/>
+                </a:solidFill>
+                <a:latin typeface="Yanone Kaffeesatz Regular" panose="02000000000000000000" pitchFamily="2" charset="0"/>
+              </a:rPr>
+              <a:t>Premise</a:t>
+            </a:r>
+            <a:endParaRPr lang="de-CH" sz="1600" dirty="0"/>
+          </a:p>
+        </p:txBody>
+      </p:sp>
+    </p:spTree>
+    <p:extLst>
+      <p:ext uri="{BB962C8B-B14F-4D97-AF65-F5344CB8AC3E}">
+        <p14:creationId xmlns:p14="http://schemas.microsoft.com/office/powerpoint/2010/main" val="1358001949"/>
+      </p:ext>
+    </p:extLst>
+  </p:cSld>
+  <p:clrMapOvr>
+    <a:masterClrMapping/>
+  </p:clrMapOvr>
+</p:sld>
+</file>
+
+<file path=ppt/slides/slide40.xml><?xml version="1.0" encoding="utf-8"?>
 <p:sld xmlns:a="http://schemas.openxmlformats.org/drawingml/2006/main" xmlns:r="http://schemas.openxmlformats.org/officeDocument/2006/relationships" xmlns:p="http://schemas.openxmlformats.org/presentationml/2006/main">
   <p:cSld>
     <p:spTree>
@@ -39951,72 +40288,7 @@
 </p:sld>
 </file>
 
-<file path=ppt/slides/slide4.xml><?xml version="1.0" encoding="utf-8"?>
-<p:sld xmlns:a="http://schemas.openxmlformats.org/drawingml/2006/main" xmlns:r="http://schemas.openxmlformats.org/officeDocument/2006/relationships" xmlns:p="http://schemas.openxmlformats.org/presentationml/2006/main">
-  <p:cSld>
-    <p:spTree>
-      <p:nvGrpSpPr>
-        <p:cNvPr id="1" name=""/>
-        <p:cNvGrpSpPr/>
-        <p:nvPr/>
-      </p:nvGrpSpPr>
-      <p:grpSpPr>
-        <a:xfrm>
-          <a:off x="0" y="0"/>
-          <a:ext cx="0" cy="0"/>
-          <a:chOff x="0" y="0"/>
-          <a:chExt cx="0" cy="0"/>
-        </a:xfrm>
-      </p:grpSpPr>
-      <p:sp>
-        <p:nvSpPr>
-          <p:cNvPr id="2" name="Rectangle 1"/>
-          <p:cNvSpPr/>
-          <p:nvPr/>
-        </p:nvSpPr>
-        <p:spPr>
-          <a:xfrm>
-            <a:off x="0" y="1952437"/>
-            <a:ext cx="4999912" cy="2215991"/>
-          </a:xfrm>
-          <a:prstGeom prst="rect">
-            <a:avLst/>
-          </a:prstGeom>
-        </p:spPr>
-        <p:txBody>
-          <a:bodyPr wrap="square">
-            <a:spAutoFit/>
-          </a:bodyPr>
-          <a:lstStyle/>
-          <a:p>
-            <a:pPr algn="ctr"/>
-            <a:r>
-              <a:rPr lang="en-US" sz="13800" dirty="0">
-                <a:solidFill>
-                  <a:schemeClr val="accent2"/>
-                </a:solidFill>
-                <a:latin typeface="Yanone Kaffeesatz Regular" panose="02000000000000000000" pitchFamily="2" charset="0"/>
-              </a:rPr>
-              <a:t>Premise</a:t>
-            </a:r>
-            <a:endParaRPr lang="de-CH" sz="1600" dirty="0"/>
-          </a:p>
-        </p:txBody>
-      </p:sp>
-    </p:spTree>
-    <p:extLst>
-      <p:ext uri="{BB962C8B-B14F-4D97-AF65-F5344CB8AC3E}">
-        <p14:creationId xmlns:p14="http://schemas.microsoft.com/office/powerpoint/2010/main" val="1358001949"/>
-      </p:ext>
-    </p:extLst>
-  </p:cSld>
-  <p:clrMapOvr>
-    <a:masterClrMapping/>
-  </p:clrMapOvr>
-</p:sld>
-</file>
-
-<file path=ppt/slides/slide40.xml><?xml version="1.0" encoding="utf-8"?>
+<file path=ppt/slides/slide41.xml><?xml version="1.0" encoding="utf-8"?>
 <p:sld xmlns:a="http://schemas.openxmlformats.org/drawingml/2006/main" xmlns:r="http://schemas.openxmlformats.org/officeDocument/2006/relationships" xmlns:p="http://schemas.openxmlformats.org/presentationml/2006/main">
   <p:cSld>
     <p:spTree>
@@ -40525,7 +40797,7 @@
         <p:spPr>
           <a:xfrm>
             <a:off x="8002959" y="2814674"/>
-            <a:ext cx="3844322" cy="1077218"/>
+            <a:ext cx="3254417" cy="1077218"/>
           </a:xfrm>
           <a:prstGeom prst="rect">
             <a:avLst/>
@@ -40544,7 +40816,7 @@
                 </a:solidFill>
                 <a:latin typeface="Yanone Kaffeesatz Regular" panose="02000000000000000000" pitchFamily="2" charset="0"/>
               </a:rPr>
-              <a:t>04:36:52:087:: Entering wait</a:t>
+              <a:t>04:36:52: Entering wait</a:t>
             </a:r>
           </a:p>
           <a:p>
@@ -40555,7 +40827,7 @@
                 </a:solidFill>
                 <a:latin typeface="Yanone Kaffeesatz Regular" panose="02000000000000000000" pitchFamily="2" charset="0"/>
               </a:rPr>
-              <a:t>04:36:54:094: Continue</a:t>
+              <a:t>04:36:54: Continue</a:t>
             </a:r>
           </a:p>
         </p:txBody>
@@ -40668,7 +40940,7 @@
 </p:sld>
 </file>
 
-<file path=ppt/slides/slide41.xml><?xml version="1.0" encoding="utf-8"?>
+<file path=ppt/slides/slide42.xml><?xml version="1.0" encoding="utf-8"?>
 <p:sld xmlns:a="http://schemas.openxmlformats.org/drawingml/2006/main" xmlns:r="http://schemas.openxmlformats.org/officeDocument/2006/relationships" xmlns:p="http://schemas.openxmlformats.org/presentationml/2006/main">
   <p:cSld>
     <p:spTree>
@@ -40935,7 +41207,7 @@
 </p:sld>
 </file>
 
-<file path=ppt/slides/slide42.xml><?xml version="1.0" encoding="utf-8"?>
+<file path=ppt/slides/slide43.xml><?xml version="1.0" encoding="utf-8"?>
 <p:sld xmlns:a="http://schemas.openxmlformats.org/drawingml/2006/main" xmlns:r="http://schemas.openxmlformats.org/officeDocument/2006/relationships" xmlns:p="http://schemas.openxmlformats.org/presentationml/2006/main">
   <p:cSld>
     <p:spTree>
@@ -41178,7 +41450,7 @@
 </p:sld>
 </file>
 
-<file path=ppt/slides/slide43.xml><?xml version="1.0" encoding="utf-8"?>
+<file path=ppt/slides/slide44.xml><?xml version="1.0" encoding="utf-8"?>
 <p:sld xmlns:a="http://schemas.openxmlformats.org/drawingml/2006/main" xmlns:r="http://schemas.openxmlformats.org/officeDocument/2006/relationships" xmlns:p="http://schemas.openxmlformats.org/presentationml/2006/main">
   <p:cSld>
     <p:spTree>
@@ -41800,7 +42072,7 @@
 </p:sld>
 </file>
 
-<file path=ppt/slides/slide44.xml><?xml version="1.0" encoding="utf-8"?>
+<file path=ppt/slides/slide45.xml><?xml version="1.0" encoding="utf-8"?>
 <p:sld xmlns:a="http://schemas.openxmlformats.org/drawingml/2006/main" xmlns:r="http://schemas.openxmlformats.org/officeDocument/2006/relationships" xmlns:p="http://schemas.openxmlformats.org/presentationml/2006/main">
   <p:cSld>
     <p:spTree>
@@ -42266,7 +42538,7 @@
 </p:sld>
 </file>
 
-<file path=ppt/slides/slide45.xml><?xml version="1.0" encoding="utf-8"?>
+<file path=ppt/slides/slide46.xml><?xml version="1.0" encoding="utf-8"?>
 <p:sld xmlns:a="http://schemas.openxmlformats.org/drawingml/2006/main" xmlns:r="http://schemas.openxmlformats.org/officeDocument/2006/relationships" xmlns:p="http://schemas.openxmlformats.org/presentationml/2006/main">
   <p:cSld>
     <p:spTree>
@@ -42761,7 +43033,7 @@
 </p:sld>
 </file>
 
-<file path=ppt/slides/slide46.xml><?xml version="1.0" encoding="utf-8"?>
+<file path=ppt/slides/slide47.xml><?xml version="1.0" encoding="utf-8"?>
 <p:sld xmlns:a="http://schemas.openxmlformats.org/drawingml/2006/main" xmlns:r="http://schemas.openxmlformats.org/officeDocument/2006/relationships" xmlns:p="http://schemas.openxmlformats.org/presentationml/2006/main">
   <p:cSld>
     <p:spTree>
@@ -43021,7 +43293,7 @@
 </p:sld>
 </file>
 
-<file path=ppt/slides/slide47.xml><?xml version="1.0" encoding="utf-8"?>
+<file path=ppt/slides/slide48.xml><?xml version="1.0" encoding="utf-8"?>
 <p:sld xmlns:a="http://schemas.openxmlformats.org/drawingml/2006/main" xmlns:r="http://schemas.openxmlformats.org/officeDocument/2006/relationships" xmlns:p="http://schemas.openxmlformats.org/presentationml/2006/main">
   <p:cSld>
     <p:spTree>
@@ -43643,7 +43915,7 @@
 </p:sld>
 </file>
 
-<file path=ppt/slides/slide48.xml><?xml version="1.0" encoding="utf-8"?>
+<file path=ppt/slides/slide49.xml><?xml version="1.0" encoding="utf-8"?>
 <p:sld xmlns:a="http://schemas.openxmlformats.org/drawingml/2006/main" xmlns:r="http://schemas.openxmlformats.org/officeDocument/2006/relationships" xmlns:p="http://schemas.openxmlformats.org/presentationml/2006/main">
   <p:cSld>
     <p:spTree>
@@ -43686,436 +43958,6 @@
     <p:extLst>
       <p:ext uri="{BB962C8B-B14F-4D97-AF65-F5344CB8AC3E}">
         <p14:creationId xmlns:p14="http://schemas.microsoft.com/office/powerpoint/2010/main" val="787582663"/>
-      </p:ext>
-    </p:extLst>
-  </p:cSld>
-  <p:clrMapOvr>
-    <a:masterClrMapping/>
-  </p:clrMapOvr>
-</p:sld>
-</file>
-
-<file path=ppt/slides/slide49.xml><?xml version="1.0" encoding="utf-8"?>
-<p:sld xmlns:a="http://schemas.openxmlformats.org/drawingml/2006/main" xmlns:r="http://schemas.openxmlformats.org/officeDocument/2006/relationships" xmlns:p="http://schemas.openxmlformats.org/presentationml/2006/main">
-  <p:cSld>
-    <p:spTree>
-      <p:nvGrpSpPr>
-        <p:cNvPr id="1" name=""/>
-        <p:cNvGrpSpPr/>
-        <p:nvPr/>
-      </p:nvGrpSpPr>
-      <p:grpSpPr>
-        <a:xfrm>
-          <a:off x="0" y="0"/>
-          <a:ext cx="0" cy="0"/>
-          <a:chOff x="0" y="0"/>
-          <a:chExt cx="0" cy="0"/>
-        </a:xfrm>
-      </p:grpSpPr>
-      <p:sp>
-        <p:nvSpPr>
-          <p:cNvPr id="2" name="Rectangle 1"/>
-          <p:cNvSpPr/>
-          <p:nvPr/>
-        </p:nvSpPr>
-        <p:spPr>
-          <a:xfrm>
-            <a:off x="6787584" y="1283074"/>
-            <a:ext cx="3357526" cy="4291852"/>
-          </a:xfrm>
-          <a:prstGeom prst="rect">
-            <a:avLst/>
-          </a:prstGeom>
-          <a:solidFill>
-            <a:schemeClr val="bg1"/>
-          </a:solidFill>
-          <a:ln>
-            <a:solidFill>
-              <a:schemeClr val="tx2"/>
-            </a:solidFill>
-          </a:ln>
-        </p:spPr>
-        <p:style>
-          <a:lnRef idx="2">
-            <a:schemeClr val="accent1">
-              <a:shade val="50000"/>
-            </a:schemeClr>
-          </a:lnRef>
-          <a:fillRef idx="1">
-            <a:schemeClr val="accent1"/>
-          </a:fillRef>
-          <a:effectRef idx="0">
-            <a:schemeClr val="accent1"/>
-          </a:effectRef>
-          <a:fontRef idx="minor">
-            <a:schemeClr val="lt1"/>
-          </a:fontRef>
-        </p:style>
-        <p:txBody>
-          <a:bodyPr rtlCol="0" anchor="ctr"/>
-          <a:lstStyle/>
-          <a:p>
-            <a:pPr algn="ctr"/>
-            <a:endParaRPr lang="de-CH"/>
-          </a:p>
-        </p:txBody>
-      </p:sp>
-      <p:cxnSp>
-        <p:nvCxnSpPr>
-          <p:cNvPr id="3" name="Straight Arrow Connector 2"/>
-          <p:cNvCxnSpPr/>
-          <p:nvPr/>
-        </p:nvCxnSpPr>
-        <p:spPr>
-          <a:xfrm flipH="1" flipV="1">
-            <a:off x="9863960" y="3675993"/>
-            <a:ext cx="13137" cy="1747345"/>
-          </a:xfrm>
-          <a:prstGeom prst="straightConnector1">
-            <a:avLst/>
-          </a:prstGeom>
-          <a:ln w="57150">
-            <a:solidFill>
-              <a:schemeClr val="accent4"/>
-            </a:solidFill>
-            <a:tailEnd type="triangle"/>
-          </a:ln>
-        </p:spPr>
-        <p:style>
-          <a:lnRef idx="1">
-            <a:schemeClr val="accent1"/>
-          </a:lnRef>
-          <a:fillRef idx="0">
-            <a:schemeClr val="accent1"/>
-          </a:fillRef>
-          <a:effectRef idx="0">
-            <a:schemeClr val="accent1"/>
-          </a:effectRef>
-          <a:fontRef idx="minor">
-            <a:schemeClr val="tx1"/>
-          </a:fontRef>
-        </p:style>
-      </p:cxnSp>
-      <p:sp>
-        <p:nvSpPr>
-          <p:cNvPr id="4" name="Rectangle 3"/>
-          <p:cNvSpPr/>
-          <p:nvPr/>
-        </p:nvSpPr>
-        <p:spPr>
-          <a:xfrm>
-            <a:off x="6787584" y="491106"/>
-            <a:ext cx="2814674" cy="707886"/>
-          </a:xfrm>
-          <a:prstGeom prst="rect">
-            <a:avLst/>
-          </a:prstGeom>
-        </p:spPr>
-        <p:txBody>
-          <a:bodyPr wrap="square">
-            <a:spAutoFit/>
-          </a:bodyPr>
-          <a:lstStyle/>
-          <a:p>
-            <a:r>
-              <a:rPr lang="en-US" sz="4000" dirty="0">
-                <a:solidFill>
-                  <a:schemeClr val="accent2"/>
-                </a:solidFill>
-                <a:latin typeface="Yanone Kaffeesatz Regular" panose="02000000000000000000" pitchFamily="2" charset="0"/>
-              </a:rPr>
-              <a:t>High-level Spike</a:t>
-            </a:r>
-            <a:endParaRPr lang="de-CH" sz="500" dirty="0"/>
-          </a:p>
-        </p:txBody>
-      </p:sp>
-      <p:sp>
-        <p:nvSpPr>
-          <p:cNvPr id="5" name="Rectangle 4"/>
-          <p:cNvSpPr/>
-          <p:nvPr/>
-        </p:nvSpPr>
-        <p:spPr>
-          <a:xfrm>
-            <a:off x="7330436" y="5574926"/>
-            <a:ext cx="2814674" cy="707886"/>
-          </a:xfrm>
-          <a:prstGeom prst="rect">
-            <a:avLst/>
-          </a:prstGeom>
-        </p:spPr>
-        <p:txBody>
-          <a:bodyPr wrap="square">
-            <a:spAutoFit/>
-          </a:bodyPr>
-          <a:lstStyle/>
-          <a:p>
-            <a:pPr algn="r"/>
-            <a:r>
-              <a:rPr lang="en-US" sz="4000" dirty="0">
-                <a:solidFill>
-                  <a:schemeClr val="accent2"/>
-                </a:solidFill>
-                <a:latin typeface="Yanone Kaffeesatz Regular" panose="02000000000000000000" pitchFamily="2" charset="0"/>
-              </a:rPr>
-              <a:t>Low-level Spike</a:t>
-            </a:r>
-            <a:endParaRPr lang="de-CH" sz="500" dirty="0"/>
-          </a:p>
-        </p:txBody>
-      </p:sp>
-      <p:sp>
-        <p:nvSpPr>
-          <p:cNvPr id="6" name="Rectangle 5"/>
-          <p:cNvSpPr/>
-          <p:nvPr/>
-        </p:nvSpPr>
-        <p:spPr>
-          <a:xfrm>
-            <a:off x="0" y="2705725"/>
-            <a:ext cx="4999912" cy="2800767"/>
-          </a:xfrm>
-          <a:prstGeom prst="rect">
-            <a:avLst/>
-          </a:prstGeom>
-        </p:spPr>
-        <p:txBody>
-          <a:bodyPr wrap="square">
-            <a:spAutoFit/>
-          </a:bodyPr>
-          <a:lstStyle/>
-          <a:p>
-            <a:pPr algn="ctr"/>
-            <a:r>
-              <a:rPr lang="en-US" sz="8800" dirty="0">
-                <a:solidFill>
-                  <a:schemeClr val="accent2"/>
-                </a:solidFill>
-                <a:latin typeface="Yanone Kaffeesatz Regular" panose="02000000000000000000" pitchFamily="2" charset="0"/>
-              </a:rPr>
-              <a:t>Bring it together</a:t>
-            </a:r>
-            <a:endParaRPr lang="de-CH" sz="1200" dirty="0"/>
-          </a:p>
-        </p:txBody>
-      </p:sp>
-      <p:sp>
-        <p:nvSpPr>
-          <p:cNvPr id="7" name="Rectangle 6"/>
-          <p:cNvSpPr/>
-          <p:nvPr/>
-        </p:nvSpPr>
-        <p:spPr>
-          <a:xfrm>
-            <a:off x="6959690" y="3173715"/>
-            <a:ext cx="2700630" cy="472154"/>
-          </a:xfrm>
-          <a:prstGeom prst="rect">
-            <a:avLst/>
-          </a:prstGeom>
-          <a:solidFill>
-            <a:schemeClr val="bg1"/>
-          </a:solidFill>
-          <a:ln>
-            <a:solidFill>
-              <a:schemeClr val="tx2"/>
-            </a:solidFill>
-          </a:ln>
-        </p:spPr>
-        <p:style>
-          <a:lnRef idx="2">
-            <a:schemeClr val="accent1">
-              <a:shade val="50000"/>
-            </a:schemeClr>
-          </a:lnRef>
-          <a:fillRef idx="1">
-            <a:schemeClr val="accent1"/>
-          </a:fillRef>
-          <a:effectRef idx="0">
-            <a:schemeClr val="accent1"/>
-          </a:effectRef>
-          <a:fontRef idx="minor">
-            <a:schemeClr val="lt1"/>
-          </a:fontRef>
-        </p:style>
-        <p:txBody>
-          <a:bodyPr rtlCol="0" anchor="ctr"/>
-          <a:lstStyle/>
-          <a:p>
-            <a:pPr algn="ctr"/>
-            <a:endParaRPr lang="de-CH" dirty="0">
-              <a:solidFill>
-                <a:schemeClr val="tx2"/>
-              </a:solidFill>
-              <a:latin typeface="Yanone Kaffeesatz Regular" panose="02000000000000000000" pitchFamily="2" charset="0"/>
-            </a:endParaRPr>
-          </a:p>
-        </p:txBody>
-      </p:sp>
-      <p:sp>
-        <p:nvSpPr>
-          <p:cNvPr id="8" name="Rectangle 7"/>
-          <p:cNvSpPr/>
-          <p:nvPr/>
-        </p:nvSpPr>
-        <p:spPr>
-          <a:xfrm>
-            <a:off x="6959690" y="3753445"/>
-            <a:ext cx="2700630" cy="472154"/>
-          </a:xfrm>
-          <a:prstGeom prst="rect">
-            <a:avLst/>
-          </a:prstGeom>
-          <a:solidFill>
-            <a:schemeClr val="bg1"/>
-          </a:solidFill>
-          <a:ln>
-            <a:solidFill>
-              <a:schemeClr val="tx2"/>
-            </a:solidFill>
-          </a:ln>
-        </p:spPr>
-        <p:style>
-          <a:lnRef idx="2">
-            <a:schemeClr val="accent1">
-              <a:shade val="50000"/>
-            </a:schemeClr>
-          </a:lnRef>
-          <a:fillRef idx="1">
-            <a:schemeClr val="accent1"/>
-          </a:fillRef>
-          <a:effectRef idx="0">
-            <a:schemeClr val="accent1"/>
-          </a:effectRef>
-          <a:fontRef idx="minor">
-            <a:schemeClr val="lt1"/>
-          </a:fontRef>
-        </p:style>
-        <p:txBody>
-          <a:bodyPr rtlCol="0" anchor="ctr"/>
-          <a:lstStyle/>
-          <a:p>
-            <a:pPr algn="ctr"/>
-            <a:endParaRPr lang="de-CH" dirty="0">
-              <a:solidFill>
-                <a:schemeClr val="tx2"/>
-              </a:solidFill>
-              <a:latin typeface="Yanone Kaffeesatz Regular" panose="02000000000000000000" pitchFamily="2" charset="0"/>
-            </a:endParaRPr>
-          </a:p>
-        </p:txBody>
-      </p:sp>
-      <p:sp>
-        <p:nvSpPr>
-          <p:cNvPr id="9" name="Rectangle 8"/>
-          <p:cNvSpPr/>
-          <p:nvPr/>
-        </p:nvSpPr>
-        <p:spPr>
-          <a:xfrm>
-            <a:off x="6959690" y="4873731"/>
-            <a:ext cx="2700630" cy="472154"/>
-          </a:xfrm>
-          <a:prstGeom prst="rect">
-            <a:avLst/>
-          </a:prstGeom>
-          <a:solidFill>
-            <a:schemeClr val="bg1"/>
-          </a:solidFill>
-          <a:ln>
-            <a:solidFill>
-              <a:schemeClr val="tx2"/>
-            </a:solidFill>
-          </a:ln>
-        </p:spPr>
-        <p:style>
-          <a:lnRef idx="2">
-            <a:schemeClr val="accent1">
-              <a:shade val="50000"/>
-            </a:schemeClr>
-          </a:lnRef>
-          <a:fillRef idx="1">
-            <a:schemeClr val="accent1"/>
-          </a:fillRef>
-          <a:effectRef idx="0">
-            <a:schemeClr val="accent1"/>
-          </a:effectRef>
-          <a:fontRef idx="minor">
-            <a:schemeClr val="lt1"/>
-          </a:fontRef>
-        </p:style>
-        <p:txBody>
-          <a:bodyPr rtlCol="0" anchor="ctr"/>
-          <a:lstStyle/>
-          <a:p>
-            <a:pPr algn="ctr"/>
-            <a:endParaRPr lang="de-CH" dirty="0">
-              <a:solidFill>
-                <a:schemeClr val="tx2"/>
-              </a:solidFill>
-              <a:latin typeface="Yanone Kaffeesatz Regular" panose="02000000000000000000" pitchFamily="2" charset="0"/>
-            </a:endParaRPr>
-          </a:p>
-        </p:txBody>
-      </p:sp>
-      <p:sp>
-        <p:nvSpPr>
-          <p:cNvPr id="10" name="Rectangle 9"/>
-          <p:cNvSpPr/>
-          <p:nvPr/>
-        </p:nvSpPr>
-        <p:spPr>
-          <a:xfrm>
-            <a:off x="6959690" y="4313588"/>
-            <a:ext cx="2700630" cy="472154"/>
-          </a:xfrm>
-          <a:prstGeom prst="rect">
-            <a:avLst/>
-          </a:prstGeom>
-          <a:solidFill>
-            <a:schemeClr val="bg1"/>
-          </a:solidFill>
-          <a:ln>
-            <a:solidFill>
-              <a:schemeClr val="tx2"/>
-            </a:solidFill>
-          </a:ln>
-        </p:spPr>
-        <p:style>
-          <a:lnRef idx="2">
-            <a:schemeClr val="accent1">
-              <a:shade val="50000"/>
-            </a:schemeClr>
-          </a:lnRef>
-          <a:fillRef idx="1">
-            <a:schemeClr val="accent1"/>
-          </a:fillRef>
-          <a:effectRef idx="0">
-            <a:schemeClr val="accent1"/>
-          </a:effectRef>
-          <a:fontRef idx="minor">
-            <a:schemeClr val="lt1"/>
-          </a:fontRef>
-        </p:style>
-        <p:txBody>
-          <a:bodyPr rtlCol="0" anchor="ctr"/>
-          <a:lstStyle/>
-          <a:p>
-            <a:pPr algn="ctr"/>
-            <a:endParaRPr lang="de-CH" dirty="0">
-              <a:solidFill>
-                <a:schemeClr val="tx2"/>
-              </a:solidFill>
-              <a:latin typeface="Yanone Kaffeesatz Regular" panose="02000000000000000000" pitchFamily="2" charset="0"/>
-            </a:endParaRPr>
-          </a:p>
-        </p:txBody>
-      </p:sp>
-    </p:spTree>
-    <p:extLst>
-      <p:ext uri="{BB962C8B-B14F-4D97-AF65-F5344CB8AC3E}">
-        <p14:creationId xmlns:p14="http://schemas.microsoft.com/office/powerpoint/2010/main" val="1194955735"/>
       </p:ext>
     </p:extLst>
   </p:cSld>
@@ -44306,7 +44148,7 @@
                 </a:solidFill>
                 <a:latin typeface="Yanone Kaffeesatz Regular" panose="02000000000000000000" pitchFamily="2" charset="0"/>
               </a:rPr>
-              <a:t>High-level Spike</a:t>
+              <a:t>High-level</a:t>
             </a:r>
             <a:endParaRPr lang="de-CH" sz="500" dirty="0"/>
           </a:p>
@@ -44341,7 +44183,7 @@
                 </a:solidFill>
                 <a:latin typeface="Yanone Kaffeesatz Regular" panose="02000000000000000000" pitchFamily="2" charset="0"/>
               </a:rPr>
-              <a:t>Low-level Spike</a:t>
+              <a:t>Low-level</a:t>
             </a:r>
             <a:endParaRPr lang="de-CH" sz="500" dirty="0"/>
           </a:p>
@@ -44597,7 +44439,7 @@
     </p:spTree>
     <p:extLst>
       <p:ext uri="{BB962C8B-B14F-4D97-AF65-F5344CB8AC3E}">
-        <p14:creationId xmlns:p14="http://schemas.microsoft.com/office/powerpoint/2010/main" val="1832614821"/>
+        <p14:creationId xmlns:p14="http://schemas.microsoft.com/office/powerpoint/2010/main" val="1194955735"/>
       </p:ext>
     </p:extLst>
   </p:cSld>

--- a/presentation.pptx
+++ b/presentation.pptx
@@ -2948,7 +2948,7 @@
           <a:p>
             <a:fld id="{D987070D-87AF-4443-8990-425EA27CC244}" type="datetimeFigureOut">
               <a:rPr lang="de-CH" smtClean="0"/>
-              <a:t>01.06.2016</a:t>
+              <a:t>05.06.2016</a:t>
             </a:fld>
             <a:endParaRPr lang="de-CH"/>
           </a:p>
@@ -3260,32 +3260,7 @@
           <a:bodyPr/>
           <a:lstStyle/>
           <a:p>
-            <a:r>
-              <a:rPr lang="en-US" dirty="0"/>
-              <a:t>A warm welcome to this first webinar in the </a:t>
-            </a:r>
-            <a:r>
-              <a:rPr lang="en-US" dirty="0" err="1"/>
-              <a:t>async</a:t>
-            </a:r>
-            <a:r>
-              <a:rPr lang="en-US" dirty="0"/>
-              <a:t> webinar series.</a:t>
-            </a:r>
-          </a:p>
-          <a:p>
-            <a:r>
-              <a:rPr lang="en-US" baseline="0" dirty="0"/>
-              <a:t>Today we talk about </a:t>
-            </a:r>
-            <a:r>
-              <a:rPr lang="en-US" baseline="0" dirty="0" err="1"/>
-              <a:t>Async</a:t>
-            </a:r>
-            <a:r>
-              <a:rPr lang="en-US" baseline="0" dirty="0"/>
-              <a:t> best-practices</a:t>
-            </a:r>
+            <a:endParaRPr lang="en-US" baseline="0" dirty="0"/>
           </a:p>
           <a:p>
             <a:endParaRPr lang="en-US" baseline="0" dirty="0"/>
@@ -4194,8 +4169,34 @@
           <a:p>
             <a:r>
               <a:rPr lang="en-US" dirty="0"/>
-              <a:t>A thread can handle multiple IO-bound tasks concurrently</a:t>
-            </a:r>
+              <a:t>A thread can handle multiple IO-bound tasks </a:t>
+            </a:r>
+            <a:r>
+              <a:rPr lang="en-US" dirty="0" smtClean="0"/>
+              <a:t>concurrently</a:t>
+            </a:r>
+          </a:p>
+          <a:p>
+            <a:endParaRPr lang="en-US" dirty="0" smtClean="0"/>
+          </a:p>
+          <a:p>
+            <a:r>
+              <a:rPr lang="en-US" dirty="0" smtClean="0"/>
+              <a:t>In order to leverage these Task based APIs we need to apply the</a:t>
+            </a:r>
+            <a:r>
+              <a:rPr lang="en-US" baseline="0" dirty="0" smtClean="0"/>
+              <a:t> </a:t>
+            </a:r>
+            <a:r>
+              <a:rPr lang="en-US" baseline="0" dirty="0" err="1" smtClean="0"/>
+              <a:t>async</a:t>
+            </a:r>
+            <a:r>
+              <a:rPr lang="en-US" baseline="0" dirty="0" smtClean="0"/>
+              <a:t>/await best practices. Two of the three rules are</a:t>
+            </a:r>
+            <a:endParaRPr lang="en-US" dirty="0"/>
           </a:p>
         </p:txBody>
       </p:sp>
@@ -4279,7 +4280,1210 @@
           <a:bodyPr/>
           <a:lstStyle/>
           <a:p>
-            <a:endParaRPr lang="de-CH" dirty="0"/>
+            <a:r>
+              <a:rPr lang="de-CH" dirty="0" err="1" smtClean="0"/>
+              <a:t>Use</a:t>
+            </a:r>
+            <a:r>
+              <a:rPr lang="de-CH" baseline="0" dirty="0" smtClean="0"/>
+              <a:t> </a:t>
+            </a:r>
+            <a:r>
+              <a:rPr lang="de-CH" baseline="0" dirty="0" err="1" smtClean="0"/>
+              <a:t>async</a:t>
+            </a:r>
+            <a:r>
+              <a:rPr lang="de-CH" baseline="0" dirty="0" smtClean="0"/>
+              <a:t> Task </a:t>
+            </a:r>
+            <a:r>
+              <a:rPr lang="de-CH" baseline="0" dirty="0" err="1" smtClean="0"/>
+              <a:t>instead</a:t>
+            </a:r>
+            <a:r>
+              <a:rPr lang="de-CH" baseline="0" dirty="0" smtClean="0"/>
+              <a:t> </a:t>
+            </a:r>
+            <a:r>
+              <a:rPr lang="de-CH" baseline="0" dirty="0" err="1" smtClean="0"/>
+              <a:t>of</a:t>
+            </a:r>
+            <a:r>
+              <a:rPr lang="de-CH" baseline="0" dirty="0" smtClean="0"/>
+              <a:t> </a:t>
+            </a:r>
+            <a:r>
+              <a:rPr lang="de-CH" baseline="0" dirty="0" err="1" smtClean="0"/>
+              <a:t>async</a:t>
+            </a:r>
+            <a:r>
+              <a:rPr lang="de-CH" baseline="0" dirty="0" smtClean="0"/>
+              <a:t> </a:t>
+            </a:r>
+            <a:r>
+              <a:rPr lang="de-CH" baseline="0" dirty="0" err="1" smtClean="0"/>
+              <a:t>void</a:t>
+            </a:r>
+            <a:r>
+              <a:rPr lang="de-CH" baseline="0" dirty="0" smtClean="0"/>
+              <a:t>. Task </a:t>
+            </a:r>
+            <a:r>
+              <a:rPr lang="de-CH" baseline="0" dirty="0" err="1" smtClean="0"/>
+              <a:t>becomes</a:t>
+            </a:r>
+            <a:r>
+              <a:rPr lang="de-CH" baseline="0" dirty="0" smtClean="0"/>
+              <a:t> </a:t>
+            </a:r>
+            <a:r>
+              <a:rPr lang="de-CH" baseline="0" dirty="0" err="1" smtClean="0"/>
+              <a:t>the</a:t>
+            </a:r>
+            <a:r>
+              <a:rPr lang="de-CH" baseline="0" dirty="0" smtClean="0"/>
+              <a:t> </a:t>
+            </a:r>
+            <a:r>
+              <a:rPr lang="de-CH" baseline="0" dirty="0" err="1" smtClean="0"/>
+              <a:t>new</a:t>
+            </a:r>
+            <a:r>
+              <a:rPr lang="de-CH" baseline="0" dirty="0" smtClean="0"/>
+              <a:t> </a:t>
+            </a:r>
+            <a:r>
+              <a:rPr lang="de-CH" baseline="0" dirty="0" err="1" smtClean="0"/>
+              <a:t>void</a:t>
+            </a:r>
+            <a:r>
+              <a:rPr lang="de-CH" baseline="0" dirty="0" smtClean="0"/>
+              <a:t>. </a:t>
+            </a:r>
+            <a:r>
+              <a:rPr lang="de-CH" baseline="0" dirty="0" err="1" smtClean="0"/>
+              <a:t>Async</a:t>
+            </a:r>
+            <a:r>
+              <a:rPr lang="de-CH" baseline="0" dirty="0" smtClean="0"/>
+              <a:t> </a:t>
+            </a:r>
+            <a:r>
+              <a:rPr lang="de-CH" baseline="0" dirty="0" err="1" smtClean="0"/>
+              <a:t>void</a:t>
+            </a:r>
+            <a:r>
+              <a:rPr lang="de-CH" baseline="0" dirty="0" smtClean="0"/>
+              <a:t> </a:t>
+            </a:r>
+            <a:r>
+              <a:rPr lang="de-CH" baseline="0" dirty="0" err="1" smtClean="0"/>
+              <a:t>methods</a:t>
+            </a:r>
+            <a:r>
+              <a:rPr lang="de-CH" baseline="0" dirty="0" smtClean="0"/>
+              <a:t> </a:t>
+            </a:r>
+            <a:r>
+              <a:rPr lang="de-CH" baseline="0" dirty="0" err="1" smtClean="0"/>
+              <a:t>are</a:t>
+            </a:r>
+            <a:r>
+              <a:rPr lang="de-CH" baseline="0" dirty="0" smtClean="0"/>
+              <a:t> </a:t>
+            </a:r>
+            <a:r>
+              <a:rPr lang="de-CH" baseline="0" dirty="0" err="1" smtClean="0"/>
+              <a:t>evil</a:t>
+            </a:r>
+            <a:r>
+              <a:rPr lang="de-CH" baseline="0" dirty="0" smtClean="0"/>
+              <a:t>. </a:t>
+            </a:r>
+            <a:r>
+              <a:rPr lang="de-CH" baseline="0" dirty="0" err="1" smtClean="0"/>
+              <a:t>They</a:t>
+            </a:r>
+            <a:r>
+              <a:rPr lang="de-CH" baseline="0" dirty="0" smtClean="0"/>
+              <a:t> </a:t>
+            </a:r>
+            <a:r>
+              <a:rPr lang="de-CH" baseline="0" dirty="0" err="1" smtClean="0"/>
+              <a:t>interrupt</a:t>
+            </a:r>
+            <a:r>
+              <a:rPr lang="de-CH" baseline="0" dirty="0" smtClean="0"/>
+              <a:t> </a:t>
+            </a:r>
+            <a:r>
+              <a:rPr lang="de-CH" baseline="0" dirty="0" err="1" smtClean="0"/>
+              <a:t>the</a:t>
+            </a:r>
+            <a:r>
+              <a:rPr lang="de-CH" baseline="0" dirty="0" smtClean="0"/>
+              <a:t> </a:t>
+            </a:r>
+            <a:r>
+              <a:rPr lang="de-CH" baseline="0" dirty="0" err="1" smtClean="0"/>
+              <a:t>asynchronous</a:t>
+            </a:r>
+            <a:r>
+              <a:rPr lang="de-CH" baseline="0" dirty="0" smtClean="0"/>
+              <a:t> </a:t>
+            </a:r>
+            <a:r>
+              <a:rPr lang="de-CH" baseline="0" dirty="0" err="1" smtClean="0"/>
+              <a:t>flow</a:t>
+            </a:r>
+            <a:r>
+              <a:rPr lang="de-CH" baseline="0" dirty="0" smtClean="0"/>
+              <a:t>, </a:t>
+            </a:r>
+            <a:r>
+              <a:rPr lang="de-CH" baseline="0" dirty="0" err="1" smtClean="0"/>
+              <a:t>because</a:t>
+            </a:r>
+            <a:r>
+              <a:rPr lang="de-CH" baseline="0" dirty="0" smtClean="0"/>
+              <a:t> </a:t>
+            </a:r>
+            <a:r>
+              <a:rPr lang="de-CH" baseline="0" dirty="0" err="1" smtClean="0"/>
+              <a:t>the</a:t>
+            </a:r>
+            <a:r>
+              <a:rPr lang="de-CH" baseline="0" dirty="0" smtClean="0"/>
+              <a:t> </a:t>
+            </a:r>
+            <a:r>
+              <a:rPr lang="de-CH" baseline="0" dirty="0" err="1" smtClean="0"/>
+              <a:t>calling</a:t>
+            </a:r>
+            <a:r>
+              <a:rPr lang="de-CH" baseline="0" dirty="0" smtClean="0"/>
+              <a:t> </a:t>
+            </a:r>
+            <a:r>
+              <a:rPr lang="de-CH" baseline="0" dirty="0" err="1" smtClean="0"/>
+              <a:t>thread</a:t>
+            </a:r>
+            <a:r>
+              <a:rPr lang="de-CH" baseline="0" dirty="0" smtClean="0"/>
+              <a:t> </a:t>
+            </a:r>
+            <a:r>
+              <a:rPr lang="de-CH" baseline="0" dirty="0" err="1" smtClean="0"/>
+              <a:t>is</a:t>
+            </a:r>
+            <a:r>
+              <a:rPr lang="de-CH" baseline="0" dirty="0" smtClean="0"/>
+              <a:t> </a:t>
+            </a:r>
+            <a:r>
+              <a:rPr lang="de-CH" baseline="0" dirty="0" err="1" smtClean="0"/>
+              <a:t>entering</a:t>
+            </a:r>
+            <a:r>
+              <a:rPr lang="de-CH" baseline="0" dirty="0" smtClean="0"/>
+              <a:t> </a:t>
+            </a:r>
+            <a:r>
+              <a:rPr lang="de-CH" baseline="0" dirty="0" err="1" smtClean="0"/>
+              <a:t>the</a:t>
+            </a:r>
+            <a:r>
+              <a:rPr lang="de-CH" baseline="0" dirty="0" smtClean="0"/>
+              <a:t> block </a:t>
+            </a:r>
+            <a:r>
+              <a:rPr lang="de-CH" baseline="0" dirty="0" err="1" smtClean="0"/>
+              <a:t>of</a:t>
+            </a:r>
+            <a:r>
+              <a:rPr lang="de-CH" baseline="0" dirty="0" smtClean="0"/>
+              <a:t> </a:t>
+            </a:r>
+            <a:r>
+              <a:rPr lang="de-CH" baseline="0" dirty="0" err="1" smtClean="0"/>
+              <a:t>until</a:t>
+            </a:r>
+            <a:r>
+              <a:rPr lang="de-CH" baseline="0" dirty="0" smtClean="0"/>
+              <a:t> </a:t>
+            </a:r>
+            <a:r>
+              <a:rPr lang="de-CH" baseline="0" dirty="0" err="1" smtClean="0"/>
+              <a:t>it</a:t>
+            </a:r>
+            <a:r>
+              <a:rPr lang="de-CH" baseline="0" dirty="0" smtClean="0"/>
+              <a:t> </a:t>
+            </a:r>
+            <a:r>
+              <a:rPr lang="de-CH" baseline="0" dirty="0" err="1" smtClean="0"/>
+              <a:t>reaches</a:t>
+            </a:r>
+            <a:r>
+              <a:rPr lang="de-CH" baseline="0" dirty="0" smtClean="0"/>
+              <a:t> </a:t>
+            </a:r>
+            <a:r>
+              <a:rPr lang="de-CH" baseline="0" dirty="0" err="1" smtClean="0"/>
+              <a:t>the</a:t>
+            </a:r>
+            <a:r>
+              <a:rPr lang="de-CH" baseline="0" dirty="0" smtClean="0"/>
+              <a:t> </a:t>
+            </a:r>
+            <a:r>
+              <a:rPr lang="de-CH" baseline="0" dirty="0" err="1" smtClean="0"/>
+              <a:t>first</a:t>
+            </a:r>
+            <a:r>
+              <a:rPr lang="de-CH" baseline="0" dirty="0" smtClean="0"/>
+              <a:t> </a:t>
+            </a:r>
+            <a:r>
+              <a:rPr lang="de-CH" baseline="0" dirty="0" err="1" smtClean="0"/>
+              <a:t>await</a:t>
+            </a:r>
+            <a:r>
+              <a:rPr lang="de-CH" baseline="0" dirty="0" smtClean="0"/>
+              <a:t> </a:t>
+            </a:r>
+            <a:r>
+              <a:rPr lang="de-CH" baseline="0" dirty="0" err="1" smtClean="0"/>
+              <a:t>statement</a:t>
+            </a:r>
+            <a:r>
+              <a:rPr lang="de-CH" baseline="0" dirty="0" smtClean="0"/>
+              <a:t> </a:t>
+            </a:r>
+            <a:r>
+              <a:rPr lang="de-CH" baseline="0" dirty="0" err="1" smtClean="0"/>
+              <a:t>and</a:t>
+            </a:r>
+            <a:r>
+              <a:rPr lang="de-CH" baseline="0" dirty="0" smtClean="0"/>
+              <a:t> </a:t>
+            </a:r>
+            <a:r>
+              <a:rPr lang="de-CH" baseline="0" dirty="0" err="1" smtClean="0"/>
+              <a:t>then</a:t>
+            </a:r>
+            <a:r>
+              <a:rPr lang="de-CH" baseline="0" dirty="0" smtClean="0"/>
+              <a:t> </a:t>
+            </a:r>
+            <a:r>
+              <a:rPr lang="de-CH" baseline="0" dirty="0" err="1" smtClean="0"/>
+              <a:t>the</a:t>
+            </a:r>
+            <a:r>
+              <a:rPr lang="de-CH" baseline="0" dirty="0" smtClean="0"/>
+              <a:t> </a:t>
+            </a:r>
+            <a:r>
+              <a:rPr lang="de-CH" baseline="0" dirty="0" err="1" smtClean="0"/>
+              <a:t>operation</a:t>
+            </a:r>
+            <a:r>
+              <a:rPr lang="de-CH" baseline="0" dirty="0" smtClean="0"/>
+              <a:t> </a:t>
+            </a:r>
+            <a:r>
+              <a:rPr lang="de-CH" baseline="0" dirty="0" err="1" smtClean="0"/>
+              <a:t>is</a:t>
+            </a:r>
+            <a:r>
+              <a:rPr lang="de-CH" baseline="0" dirty="0" smtClean="0"/>
+              <a:t> </a:t>
+            </a:r>
+            <a:r>
+              <a:rPr lang="de-CH" baseline="0" dirty="0" err="1" smtClean="0"/>
+              <a:t>successfully</a:t>
+            </a:r>
+            <a:r>
+              <a:rPr lang="de-CH" baseline="0" dirty="0" smtClean="0"/>
+              <a:t> </a:t>
+            </a:r>
+            <a:r>
+              <a:rPr lang="de-CH" baseline="0" dirty="0" err="1" smtClean="0"/>
+              <a:t>executed</a:t>
+            </a:r>
+            <a:r>
+              <a:rPr lang="de-CH" baseline="0" dirty="0" smtClean="0"/>
+              <a:t> </a:t>
+            </a:r>
+            <a:r>
+              <a:rPr lang="de-CH" baseline="0" dirty="0" err="1" smtClean="0"/>
+              <a:t>for</a:t>
+            </a:r>
+            <a:r>
+              <a:rPr lang="de-CH" baseline="0" dirty="0" smtClean="0"/>
+              <a:t> </a:t>
+            </a:r>
+            <a:r>
+              <a:rPr lang="de-CH" baseline="0" dirty="0" err="1" smtClean="0"/>
+              <a:t>the</a:t>
+            </a:r>
+            <a:r>
+              <a:rPr lang="de-CH" baseline="0" dirty="0" smtClean="0"/>
+              <a:t> </a:t>
+            </a:r>
+            <a:r>
+              <a:rPr lang="de-CH" baseline="0" dirty="0" err="1" smtClean="0"/>
+              <a:t>calling</a:t>
+            </a:r>
+            <a:r>
+              <a:rPr lang="de-CH" baseline="0" dirty="0" smtClean="0"/>
+              <a:t> </a:t>
+            </a:r>
+            <a:r>
+              <a:rPr lang="de-CH" baseline="0" dirty="0" err="1" smtClean="0"/>
+              <a:t>thread</a:t>
+            </a:r>
+            <a:r>
+              <a:rPr lang="de-CH" baseline="0" dirty="0" smtClean="0"/>
+              <a:t>.</a:t>
+            </a:r>
+          </a:p>
+          <a:p>
+            <a:r>
+              <a:rPr lang="de-CH" baseline="0" dirty="0" err="1" smtClean="0"/>
+              <a:t>they</a:t>
+            </a:r>
+            <a:r>
+              <a:rPr lang="de-CH" baseline="0" dirty="0" smtClean="0"/>
+              <a:t> </a:t>
+            </a:r>
+            <a:r>
+              <a:rPr lang="de-CH" baseline="0" dirty="0" err="1" smtClean="0"/>
+              <a:t>are</a:t>
+            </a:r>
+            <a:r>
+              <a:rPr lang="de-CH" baseline="0" dirty="0" smtClean="0"/>
+              <a:t> </a:t>
+            </a:r>
+            <a:r>
+              <a:rPr lang="de-CH" baseline="0" dirty="0" err="1" smtClean="0"/>
+              <a:t>of</a:t>
+            </a:r>
+            <a:r>
+              <a:rPr lang="de-CH" baseline="0" dirty="0" smtClean="0"/>
+              <a:t> </a:t>
+            </a:r>
+            <a:r>
+              <a:rPr lang="de-CH" baseline="0" dirty="0" err="1" smtClean="0"/>
+              <a:t>fire</a:t>
+            </a:r>
+            <a:r>
+              <a:rPr lang="de-CH" baseline="0" dirty="0" smtClean="0"/>
+              <a:t> &amp; </a:t>
+            </a:r>
+            <a:r>
+              <a:rPr lang="de-CH" baseline="0" dirty="0" err="1" smtClean="0"/>
+              <a:t>forget</a:t>
+            </a:r>
+            <a:r>
+              <a:rPr lang="de-CH" baseline="0" dirty="0" smtClean="0"/>
+              <a:t> </a:t>
+            </a:r>
+            <a:r>
+              <a:rPr lang="de-CH" baseline="0" dirty="0" err="1" smtClean="0"/>
+              <a:t>nature</a:t>
+            </a:r>
+            <a:r>
+              <a:rPr lang="de-CH" baseline="0" dirty="0" smtClean="0"/>
+              <a:t>. </a:t>
+            </a:r>
+            <a:r>
+              <a:rPr lang="de-CH" baseline="0" dirty="0" err="1" smtClean="0"/>
+              <a:t>Any</a:t>
+            </a:r>
+            <a:r>
+              <a:rPr lang="de-CH" baseline="0" dirty="0" smtClean="0"/>
+              <a:t> </a:t>
+            </a:r>
+            <a:r>
+              <a:rPr lang="de-CH" baseline="0" dirty="0" err="1" smtClean="0"/>
+              <a:t>exceptions</a:t>
+            </a:r>
+            <a:r>
+              <a:rPr lang="de-CH" baseline="0" dirty="0" smtClean="0"/>
+              <a:t> </a:t>
+            </a:r>
+            <a:r>
+              <a:rPr lang="de-CH" baseline="0" dirty="0" err="1" smtClean="0"/>
+              <a:t>raised</a:t>
+            </a:r>
+            <a:r>
+              <a:rPr lang="de-CH" baseline="0" dirty="0" smtClean="0"/>
+              <a:t> </a:t>
+            </a:r>
+            <a:r>
+              <a:rPr lang="de-CH" baseline="0" dirty="0" err="1" smtClean="0"/>
+              <a:t>inside</a:t>
+            </a:r>
+            <a:r>
+              <a:rPr lang="de-CH" baseline="0" dirty="0" smtClean="0"/>
+              <a:t> </a:t>
+            </a:r>
+            <a:r>
+              <a:rPr lang="de-CH" baseline="0" dirty="0" err="1" smtClean="0"/>
+              <a:t>async</a:t>
+            </a:r>
+            <a:r>
+              <a:rPr lang="de-CH" baseline="0" dirty="0" smtClean="0"/>
+              <a:t> </a:t>
+            </a:r>
+            <a:r>
+              <a:rPr lang="de-CH" baseline="0" dirty="0" err="1" smtClean="0"/>
+              <a:t>void</a:t>
+            </a:r>
+            <a:r>
+              <a:rPr lang="de-CH" baseline="0" dirty="0" smtClean="0"/>
+              <a:t> </a:t>
+            </a:r>
+            <a:r>
+              <a:rPr lang="de-CH" baseline="0" dirty="0" err="1" smtClean="0"/>
+              <a:t>methods</a:t>
+            </a:r>
+            <a:r>
+              <a:rPr lang="de-CH" baseline="0" dirty="0" smtClean="0"/>
+              <a:t> </a:t>
+            </a:r>
+            <a:r>
+              <a:rPr lang="de-CH" baseline="0" dirty="0" err="1" smtClean="0"/>
+              <a:t>cannot</a:t>
+            </a:r>
+            <a:r>
+              <a:rPr lang="de-CH" baseline="0" dirty="0" smtClean="0"/>
+              <a:t> </a:t>
+            </a:r>
+            <a:r>
+              <a:rPr lang="de-CH" baseline="0" dirty="0" err="1" smtClean="0"/>
+              <a:t>be</a:t>
+            </a:r>
+            <a:r>
+              <a:rPr lang="de-CH" baseline="0" dirty="0" smtClean="0"/>
+              <a:t> </a:t>
+            </a:r>
+            <a:r>
+              <a:rPr lang="de-CH" baseline="0" dirty="0" err="1" smtClean="0"/>
+              <a:t>observed</a:t>
+            </a:r>
+            <a:r>
+              <a:rPr lang="de-CH" baseline="0" dirty="0" smtClean="0"/>
+              <a:t> </a:t>
+            </a:r>
+            <a:r>
+              <a:rPr lang="de-CH" baseline="0" dirty="0" err="1" smtClean="0"/>
+              <a:t>by</a:t>
+            </a:r>
+            <a:r>
+              <a:rPr lang="de-CH" baseline="0" dirty="0" smtClean="0"/>
+              <a:t> </a:t>
+            </a:r>
+            <a:r>
+              <a:rPr lang="de-CH" baseline="0" dirty="0" err="1" smtClean="0"/>
+              <a:t>the</a:t>
+            </a:r>
+            <a:r>
+              <a:rPr lang="de-CH" baseline="0" dirty="0" smtClean="0"/>
+              <a:t> </a:t>
+            </a:r>
+            <a:r>
+              <a:rPr lang="de-CH" baseline="0" dirty="0" err="1" smtClean="0"/>
+              <a:t>caller</a:t>
+            </a:r>
+            <a:r>
+              <a:rPr lang="de-CH" baseline="0" dirty="0" smtClean="0"/>
+              <a:t> (</a:t>
+            </a:r>
+            <a:r>
+              <a:rPr lang="de-CH" baseline="0" dirty="0" err="1" smtClean="0"/>
+              <a:t>unless</a:t>
+            </a:r>
+            <a:r>
+              <a:rPr lang="de-CH" baseline="0" dirty="0" smtClean="0"/>
+              <a:t> </a:t>
+            </a:r>
+            <a:r>
+              <a:rPr lang="de-CH" baseline="0" dirty="0" err="1" smtClean="0"/>
+              <a:t>you</a:t>
+            </a:r>
+            <a:r>
+              <a:rPr lang="de-CH" baseline="0" dirty="0" smtClean="0"/>
+              <a:t> do </a:t>
+            </a:r>
+            <a:r>
+              <a:rPr lang="de-CH" baseline="0" dirty="0" err="1" smtClean="0"/>
+              <a:t>fancy</a:t>
+            </a:r>
+            <a:r>
+              <a:rPr lang="de-CH" baseline="0" dirty="0" smtClean="0"/>
+              <a:t> </a:t>
+            </a:r>
+            <a:r>
+              <a:rPr lang="de-CH" baseline="0" dirty="0" err="1" smtClean="0"/>
+              <a:t>things</a:t>
+            </a:r>
+            <a:r>
+              <a:rPr lang="de-CH" baseline="0" dirty="0" smtClean="0"/>
+              <a:t> </a:t>
+            </a:r>
+            <a:r>
+              <a:rPr lang="de-CH" baseline="0" dirty="0" err="1" smtClean="0"/>
+              <a:t>with</a:t>
+            </a:r>
+            <a:r>
+              <a:rPr lang="de-CH" baseline="0" dirty="0" smtClean="0"/>
+              <a:t> </a:t>
+            </a:r>
+            <a:r>
+              <a:rPr lang="de-CH" baseline="0" dirty="0" err="1" smtClean="0"/>
+              <a:t>SynchronizationContexts</a:t>
+            </a:r>
+            <a:r>
+              <a:rPr lang="de-CH" baseline="0" dirty="0" smtClean="0"/>
+              <a:t>)</a:t>
+            </a:r>
+          </a:p>
+          <a:p>
+            <a:endParaRPr lang="de-CH" baseline="0" dirty="0" smtClean="0"/>
+          </a:p>
+          <a:p>
+            <a:r>
+              <a:rPr lang="de-CH" baseline="0" dirty="0" err="1" smtClean="0"/>
+              <a:t>Async</a:t>
+            </a:r>
+            <a:r>
+              <a:rPr lang="de-CH" baseline="0" dirty="0" smtClean="0"/>
+              <a:t> all </a:t>
+            </a:r>
+            <a:r>
+              <a:rPr lang="de-CH" baseline="0" dirty="0" err="1" smtClean="0"/>
+              <a:t>the</a:t>
+            </a:r>
+            <a:r>
+              <a:rPr lang="de-CH" baseline="0" dirty="0" smtClean="0"/>
+              <a:t> </a:t>
+            </a:r>
+            <a:r>
+              <a:rPr lang="de-CH" baseline="0" dirty="0" err="1" smtClean="0"/>
+              <a:t>way</a:t>
+            </a:r>
+            <a:r>
+              <a:rPr lang="de-CH" baseline="0" dirty="0" smtClean="0"/>
+              <a:t>, </a:t>
+            </a:r>
+            <a:r>
+              <a:rPr lang="de-CH" baseline="0" dirty="0" err="1" smtClean="0"/>
+              <a:t>means</a:t>
+            </a:r>
+            <a:r>
+              <a:rPr lang="de-CH" baseline="0" dirty="0" smtClean="0"/>
+              <a:t> </a:t>
+            </a:r>
+            <a:r>
+              <a:rPr lang="de-CH" baseline="0" dirty="0" err="1" smtClean="0"/>
+              <a:t>we</a:t>
+            </a:r>
+            <a:r>
+              <a:rPr lang="de-CH" baseline="0" dirty="0" smtClean="0"/>
+              <a:t> </a:t>
+            </a:r>
+            <a:r>
+              <a:rPr lang="de-CH" baseline="0" dirty="0" err="1" smtClean="0"/>
+              <a:t>cannot</a:t>
+            </a:r>
+            <a:r>
+              <a:rPr lang="de-CH" baseline="0" dirty="0" smtClean="0"/>
+              <a:t> mix </a:t>
+            </a:r>
+            <a:r>
+              <a:rPr lang="de-CH" baseline="0" dirty="0" err="1" smtClean="0"/>
+              <a:t>blocking</a:t>
+            </a:r>
+            <a:r>
+              <a:rPr lang="de-CH" baseline="0" dirty="0" smtClean="0"/>
+              <a:t> </a:t>
+            </a:r>
+            <a:r>
+              <a:rPr lang="de-CH" baseline="0" dirty="0" err="1" smtClean="0"/>
+              <a:t>with</a:t>
+            </a:r>
+            <a:r>
+              <a:rPr lang="de-CH" baseline="0" dirty="0" smtClean="0"/>
+              <a:t> </a:t>
+            </a:r>
+            <a:r>
+              <a:rPr lang="de-CH" baseline="0" dirty="0" err="1" smtClean="0"/>
+              <a:t>asynchronous</a:t>
+            </a:r>
+            <a:r>
+              <a:rPr lang="de-CH" baseline="0" dirty="0" smtClean="0"/>
+              <a:t> </a:t>
+            </a:r>
+            <a:r>
+              <a:rPr lang="de-CH" baseline="0" dirty="0" err="1" smtClean="0"/>
+              <a:t>code</a:t>
+            </a:r>
+            <a:r>
+              <a:rPr lang="de-CH" baseline="0" dirty="0" smtClean="0"/>
+              <a:t>. As </a:t>
+            </a:r>
+            <a:r>
+              <a:rPr lang="de-CH" baseline="0" dirty="0" err="1" smtClean="0"/>
+              <a:t>shown</a:t>
+            </a:r>
+            <a:r>
+              <a:rPr lang="de-CH" baseline="0" dirty="0" smtClean="0"/>
+              <a:t> </a:t>
+            </a:r>
+            <a:r>
+              <a:rPr lang="de-CH" baseline="0" dirty="0" err="1" smtClean="0"/>
+              <a:t>by</a:t>
+            </a:r>
+            <a:r>
+              <a:rPr lang="de-CH" baseline="0" dirty="0" smtClean="0"/>
+              <a:t> </a:t>
+            </a:r>
+            <a:r>
+              <a:rPr lang="de-CH" baseline="0" dirty="0" err="1" smtClean="0"/>
+              <a:t>many</a:t>
+            </a:r>
+            <a:r>
+              <a:rPr lang="de-CH" baseline="0" dirty="0" smtClean="0"/>
+              <a:t> </a:t>
+            </a:r>
+            <a:r>
+              <a:rPr lang="de-CH" baseline="0" dirty="0" err="1" smtClean="0"/>
+              <a:t>blog</a:t>
+            </a:r>
+            <a:r>
+              <a:rPr lang="de-CH" baseline="0" dirty="0" smtClean="0"/>
+              <a:t> </a:t>
+            </a:r>
+            <a:r>
+              <a:rPr lang="de-CH" baseline="0" dirty="0" err="1" smtClean="0"/>
+              <a:t>posts</a:t>
+            </a:r>
+            <a:r>
+              <a:rPr lang="de-CH" baseline="0" dirty="0" smtClean="0"/>
+              <a:t>, </a:t>
+            </a:r>
+            <a:r>
+              <a:rPr lang="de-CH" baseline="0" dirty="0" err="1" smtClean="0"/>
+              <a:t>talks</a:t>
+            </a:r>
+            <a:r>
+              <a:rPr lang="de-CH" baseline="0" dirty="0" smtClean="0"/>
+              <a:t> etc. </a:t>
+            </a:r>
+            <a:r>
+              <a:rPr lang="de-CH" baseline="0" dirty="0" err="1" smtClean="0"/>
+              <a:t>around</a:t>
+            </a:r>
+            <a:r>
+              <a:rPr lang="de-CH" baseline="0" dirty="0" smtClean="0"/>
+              <a:t> </a:t>
+            </a:r>
+            <a:r>
+              <a:rPr lang="de-CH" baseline="0" dirty="0" err="1" smtClean="0"/>
+              <a:t>async</a:t>
+            </a:r>
+            <a:r>
+              <a:rPr lang="de-CH" baseline="0" dirty="0" smtClean="0"/>
+              <a:t> / </a:t>
+            </a:r>
+            <a:r>
+              <a:rPr lang="de-CH" baseline="0" dirty="0" err="1" smtClean="0"/>
+              <a:t>await</a:t>
+            </a:r>
+            <a:r>
+              <a:rPr lang="de-CH" baseline="0" dirty="0" smtClean="0"/>
+              <a:t> </a:t>
+            </a:r>
+            <a:r>
+              <a:rPr lang="de-CH" baseline="0" dirty="0" err="1" smtClean="0"/>
+              <a:t>best</a:t>
+            </a:r>
+            <a:r>
+              <a:rPr lang="de-CH" baseline="0" dirty="0" smtClean="0"/>
+              <a:t> </a:t>
+            </a:r>
+            <a:r>
+              <a:rPr lang="de-CH" baseline="0" dirty="0" err="1" smtClean="0"/>
+              <a:t>practices</a:t>
+            </a:r>
+            <a:r>
+              <a:rPr lang="de-CH" baseline="0" dirty="0" smtClean="0"/>
+              <a:t> (</a:t>
+            </a:r>
+            <a:r>
+              <a:rPr lang="de-CH" baseline="0" dirty="0" err="1" smtClean="0"/>
+              <a:t>btw</a:t>
+            </a:r>
+            <a:r>
+              <a:rPr lang="de-CH" baseline="0" dirty="0" smtClean="0"/>
+              <a:t>. </a:t>
+            </a:r>
+            <a:r>
+              <a:rPr lang="de-CH" baseline="0" dirty="0" err="1" smtClean="0"/>
+              <a:t>You</a:t>
+            </a:r>
+            <a:r>
+              <a:rPr lang="de-CH" baseline="0" dirty="0" smtClean="0"/>
+              <a:t> </a:t>
+            </a:r>
+            <a:r>
+              <a:rPr lang="de-CH" baseline="0" dirty="0" err="1" smtClean="0"/>
+              <a:t>can</a:t>
+            </a:r>
+            <a:r>
+              <a:rPr lang="de-CH" baseline="0" dirty="0" smtClean="0"/>
+              <a:t> </a:t>
+            </a:r>
+            <a:r>
+              <a:rPr lang="de-CH" baseline="0" dirty="0" err="1" smtClean="0"/>
+              <a:t>watch</a:t>
+            </a:r>
+            <a:r>
+              <a:rPr lang="de-CH" baseline="0" dirty="0" smtClean="0"/>
+              <a:t> </a:t>
+            </a:r>
+            <a:r>
+              <a:rPr lang="de-CH" baseline="0" dirty="0" err="1" smtClean="0"/>
+              <a:t>my</a:t>
+            </a:r>
+            <a:r>
+              <a:rPr lang="de-CH" baseline="0" dirty="0" smtClean="0"/>
+              <a:t> </a:t>
+            </a:r>
+            <a:r>
+              <a:rPr lang="de-CH" baseline="0" dirty="0" err="1" smtClean="0"/>
+              <a:t>webinar</a:t>
+            </a:r>
+            <a:r>
+              <a:rPr lang="de-CH" baseline="0" dirty="0" smtClean="0"/>
+              <a:t> </a:t>
+            </a:r>
+            <a:r>
+              <a:rPr lang="de-CH" baseline="0" dirty="0" err="1" smtClean="0"/>
+              <a:t>recordings</a:t>
+            </a:r>
+            <a:r>
+              <a:rPr lang="de-CH" baseline="0" dirty="0" smtClean="0"/>
+              <a:t> </a:t>
+            </a:r>
+            <a:r>
+              <a:rPr lang="de-CH" baseline="0" dirty="0" err="1" smtClean="0"/>
+              <a:t>which</a:t>
+            </a:r>
+            <a:r>
+              <a:rPr lang="de-CH" baseline="0" dirty="0" smtClean="0"/>
+              <a:t> I </a:t>
+            </a:r>
+            <a:r>
+              <a:rPr lang="de-CH" baseline="0" dirty="0" err="1" smtClean="0"/>
+              <a:t>show</a:t>
+            </a:r>
+            <a:r>
+              <a:rPr lang="de-CH" baseline="0" dirty="0" smtClean="0"/>
+              <a:t> </a:t>
+            </a:r>
+            <a:r>
+              <a:rPr lang="de-CH" baseline="0" dirty="0" err="1" smtClean="0"/>
+              <a:t>how</a:t>
+            </a:r>
+            <a:r>
+              <a:rPr lang="de-CH" baseline="0" dirty="0" smtClean="0"/>
+              <a:t> </a:t>
+            </a:r>
+            <a:r>
+              <a:rPr lang="de-CH" baseline="0" dirty="0" err="1" smtClean="0"/>
+              <a:t>to</a:t>
+            </a:r>
+            <a:r>
+              <a:rPr lang="de-CH" baseline="0" dirty="0" smtClean="0"/>
+              <a:t> </a:t>
+            </a:r>
+            <a:r>
+              <a:rPr lang="de-CH" baseline="0" dirty="0" err="1" smtClean="0"/>
+              <a:t>access</a:t>
+            </a:r>
+            <a:r>
+              <a:rPr lang="de-CH" baseline="0" dirty="0" smtClean="0"/>
+              <a:t> at </a:t>
+            </a:r>
+            <a:r>
+              <a:rPr lang="de-CH" baseline="0" dirty="0" err="1" smtClean="0"/>
+              <a:t>the</a:t>
+            </a:r>
+            <a:r>
+              <a:rPr lang="de-CH" baseline="0" dirty="0" smtClean="0"/>
+              <a:t> end </a:t>
+            </a:r>
+            <a:r>
+              <a:rPr lang="de-CH" baseline="0" dirty="0" err="1" smtClean="0"/>
+              <a:t>of</a:t>
+            </a:r>
+            <a:r>
+              <a:rPr lang="de-CH" baseline="0" dirty="0" smtClean="0"/>
+              <a:t> </a:t>
+            </a:r>
+            <a:r>
+              <a:rPr lang="de-CH" baseline="0" dirty="0" err="1" smtClean="0"/>
+              <a:t>this</a:t>
+            </a:r>
+            <a:r>
+              <a:rPr lang="de-CH" baseline="0" dirty="0" smtClean="0"/>
+              <a:t> </a:t>
+            </a:r>
+            <a:r>
+              <a:rPr lang="de-CH" baseline="0" dirty="0" err="1" smtClean="0"/>
+              <a:t>talk</a:t>
+            </a:r>
+            <a:r>
+              <a:rPr lang="de-CH" baseline="0" dirty="0" smtClean="0"/>
+              <a:t> </a:t>
+            </a:r>
+            <a:r>
+              <a:rPr lang="de-CH" baseline="0" dirty="0" err="1" smtClean="0"/>
+              <a:t>if</a:t>
+            </a:r>
+            <a:r>
+              <a:rPr lang="de-CH" baseline="0" dirty="0" smtClean="0"/>
+              <a:t> </a:t>
+            </a:r>
+            <a:r>
+              <a:rPr lang="de-CH" baseline="0" dirty="0" err="1" smtClean="0"/>
+              <a:t>you</a:t>
+            </a:r>
+            <a:r>
+              <a:rPr lang="de-CH" baseline="0" dirty="0" smtClean="0"/>
+              <a:t> </a:t>
+            </a:r>
+            <a:r>
+              <a:rPr lang="de-CH" baseline="0" dirty="0" err="1" smtClean="0"/>
+              <a:t>don’t</a:t>
+            </a:r>
+            <a:r>
+              <a:rPr lang="de-CH" baseline="0" dirty="0" smtClean="0"/>
+              <a:t> </a:t>
+            </a:r>
+            <a:r>
+              <a:rPr lang="de-CH" baseline="0" dirty="0" err="1" smtClean="0"/>
+              <a:t>know</a:t>
+            </a:r>
+            <a:r>
+              <a:rPr lang="de-CH" baseline="0" dirty="0" smtClean="0"/>
+              <a:t> </a:t>
+            </a:r>
+            <a:r>
+              <a:rPr lang="de-CH" baseline="0" dirty="0" err="1" smtClean="0"/>
+              <a:t>what</a:t>
+            </a:r>
+            <a:r>
+              <a:rPr lang="de-CH" baseline="0" dirty="0" smtClean="0"/>
+              <a:t> </a:t>
+            </a:r>
+            <a:r>
+              <a:rPr lang="de-CH" baseline="0" dirty="0" err="1" smtClean="0"/>
+              <a:t>I’m</a:t>
+            </a:r>
+            <a:r>
+              <a:rPr lang="de-CH" baseline="0" dirty="0" smtClean="0"/>
+              <a:t> </a:t>
+            </a:r>
+            <a:r>
+              <a:rPr lang="de-CH" baseline="0" dirty="0" err="1" smtClean="0"/>
+              <a:t>talking</a:t>
+            </a:r>
+            <a:r>
+              <a:rPr lang="de-CH" baseline="0" dirty="0" smtClean="0"/>
+              <a:t> </a:t>
+            </a:r>
+            <a:r>
+              <a:rPr lang="de-CH" baseline="0" dirty="0" err="1" smtClean="0"/>
+              <a:t>about</a:t>
+            </a:r>
+            <a:r>
+              <a:rPr lang="de-CH" baseline="0" dirty="0" smtClean="0"/>
+              <a:t>) </a:t>
+            </a:r>
+            <a:r>
+              <a:rPr lang="de-CH" baseline="0" dirty="0" err="1" smtClean="0"/>
+              <a:t>if</a:t>
+            </a:r>
+            <a:r>
+              <a:rPr lang="de-CH" baseline="0" dirty="0" smtClean="0"/>
+              <a:t> </a:t>
+            </a:r>
+            <a:r>
+              <a:rPr lang="de-CH" baseline="0" dirty="0" err="1" smtClean="0"/>
+              <a:t>we</a:t>
+            </a:r>
+            <a:r>
+              <a:rPr lang="de-CH" baseline="0" dirty="0" smtClean="0"/>
+              <a:t> mix </a:t>
+            </a:r>
+            <a:r>
+              <a:rPr lang="de-CH" baseline="0" dirty="0" err="1" smtClean="0"/>
+              <a:t>blocking</a:t>
+            </a:r>
+            <a:r>
+              <a:rPr lang="de-CH" baseline="0" dirty="0" smtClean="0"/>
+              <a:t> </a:t>
+            </a:r>
+            <a:r>
+              <a:rPr lang="de-CH" baseline="0" dirty="0" err="1" smtClean="0"/>
+              <a:t>with</a:t>
+            </a:r>
+            <a:r>
+              <a:rPr lang="de-CH" baseline="0" dirty="0" smtClean="0"/>
+              <a:t> </a:t>
+            </a:r>
+            <a:r>
+              <a:rPr lang="de-CH" baseline="0" dirty="0" err="1" smtClean="0"/>
+              <a:t>asynchronous</a:t>
+            </a:r>
+            <a:r>
+              <a:rPr lang="de-CH" baseline="0" dirty="0" smtClean="0"/>
+              <a:t> </a:t>
+            </a:r>
+            <a:r>
+              <a:rPr lang="de-CH" baseline="0" dirty="0" err="1" smtClean="0"/>
+              <a:t>code</a:t>
+            </a:r>
+            <a:r>
+              <a:rPr lang="de-CH" baseline="0" dirty="0" smtClean="0"/>
+              <a:t> </a:t>
+            </a:r>
+            <a:r>
+              <a:rPr lang="de-CH" baseline="0" dirty="0" err="1" smtClean="0"/>
+              <a:t>we</a:t>
+            </a:r>
+            <a:r>
+              <a:rPr lang="de-CH" baseline="0" dirty="0" smtClean="0"/>
+              <a:t> will not </a:t>
+            </a:r>
+            <a:r>
+              <a:rPr lang="de-CH" baseline="0" dirty="0" err="1" smtClean="0"/>
+              <a:t>only</a:t>
+            </a:r>
+            <a:r>
+              <a:rPr lang="de-CH" baseline="0" dirty="0" smtClean="0"/>
+              <a:t> </a:t>
+            </a:r>
+            <a:r>
+              <a:rPr lang="de-CH" baseline="0" dirty="0" err="1" smtClean="0"/>
+              <a:t>be</a:t>
+            </a:r>
+            <a:r>
+              <a:rPr lang="de-CH" baseline="0" dirty="0" smtClean="0"/>
+              <a:t> </a:t>
+            </a:r>
+            <a:r>
+              <a:rPr lang="de-CH" baseline="0" dirty="0" err="1" smtClean="0"/>
+              <a:t>unnecessarily</a:t>
+            </a:r>
+            <a:r>
+              <a:rPr lang="de-CH" baseline="0" dirty="0" smtClean="0"/>
+              <a:t> </a:t>
+            </a:r>
+            <a:r>
+              <a:rPr lang="de-CH" baseline="0" dirty="0" err="1" smtClean="0"/>
+              <a:t>capturing</a:t>
+            </a:r>
+            <a:r>
+              <a:rPr lang="de-CH" baseline="0" dirty="0" smtClean="0"/>
+              <a:t> </a:t>
+            </a:r>
+            <a:r>
+              <a:rPr lang="de-CH" baseline="0" dirty="0" err="1" smtClean="0"/>
+              <a:t>the</a:t>
+            </a:r>
+            <a:r>
+              <a:rPr lang="de-CH" baseline="0" dirty="0" smtClean="0"/>
+              <a:t> </a:t>
+            </a:r>
+            <a:r>
+              <a:rPr lang="de-CH" baseline="0" dirty="0" err="1" smtClean="0"/>
+              <a:t>worker</a:t>
+            </a:r>
+            <a:r>
+              <a:rPr lang="de-CH" baseline="0" dirty="0" smtClean="0"/>
+              <a:t> </a:t>
+            </a:r>
+            <a:r>
+              <a:rPr lang="de-CH" baseline="0" dirty="0" err="1" smtClean="0"/>
+              <a:t>thread</a:t>
+            </a:r>
+            <a:r>
+              <a:rPr lang="de-CH" baseline="0" dirty="0" smtClean="0"/>
+              <a:t> but also </a:t>
+            </a:r>
+            <a:r>
+              <a:rPr lang="de-CH" baseline="0" dirty="0" err="1" smtClean="0"/>
+              <a:t>expose</a:t>
+            </a:r>
+            <a:r>
+              <a:rPr lang="de-CH" baseline="0" dirty="0" smtClean="0"/>
+              <a:t> </a:t>
+            </a:r>
+            <a:r>
+              <a:rPr lang="de-CH" baseline="0" dirty="0" err="1" smtClean="0"/>
+              <a:t>our</a:t>
+            </a:r>
+            <a:r>
+              <a:rPr lang="de-CH" baseline="0" dirty="0" smtClean="0"/>
+              <a:t> </a:t>
+            </a:r>
+            <a:r>
+              <a:rPr lang="de-CH" baseline="0" dirty="0" err="1" smtClean="0"/>
+              <a:t>code</a:t>
+            </a:r>
+            <a:r>
+              <a:rPr lang="de-CH" baseline="0" dirty="0" smtClean="0"/>
+              <a:t> </a:t>
+            </a:r>
+            <a:r>
+              <a:rPr lang="de-CH" baseline="0" dirty="0" err="1" smtClean="0"/>
+              <a:t>to</a:t>
+            </a:r>
+            <a:r>
+              <a:rPr lang="de-CH" baseline="0" dirty="0" smtClean="0"/>
+              <a:t> potential </a:t>
+            </a:r>
+            <a:r>
+              <a:rPr lang="de-CH" baseline="0" dirty="0" err="1" smtClean="0"/>
+              <a:t>deadlocks</a:t>
+            </a:r>
+            <a:r>
+              <a:rPr lang="de-CH" baseline="0" dirty="0" smtClean="0"/>
+              <a:t>.</a:t>
+            </a:r>
+          </a:p>
+          <a:p>
+            <a:endParaRPr lang="de-CH" baseline="0" dirty="0" smtClean="0"/>
+          </a:p>
+          <a:p>
+            <a:r>
+              <a:rPr lang="de-CH" baseline="0" dirty="0" err="1" smtClean="0"/>
+              <a:t>If</a:t>
+            </a:r>
+            <a:r>
+              <a:rPr lang="de-CH" baseline="0" dirty="0" smtClean="0"/>
+              <a:t> </a:t>
+            </a:r>
+            <a:r>
+              <a:rPr lang="de-CH" baseline="0" dirty="0" err="1" smtClean="0"/>
+              <a:t>we</a:t>
+            </a:r>
+            <a:r>
+              <a:rPr lang="de-CH" baseline="0" dirty="0" smtClean="0"/>
+              <a:t> follow </a:t>
+            </a:r>
+            <a:r>
+              <a:rPr lang="de-CH" baseline="0" dirty="0" err="1" smtClean="0"/>
+              <a:t>the</a:t>
+            </a:r>
+            <a:r>
+              <a:rPr lang="de-CH" baseline="0" dirty="0" smtClean="0"/>
+              <a:t> </a:t>
+            </a:r>
+            <a:r>
+              <a:rPr lang="de-CH" baseline="0" dirty="0" err="1" smtClean="0"/>
+              <a:t>rules</a:t>
+            </a:r>
+            <a:r>
+              <a:rPr lang="de-CH" baseline="0" dirty="0" smtClean="0"/>
+              <a:t> </a:t>
+            </a:r>
+            <a:r>
+              <a:rPr lang="de-CH" baseline="0" dirty="0" err="1" smtClean="0"/>
+              <a:t>above</a:t>
+            </a:r>
+            <a:r>
+              <a:rPr lang="de-CH" baseline="0" dirty="0" smtClean="0"/>
+              <a:t>, </a:t>
+            </a:r>
+            <a:r>
+              <a:rPr lang="de-CH" baseline="0" dirty="0" err="1" smtClean="0"/>
+              <a:t>the</a:t>
+            </a:r>
+            <a:r>
+              <a:rPr lang="de-CH" baseline="0" dirty="0" smtClean="0"/>
+              <a:t> </a:t>
+            </a:r>
+            <a:r>
+              <a:rPr lang="de-CH" baseline="0" dirty="0" err="1" smtClean="0"/>
+              <a:t>async</a:t>
+            </a:r>
+            <a:r>
+              <a:rPr lang="de-CH" baseline="0" dirty="0" smtClean="0"/>
+              <a:t> </a:t>
+            </a:r>
+            <a:r>
+              <a:rPr lang="de-CH" baseline="0" dirty="0" err="1" smtClean="0"/>
+              <a:t>task</a:t>
+            </a:r>
+            <a:r>
+              <a:rPr lang="de-CH" baseline="0" dirty="0" smtClean="0"/>
+              <a:t> </a:t>
+            </a:r>
+            <a:r>
+              <a:rPr lang="de-CH" baseline="0" dirty="0" err="1" smtClean="0"/>
+              <a:t>returning</a:t>
+            </a:r>
+            <a:r>
+              <a:rPr lang="de-CH" baseline="0" dirty="0" smtClean="0"/>
+              <a:t> APIs ripple </a:t>
+            </a:r>
+            <a:r>
+              <a:rPr lang="de-CH" baseline="0" dirty="0" err="1" smtClean="0"/>
+              <a:t>through</a:t>
+            </a:r>
+            <a:r>
+              <a:rPr lang="de-CH" baseline="0" dirty="0" smtClean="0"/>
+              <a:t> </a:t>
+            </a:r>
+            <a:r>
+              <a:rPr lang="de-CH" baseline="0" dirty="0" err="1" smtClean="0"/>
+              <a:t>the</a:t>
+            </a:r>
+            <a:r>
+              <a:rPr lang="de-CH" baseline="0" dirty="0" smtClean="0"/>
+              <a:t> </a:t>
+            </a:r>
+            <a:r>
+              <a:rPr lang="de-CH" baseline="0" dirty="0" err="1" smtClean="0"/>
+              <a:t>whole</a:t>
+            </a:r>
+            <a:r>
+              <a:rPr lang="de-CH" baseline="0" dirty="0" smtClean="0"/>
+              <a:t> </a:t>
+            </a:r>
+            <a:r>
+              <a:rPr lang="de-CH" baseline="0" dirty="0" err="1" smtClean="0"/>
+              <a:t>call</a:t>
+            </a:r>
+            <a:r>
+              <a:rPr lang="de-CH" baseline="0" dirty="0" smtClean="0"/>
+              <a:t> </a:t>
+            </a:r>
+            <a:r>
+              <a:rPr lang="de-CH" baseline="0" dirty="0" err="1" smtClean="0"/>
+              <a:t>stack</a:t>
+            </a:r>
+            <a:r>
+              <a:rPr lang="de-CH" baseline="0" dirty="0" smtClean="0"/>
+              <a:t>.</a:t>
+            </a:r>
           </a:p>
         </p:txBody>
       </p:sp>
@@ -4363,6 +5567,14 @@
           <a:bodyPr/>
           <a:lstStyle/>
           <a:p>
+            <a:r>
+              <a:rPr lang="en-US" baseline="0" dirty="0" err="1" smtClean="0"/>
+              <a:t>Async</a:t>
+            </a:r>
+            <a:r>
+              <a:rPr lang="en-US" baseline="0" dirty="0" smtClean="0"/>
+              <a:t> /await is viral. Like a highly infectious deceases it starts spreading all over the place as soon as you have it.</a:t>
+            </a:r>
             <a:endParaRPr lang="en-US" baseline="0" dirty="0"/>
           </a:p>
         </p:txBody>
@@ -4447,6 +5659,10 @@
           <a:bodyPr/>
           <a:lstStyle/>
           <a:p>
+            <a:r>
+              <a:rPr lang="de-CH" dirty="0" smtClean="0"/>
+              <a:t>But</a:t>
+            </a:r>
             <a:endParaRPr lang="de-CH" dirty="0"/>
           </a:p>
         </p:txBody>
@@ -4532,8 +5748,32 @@
           <a:lstStyle/>
           <a:p>
             <a:r>
+              <a:rPr lang="en-US" dirty="0" smtClean="0"/>
+              <a:t>It kicks your servers butt</a:t>
+            </a:r>
+          </a:p>
+          <a:p>
+            <a:r>
+              <a:rPr lang="en-US" dirty="0" smtClean="0"/>
+              <a:t>On a server every thread that can be freed up is worth freeing up</a:t>
+            </a:r>
+            <a:r>
+              <a:rPr lang="en-US" smtClean="0"/>
+              <a:t>. </a:t>
+            </a:r>
+            <a:endParaRPr lang="en-US" dirty="0" smtClean="0"/>
+          </a:p>
+          <a:p>
+            <a:endParaRPr lang="en-US" dirty="0" smtClean="0"/>
+          </a:p>
+          <a:p>
+            <a:r>
+              <a:rPr lang="en-US" dirty="0" smtClean="0"/>
+              <a:t>In </a:t>
+            </a:r>
+            <a:r>
               <a:rPr lang="en-US" dirty="0"/>
-              <a:t>In a server app, every thread is worth freeing up. You can always use a free </a:t>
+              <a:t>a server app, every thread is worth freeing up. You can always use a free </a:t>
             </a:r>
             <a:r>
               <a:rPr lang="en-US" dirty="0" err="1"/>
@@ -4602,21 +5842,13 @@
           <a:p>
             <a:r>
               <a:rPr lang="en-US" dirty="0"/>
-              <a:t>So, if you compare asynchrony to synchrony - just looking at one method or one request - then synchrony makes more sense. But if you compare asynchrony to parallelism - looking at the server as a whole - then asynchrony generally wins.</a:t>
-            </a:r>
-          </a:p>
-          <a:p>
+              <a:t>So, if you compare asynchrony to synchrony - just looking at one method or one request - then synchrony makes more sense. But if you compare asynchrony to parallelism - looking at the server as a whole - then asynchrony generally wins</a:t>
+            </a:r>
+            <a:r>
+              <a:rPr lang="en-US" dirty="0" smtClean="0"/>
+              <a:t>.</a:t>
+            </a:r>
             <a:endParaRPr lang="en-US" dirty="0"/>
-          </a:p>
-          <a:p>
-            <a:r>
-              <a:rPr lang="en-US" dirty="0"/>
-              <a:t>Image</a:t>
-            </a:r>
-            <a:endParaRPr lang="de-CH" dirty="0"/>
-          </a:p>
-          <a:p>
-            <a:endParaRPr lang="en-US" baseline="0" dirty="0"/>
           </a:p>
         </p:txBody>
       </p:sp>
@@ -9324,6 +10556,42 @@
           <a:bodyPr/>
           <a:lstStyle/>
           <a:p>
+            <a:r>
+              <a:rPr lang="en-US" baseline="0" dirty="0" smtClean="0"/>
+              <a:t>Fasten your seatbelts. Asynchronous programming with </a:t>
+            </a:r>
+            <a:r>
+              <a:rPr lang="en-US" baseline="0" dirty="0" err="1" smtClean="0"/>
+              <a:t>async</a:t>
+            </a:r>
+            <a:r>
+              <a:rPr lang="en-US" baseline="0" dirty="0" smtClean="0"/>
+              <a:t>/await is coming more and more. Especially in the cloud enabled world of today and tomorrow more and more third party libraries and framework will move to </a:t>
+            </a:r>
+            <a:r>
+              <a:rPr lang="en-US" baseline="0" dirty="0" err="1" smtClean="0"/>
+              <a:t>async</a:t>
+            </a:r>
+            <a:r>
+              <a:rPr lang="en-US" baseline="0" dirty="0" smtClean="0"/>
+              <a:t> only APIs. As soon as your code starts integrating with this APIs it needs to move to </a:t>
+            </a:r>
+            <a:r>
+              <a:rPr lang="en-US" baseline="0" dirty="0" err="1" smtClean="0"/>
+              <a:t>async</a:t>
+            </a:r>
+            <a:r>
+              <a:rPr lang="en-US" baseline="0" dirty="0" smtClean="0"/>
+              <a:t>/await as well if you want to avoid the </a:t>
+            </a:r>
+            <a:r>
+              <a:rPr lang="en-US" baseline="0" dirty="0" err="1" smtClean="0"/>
+              <a:t>async</a:t>
+            </a:r>
+            <a:r>
+              <a:rPr lang="en-US" baseline="0" dirty="0" smtClean="0"/>
+              <a:t> over sync blocking mega disaster.</a:t>
+            </a:r>
             <a:endParaRPr lang="en-US" baseline="0" dirty="0"/>
           </a:p>
         </p:txBody>
@@ -9414,7 +10682,20 @@
             </a:r>
             <a:r>
               <a:rPr lang="en-US" baseline="0" dirty="0"/>
-              <a:t> with fewer slides</a:t>
+              <a:t> with fewer </a:t>
+            </a:r>
+            <a:r>
+              <a:rPr lang="en-US" baseline="0" dirty="0" smtClean="0"/>
+              <a:t>slides</a:t>
+            </a:r>
+          </a:p>
+          <a:p>
+            <a:endParaRPr lang="en-US" baseline="0" dirty="0" smtClean="0"/>
+          </a:p>
+          <a:p>
+            <a:r>
+              <a:rPr lang="en-US" baseline="0" dirty="0" smtClean="0"/>
+              <a:t>Dart 1.9 has it, Python 3.5 and higher has it</a:t>
             </a:r>
             <a:endParaRPr lang="de-CH" dirty="0"/>
           </a:p>
@@ -10116,7 +11397,7 @@
           <a:p>
             <a:fld id="{A2EAEABE-1D59-4413-813E-803E21872067}" type="datetimeFigureOut">
               <a:rPr lang="de-CH" smtClean="0"/>
-              <a:t>01.06.2016</a:t>
+              <a:t>05.06.2016</a:t>
             </a:fld>
             <a:endParaRPr lang="de-CH"/>
           </a:p>
@@ -10286,7 +11567,7 @@
           <a:p>
             <a:fld id="{A2EAEABE-1D59-4413-813E-803E21872067}" type="datetimeFigureOut">
               <a:rPr lang="de-CH" smtClean="0"/>
-              <a:t>01.06.2016</a:t>
+              <a:t>05.06.2016</a:t>
             </a:fld>
             <a:endParaRPr lang="de-CH"/>
           </a:p>
@@ -10466,7 +11747,7 @@
           <a:p>
             <a:fld id="{A2EAEABE-1D59-4413-813E-803E21872067}" type="datetimeFigureOut">
               <a:rPr lang="de-CH" smtClean="0"/>
-              <a:t>01.06.2016</a:t>
+              <a:t>05.06.2016</a:t>
             </a:fld>
             <a:endParaRPr lang="de-CH"/>
           </a:p>
@@ -10635,7 +11916,7 @@
           <a:p>
             <a:fld id="{A2EAEABE-1D59-4413-813E-803E21872067}" type="datetimeFigureOut">
               <a:rPr lang="de-CH" smtClean="0"/>
-              <a:t>01.06.2016</a:t>
+              <a:t>05.06.2016</a:t>
             </a:fld>
             <a:endParaRPr lang="de-CH"/>
           </a:p>
@@ -10881,7 +12162,7 @@
           <a:p>
             <a:fld id="{A2EAEABE-1D59-4413-813E-803E21872067}" type="datetimeFigureOut">
               <a:rPr lang="de-CH" smtClean="0"/>
-              <a:t>01.06.2016</a:t>
+              <a:t>05.06.2016</a:t>
             </a:fld>
             <a:endParaRPr lang="de-CH"/>
           </a:p>
@@ -11113,7 +12394,7 @@
           <a:p>
             <a:fld id="{A2EAEABE-1D59-4413-813E-803E21872067}" type="datetimeFigureOut">
               <a:rPr lang="de-CH" smtClean="0"/>
-              <a:t>01.06.2016</a:t>
+              <a:t>05.06.2016</a:t>
             </a:fld>
             <a:endParaRPr lang="de-CH"/>
           </a:p>
@@ -11480,7 +12761,7 @@
           <a:p>
             <a:fld id="{A2EAEABE-1D59-4413-813E-803E21872067}" type="datetimeFigureOut">
               <a:rPr lang="de-CH" smtClean="0"/>
-              <a:t>01.06.2016</a:t>
+              <a:t>05.06.2016</a:t>
             </a:fld>
             <a:endParaRPr lang="de-CH"/>
           </a:p>
@@ -11598,7 +12879,7 @@
           <a:p>
             <a:fld id="{A2EAEABE-1D59-4413-813E-803E21872067}" type="datetimeFigureOut">
               <a:rPr lang="de-CH" smtClean="0"/>
-              <a:t>01.06.2016</a:t>
+              <a:t>05.06.2016</a:t>
             </a:fld>
             <a:endParaRPr lang="de-CH"/>
           </a:p>
@@ -11693,7 +12974,7 @@
           <a:p>
             <a:fld id="{A2EAEABE-1D59-4413-813E-803E21872067}" type="datetimeFigureOut">
               <a:rPr lang="de-CH" smtClean="0"/>
-              <a:t>01.06.2016</a:t>
+              <a:t>05.06.2016</a:t>
             </a:fld>
             <a:endParaRPr lang="de-CH"/>
           </a:p>
@@ -11970,7 +13251,7 @@
           <a:p>
             <a:fld id="{A2EAEABE-1D59-4413-813E-803E21872067}" type="datetimeFigureOut">
               <a:rPr lang="de-CH" smtClean="0"/>
-              <a:t>01.06.2016</a:t>
+              <a:t>05.06.2016</a:t>
             </a:fld>
             <a:endParaRPr lang="de-CH"/>
           </a:p>
@@ -12227,7 +13508,7 @@
           <a:p>
             <a:fld id="{A2EAEABE-1D59-4413-813E-803E21872067}" type="datetimeFigureOut">
               <a:rPr lang="de-CH" smtClean="0"/>
-              <a:t>01.06.2016</a:t>
+              <a:t>05.06.2016</a:t>
             </a:fld>
             <a:endParaRPr lang="de-CH"/>
           </a:p>
@@ -12438,7 +13719,7 @@
           <a:p>
             <a:fld id="{A2EAEABE-1D59-4413-813E-803E21872067}" type="datetimeFigureOut">
               <a:rPr lang="de-CH" smtClean="0"/>
-              <a:t>01.06.2016</a:t>
+              <a:t>05.06.2016</a:t>
             </a:fld>
             <a:endParaRPr lang="de-CH"/>
           </a:p>
@@ -14967,6 +16248,39 @@
           </p:txBody>
         </p:sp>
       </p:grpSp>
+      <p:sp>
+        <p:nvSpPr>
+          <p:cNvPr id="12" name="Rectangle 11"/>
+          <p:cNvSpPr/>
+          <p:nvPr/>
+        </p:nvSpPr>
+        <p:spPr>
+          <a:xfrm>
+            <a:off x="194440" y="6204080"/>
+            <a:ext cx="7979979" cy="461665"/>
+          </a:xfrm>
+          <a:prstGeom prst="rect">
+            <a:avLst/>
+          </a:prstGeom>
+        </p:spPr>
+        <p:txBody>
+          <a:bodyPr wrap="square">
+            <a:spAutoFit/>
+          </a:bodyPr>
+          <a:lstStyle/>
+          <a:p>
+            <a:r>
+              <a:rPr lang="de-CH" sz="2400" dirty="0">
+                <a:solidFill>
+                  <a:schemeClr val="accent3"/>
+                </a:solidFill>
+                <a:latin typeface="Yanone Kaffeesatz Regular" panose="02000000000000000000" pitchFamily="2" charset="0"/>
+              </a:rPr>
+              <a:t>https://github.com/Particular/EndToEnd/tree/master/src/PerformanceTests</a:t>
+            </a:r>
+          </a:p>
+        </p:txBody>
+      </p:sp>
     </p:spTree>
     <p:extLst>
       <p:ext uri="{BB962C8B-B14F-4D97-AF65-F5344CB8AC3E}">
@@ -15474,221 +16788,206 @@
           </p:txBody>
         </p:sp>
       </p:grpSp>
-      <p:grpSp>
-        <p:nvGrpSpPr>
-          <p:cNvPr id="12" name="Group 11"/>
-          <p:cNvGrpSpPr/>
+      <p:sp>
+        <p:nvSpPr>
+          <p:cNvPr id="7" name="Rectangle 6"/>
+          <p:cNvSpPr/>
           <p:nvPr/>
-        </p:nvGrpSpPr>
-        <p:grpSpPr>
+        </p:nvSpPr>
+        <p:spPr>
           <a:xfrm>
-            <a:off x="4323205" y="955664"/>
-            <a:ext cx="5471485" cy="4688332"/>
-            <a:chOff x="4077263" y="842172"/>
-            <a:chExt cx="5471485" cy="4688332"/>
+            <a:off x="4794778" y="4074336"/>
+            <a:ext cx="4999912" cy="1569660"/>
           </a:xfrm>
-        </p:grpSpPr>
-        <p:sp>
-          <p:nvSpPr>
-            <p:cNvPr id="7" name="Rectangle 6"/>
-            <p:cNvSpPr/>
-            <p:nvPr/>
-          </p:nvSpPr>
-          <p:spPr>
-            <a:xfrm>
-              <a:off x="4548836" y="3960844"/>
-              <a:ext cx="4999912" cy="1569660"/>
-            </a:xfrm>
-            <a:prstGeom prst="rect">
-              <a:avLst/>
-            </a:prstGeom>
-          </p:spPr>
-          <p:txBody>
-            <a:bodyPr wrap="square">
-              <a:spAutoFit/>
-            </a:bodyPr>
-            <a:lstStyle/>
-            <a:p>
-              <a:r>
-                <a:rPr lang="en-US" sz="9600" dirty="0">
-                  <a:solidFill>
-                    <a:schemeClr val="accent4"/>
-                  </a:solidFill>
-                  <a:latin typeface="Yanone Kaffeesatz Regular" panose="02000000000000000000" pitchFamily="2" charset="0"/>
-                </a:rPr>
-                <a:t>b</a:t>
-              </a:r>
-              <a:r>
-                <a:rPr lang="en-US" sz="5400" dirty="0" smtClean="0">
-                  <a:solidFill>
-                    <a:schemeClr val="tx2"/>
-                  </a:solidFill>
-                  <a:latin typeface="Yanone Kaffeesatz Regular" panose="02000000000000000000" pitchFamily="2" charset="0"/>
-                </a:rPr>
-                <a:t>ring together</a:t>
-              </a:r>
-              <a:endParaRPr lang="de-CH" sz="900" dirty="0">
-                <a:solidFill>
-                  <a:schemeClr val="tx2"/>
-                </a:solidFill>
-              </a:endParaRPr>
-            </a:p>
-          </p:txBody>
-        </p:sp>
-        <p:sp>
-          <p:nvSpPr>
-            <p:cNvPr id="8" name="Rectangle 7"/>
-            <p:cNvSpPr/>
-            <p:nvPr/>
-          </p:nvSpPr>
-          <p:spPr>
-            <a:xfrm>
-              <a:off x="4648801" y="842172"/>
-              <a:ext cx="1928733" cy="1569660"/>
-            </a:xfrm>
-            <a:prstGeom prst="rect">
-              <a:avLst/>
-            </a:prstGeom>
-          </p:spPr>
-          <p:txBody>
-            <a:bodyPr wrap="none">
-              <a:spAutoFit/>
-            </a:bodyPr>
-            <a:lstStyle/>
-            <a:p>
-              <a:r>
-                <a:rPr lang="en-US" sz="9600" dirty="0" smtClean="0">
-                  <a:solidFill>
-                    <a:schemeClr val="accent4"/>
-                  </a:solidFill>
-                  <a:latin typeface="Yanone Kaffeesatz Regular" panose="02000000000000000000" pitchFamily="2" charset="0"/>
-                </a:rPr>
-                <a:t>i</a:t>
-              </a:r>
-              <a:r>
-                <a:rPr lang="en-US" sz="5400" dirty="0" smtClean="0">
-                  <a:solidFill>
-                    <a:schemeClr val="tx2"/>
-                  </a:solidFill>
-                  <a:latin typeface="Yanone Kaffeesatz Regular" panose="02000000000000000000" pitchFamily="2" charset="0"/>
-                </a:rPr>
-                <a:t>dentify</a:t>
-              </a:r>
-              <a:endParaRPr lang="en-US" dirty="0">
-                <a:solidFill>
-                  <a:schemeClr val="tx2"/>
-                </a:solidFill>
-                <a:latin typeface="Yanone Kaffeesatz Regular" panose="02000000000000000000" pitchFamily="2" charset="0"/>
-              </a:endParaRPr>
-            </a:p>
-          </p:txBody>
-        </p:sp>
-        <p:sp>
-          <p:nvSpPr>
-            <p:cNvPr id="9" name="Rectangle 8"/>
-            <p:cNvSpPr/>
-            <p:nvPr/>
-          </p:nvSpPr>
-          <p:spPr>
-            <a:xfrm>
-              <a:off x="4077263" y="1881729"/>
-              <a:ext cx="1939955" cy="1569660"/>
-            </a:xfrm>
-            <a:prstGeom prst="rect">
-              <a:avLst/>
-            </a:prstGeom>
-          </p:spPr>
-          <p:txBody>
-            <a:bodyPr wrap="none">
-              <a:spAutoFit/>
-            </a:bodyPr>
-            <a:lstStyle/>
-            <a:p>
-              <a:r>
-                <a:rPr lang="en-US" sz="5400" dirty="0" err="1">
-                  <a:solidFill>
-                    <a:schemeClr val="tx2"/>
-                  </a:solidFill>
-                  <a:latin typeface="Yanone Kaffeesatz Regular" panose="02000000000000000000" pitchFamily="2" charset="0"/>
-                </a:rPr>
-                <a:t>Ex</a:t>
-              </a:r>
-              <a:r>
-                <a:rPr lang="en-US" sz="9600" dirty="0" err="1">
-                  <a:solidFill>
-                    <a:schemeClr val="accent4"/>
-                  </a:solidFill>
-                  <a:latin typeface="Yanone Kaffeesatz Regular" panose="02000000000000000000" pitchFamily="2" charset="0"/>
-                </a:rPr>
-                <a:t>P</a:t>
-              </a:r>
-              <a:r>
-                <a:rPr lang="en-US" sz="5400" dirty="0" err="1">
-                  <a:solidFill>
-                    <a:schemeClr val="tx2"/>
-                  </a:solidFill>
-                  <a:latin typeface="Yanone Kaffeesatz Regular" panose="02000000000000000000" pitchFamily="2" charset="0"/>
-                </a:rPr>
-                <a:t>lore</a:t>
-              </a:r>
-              <a:endParaRPr lang="en-US" sz="5400" dirty="0">
-                <a:solidFill>
-                  <a:schemeClr val="tx2"/>
-                </a:solidFill>
-                <a:latin typeface="Yanone Kaffeesatz Regular" panose="02000000000000000000" pitchFamily="2" charset="0"/>
-              </a:endParaRPr>
-            </a:p>
-          </p:txBody>
-        </p:sp>
-        <p:sp>
-          <p:nvSpPr>
-            <p:cNvPr id="10" name="Rectangle 9"/>
-            <p:cNvSpPr/>
-            <p:nvPr/>
-          </p:nvSpPr>
-          <p:spPr>
-            <a:xfrm>
-              <a:off x="4548836" y="2795164"/>
-              <a:ext cx="2420856" cy="1569660"/>
-            </a:xfrm>
-            <a:prstGeom prst="rect">
-              <a:avLst/>
-            </a:prstGeom>
-          </p:spPr>
-          <p:txBody>
-            <a:bodyPr wrap="none">
-              <a:spAutoFit/>
-            </a:bodyPr>
-            <a:lstStyle/>
-            <a:p>
-              <a:r>
-                <a:rPr lang="en-US" sz="9600" dirty="0" smtClean="0">
-                  <a:solidFill>
-                    <a:schemeClr val="accent4"/>
-                  </a:solidFill>
-                  <a:latin typeface="Yanone Kaffeesatz Regular" panose="02000000000000000000" pitchFamily="2" charset="0"/>
-                </a:rPr>
-                <a:t>o</a:t>
-              </a:r>
-              <a:r>
-                <a:rPr lang="en-US" sz="5400" dirty="0" smtClean="0">
-                  <a:solidFill>
-                    <a:schemeClr val="tx2"/>
-                  </a:solidFill>
-                  <a:latin typeface="Yanone Kaffeesatz Regular" panose="02000000000000000000" pitchFamily="2" charset="0"/>
-                </a:rPr>
-                <a:t>vercome</a:t>
-              </a:r>
-              <a:endParaRPr lang="en-US" sz="5400" dirty="0">
-                <a:solidFill>
-                  <a:schemeClr val="tx2"/>
-                </a:solidFill>
-                <a:latin typeface="Yanone Kaffeesatz Regular" panose="02000000000000000000" pitchFamily="2" charset="0"/>
-              </a:endParaRPr>
-            </a:p>
-          </p:txBody>
-        </p:sp>
-      </p:grpSp>
+          <a:prstGeom prst="rect">
+            <a:avLst/>
+          </a:prstGeom>
+        </p:spPr>
+        <p:txBody>
+          <a:bodyPr wrap="square">
+            <a:spAutoFit/>
+          </a:bodyPr>
+          <a:lstStyle/>
+          <a:p>
+            <a:r>
+              <a:rPr lang="en-US" sz="9600" dirty="0">
+                <a:solidFill>
+                  <a:schemeClr val="accent4"/>
+                </a:solidFill>
+                <a:latin typeface="Yanone Kaffeesatz Regular" panose="02000000000000000000" pitchFamily="2" charset="0"/>
+              </a:rPr>
+              <a:t>b</a:t>
+            </a:r>
+            <a:r>
+              <a:rPr lang="en-US" sz="5400" dirty="0" smtClean="0">
+                <a:solidFill>
+                  <a:schemeClr val="tx2"/>
+                </a:solidFill>
+                <a:latin typeface="Yanone Kaffeesatz Regular" panose="02000000000000000000" pitchFamily="2" charset="0"/>
+              </a:rPr>
+              <a:t>ring together</a:t>
+            </a:r>
+            <a:endParaRPr lang="de-CH" sz="900" dirty="0">
+              <a:solidFill>
+                <a:schemeClr val="tx2"/>
+              </a:solidFill>
+            </a:endParaRPr>
+          </a:p>
+        </p:txBody>
+      </p:sp>
+      <p:sp>
+        <p:nvSpPr>
+          <p:cNvPr id="8" name="Rectangle 7"/>
+          <p:cNvSpPr/>
+          <p:nvPr/>
+        </p:nvSpPr>
+        <p:spPr>
+          <a:xfrm>
+            <a:off x="4894743" y="955664"/>
+            <a:ext cx="1928733" cy="1569660"/>
+          </a:xfrm>
+          <a:prstGeom prst="rect">
+            <a:avLst/>
+          </a:prstGeom>
+        </p:spPr>
+        <p:txBody>
+          <a:bodyPr wrap="none">
+            <a:spAutoFit/>
+          </a:bodyPr>
+          <a:lstStyle/>
+          <a:p>
+            <a:r>
+              <a:rPr lang="en-US" sz="9600" dirty="0" smtClean="0">
+                <a:solidFill>
+                  <a:schemeClr val="accent4"/>
+                </a:solidFill>
+                <a:latin typeface="Yanone Kaffeesatz Regular" panose="02000000000000000000" pitchFamily="2" charset="0"/>
+              </a:rPr>
+              <a:t>i</a:t>
+            </a:r>
+            <a:r>
+              <a:rPr lang="en-US" sz="5400" dirty="0" smtClean="0">
+                <a:solidFill>
+                  <a:schemeClr val="tx2"/>
+                </a:solidFill>
+                <a:latin typeface="Yanone Kaffeesatz Regular" panose="02000000000000000000" pitchFamily="2" charset="0"/>
+              </a:rPr>
+              <a:t>dentify</a:t>
+            </a:r>
+            <a:endParaRPr lang="en-US" dirty="0">
+              <a:solidFill>
+                <a:schemeClr val="tx2"/>
+              </a:solidFill>
+              <a:latin typeface="Yanone Kaffeesatz Regular" panose="02000000000000000000" pitchFamily="2" charset="0"/>
+            </a:endParaRPr>
+          </a:p>
+        </p:txBody>
+      </p:sp>
+      <p:sp>
+        <p:nvSpPr>
+          <p:cNvPr id="9" name="Rectangle 8"/>
+          <p:cNvSpPr/>
+          <p:nvPr/>
+        </p:nvSpPr>
+        <p:spPr>
+          <a:xfrm>
+            <a:off x="4323205" y="1995221"/>
+            <a:ext cx="1939955" cy="1569660"/>
+          </a:xfrm>
+          <a:prstGeom prst="rect">
+            <a:avLst/>
+          </a:prstGeom>
+        </p:spPr>
+        <p:txBody>
+          <a:bodyPr wrap="none">
+            <a:spAutoFit/>
+          </a:bodyPr>
+          <a:lstStyle/>
+          <a:p>
+            <a:r>
+              <a:rPr lang="en-US" sz="5400" dirty="0" err="1">
+                <a:solidFill>
+                  <a:schemeClr val="tx2"/>
+                </a:solidFill>
+                <a:latin typeface="Yanone Kaffeesatz Regular" panose="02000000000000000000" pitchFamily="2" charset="0"/>
+              </a:rPr>
+              <a:t>Ex</a:t>
+            </a:r>
+            <a:r>
+              <a:rPr lang="en-US" sz="9600" dirty="0" err="1">
+                <a:solidFill>
+                  <a:schemeClr val="accent4"/>
+                </a:solidFill>
+                <a:latin typeface="Yanone Kaffeesatz Regular" panose="02000000000000000000" pitchFamily="2" charset="0"/>
+              </a:rPr>
+              <a:t>P</a:t>
+            </a:r>
+            <a:r>
+              <a:rPr lang="en-US" sz="5400" dirty="0" err="1">
+                <a:solidFill>
+                  <a:schemeClr val="tx2"/>
+                </a:solidFill>
+                <a:latin typeface="Yanone Kaffeesatz Regular" panose="02000000000000000000" pitchFamily="2" charset="0"/>
+              </a:rPr>
+              <a:t>lore</a:t>
+            </a:r>
+            <a:endParaRPr lang="en-US" sz="5400" dirty="0">
+              <a:solidFill>
+                <a:schemeClr val="tx2"/>
+              </a:solidFill>
+              <a:latin typeface="Yanone Kaffeesatz Regular" panose="02000000000000000000" pitchFamily="2" charset="0"/>
+            </a:endParaRPr>
+          </a:p>
+        </p:txBody>
+      </p:sp>
+      <p:sp>
+        <p:nvSpPr>
+          <p:cNvPr id="10" name="Rectangle 9"/>
+          <p:cNvSpPr/>
+          <p:nvPr/>
+        </p:nvSpPr>
+        <p:spPr>
+          <a:xfrm>
+            <a:off x="4794778" y="2908656"/>
+            <a:ext cx="2420856" cy="1569660"/>
+          </a:xfrm>
+          <a:prstGeom prst="rect">
+            <a:avLst/>
+          </a:prstGeom>
+        </p:spPr>
+        <p:txBody>
+          <a:bodyPr wrap="none">
+            <a:spAutoFit/>
+          </a:bodyPr>
+          <a:lstStyle/>
+          <a:p>
+            <a:r>
+              <a:rPr lang="en-US" sz="9600" dirty="0" smtClean="0">
+                <a:solidFill>
+                  <a:schemeClr val="accent4"/>
+                </a:solidFill>
+                <a:latin typeface="Yanone Kaffeesatz Regular" panose="02000000000000000000" pitchFamily="2" charset="0"/>
+              </a:rPr>
+              <a:t>o</a:t>
+            </a:r>
+            <a:r>
+              <a:rPr lang="en-US" sz="5400" dirty="0" smtClean="0">
+                <a:solidFill>
+                  <a:schemeClr val="tx2"/>
+                </a:solidFill>
+                <a:latin typeface="Yanone Kaffeesatz Regular" panose="02000000000000000000" pitchFamily="2" charset="0"/>
+              </a:rPr>
+              <a:t>vercome</a:t>
+            </a:r>
+            <a:endParaRPr lang="en-US" sz="5400" dirty="0">
+              <a:solidFill>
+                <a:schemeClr val="tx2"/>
+              </a:solidFill>
+              <a:latin typeface="Yanone Kaffeesatz Regular" panose="02000000000000000000" pitchFamily="2" charset="0"/>
+            </a:endParaRPr>
+          </a:p>
+        </p:txBody>
+      </p:sp>
     </p:spTree>
     <p:extLst>
       <p:ext uri="{BB962C8B-B14F-4D97-AF65-F5344CB8AC3E}">
@@ -15702,9 +17001,447 @@
   <p:timing>
     <p:tnLst>
       <p:par>
-        <p:cTn id="1" dur="indefinite" restart="never" nodeType="tmRoot"/>
+        <p:cTn id="1" dur="indefinite" restart="never" nodeType="tmRoot">
+          <p:childTnLst>
+            <p:seq concurrent="1" nextAc="seek">
+              <p:cTn id="2" dur="indefinite" nodeType="mainSeq">
+                <p:childTnLst>
+                  <p:par>
+                    <p:cTn id="3" fill="hold">
+                      <p:stCondLst>
+                        <p:cond delay="indefinite"/>
+                      </p:stCondLst>
+                      <p:childTnLst>
+                        <p:par>
+                          <p:cTn id="4" fill="hold">
+                            <p:stCondLst>
+                              <p:cond delay="0"/>
+                            </p:stCondLst>
+                            <p:childTnLst>
+                              <p:par>
+                                <p:cTn id="5" presetID="2" presetClass="entr" presetSubtype="4" fill="hold" grpId="0" nodeType="clickEffect">
+                                  <p:stCondLst>
+                                    <p:cond delay="0"/>
+                                  </p:stCondLst>
+                                  <p:childTnLst>
+                                    <p:set>
+                                      <p:cBhvr>
+                                        <p:cTn id="6" dur="1" fill="hold">
+                                          <p:stCondLst>
+                                            <p:cond delay="0"/>
+                                          </p:stCondLst>
+                                        </p:cTn>
+                                        <p:tgtEl>
+                                          <p:spTgt spid="8"/>
+                                        </p:tgtEl>
+                                        <p:attrNameLst>
+                                          <p:attrName>style.visibility</p:attrName>
+                                        </p:attrNameLst>
+                                      </p:cBhvr>
+                                      <p:to>
+                                        <p:strVal val="visible"/>
+                                      </p:to>
+                                    </p:set>
+                                    <p:anim calcmode="lin" valueType="num">
+                                      <p:cBhvr additive="base">
+                                        <p:cTn id="7" dur="500" fill="hold"/>
+                                        <p:tgtEl>
+                                          <p:spTgt spid="8"/>
+                                        </p:tgtEl>
+                                        <p:attrNameLst>
+                                          <p:attrName>ppt_x</p:attrName>
+                                        </p:attrNameLst>
+                                      </p:cBhvr>
+                                      <p:tavLst>
+                                        <p:tav tm="0">
+                                          <p:val>
+                                            <p:strVal val="#ppt_x"/>
+                                          </p:val>
+                                        </p:tav>
+                                        <p:tav tm="100000">
+                                          <p:val>
+                                            <p:strVal val="#ppt_x"/>
+                                          </p:val>
+                                        </p:tav>
+                                      </p:tavLst>
+                                    </p:anim>
+                                    <p:anim calcmode="lin" valueType="num">
+                                      <p:cBhvr additive="base">
+                                        <p:cTn id="8" dur="500" fill="hold"/>
+                                        <p:tgtEl>
+                                          <p:spTgt spid="8"/>
+                                        </p:tgtEl>
+                                        <p:attrNameLst>
+                                          <p:attrName>ppt_y</p:attrName>
+                                        </p:attrNameLst>
+                                      </p:cBhvr>
+                                      <p:tavLst>
+                                        <p:tav tm="0">
+                                          <p:val>
+                                            <p:strVal val="1+#ppt_h/2"/>
+                                          </p:val>
+                                        </p:tav>
+                                        <p:tav tm="100000">
+                                          <p:val>
+                                            <p:strVal val="#ppt_y"/>
+                                          </p:val>
+                                        </p:tav>
+                                      </p:tavLst>
+                                    </p:anim>
+                                  </p:childTnLst>
+                                </p:cTn>
+                              </p:par>
+                            </p:childTnLst>
+                          </p:cTn>
+                        </p:par>
+                      </p:childTnLst>
+                    </p:cTn>
+                  </p:par>
+                  <p:par>
+                    <p:cTn id="9" fill="hold">
+                      <p:stCondLst>
+                        <p:cond delay="indefinite"/>
+                      </p:stCondLst>
+                      <p:childTnLst>
+                        <p:par>
+                          <p:cTn id="10" fill="hold">
+                            <p:stCondLst>
+                              <p:cond delay="0"/>
+                            </p:stCondLst>
+                            <p:childTnLst>
+                              <p:par>
+                                <p:cTn id="11" presetID="2" presetClass="entr" presetSubtype="4" fill="hold" grpId="0" nodeType="clickEffect">
+                                  <p:stCondLst>
+                                    <p:cond delay="0"/>
+                                  </p:stCondLst>
+                                  <p:childTnLst>
+                                    <p:set>
+                                      <p:cBhvr>
+                                        <p:cTn id="12" dur="1" fill="hold">
+                                          <p:stCondLst>
+                                            <p:cond delay="0"/>
+                                          </p:stCondLst>
+                                        </p:cTn>
+                                        <p:tgtEl>
+                                          <p:spTgt spid="9"/>
+                                        </p:tgtEl>
+                                        <p:attrNameLst>
+                                          <p:attrName>style.visibility</p:attrName>
+                                        </p:attrNameLst>
+                                      </p:cBhvr>
+                                      <p:to>
+                                        <p:strVal val="visible"/>
+                                      </p:to>
+                                    </p:set>
+                                    <p:anim calcmode="lin" valueType="num">
+                                      <p:cBhvr additive="base">
+                                        <p:cTn id="13" dur="500" fill="hold"/>
+                                        <p:tgtEl>
+                                          <p:spTgt spid="9"/>
+                                        </p:tgtEl>
+                                        <p:attrNameLst>
+                                          <p:attrName>ppt_x</p:attrName>
+                                        </p:attrNameLst>
+                                      </p:cBhvr>
+                                      <p:tavLst>
+                                        <p:tav tm="0">
+                                          <p:val>
+                                            <p:strVal val="#ppt_x"/>
+                                          </p:val>
+                                        </p:tav>
+                                        <p:tav tm="100000">
+                                          <p:val>
+                                            <p:strVal val="#ppt_x"/>
+                                          </p:val>
+                                        </p:tav>
+                                      </p:tavLst>
+                                    </p:anim>
+                                    <p:anim calcmode="lin" valueType="num">
+                                      <p:cBhvr additive="base">
+                                        <p:cTn id="14" dur="500" fill="hold"/>
+                                        <p:tgtEl>
+                                          <p:spTgt spid="9"/>
+                                        </p:tgtEl>
+                                        <p:attrNameLst>
+                                          <p:attrName>ppt_y</p:attrName>
+                                        </p:attrNameLst>
+                                      </p:cBhvr>
+                                      <p:tavLst>
+                                        <p:tav tm="0">
+                                          <p:val>
+                                            <p:strVal val="1+#ppt_h/2"/>
+                                          </p:val>
+                                        </p:tav>
+                                        <p:tav tm="100000">
+                                          <p:val>
+                                            <p:strVal val="#ppt_y"/>
+                                          </p:val>
+                                        </p:tav>
+                                      </p:tavLst>
+                                    </p:anim>
+                                  </p:childTnLst>
+                                </p:cTn>
+                              </p:par>
+                            </p:childTnLst>
+                          </p:cTn>
+                        </p:par>
+                      </p:childTnLst>
+                    </p:cTn>
+                  </p:par>
+                  <p:par>
+                    <p:cTn id="15" fill="hold">
+                      <p:stCondLst>
+                        <p:cond delay="indefinite"/>
+                      </p:stCondLst>
+                      <p:childTnLst>
+                        <p:par>
+                          <p:cTn id="16" fill="hold">
+                            <p:stCondLst>
+                              <p:cond delay="0"/>
+                            </p:stCondLst>
+                            <p:childTnLst>
+                              <p:par>
+                                <p:cTn id="17" presetID="2" presetClass="entr" presetSubtype="4" fill="hold" grpId="0" nodeType="clickEffect">
+                                  <p:stCondLst>
+                                    <p:cond delay="0"/>
+                                  </p:stCondLst>
+                                  <p:childTnLst>
+                                    <p:set>
+                                      <p:cBhvr>
+                                        <p:cTn id="18" dur="1" fill="hold">
+                                          <p:stCondLst>
+                                            <p:cond delay="0"/>
+                                          </p:stCondLst>
+                                        </p:cTn>
+                                        <p:tgtEl>
+                                          <p:spTgt spid="10"/>
+                                        </p:tgtEl>
+                                        <p:attrNameLst>
+                                          <p:attrName>style.visibility</p:attrName>
+                                        </p:attrNameLst>
+                                      </p:cBhvr>
+                                      <p:to>
+                                        <p:strVal val="visible"/>
+                                      </p:to>
+                                    </p:set>
+                                    <p:anim calcmode="lin" valueType="num">
+                                      <p:cBhvr additive="base">
+                                        <p:cTn id="19" dur="500" fill="hold"/>
+                                        <p:tgtEl>
+                                          <p:spTgt spid="10"/>
+                                        </p:tgtEl>
+                                        <p:attrNameLst>
+                                          <p:attrName>ppt_x</p:attrName>
+                                        </p:attrNameLst>
+                                      </p:cBhvr>
+                                      <p:tavLst>
+                                        <p:tav tm="0">
+                                          <p:val>
+                                            <p:strVal val="#ppt_x"/>
+                                          </p:val>
+                                        </p:tav>
+                                        <p:tav tm="100000">
+                                          <p:val>
+                                            <p:strVal val="#ppt_x"/>
+                                          </p:val>
+                                        </p:tav>
+                                      </p:tavLst>
+                                    </p:anim>
+                                    <p:anim calcmode="lin" valueType="num">
+                                      <p:cBhvr additive="base">
+                                        <p:cTn id="20" dur="500" fill="hold"/>
+                                        <p:tgtEl>
+                                          <p:spTgt spid="10"/>
+                                        </p:tgtEl>
+                                        <p:attrNameLst>
+                                          <p:attrName>ppt_y</p:attrName>
+                                        </p:attrNameLst>
+                                      </p:cBhvr>
+                                      <p:tavLst>
+                                        <p:tav tm="0">
+                                          <p:val>
+                                            <p:strVal val="1+#ppt_h/2"/>
+                                          </p:val>
+                                        </p:tav>
+                                        <p:tav tm="100000">
+                                          <p:val>
+                                            <p:strVal val="#ppt_y"/>
+                                          </p:val>
+                                        </p:tav>
+                                      </p:tavLst>
+                                    </p:anim>
+                                  </p:childTnLst>
+                                </p:cTn>
+                              </p:par>
+                            </p:childTnLst>
+                          </p:cTn>
+                        </p:par>
+                      </p:childTnLst>
+                    </p:cTn>
+                  </p:par>
+                  <p:par>
+                    <p:cTn id="21" fill="hold">
+                      <p:stCondLst>
+                        <p:cond delay="indefinite"/>
+                      </p:stCondLst>
+                      <p:childTnLst>
+                        <p:par>
+                          <p:cTn id="22" fill="hold">
+                            <p:stCondLst>
+                              <p:cond delay="0"/>
+                            </p:stCondLst>
+                            <p:childTnLst>
+                              <p:par>
+                                <p:cTn id="23" presetID="2" presetClass="entr" presetSubtype="4" fill="hold" grpId="0" nodeType="clickEffect">
+                                  <p:stCondLst>
+                                    <p:cond delay="0"/>
+                                  </p:stCondLst>
+                                  <p:childTnLst>
+                                    <p:set>
+                                      <p:cBhvr>
+                                        <p:cTn id="24" dur="1" fill="hold">
+                                          <p:stCondLst>
+                                            <p:cond delay="0"/>
+                                          </p:stCondLst>
+                                        </p:cTn>
+                                        <p:tgtEl>
+                                          <p:spTgt spid="7"/>
+                                        </p:tgtEl>
+                                        <p:attrNameLst>
+                                          <p:attrName>style.visibility</p:attrName>
+                                        </p:attrNameLst>
+                                      </p:cBhvr>
+                                      <p:to>
+                                        <p:strVal val="visible"/>
+                                      </p:to>
+                                    </p:set>
+                                    <p:anim calcmode="lin" valueType="num">
+                                      <p:cBhvr additive="base">
+                                        <p:cTn id="25" dur="500" fill="hold"/>
+                                        <p:tgtEl>
+                                          <p:spTgt spid="7"/>
+                                        </p:tgtEl>
+                                        <p:attrNameLst>
+                                          <p:attrName>ppt_x</p:attrName>
+                                        </p:attrNameLst>
+                                      </p:cBhvr>
+                                      <p:tavLst>
+                                        <p:tav tm="0">
+                                          <p:val>
+                                            <p:strVal val="#ppt_x"/>
+                                          </p:val>
+                                        </p:tav>
+                                        <p:tav tm="100000">
+                                          <p:val>
+                                            <p:strVal val="#ppt_x"/>
+                                          </p:val>
+                                        </p:tav>
+                                      </p:tavLst>
+                                    </p:anim>
+                                    <p:anim calcmode="lin" valueType="num">
+                                      <p:cBhvr additive="base">
+                                        <p:cTn id="26" dur="500" fill="hold"/>
+                                        <p:tgtEl>
+                                          <p:spTgt spid="7"/>
+                                        </p:tgtEl>
+                                        <p:attrNameLst>
+                                          <p:attrName>ppt_y</p:attrName>
+                                        </p:attrNameLst>
+                                      </p:cBhvr>
+                                      <p:tavLst>
+                                        <p:tav tm="0">
+                                          <p:val>
+                                            <p:strVal val="1+#ppt_h/2"/>
+                                          </p:val>
+                                        </p:tav>
+                                        <p:tav tm="100000">
+                                          <p:val>
+                                            <p:strVal val="#ppt_y"/>
+                                          </p:val>
+                                        </p:tav>
+                                      </p:tavLst>
+                                    </p:anim>
+                                  </p:childTnLst>
+                                </p:cTn>
+                              </p:par>
+                            </p:childTnLst>
+                          </p:cTn>
+                        </p:par>
+                      </p:childTnLst>
+                    </p:cTn>
+                  </p:par>
+                  <p:par>
+                    <p:cTn id="27" fill="hold">
+                      <p:stCondLst>
+                        <p:cond delay="indefinite"/>
+                      </p:stCondLst>
+                      <p:childTnLst>
+                        <p:par>
+                          <p:cTn id="28" fill="hold">
+                            <p:stCondLst>
+                              <p:cond delay="0"/>
+                            </p:stCondLst>
+                            <p:childTnLst>
+                              <p:par>
+                                <p:cTn id="29" presetID="1" presetClass="entr" presetSubtype="0" fill="hold" nodeType="clickEffect">
+                                  <p:stCondLst>
+                                    <p:cond delay="0"/>
+                                  </p:stCondLst>
+                                  <p:childTnLst>
+                                    <p:set>
+                                      <p:cBhvr>
+                                        <p:cTn id="30" dur="1" fill="hold">
+                                          <p:stCondLst>
+                                            <p:cond delay="0"/>
+                                          </p:stCondLst>
+                                        </p:cTn>
+                                        <p:tgtEl>
+                                          <p:spTgt spid="6"/>
+                                        </p:tgtEl>
+                                        <p:attrNameLst>
+                                          <p:attrName>style.visibility</p:attrName>
+                                        </p:attrNameLst>
+                                      </p:cBhvr>
+                                      <p:to>
+                                        <p:strVal val="visible"/>
+                                      </p:to>
+                                    </p:set>
+                                  </p:childTnLst>
+                                </p:cTn>
+                              </p:par>
+                            </p:childTnLst>
+                          </p:cTn>
+                        </p:par>
+                      </p:childTnLst>
+                    </p:cTn>
+                  </p:par>
+                </p:childTnLst>
+              </p:cTn>
+              <p:prevCondLst>
+                <p:cond evt="onPrev" delay="0">
+                  <p:tgtEl>
+                    <p:sldTgt/>
+                  </p:tgtEl>
+                </p:cond>
+              </p:prevCondLst>
+              <p:nextCondLst>
+                <p:cond evt="onNext" delay="0">
+                  <p:tgtEl>
+                    <p:sldTgt/>
+                  </p:tgtEl>
+                </p:cond>
+              </p:nextCondLst>
+            </p:seq>
+          </p:childTnLst>
+        </p:cTn>
       </p:par>
     </p:tnLst>
+    <p:bldLst>
+      <p:bldP spid="7" grpId="0"/>
+      <p:bldP spid="8" grpId="0"/>
+      <p:bldP spid="9" grpId="0"/>
+      <p:bldP spid="10" grpId="0"/>
+    </p:bldLst>
   </p:timing>
 </p:sld>
 </file>
@@ -16962,7 +18699,7 @@
                                         </p:attrNameLst>
                                       </p:cBhvr>
                                       <p:to>
-                                        <a:schemeClr val="accent2"/>
+                                        <a:srgbClr val="FFAF00"/>
                                       </p:to>
                                     </p:animClr>
                                     <p:set>
@@ -17031,7 +18768,7 @@
                                         </p:attrNameLst>
                                       </p:cBhvr>
                                       <p:to>
-                                        <a:schemeClr val="accent2"/>
+                                        <a:srgbClr val="FFAF00"/>
                                       </p:to>
                                     </p:animClr>
                                     <p:set>
@@ -17186,559 +18923,544 @@
           </a:p>
         </p:txBody>
       </p:sp>
-      <p:grpSp>
-        <p:nvGrpSpPr>
-          <p:cNvPr id="3" name="Group 2"/>
-          <p:cNvGrpSpPr/>
+      <p:sp>
+        <p:nvSpPr>
+          <p:cNvPr id="2" name="Rectangle 1"/>
+          <p:cNvSpPr/>
           <p:nvPr/>
-        </p:nvGrpSpPr>
-        <p:grpSpPr>
+        </p:nvSpPr>
+        <p:spPr>
           <a:xfrm>
             <a:off x="5174633" y="1008274"/>
             <a:ext cx="5334907" cy="4398710"/>
-            <a:chOff x="3855197" y="472967"/>
-            <a:chExt cx="5334907" cy="4398710"/>
           </a:xfrm>
-        </p:grpSpPr>
-        <p:sp>
-          <p:nvSpPr>
-            <p:cNvPr id="2" name="Rectangle 1"/>
-            <p:cNvSpPr/>
-            <p:nvPr/>
-          </p:nvSpPr>
-          <p:spPr>
-            <a:xfrm>
-              <a:off x="3855197" y="472967"/>
-              <a:ext cx="5334907" cy="4398710"/>
-            </a:xfrm>
-            <a:prstGeom prst="rect">
-              <a:avLst/>
-            </a:prstGeom>
+          <a:prstGeom prst="rect">
+            <a:avLst/>
+          </a:prstGeom>
+          <a:solidFill>
+            <a:schemeClr val="bg1"/>
+          </a:solidFill>
+          <a:ln>
             <a:solidFill>
-              <a:schemeClr val="bg1"/>
+              <a:schemeClr val="tx2"/>
             </a:solidFill>
-            <a:ln>
+          </a:ln>
+        </p:spPr>
+        <p:style>
+          <a:lnRef idx="2">
+            <a:schemeClr val="accent1">
+              <a:shade val="50000"/>
+            </a:schemeClr>
+          </a:lnRef>
+          <a:fillRef idx="1">
+            <a:schemeClr val="accent1"/>
+          </a:fillRef>
+          <a:effectRef idx="0">
+            <a:schemeClr val="accent1"/>
+          </a:effectRef>
+          <a:fontRef idx="minor">
+            <a:schemeClr val="lt1"/>
+          </a:fontRef>
+        </p:style>
+        <p:txBody>
+          <a:bodyPr rtlCol="0" anchor="ctr"/>
+          <a:lstStyle/>
+          <a:p>
+            <a:pPr algn="ctr"/>
+            <a:endParaRPr lang="de-CH"/>
+          </a:p>
+        </p:txBody>
+      </p:sp>
+      <p:sp>
+        <p:nvSpPr>
+          <p:cNvPr id="34" name="Rectangle 33"/>
+          <p:cNvSpPr/>
+          <p:nvPr/>
+        </p:nvSpPr>
+        <p:spPr>
+          <a:xfrm>
+            <a:off x="5304821" y="1093604"/>
+            <a:ext cx="1166384" cy="2056171"/>
+          </a:xfrm>
+          <a:prstGeom prst="rect">
+            <a:avLst/>
+          </a:prstGeom>
+          <a:solidFill>
+            <a:schemeClr val="bg1"/>
+          </a:solidFill>
+          <a:ln>
+            <a:solidFill>
+              <a:schemeClr val="tx2"/>
+            </a:solidFill>
+          </a:ln>
+        </p:spPr>
+        <p:style>
+          <a:lnRef idx="2">
+            <a:schemeClr val="accent1">
+              <a:shade val="50000"/>
+            </a:schemeClr>
+          </a:lnRef>
+          <a:fillRef idx="1">
+            <a:schemeClr val="accent1"/>
+          </a:fillRef>
+          <a:effectRef idx="0">
+            <a:schemeClr val="accent1"/>
+          </a:effectRef>
+          <a:fontRef idx="minor">
+            <a:schemeClr val="lt1"/>
+          </a:fontRef>
+        </p:style>
+        <p:txBody>
+          <a:bodyPr rtlCol="0" anchor="ctr"/>
+          <a:lstStyle/>
+          <a:p>
+            <a:pPr algn="ctr"/>
+            <a:r>
+              <a:rPr lang="de-CH" dirty="0">
+                <a:solidFill>
+                  <a:schemeClr val="tx2"/>
+                </a:solidFill>
+                <a:latin typeface="Yanone Kaffeesatz Regular" panose="02000000000000000000" pitchFamily="2" charset="0"/>
+              </a:rPr>
+              <a:t>Configuration</a:t>
+            </a:r>
+          </a:p>
+        </p:txBody>
+      </p:sp>
+      <p:sp>
+        <p:nvSpPr>
+          <p:cNvPr id="35" name="Rectangle 34"/>
+          <p:cNvSpPr/>
+          <p:nvPr/>
+        </p:nvSpPr>
+        <p:spPr>
+          <a:xfrm>
+            <a:off x="6601394" y="1093604"/>
+            <a:ext cx="1166384" cy="2056171"/>
+          </a:xfrm>
+          <a:prstGeom prst="rect">
+            <a:avLst/>
+          </a:prstGeom>
+          <a:solidFill>
+            <a:schemeClr val="bg1"/>
+          </a:solidFill>
+          <a:ln>
+            <a:solidFill>
+              <a:schemeClr val="tx2"/>
+            </a:solidFill>
+          </a:ln>
+        </p:spPr>
+        <p:style>
+          <a:lnRef idx="2">
+            <a:schemeClr val="accent1">
+              <a:shade val="50000"/>
+            </a:schemeClr>
+          </a:lnRef>
+          <a:fillRef idx="1">
+            <a:schemeClr val="accent1"/>
+          </a:fillRef>
+          <a:effectRef idx="0">
+            <a:schemeClr val="accent1"/>
+          </a:effectRef>
+          <a:fontRef idx="minor">
+            <a:schemeClr val="lt1"/>
+          </a:fontRef>
+        </p:style>
+        <p:txBody>
+          <a:bodyPr rtlCol="0" anchor="ctr"/>
+          <a:lstStyle/>
+          <a:p>
+            <a:pPr algn="ctr"/>
+            <a:r>
+              <a:rPr lang="en-US" dirty="0">
+                <a:solidFill>
+                  <a:schemeClr val="tx2"/>
+                </a:solidFill>
+                <a:latin typeface="Yanone Kaffeesatz Regular" panose="02000000000000000000" pitchFamily="2" charset="0"/>
+              </a:rPr>
+              <a:t>Scanning</a:t>
+            </a:r>
+            <a:endParaRPr lang="de-CH" dirty="0">
               <a:solidFill>
                 <a:schemeClr val="tx2"/>
               </a:solidFill>
-            </a:ln>
-          </p:spPr>
-          <p:style>
-            <a:lnRef idx="2">
-              <a:schemeClr val="accent1">
-                <a:shade val="50000"/>
-              </a:schemeClr>
-            </a:lnRef>
-            <a:fillRef idx="1">
-              <a:schemeClr val="accent1"/>
-            </a:fillRef>
-            <a:effectRef idx="0">
-              <a:schemeClr val="accent1"/>
-            </a:effectRef>
-            <a:fontRef idx="minor">
-              <a:schemeClr val="lt1"/>
-            </a:fontRef>
-          </p:style>
-          <p:txBody>
-            <a:bodyPr rtlCol="0" anchor="ctr"/>
-            <a:lstStyle/>
-            <a:p>
-              <a:pPr algn="ctr"/>
-              <a:endParaRPr lang="de-CH"/>
-            </a:p>
-          </p:txBody>
-        </p:sp>
-        <p:sp>
-          <p:nvSpPr>
-            <p:cNvPr id="34" name="Rectangle 33"/>
-            <p:cNvSpPr/>
-            <p:nvPr/>
-          </p:nvSpPr>
-          <p:spPr>
-            <a:xfrm>
-              <a:off x="3985385" y="558297"/>
-              <a:ext cx="1166384" cy="2056171"/>
-            </a:xfrm>
-            <a:prstGeom prst="rect">
-              <a:avLst/>
-            </a:prstGeom>
+              <a:latin typeface="Yanone Kaffeesatz Regular" panose="02000000000000000000" pitchFamily="2" charset="0"/>
+            </a:endParaRPr>
+          </a:p>
+        </p:txBody>
+      </p:sp>
+      <p:sp>
+        <p:nvSpPr>
+          <p:cNvPr id="36" name="Rectangle 35"/>
+          <p:cNvSpPr/>
+          <p:nvPr/>
+        </p:nvSpPr>
+        <p:spPr>
+          <a:xfrm>
+            <a:off x="7881493" y="1101321"/>
+            <a:ext cx="1166384" cy="2056171"/>
+          </a:xfrm>
+          <a:prstGeom prst="rect">
+            <a:avLst/>
+          </a:prstGeom>
+          <a:solidFill>
+            <a:schemeClr val="bg1"/>
+          </a:solidFill>
+          <a:ln>
             <a:solidFill>
-              <a:schemeClr val="bg1"/>
+              <a:schemeClr val="tx2"/>
             </a:solidFill>
-            <a:ln>
+          </a:ln>
+        </p:spPr>
+        <p:style>
+          <a:lnRef idx="2">
+            <a:schemeClr val="accent1">
+              <a:shade val="50000"/>
+            </a:schemeClr>
+          </a:lnRef>
+          <a:fillRef idx="1">
+            <a:schemeClr val="accent1"/>
+          </a:fillRef>
+          <a:effectRef idx="0">
+            <a:schemeClr val="accent1"/>
+          </a:effectRef>
+          <a:fontRef idx="minor">
+            <a:schemeClr val="lt1"/>
+          </a:fontRef>
+        </p:style>
+        <p:txBody>
+          <a:bodyPr rtlCol="0" anchor="ctr"/>
+          <a:lstStyle/>
+          <a:p>
+            <a:pPr algn="ctr"/>
+            <a:r>
+              <a:rPr lang="en-US" dirty="0">
+                <a:solidFill>
+                  <a:schemeClr val="tx2"/>
+                </a:solidFill>
+                <a:latin typeface="Yanone Kaffeesatz Regular" panose="02000000000000000000" pitchFamily="2" charset="0"/>
+              </a:rPr>
+              <a:t>Pipeline</a:t>
+            </a:r>
+            <a:endParaRPr lang="de-CH" dirty="0">
               <a:solidFill>
                 <a:schemeClr val="tx2"/>
               </a:solidFill>
-            </a:ln>
-          </p:spPr>
-          <p:style>
-            <a:lnRef idx="2">
-              <a:schemeClr val="accent1">
-                <a:shade val="50000"/>
-              </a:schemeClr>
-            </a:lnRef>
-            <a:fillRef idx="1">
-              <a:schemeClr val="accent1"/>
-            </a:fillRef>
-            <a:effectRef idx="0">
-              <a:schemeClr val="accent1"/>
-            </a:effectRef>
-            <a:fontRef idx="minor">
-              <a:schemeClr val="lt1"/>
-            </a:fontRef>
-          </p:style>
-          <p:txBody>
-            <a:bodyPr rtlCol="0" anchor="ctr"/>
-            <a:lstStyle/>
-            <a:p>
-              <a:pPr algn="ctr"/>
-              <a:r>
-                <a:rPr lang="de-CH" dirty="0">
-                  <a:solidFill>
-                    <a:schemeClr val="tx2"/>
-                  </a:solidFill>
-                  <a:latin typeface="Yanone Kaffeesatz Regular" panose="02000000000000000000" pitchFamily="2" charset="0"/>
-                </a:rPr>
-                <a:t>Configuration</a:t>
-              </a:r>
-            </a:p>
-          </p:txBody>
-        </p:sp>
-        <p:sp>
-          <p:nvSpPr>
-            <p:cNvPr id="35" name="Rectangle 34"/>
-            <p:cNvSpPr/>
-            <p:nvPr/>
-          </p:nvSpPr>
-          <p:spPr>
-            <a:xfrm>
-              <a:off x="5281958" y="558297"/>
-              <a:ext cx="1166384" cy="2056171"/>
-            </a:xfrm>
-            <a:prstGeom prst="rect">
-              <a:avLst/>
-            </a:prstGeom>
+              <a:latin typeface="Yanone Kaffeesatz Regular" panose="02000000000000000000" pitchFamily="2" charset="0"/>
+            </a:endParaRPr>
+          </a:p>
+        </p:txBody>
+      </p:sp>
+      <p:sp>
+        <p:nvSpPr>
+          <p:cNvPr id="37" name="Rectangle 36"/>
+          <p:cNvSpPr/>
+          <p:nvPr/>
+        </p:nvSpPr>
+        <p:spPr>
+          <a:xfrm>
+            <a:off x="5321295" y="3235105"/>
+            <a:ext cx="1166384" cy="2056171"/>
+          </a:xfrm>
+          <a:prstGeom prst="rect">
+            <a:avLst/>
+          </a:prstGeom>
+          <a:solidFill>
+            <a:schemeClr val="bg1"/>
+          </a:solidFill>
+          <a:ln>
             <a:solidFill>
-              <a:schemeClr val="bg1"/>
+              <a:schemeClr val="tx2"/>
             </a:solidFill>
-            <a:ln>
+          </a:ln>
+        </p:spPr>
+        <p:style>
+          <a:lnRef idx="2">
+            <a:schemeClr val="accent1">
+              <a:shade val="50000"/>
+            </a:schemeClr>
+          </a:lnRef>
+          <a:fillRef idx="1">
+            <a:schemeClr val="accent1"/>
+          </a:fillRef>
+          <a:effectRef idx="0">
+            <a:schemeClr val="accent1"/>
+          </a:effectRef>
+          <a:fontRef idx="minor">
+            <a:schemeClr val="lt1"/>
+          </a:fontRef>
+        </p:style>
+        <p:txBody>
+          <a:bodyPr rtlCol="0" anchor="ctr"/>
+          <a:lstStyle/>
+          <a:p>
+            <a:pPr algn="ctr"/>
+            <a:r>
+              <a:rPr lang="en-US" dirty="0">
+                <a:solidFill>
+                  <a:schemeClr val="tx2"/>
+                </a:solidFill>
+                <a:latin typeface="Yanone Kaffeesatz Regular" panose="02000000000000000000" pitchFamily="2" charset="0"/>
+              </a:rPr>
+              <a:t>Transport</a:t>
+            </a:r>
+            <a:endParaRPr lang="de-CH" dirty="0">
               <a:solidFill>
                 <a:schemeClr val="tx2"/>
               </a:solidFill>
-            </a:ln>
-          </p:spPr>
-          <p:style>
-            <a:lnRef idx="2">
-              <a:schemeClr val="accent1">
-                <a:shade val="50000"/>
-              </a:schemeClr>
-            </a:lnRef>
-            <a:fillRef idx="1">
-              <a:schemeClr val="accent1"/>
-            </a:fillRef>
-            <a:effectRef idx="0">
-              <a:schemeClr val="accent1"/>
-            </a:effectRef>
-            <a:fontRef idx="minor">
-              <a:schemeClr val="lt1"/>
-            </a:fontRef>
-          </p:style>
-          <p:txBody>
-            <a:bodyPr rtlCol="0" anchor="ctr"/>
-            <a:lstStyle/>
-            <a:p>
-              <a:pPr algn="ctr"/>
-              <a:r>
-                <a:rPr lang="en-US" dirty="0">
-                  <a:solidFill>
-                    <a:schemeClr val="tx2"/>
-                  </a:solidFill>
-                  <a:latin typeface="Yanone Kaffeesatz Regular" panose="02000000000000000000" pitchFamily="2" charset="0"/>
-                </a:rPr>
-                <a:t>Scanning</a:t>
-              </a:r>
-              <a:endParaRPr lang="de-CH" dirty="0">
-                <a:solidFill>
-                  <a:schemeClr val="tx2"/>
-                </a:solidFill>
-                <a:latin typeface="Yanone Kaffeesatz Regular" panose="02000000000000000000" pitchFamily="2" charset="0"/>
-              </a:endParaRPr>
-            </a:p>
-          </p:txBody>
-        </p:sp>
-        <p:sp>
-          <p:nvSpPr>
-            <p:cNvPr id="36" name="Rectangle 35"/>
-            <p:cNvSpPr/>
-            <p:nvPr/>
-          </p:nvSpPr>
-          <p:spPr>
-            <a:xfrm>
-              <a:off x="6562057" y="566014"/>
-              <a:ext cx="1166384" cy="2056171"/>
-            </a:xfrm>
-            <a:prstGeom prst="rect">
-              <a:avLst/>
-            </a:prstGeom>
+              <a:latin typeface="Yanone Kaffeesatz Regular" panose="02000000000000000000" pitchFamily="2" charset="0"/>
+            </a:endParaRPr>
+          </a:p>
+        </p:txBody>
+      </p:sp>
+      <p:sp>
+        <p:nvSpPr>
+          <p:cNvPr id="38" name="Rectangle 37"/>
+          <p:cNvSpPr/>
+          <p:nvPr/>
+        </p:nvSpPr>
+        <p:spPr>
+          <a:xfrm>
+            <a:off x="6601394" y="3235105"/>
+            <a:ext cx="1166384" cy="2056171"/>
+          </a:xfrm>
+          <a:prstGeom prst="rect">
+            <a:avLst/>
+          </a:prstGeom>
+          <a:solidFill>
+            <a:schemeClr val="bg1"/>
+          </a:solidFill>
+          <a:ln>
             <a:solidFill>
-              <a:schemeClr val="accent4"/>
+              <a:schemeClr val="tx2"/>
             </a:solidFill>
-            <a:ln>
+          </a:ln>
+        </p:spPr>
+        <p:style>
+          <a:lnRef idx="2">
+            <a:schemeClr val="accent1">
+              <a:shade val="50000"/>
+            </a:schemeClr>
+          </a:lnRef>
+          <a:fillRef idx="1">
+            <a:schemeClr val="accent1"/>
+          </a:fillRef>
+          <a:effectRef idx="0">
+            <a:schemeClr val="accent1"/>
+          </a:effectRef>
+          <a:fontRef idx="minor">
+            <a:schemeClr val="lt1"/>
+          </a:fontRef>
+        </p:style>
+        <p:txBody>
+          <a:bodyPr rtlCol="0" anchor="ctr"/>
+          <a:lstStyle/>
+          <a:p>
+            <a:pPr algn="ctr"/>
+            <a:r>
+              <a:rPr lang="en-US" dirty="0">
+                <a:solidFill>
+                  <a:schemeClr val="tx2"/>
+                </a:solidFill>
+                <a:latin typeface="Yanone Kaffeesatz Regular" panose="02000000000000000000" pitchFamily="2" charset="0"/>
+              </a:rPr>
+              <a:t>Serialization</a:t>
+            </a:r>
+            <a:endParaRPr lang="de-CH" dirty="0">
               <a:solidFill>
                 <a:schemeClr val="tx2"/>
               </a:solidFill>
-            </a:ln>
-          </p:spPr>
-          <p:style>
-            <a:lnRef idx="2">
-              <a:schemeClr val="accent1">
-                <a:shade val="50000"/>
-              </a:schemeClr>
-            </a:lnRef>
-            <a:fillRef idx="1">
-              <a:schemeClr val="accent1"/>
-            </a:fillRef>
-            <a:effectRef idx="0">
-              <a:schemeClr val="accent1"/>
-            </a:effectRef>
-            <a:fontRef idx="minor">
-              <a:schemeClr val="lt1"/>
-            </a:fontRef>
-          </p:style>
-          <p:txBody>
-            <a:bodyPr rtlCol="0" anchor="ctr"/>
-            <a:lstStyle/>
-            <a:p>
-              <a:pPr algn="ctr"/>
-              <a:r>
-                <a:rPr lang="en-US" dirty="0">
-                  <a:solidFill>
-                    <a:schemeClr val="tx2"/>
-                  </a:solidFill>
-                  <a:latin typeface="Yanone Kaffeesatz Regular" panose="02000000000000000000" pitchFamily="2" charset="0"/>
-                </a:rPr>
-                <a:t>Pipeline</a:t>
-              </a:r>
-              <a:endParaRPr lang="de-CH" dirty="0">
-                <a:solidFill>
-                  <a:schemeClr val="tx2"/>
-                </a:solidFill>
-                <a:latin typeface="Yanone Kaffeesatz Regular" panose="02000000000000000000" pitchFamily="2" charset="0"/>
-              </a:endParaRPr>
-            </a:p>
-          </p:txBody>
-        </p:sp>
-        <p:sp>
-          <p:nvSpPr>
-            <p:cNvPr id="37" name="Rectangle 36"/>
-            <p:cNvSpPr/>
-            <p:nvPr/>
-          </p:nvSpPr>
-          <p:spPr>
-            <a:xfrm>
-              <a:off x="4001859" y="2699798"/>
-              <a:ext cx="1166384" cy="2056171"/>
-            </a:xfrm>
-            <a:prstGeom prst="rect">
-              <a:avLst/>
-            </a:prstGeom>
+              <a:latin typeface="Yanone Kaffeesatz Regular" panose="02000000000000000000" pitchFamily="2" charset="0"/>
+            </a:endParaRPr>
+          </a:p>
+        </p:txBody>
+      </p:sp>
+      <p:sp>
+        <p:nvSpPr>
+          <p:cNvPr id="39" name="Rectangle 38"/>
+          <p:cNvSpPr/>
+          <p:nvPr/>
+        </p:nvSpPr>
+        <p:spPr>
+          <a:xfrm>
+            <a:off x="7881493" y="3249891"/>
+            <a:ext cx="1166384" cy="2056171"/>
+          </a:xfrm>
+          <a:prstGeom prst="rect">
+            <a:avLst/>
+          </a:prstGeom>
+          <a:solidFill>
+            <a:schemeClr val="bg1"/>
+          </a:solidFill>
+          <a:ln>
             <a:solidFill>
-              <a:schemeClr val="accent4"/>
+              <a:schemeClr val="tx2"/>
             </a:solidFill>
-            <a:ln>
+          </a:ln>
+        </p:spPr>
+        <p:style>
+          <a:lnRef idx="2">
+            <a:schemeClr val="accent1">
+              <a:shade val="50000"/>
+            </a:schemeClr>
+          </a:lnRef>
+          <a:fillRef idx="1">
+            <a:schemeClr val="accent1"/>
+          </a:fillRef>
+          <a:effectRef idx="0">
+            <a:schemeClr val="accent1"/>
+          </a:effectRef>
+          <a:fontRef idx="minor">
+            <a:schemeClr val="lt1"/>
+          </a:fontRef>
+        </p:style>
+        <p:txBody>
+          <a:bodyPr rtlCol="0" anchor="ctr"/>
+          <a:lstStyle/>
+          <a:p>
+            <a:pPr algn="ctr"/>
+            <a:r>
+              <a:rPr lang="en-US" dirty="0">
+                <a:solidFill>
+                  <a:schemeClr val="tx2"/>
+                </a:solidFill>
+                <a:latin typeface="Yanone Kaffeesatz Regular" panose="02000000000000000000" pitchFamily="2" charset="0"/>
+              </a:rPr>
+              <a:t>Persistence</a:t>
+            </a:r>
+            <a:endParaRPr lang="de-CH" dirty="0">
               <a:solidFill>
                 <a:schemeClr val="tx2"/>
               </a:solidFill>
-            </a:ln>
-          </p:spPr>
-          <p:style>
-            <a:lnRef idx="2">
-              <a:schemeClr val="accent1">
-                <a:shade val="50000"/>
-              </a:schemeClr>
-            </a:lnRef>
-            <a:fillRef idx="1">
-              <a:schemeClr val="accent1"/>
-            </a:fillRef>
-            <a:effectRef idx="0">
-              <a:schemeClr val="accent1"/>
-            </a:effectRef>
-            <a:fontRef idx="minor">
-              <a:schemeClr val="lt1"/>
-            </a:fontRef>
-          </p:style>
-          <p:txBody>
-            <a:bodyPr rtlCol="0" anchor="ctr"/>
-            <a:lstStyle/>
-            <a:p>
-              <a:pPr algn="ctr"/>
-              <a:r>
-                <a:rPr lang="en-US" dirty="0">
-                  <a:solidFill>
-                    <a:schemeClr val="tx2"/>
-                  </a:solidFill>
-                  <a:latin typeface="Yanone Kaffeesatz Regular" panose="02000000000000000000" pitchFamily="2" charset="0"/>
-                </a:rPr>
-                <a:t>Transport</a:t>
-              </a:r>
-              <a:endParaRPr lang="de-CH" dirty="0">
-                <a:solidFill>
-                  <a:schemeClr val="tx2"/>
-                </a:solidFill>
-                <a:latin typeface="Yanone Kaffeesatz Regular" panose="02000000000000000000" pitchFamily="2" charset="0"/>
-              </a:endParaRPr>
-            </a:p>
-          </p:txBody>
-        </p:sp>
-        <p:sp>
-          <p:nvSpPr>
-            <p:cNvPr id="38" name="Rectangle 37"/>
-            <p:cNvSpPr/>
-            <p:nvPr/>
-          </p:nvSpPr>
-          <p:spPr>
-            <a:xfrm>
-              <a:off x="5281958" y="2699798"/>
-              <a:ext cx="1166384" cy="2056171"/>
-            </a:xfrm>
-            <a:prstGeom prst="rect">
-              <a:avLst/>
-            </a:prstGeom>
+              <a:latin typeface="Yanone Kaffeesatz Regular" panose="02000000000000000000" pitchFamily="2" charset="0"/>
+            </a:endParaRPr>
+          </a:p>
+        </p:txBody>
+      </p:sp>
+      <p:sp>
+        <p:nvSpPr>
+          <p:cNvPr id="40" name="Rectangle 39"/>
+          <p:cNvSpPr/>
+          <p:nvPr/>
+        </p:nvSpPr>
+        <p:spPr>
+          <a:xfrm>
+            <a:off x="9161592" y="1101321"/>
+            <a:ext cx="1166384" cy="2056171"/>
+          </a:xfrm>
+          <a:prstGeom prst="rect">
+            <a:avLst/>
+          </a:prstGeom>
+          <a:solidFill>
+            <a:schemeClr val="bg1"/>
+          </a:solidFill>
+          <a:ln>
             <a:solidFill>
-              <a:schemeClr val="bg1"/>
+              <a:schemeClr val="tx2"/>
             </a:solidFill>
-            <a:ln>
+          </a:ln>
+        </p:spPr>
+        <p:style>
+          <a:lnRef idx="2">
+            <a:schemeClr val="accent1">
+              <a:shade val="50000"/>
+            </a:schemeClr>
+          </a:lnRef>
+          <a:fillRef idx="1">
+            <a:schemeClr val="accent1"/>
+          </a:fillRef>
+          <a:effectRef idx="0">
+            <a:schemeClr val="accent1"/>
+          </a:effectRef>
+          <a:fontRef idx="minor">
+            <a:schemeClr val="lt1"/>
+          </a:fontRef>
+        </p:style>
+        <p:txBody>
+          <a:bodyPr rtlCol="0" anchor="ctr"/>
+          <a:lstStyle/>
+          <a:p>
+            <a:pPr algn="ctr"/>
+            <a:r>
+              <a:rPr lang="en-US" dirty="0">
+                <a:solidFill>
+                  <a:schemeClr val="tx2"/>
+                </a:solidFill>
+                <a:latin typeface="Yanone Kaffeesatz Regular" panose="02000000000000000000" pitchFamily="2" charset="0"/>
+              </a:rPr>
+              <a:t>…</a:t>
+            </a:r>
+            <a:endParaRPr lang="de-CH" dirty="0">
               <a:solidFill>
                 <a:schemeClr val="tx2"/>
               </a:solidFill>
-            </a:ln>
-          </p:spPr>
-          <p:style>
-            <a:lnRef idx="2">
-              <a:schemeClr val="accent1">
-                <a:shade val="50000"/>
-              </a:schemeClr>
-            </a:lnRef>
-            <a:fillRef idx="1">
-              <a:schemeClr val="accent1"/>
-            </a:fillRef>
-            <a:effectRef idx="0">
-              <a:schemeClr val="accent1"/>
-            </a:effectRef>
-            <a:fontRef idx="minor">
-              <a:schemeClr val="lt1"/>
-            </a:fontRef>
-          </p:style>
-          <p:txBody>
-            <a:bodyPr rtlCol="0" anchor="ctr"/>
-            <a:lstStyle/>
-            <a:p>
-              <a:pPr algn="ctr"/>
-              <a:r>
-                <a:rPr lang="en-US" dirty="0">
-                  <a:solidFill>
-                    <a:schemeClr val="tx2"/>
-                  </a:solidFill>
-                  <a:latin typeface="Yanone Kaffeesatz Regular" panose="02000000000000000000" pitchFamily="2" charset="0"/>
-                </a:rPr>
-                <a:t>Serialization</a:t>
-              </a:r>
-              <a:endParaRPr lang="de-CH" dirty="0">
-                <a:solidFill>
-                  <a:schemeClr val="tx2"/>
-                </a:solidFill>
-                <a:latin typeface="Yanone Kaffeesatz Regular" panose="02000000000000000000" pitchFamily="2" charset="0"/>
-              </a:endParaRPr>
-            </a:p>
-          </p:txBody>
-        </p:sp>
-        <p:sp>
-          <p:nvSpPr>
-            <p:cNvPr id="39" name="Rectangle 38"/>
-            <p:cNvSpPr/>
-            <p:nvPr/>
-          </p:nvSpPr>
-          <p:spPr>
-            <a:xfrm>
-              <a:off x="6562057" y="2714584"/>
-              <a:ext cx="1166384" cy="2056171"/>
-            </a:xfrm>
-            <a:prstGeom prst="rect">
-              <a:avLst/>
-            </a:prstGeom>
+              <a:latin typeface="Yanone Kaffeesatz Regular" panose="02000000000000000000" pitchFamily="2" charset="0"/>
+            </a:endParaRPr>
+          </a:p>
+        </p:txBody>
+      </p:sp>
+      <p:sp>
+        <p:nvSpPr>
+          <p:cNvPr id="41" name="Rectangle 40"/>
+          <p:cNvSpPr/>
+          <p:nvPr/>
+        </p:nvSpPr>
+        <p:spPr>
+          <a:xfrm>
+            <a:off x="9161592" y="3249891"/>
+            <a:ext cx="1166384" cy="2056171"/>
+          </a:xfrm>
+          <a:prstGeom prst="rect">
+            <a:avLst/>
+          </a:prstGeom>
+          <a:solidFill>
+            <a:schemeClr val="bg1"/>
+          </a:solidFill>
+          <a:ln>
             <a:solidFill>
-              <a:schemeClr val="accent4"/>
+              <a:schemeClr val="tx2"/>
             </a:solidFill>
-            <a:ln>
+          </a:ln>
+        </p:spPr>
+        <p:style>
+          <a:lnRef idx="2">
+            <a:schemeClr val="accent1">
+              <a:shade val="50000"/>
+            </a:schemeClr>
+          </a:lnRef>
+          <a:fillRef idx="1">
+            <a:schemeClr val="accent1"/>
+          </a:fillRef>
+          <a:effectRef idx="0">
+            <a:schemeClr val="accent1"/>
+          </a:effectRef>
+          <a:fontRef idx="minor">
+            <a:schemeClr val="lt1"/>
+          </a:fontRef>
+        </p:style>
+        <p:txBody>
+          <a:bodyPr rtlCol="0" anchor="ctr"/>
+          <a:lstStyle/>
+          <a:p>
+            <a:pPr algn="ctr"/>
+            <a:r>
+              <a:rPr lang="en-US" dirty="0">
+                <a:solidFill>
+                  <a:schemeClr val="tx2"/>
+                </a:solidFill>
+                <a:latin typeface="Yanone Kaffeesatz Regular" panose="02000000000000000000" pitchFamily="2" charset="0"/>
+              </a:rPr>
+              <a:t>…</a:t>
+            </a:r>
+            <a:endParaRPr lang="de-CH" dirty="0">
               <a:solidFill>
                 <a:schemeClr val="tx2"/>
               </a:solidFill>
-            </a:ln>
-          </p:spPr>
-          <p:style>
-            <a:lnRef idx="2">
-              <a:schemeClr val="accent1">
-                <a:shade val="50000"/>
-              </a:schemeClr>
-            </a:lnRef>
-            <a:fillRef idx="1">
-              <a:schemeClr val="accent1"/>
-            </a:fillRef>
-            <a:effectRef idx="0">
-              <a:schemeClr val="accent1"/>
-            </a:effectRef>
-            <a:fontRef idx="minor">
-              <a:schemeClr val="lt1"/>
-            </a:fontRef>
-          </p:style>
-          <p:txBody>
-            <a:bodyPr rtlCol="0" anchor="ctr"/>
-            <a:lstStyle/>
-            <a:p>
-              <a:pPr algn="ctr"/>
-              <a:r>
-                <a:rPr lang="en-US" dirty="0">
-                  <a:solidFill>
-                    <a:schemeClr val="tx2"/>
-                  </a:solidFill>
-                  <a:latin typeface="Yanone Kaffeesatz Regular" panose="02000000000000000000" pitchFamily="2" charset="0"/>
-                </a:rPr>
-                <a:t>Persistence</a:t>
-              </a:r>
-              <a:endParaRPr lang="de-CH" dirty="0">
-                <a:solidFill>
-                  <a:schemeClr val="tx2"/>
-                </a:solidFill>
-                <a:latin typeface="Yanone Kaffeesatz Regular" panose="02000000000000000000" pitchFamily="2" charset="0"/>
-              </a:endParaRPr>
-            </a:p>
-          </p:txBody>
-        </p:sp>
-        <p:sp>
-          <p:nvSpPr>
-            <p:cNvPr id="40" name="Rectangle 39"/>
-            <p:cNvSpPr/>
-            <p:nvPr/>
-          </p:nvSpPr>
-          <p:spPr>
-            <a:xfrm>
-              <a:off x="7842156" y="566014"/>
-              <a:ext cx="1166384" cy="2056171"/>
-            </a:xfrm>
-            <a:prstGeom prst="rect">
-              <a:avLst/>
-            </a:prstGeom>
-            <a:solidFill>
-              <a:schemeClr val="bg1"/>
-            </a:solidFill>
-            <a:ln>
-              <a:solidFill>
-                <a:schemeClr val="tx2"/>
-              </a:solidFill>
-            </a:ln>
-          </p:spPr>
-          <p:style>
-            <a:lnRef idx="2">
-              <a:schemeClr val="accent1">
-                <a:shade val="50000"/>
-              </a:schemeClr>
-            </a:lnRef>
-            <a:fillRef idx="1">
-              <a:schemeClr val="accent1"/>
-            </a:fillRef>
-            <a:effectRef idx="0">
-              <a:schemeClr val="accent1"/>
-            </a:effectRef>
-            <a:fontRef idx="minor">
-              <a:schemeClr val="lt1"/>
-            </a:fontRef>
-          </p:style>
-          <p:txBody>
-            <a:bodyPr rtlCol="0" anchor="ctr"/>
-            <a:lstStyle/>
-            <a:p>
-              <a:pPr algn="ctr"/>
-              <a:r>
-                <a:rPr lang="en-US" dirty="0">
-                  <a:solidFill>
-                    <a:schemeClr val="tx2"/>
-                  </a:solidFill>
-                  <a:latin typeface="Yanone Kaffeesatz Regular" panose="02000000000000000000" pitchFamily="2" charset="0"/>
-                </a:rPr>
-                <a:t>…</a:t>
-              </a:r>
-              <a:endParaRPr lang="de-CH" dirty="0">
-                <a:solidFill>
-                  <a:schemeClr val="tx2"/>
-                </a:solidFill>
-                <a:latin typeface="Yanone Kaffeesatz Regular" panose="02000000000000000000" pitchFamily="2" charset="0"/>
-              </a:endParaRPr>
-            </a:p>
-          </p:txBody>
-        </p:sp>
-        <p:sp>
-          <p:nvSpPr>
-            <p:cNvPr id="41" name="Rectangle 40"/>
-            <p:cNvSpPr/>
-            <p:nvPr/>
-          </p:nvSpPr>
-          <p:spPr>
-            <a:xfrm>
-              <a:off x="7842156" y="2714584"/>
-              <a:ext cx="1166384" cy="2056171"/>
-            </a:xfrm>
-            <a:prstGeom prst="rect">
-              <a:avLst/>
-            </a:prstGeom>
-            <a:solidFill>
-              <a:schemeClr val="bg1"/>
-            </a:solidFill>
-            <a:ln>
-              <a:solidFill>
-                <a:schemeClr val="tx2"/>
-              </a:solidFill>
-            </a:ln>
-          </p:spPr>
-          <p:style>
-            <a:lnRef idx="2">
-              <a:schemeClr val="accent1">
-                <a:shade val="50000"/>
-              </a:schemeClr>
-            </a:lnRef>
-            <a:fillRef idx="1">
-              <a:schemeClr val="accent1"/>
-            </a:fillRef>
-            <a:effectRef idx="0">
-              <a:schemeClr val="accent1"/>
-            </a:effectRef>
-            <a:fontRef idx="minor">
-              <a:schemeClr val="lt1"/>
-            </a:fontRef>
-          </p:style>
-          <p:txBody>
-            <a:bodyPr rtlCol="0" anchor="ctr"/>
-            <a:lstStyle/>
-            <a:p>
-              <a:pPr algn="ctr"/>
-              <a:r>
-                <a:rPr lang="en-US" dirty="0">
-                  <a:solidFill>
-                    <a:schemeClr val="tx2"/>
-                  </a:solidFill>
-                  <a:latin typeface="Yanone Kaffeesatz Regular" panose="02000000000000000000" pitchFamily="2" charset="0"/>
-                </a:rPr>
-                <a:t>…</a:t>
-              </a:r>
-              <a:endParaRPr lang="de-CH" dirty="0">
-                <a:solidFill>
-                  <a:schemeClr val="tx2"/>
-                </a:solidFill>
-                <a:latin typeface="Yanone Kaffeesatz Regular" panose="02000000000000000000" pitchFamily="2" charset="0"/>
-              </a:endParaRPr>
-            </a:p>
-          </p:txBody>
-        </p:sp>
-      </p:grpSp>
+              <a:latin typeface="Yanone Kaffeesatz Regular" panose="02000000000000000000" pitchFamily="2" charset="0"/>
+            </a:endParaRPr>
+          </a:p>
+        </p:txBody>
+      </p:sp>
     </p:spTree>
     <p:extLst>
       <p:ext uri="{BB962C8B-B14F-4D97-AF65-F5344CB8AC3E}">
@@ -17752,7 +19474,237 @@
   <p:timing>
     <p:tnLst>
       <p:par>
-        <p:cTn id="1" dur="indefinite" restart="never" nodeType="tmRoot"/>
+        <p:cTn id="1" dur="indefinite" restart="never" nodeType="tmRoot">
+          <p:childTnLst>
+            <p:seq concurrent="1" nextAc="seek">
+              <p:cTn id="2" dur="indefinite" nodeType="mainSeq">
+                <p:childTnLst>
+                  <p:par>
+                    <p:cTn id="3" fill="hold">
+                      <p:stCondLst>
+                        <p:cond delay="indefinite"/>
+                      </p:stCondLst>
+                      <p:childTnLst>
+                        <p:par>
+                          <p:cTn id="4" fill="hold">
+                            <p:stCondLst>
+                              <p:cond delay="0"/>
+                            </p:stCondLst>
+                            <p:childTnLst>
+                              <p:par>
+                                <p:cTn id="5" presetID="1" presetClass="emph" presetSubtype="2" fill="hold" nodeType="clickEffect">
+                                  <p:stCondLst>
+                                    <p:cond delay="0"/>
+                                  </p:stCondLst>
+                                  <p:childTnLst>
+                                    <p:animClr clrSpc="rgb" dir="cw">
+                                      <p:cBhvr>
+                                        <p:cTn id="6" dur="2000" fill="hold"/>
+                                        <p:tgtEl>
+                                          <p:spTgt spid="36"/>
+                                        </p:tgtEl>
+                                        <p:attrNameLst>
+                                          <p:attrName>fillcolor</p:attrName>
+                                        </p:attrNameLst>
+                                      </p:cBhvr>
+                                      <p:to>
+                                        <a:srgbClr val="FFAF00"/>
+                                      </p:to>
+                                    </p:animClr>
+                                    <p:set>
+                                      <p:cBhvr>
+                                        <p:cTn id="7" dur="2000" fill="hold"/>
+                                        <p:tgtEl>
+                                          <p:spTgt spid="36"/>
+                                        </p:tgtEl>
+                                        <p:attrNameLst>
+                                          <p:attrName>fill.type</p:attrName>
+                                        </p:attrNameLst>
+                                      </p:cBhvr>
+                                      <p:to>
+                                        <p:strVal val="solid"/>
+                                      </p:to>
+                                    </p:set>
+                                    <p:set>
+                                      <p:cBhvr>
+                                        <p:cTn id="8" dur="2000" fill="hold"/>
+                                        <p:tgtEl>
+                                          <p:spTgt spid="36"/>
+                                        </p:tgtEl>
+                                        <p:attrNameLst>
+                                          <p:attrName>fill.on</p:attrName>
+                                        </p:attrNameLst>
+                                      </p:cBhvr>
+                                      <p:to>
+                                        <p:strVal val="true"/>
+                                      </p:to>
+                                    </p:set>
+                                  </p:childTnLst>
+                                </p:cTn>
+                              </p:par>
+                            </p:childTnLst>
+                          </p:cTn>
+                        </p:par>
+                      </p:childTnLst>
+                    </p:cTn>
+                  </p:par>
+                  <p:par>
+                    <p:cTn id="9" fill="hold">
+                      <p:stCondLst>
+                        <p:cond delay="indefinite"/>
+                      </p:stCondLst>
+                      <p:childTnLst>
+                        <p:par>
+                          <p:cTn id="10" fill="hold">
+                            <p:stCondLst>
+                              <p:cond delay="0"/>
+                            </p:stCondLst>
+                            <p:childTnLst>
+                              <p:par>
+                                <p:cTn id="11" presetID="1" presetClass="emph" presetSubtype="2" fill="hold" nodeType="clickEffect">
+                                  <p:stCondLst>
+                                    <p:cond delay="0"/>
+                                  </p:stCondLst>
+                                  <p:childTnLst>
+                                    <p:animClr clrSpc="rgb" dir="cw">
+                                      <p:cBhvr>
+                                        <p:cTn id="12" dur="2000" fill="hold"/>
+                                        <p:tgtEl>
+                                          <p:spTgt spid="37"/>
+                                        </p:tgtEl>
+                                        <p:attrNameLst>
+                                          <p:attrName>fillcolor</p:attrName>
+                                        </p:attrNameLst>
+                                      </p:cBhvr>
+                                      <p:to>
+                                        <a:srgbClr val="FFAF00"/>
+                                      </p:to>
+                                    </p:animClr>
+                                    <p:set>
+                                      <p:cBhvr>
+                                        <p:cTn id="13" dur="2000" fill="hold"/>
+                                        <p:tgtEl>
+                                          <p:spTgt spid="37"/>
+                                        </p:tgtEl>
+                                        <p:attrNameLst>
+                                          <p:attrName>fill.type</p:attrName>
+                                        </p:attrNameLst>
+                                      </p:cBhvr>
+                                      <p:to>
+                                        <p:strVal val="solid"/>
+                                      </p:to>
+                                    </p:set>
+                                    <p:set>
+                                      <p:cBhvr>
+                                        <p:cTn id="14" dur="2000" fill="hold"/>
+                                        <p:tgtEl>
+                                          <p:spTgt spid="37"/>
+                                        </p:tgtEl>
+                                        <p:attrNameLst>
+                                          <p:attrName>fill.on</p:attrName>
+                                        </p:attrNameLst>
+                                      </p:cBhvr>
+                                      <p:to>
+                                        <p:strVal val="true"/>
+                                      </p:to>
+                                    </p:set>
+                                  </p:childTnLst>
+                                </p:cTn>
+                              </p:par>
+                            </p:childTnLst>
+                          </p:cTn>
+                        </p:par>
+                      </p:childTnLst>
+                    </p:cTn>
+                  </p:par>
+                  <p:par>
+                    <p:cTn id="15" fill="hold">
+                      <p:stCondLst>
+                        <p:cond delay="indefinite"/>
+                      </p:stCondLst>
+                      <p:childTnLst>
+                        <p:par>
+                          <p:cTn id="16" fill="hold">
+                            <p:stCondLst>
+                              <p:cond delay="0"/>
+                            </p:stCondLst>
+                            <p:childTnLst>
+                              <p:par>
+                                <p:cTn id="17" presetID="1" presetClass="emph" presetSubtype="2" fill="hold" nodeType="clickEffect">
+                                  <p:stCondLst>
+                                    <p:cond delay="0"/>
+                                  </p:stCondLst>
+                                  <p:childTnLst>
+                                    <p:animClr clrSpc="rgb" dir="cw">
+                                      <p:cBhvr>
+                                        <p:cTn id="18" dur="2000" fill="hold"/>
+                                        <p:tgtEl>
+                                          <p:spTgt spid="39"/>
+                                        </p:tgtEl>
+                                        <p:attrNameLst>
+                                          <p:attrName>fillcolor</p:attrName>
+                                        </p:attrNameLst>
+                                      </p:cBhvr>
+                                      <p:to>
+                                        <a:srgbClr val="FFAF00"/>
+                                      </p:to>
+                                    </p:animClr>
+                                    <p:set>
+                                      <p:cBhvr>
+                                        <p:cTn id="19" dur="2000" fill="hold"/>
+                                        <p:tgtEl>
+                                          <p:spTgt spid="39"/>
+                                        </p:tgtEl>
+                                        <p:attrNameLst>
+                                          <p:attrName>fill.type</p:attrName>
+                                        </p:attrNameLst>
+                                      </p:cBhvr>
+                                      <p:to>
+                                        <p:strVal val="solid"/>
+                                      </p:to>
+                                    </p:set>
+                                    <p:set>
+                                      <p:cBhvr>
+                                        <p:cTn id="20" dur="2000" fill="hold"/>
+                                        <p:tgtEl>
+                                          <p:spTgt spid="39"/>
+                                        </p:tgtEl>
+                                        <p:attrNameLst>
+                                          <p:attrName>fill.on</p:attrName>
+                                        </p:attrNameLst>
+                                      </p:cBhvr>
+                                      <p:to>
+                                        <p:strVal val="true"/>
+                                      </p:to>
+                                    </p:set>
+                                  </p:childTnLst>
+                                </p:cTn>
+                              </p:par>
+                            </p:childTnLst>
+                          </p:cTn>
+                        </p:par>
+                      </p:childTnLst>
+                    </p:cTn>
+                  </p:par>
+                </p:childTnLst>
+              </p:cTn>
+              <p:prevCondLst>
+                <p:cond evt="onPrev" delay="0">
+                  <p:tgtEl>
+                    <p:sldTgt/>
+                  </p:tgtEl>
+                </p:cond>
+              </p:prevCondLst>
+              <p:nextCondLst>
+                <p:cond evt="onNext" delay="0">
+                  <p:tgtEl>
+                    <p:sldTgt/>
+                  </p:tgtEl>
+                </p:cond>
+              </p:nextCondLst>
+            </p:seq>
+          </p:childTnLst>
+        </p:cTn>
       </p:par>
     </p:tnLst>
   </p:timing>
@@ -32021,16 +33973,7 @@
                 </a:solidFill>
                 <a:latin typeface="Yanone Kaffeesatz Regular" panose="02000000000000000000" pitchFamily="2" charset="0"/>
               </a:rPr>
-              <a:t>ndc</a:t>
-            </a:r>
-            <a:r>
-              <a:rPr lang="de-CH" sz="3600" dirty="0" smtClean="0">
-                <a:solidFill>
-                  <a:schemeClr val="accent4"/>
-                </a:solidFill>
-                <a:latin typeface="Yanone Kaffeesatz Regular" panose="02000000000000000000" pitchFamily="2" charset="0"/>
-              </a:rPr>
-              <a:t>16.async</a:t>
+              <a:t>ndc16.async</a:t>
             </a:r>
             <a:endParaRPr lang="de-CH" sz="3600" dirty="0">
               <a:solidFill>
@@ -32343,6 +34286,13 @@
   <p:clrMapOvr>
     <a:masterClrMapping/>
   </p:clrMapOvr>
+  <p:timing>
+    <p:tnLst>
+      <p:par>
+        <p:cTn id="1" dur="indefinite" restart="never" nodeType="tmRoot"/>
+      </p:par>
+    </p:tnLst>
+  </p:timing>
 </p:sld>
 </file>
 
@@ -32437,6 +34387,13 @@
   <p:clrMapOvr>
     <a:masterClrMapping/>
   </p:clrMapOvr>
+  <p:timing>
+    <p:tnLst>
+      <p:par>
+        <p:cTn id="1" dur="indefinite" restart="never" nodeType="tmRoot"/>
+      </p:par>
+    </p:tnLst>
+  </p:timing>
 </p:sld>
 </file>
 
@@ -33694,11 +35651,11 @@
   <p:clrMapOvr>
     <a:masterClrMapping/>
   </p:clrMapOvr>
-  <mc:AlternateContent xmlns:mc="http://schemas.openxmlformats.org/markup-compatibility/2006">
-    <mc:Choice xmlns:p14="http://schemas.microsoft.com/office/powerpoint/2010/main" Requires="p14">
+  <mc:AlternateContent xmlns:mc="http://schemas.openxmlformats.org/markup-compatibility/2006" xmlns:p14="http://schemas.microsoft.com/office/powerpoint/2010/main">
+    <mc:Choice Requires="p14">
       <p:transition spd="slow" p14:dur="2000"/>
     </mc:Choice>
-    <mc:Fallback>
+    <mc:Fallback xmlns="">
       <p:transition spd="slow"/>
     </mc:Fallback>
   </mc:AlternateContent>

--- a/presentation.pptx
+++ b/presentation.pptx
@@ -5,7 +5,7 @@
     <p:sldMasterId id="2147483684" r:id="rId1"/>
   </p:sldMasterIdLst>
   <p:notesMasterIdLst>
-    <p:notesMasterId r:id="rId86"/>
+    <p:notesMasterId r:id="rId87"/>
   </p:notesMasterIdLst>
   <p:sldIdLst>
     <p:sldId id="278" r:id="rId2"/>
@@ -67,31 +67,32 @@
     <p:sldId id="385" r:id="rId58"/>
     <p:sldId id="425" r:id="rId59"/>
     <p:sldId id="381" r:id="rId60"/>
-    <p:sldId id="419" r:id="rId61"/>
-    <p:sldId id="426" r:id="rId62"/>
-    <p:sldId id="382" r:id="rId63"/>
-    <p:sldId id="420" r:id="rId64"/>
-    <p:sldId id="427" r:id="rId65"/>
-    <p:sldId id="383" r:id="rId66"/>
-    <p:sldId id="421" r:id="rId67"/>
-    <p:sldId id="386" r:id="rId68"/>
-    <p:sldId id="388" r:id="rId69"/>
-    <p:sldId id="405" r:id="rId70"/>
-    <p:sldId id="323" r:id="rId71"/>
-    <p:sldId id="390" r:id="rId72"/>
-    <p:sldId id="391" r:id="rId73"/>
-    <p:sldId id="394" r:id="rId74"/>
-    <p:sldId id="392" r:id="rId75"/>
-    <p:sldId id="395" r:id="rId76"/>
-    <p:sldId id="393" r:id="rId77"/>
-    <p:sldId id="396" r:id="rId78"/>
-    <p:sldId id="410" r:id="rId79"/>
-    <p:sldId id="273" r:id="rId80"/>
-    <p:sldId id="267" r:id="rId81"/>
-    <p:sldId id="400" r:id="rId82"/>
-    <p:sldId id="275" r:id="rId83"/>
-    <p:sldId id="279" r:id="rId84"/>
-    <p:sldId id="399" r:id="rId85"/>
+    <p:sldId id="429" r:id="rId61"/>
+    <p:sldId id="419" r:id="rId62"/>
+    <p:sldId id="426" r:id="rId63"/>
+    <p:sldId id="382" r:id="rId64"/>
+    <p:sldId id="420" r:id="rId65"/>
+    <p:sldId id="427" r:id="rId66"/>
+    <p:sldId id="383" r:id="rId67"/>
+    <p:sldId id="421" r:id="rId68"/>
+    <p:sldId id="386" r:id="rId69"/>
+    <p:sldId id="388" r:id="rId70"/>
+    <p:sldId id="405" r:id="rId71"/>
+    <p:sldId id="323" r:id="rId72"/>
+    <p:sldId id="390" r:id="rId73"/>
+    <p:sldId id="391" r:id="rId74"/>
+    <p:sldId id="394" r:id="rId75"/>
+    <p:sldId id="392" r:id="rId76"/>
+    <p:sldId id="395" r:id="rId77"/>
+    <p:sldId id="393" r:id="rId78"/>
+    <p:sldId id="396" r:id="rId79"/>
+    <p:sldId id="410" r:id="rId80"/>
+    <p:sldId id="273" r:id="rId81"/>
+    <p:sldId id="267" r:id="rId82"/>
+    <p:sldId id="400" r:id="rId83"/>
+    <p:sldId id="275" r:id="rId84"/>
+    <p:sldId id="279" r:id="rId85"/>
+    <p:sldId id="399" r:id="rId86"/>
   </p:sldIdLst>
   <p:sldSz cx="12192000" cy="6858000"/>
   <p:notesSz cx="6858000" cy="9144000"/>
@@ -270,6 +271,7 @@
             <p14:sldId id="385"/>
             <p14:sldId id="425"/>
             <p14:sldId id="381"/>
+            <p14:sldId id="429"/>
             <p14:sldId id="419"/>
             <p14:sldId id="426"/>
             <p14:sldId id="382"/>
@@ -3460,14 +3462,11 @@
         <a:lstStyle/>
         <a:p>
           <a:r>
-            <a:rPr lang="en-US" sz="4000" dirty="0" smtClean="0">
+            <a:rPr lang="en-US" sz="4000" dirty="0">
               <a:latin typeface="Yanone Kaffeesatz Regular" panose="02000000000000000000" pitchFamily="2" charset="0"/>
             </a:rPr>
             <a:t>Intro</a:t>
           </a:r>
-          <a:endParaRPr lang="en-US" sz="4000" dirty="0">
-            <a:latin typeface="Yanone Kaffeesatz Regular" panose="02000000000000000000" pitchFamily="2" charset="0"/>
-          </a:endParaRPr>
         </a:p>
       </dgm:t>
     </dgm:pt>
@@ -3505,14 +3504,11 @@
         <a:lstStyle/>
         <a:p>
           <a:r>
-            <a:rPr lang="en-US" sz="4000" dirty="0" smtClean="0">
+            <a:rPr lang="en-US" sz="4000" dirty="0">
               <a:latin typeface="Yanone Kaffeesatz Regular" panose="02000000000000000000" pitchFamily="2" charset="0"/>
             </a:rPr>
             <a:t>Phases</a:t>
           </a:r>
-          <a:endParaRPr lang="en-US" sz="4000" dirty="0">
-            <a:latin typeface="Yanone Kaffeesatz Regular" panose="02000000000000000000" pitchFamily="2" charset="0"/>
-          </a:endParaRPr>
         </a:p>
       </dgm:t>
     </dgm:pt>
@@ -3606,13 +3602,6 @@
         </dgm:presLayoutVars>
       </dgm:prSet>
       <dgm:spPr/>
-      <dgm:t>
-        <a:bodyPr/>
-        <a:lstStyle/>
-        <a:p>
-          <a:endParaRPr lang="de-CH"/>
-        </a:p>
-      </dgm:t>
     </dgm:pt>
     <dgm:pt modelId="{FF7159AF-36D2-478F-AED5-A0FA717C33FE}" type="pres">
       <dgm:prSet presAssocID="{6EEF2820-B8D2-48C7-8FF5-8EF23E92A3FD}" presName="parTxOnlySpace" presStyleCnt="0"/>
@@ -3627,13 +3616,6 @@
         </dgm:presLayoutVars>
       </dgm:prSet>
       <dgm:spPr/>
-      <dgm:t>
-        <a:bodyPr/>
-        <a:lstStyle/>
-        <a:p>
-          <a:endParaRPr lang="de-CH"/>
-        </a:p>
-      </dgm:t>
     </dgm:pt>
     <dgm:pt modelId="{1893531E-AA6D-431E-863A-42991CED2B0E}" type="pres">
       <dgm:prSet presAssocID="{30B80118-14FF-424E-8307-BA35C510FBBB}" presName="parTxOnlySpace" presStyleCnt="0"/>
@@ -3648,13 +3630,6 @@
         </dgm:presLayoutVars>
       </dgm:prSet>
       <dgm:spPr/>
-      <dgm:t>
-        <a:bodyPr/>
-        <a:lstStyle/>
-        <a:p>
-          <a:endParaRPr lang="de-CH"/>
-        </a:p>
-      </dgm:t>
     </dgm:pt>
   </dgm:ptLst>
   <dgm:cxnLst>
@@ -3696,14 +3671,11 @@
         <a:lstStyle/>
         <a:p>
           <a:r>
-            <a:rPr lang="en-US" sz="4000" dirty="0" smtClean="0">
+            <a:rPr lang="en-US" sz="4000" dirty="0">
               <a:latin typeface="Yanone Kaffeesatz Regular" panose="02000000000000000000" pitchFamily="2" charset="0"/>
             </a:rPr>
             <a:t>Intro</a:t>
           </a:r>
-          <a:endParaRPr lang="en-US" sz="4000" dirty="0">
-            <a:latin typeface="Yanone Kaffeesatz Regular" panose="02000000000000000000" pitchFamily="2" charset="0"/>
-          </a:endParaRPr>
         </a:p>
       </dgm:t>
     </dgm:pt>
@@ -3750,14 +3722,11 @@
         <a:lstStyle/>
         <a:p>
           <a:r>
-            <a:rPr lang="en-US" sz="4000" dirty="0" smtClean="0">
+            <a:rPr lang="en-US" sz="4000" dirty="0">
               <a:latin typeface="Yanone Kaffeesatz Regular" panose="02000000000000000000" pitchFamily="2" charset="0"/>
             </a:rPr>
             <a:t>Phases</a:t>
           </a:r>
-          <a:endParaRPr lang="en-US" sz="4000" dirty="0">
-            <a:latin typeface="Yanone Kaffeesatz Regular" panose="02000000000000000000" pitchFamily="2" charset="0"/>
-          </a:endParaRPr>
         </a:p>
       </dgm:t>
     </dgm:pt>
@@ -3860,13 +3829,6 @@
         </dgm:presLayoutVars>
       </dgm:prSet>
       <dgm:spPr/>
-      <dgm:t>
-        <a:bodyPr/>
-        <a:lstStyle/>
-        <a:p>
-          <a:endParaRPr lang="de-CH"/>
-        </a:p>
-      </dgm:t>
     </dgm:pt>
     <dgm:pt modelId="{FF7159AF-36D2-478F-AED5-A0FA717C33FE}" type="pres">
       <dgm:prSet presAssocID="{6EEF2820-B8D2-48C7-8FF5-8EF23E92A3FD}" presName="parTxOnlySpace" presStyleCnt="0"/>
@@ -3881,13 +3843,6 @@
         </dgm:presLayoutVars>
       </dgm:prSet>
       <dgm:spPr/>
-      <dgm:t>
-        <a:bodyPr/>
-        <a:lstStyle/>
-        <a:p>
-          <a:endParaRPr lang="de-CH"/>
-        </a:p>
-      </dgm:t>
     </dgm:pt>
     <dgm:pt modelId="{1893531E-AA6D-431E-863A-42991CED2B0E}" type="pres">
       <dgm:prSet presAssocID="{30B80118-14FF-424E-8307-BA35C510FBBB}" presName="parTxOnlySpace" presStyleCnt="0"/>
@@ -3902,13 +3857,6 @@
         </dgm:presLayoutVars>
       </dgm:prSet>
       <dgm:spPr/>
-      <dgm:t>
-        <a:bodyPr/>
-        <a:lstStyle/>
-        <a:p>
-          <a:endParaRPr lang="de-CH"/>
-        </a:p>
-      </dgm:t>
     </dgm:pt>
   </dgm:ptLst>
   <dgm:cxnLst>
@@ -3959,14 +3907,11 @@
         <a:lstStyle/>
         <a:p>
           <a:r>
-            <a:rPr lang="en-US" sz="4000" dirty="0" smtClean="0">
+            <a:rPr lang="en-US" sz="4000" dirty="0">
               <a:latin typeface="Yanone Kaffeesatz Regular" panose="02000000000000000000" pitchFamily="2" charset="0"/>
             </a:rPr>
             <a:t>Intro</a:t>
           </a:r>
-          <a:endParaRPr lang="en-US" sz="4000" dirty="0">
-            <a:latin typeface="Yanone Kaffeesatz Regular" panose="02000000000000000000" pitchFamily="2" charset="0"/>
-          </a:endParaRPr>
         </a:p>
       </dgm:t>
     </dgm:pt>
@@ -4004,14 +3949,11 @@
         <a:lstStyle/>
         <a:p>
           <a:r>
-            <a:rPr lang="en-US" sz="4000" dirty="0" smtClean="0">
+            <a:rPr lang="en-US" sz="4000" dirty="0">
               <a:latin typeface="Yanone Kaffeesatz Regular" panose="02000000000000000000" pitchFamily="2" charset="0"/>
             </a:rPr>
             <a:t>Phases</a:t>
           </a:r>
-          <a:endParaRPr lang="en-US" sz="4000" dirty="0">
-            <a:latin typeface="Yanone Kaffeesatz Regular" panose="02000000000000000000" pitchFamily="2" charset="0"/>
-          </a:endParaRPr>
         </a:p>
       </dgm:t>
     </dgm:pt>
@@ -4114,13 +4056,6 @@
         </dgm:presLayoutVars>
       </dgm:prSet>
       <dgm:spPr/>
-      <dgm:t>
-        <a:bodyPr/>
-        <a:lstStyle/>
-        <a:p>
-          <a:endParaRPr lang="de-CH"/>
-        </a:p>
-      </dgm:t>
     </dgm:pt>
     <dgm:pt modelId="{FF7159AF-36D2-478F-AED5-A0FA717C33FE}" type="pres">
       <dgm:prSet presAssocID="{6EEF2820-B8D2-48C7-8FF5-8EF23E92A3FD}" presName="parTxOnlySpace" presStyleCnt="0"/>
@@ -4135,13 +4070,6 @@
         </dgm:presLayoutVars>
       </dgm:prSet>
       <dgm:spPr/>
-      <dgm:t>
-        <a:bodyPr/>
-        <a:lstStyle/>
-        <a:p>
-          <a:endParaRPr lang="de-CH"/>
-        </a:p>
-      </dgm:t>
     </dgm:pt>
     <dgm:pt modelId="{1893531E-AA6D-431E-863A-42991CED2B0E}" type="pres">
       <dgm:prSet presAssocID="{30B80118-14FF-424E-8307-BA35C510FBBB}" presName="parTxOnlySpace" presStyleCnt="0"/>
@@ -4156,22 +4084,15 @@
         </dgm:presLayoutVars>
       </dgm:prSet>
       <dgm:spPr/>
-      <dgm:t>
-        <a:bodyPr/>
-        <a:lstStyle/>
-        <a:p>
-          <a:endParaRPr lang="de-CH"/>
-        </a:p>
-      </dgm:t>
     </dgm:pt>
   </dgm:ptLst>
   <dgm:cxnLst>
     <dgm:cxn modelId="{F0F1394B-05D7-43A5-8008-57D0F7E8805C}" type="presOf" srcId="{AE16C2FE-B749-444C-A08F-E0F7DAF307D9}" destId="{35790938-0B14-48B2-A316-59A2B53BA6D0}" srcOrd="0" destOrd="0" presId="urn:microsoft.com/office/officeart/2005/8/layout/chevron1"/>
     <dgm:cxn modelId="{1B4A141F-BCBD-477D-ADCE-7955B907E485}" type="presOf" srcId="{C423965E-2C67-4A27-B6E4-19934BCCECD5}" destId="{65308EB6-B019-4C9B-AE06-3040D088422C}" srcOrd="0" destOrd="0" presId="urn:microsoft.com/office/officeart/2005/8/layout/chevron1"/>
     <dgm:cxn modelId="{D77F0A77-E217-4AD7-8458-CB7243272FB3}" srcId="{C423965E-2C67-4A27-B6E4-19934BCCECD5}" destId="{735E1791-E547-476B-8D52-54FD0294A194}" srcOrd="1" destOrd="0" parTransId="{141B4816-F51F-4E74-8A50-CD11A7075ADA}" sibTransId="{30B80118-14FF-424E-8307-BA35C510FBBB}"/>
+    <dgm:cxn modelId="{BE9E0DB4-6C55-45DA-8C2F-EDFE7E62F56D}" type="presOf" srcId="{F6275F84-BE2F-4A98-BC05-00109AAC37B8}" destId="{10DEF3C3-4ABC-4FBF-AF7E-4B5D02C34137}" srcOrd="0" destOrd="0" presId="urn:microsoft.com/office/officeart/2005/8/layout/chevron1"/>
+    <dgm:cxn modelId="{46F7E922-2475-4849-B069-C6414C5BC75D}" type="presOf" srcId="{735E1791-E547-476B-8D52-54FD0294A194}" destId="{D8F87F9C-A652-4968-96EA-9309EF831909}" srcOrd="0" destOrd="0" presId="urn:microsoft.com/office/officeart/2005/8/layout/chevron1"/>
     <dgm:cxn modelId="{B2646AA0-2239-45F6-A6F7-473886A2FB9A}" srcId="{C423965E-2C67-4A27-B6E4-19934BCCECD5}" destId="{AE16C2FE-B749-444C-A08F-E0F7DAF307D9}" srcOrd="2" destOrd="0" parTransId="{505DE279-9281-4325-AEA5-9A47E9EAE6BA}" sibTransId="{59107A75-FD7A-4BD3-B930-46CAD64D3D4B}"/>
-    <dgm:cxn modelId="{46F7E922-2475-4849-B069-C6414C5BC75D}" type="presOf" srcId="{735E1791-E547-476B-8D52-54FD0294A194}" destId="{D8F87F9C-A652-4968-96EA-9309EF831909}" srcOrd="0" destOrd="0" presId="urn:microsoft.com/office/officeart/2005/8/layout/chevron1"/>
-    <dgm:cxn modelId="{BE9E0DB4-6C55-45DA-8C2F-EDFE7E62F56D}" type="presOf" srcId="{F6275F84-BE2F-4A98-BC05-00109AAC37B8}" destId="{10DEF3C3-4ABC-4FBF-AF7E-4B5D02C34137}" srcOrd="0" destOrd="0" presId="urn:microsoft.com/office/officeart/2005/8/layout/chevron1"/>
     <dgm:cxn modelId="{90AD4AA1-5748-4BD2-9310-EF2891C2F848}" srcId="{C423965E-2C67-4A27-B6E4-19934BCCECD5}" destId="{F6275F84-BE2F-4A98-BC05-00109AAC37B8}" srcOrd="0" destOrd="0" parTransId="{59B0E7A1-53C9-48FA-893D-A9DB7A012493}" sibTransId="{6EEF2820-B8D2-48C7-8FF5-8EF23E92A3FD}"/>
     <dgm:cxn modelId="{20A5D0FA-C5FD-4846-B77B-9FA2214F4CC0}" type="presParOf" srcId="{65308EB6-B019-4C9B-AE06-3040D088422C}" destId="{10DEF3C3-4ABC-4FBF-AF7E-4B5D02C34137}" srcOrd="0" destOrd="0" presId="urn:microsoft.com/office/officeart/2005/8/layout/chevron1"/>
     <dgm:cxn modelId="{EC4B9899-1B58-4A19-AA46-59E168418019}" type="presParOf" srcId="{65308EB6-B019-4C9B-AE06-3040D088422C}" destId="{FF7159AF-36D2-478F-AED5-A0FA717C33FE}" srcOrd="1" destOrd="0" presId="urn:microsoft.com/office/officeart/2005/8/layout/chevron1"/>
@@ -4213,14 +4134,11 @@
         <a:lstStyle/>
         <a:p>
           <a:r>
-            <a:rPr lang="en-US" sz="4000" dirty="0" smtClean="0">
+            <a:rPr lang="en-US" sz="4000" dirty="0">
               <a:latin typeface="Yanone Kaffeesatz Regular" panose="02000000000000000000" pitchFamily="2" charset="0"/>
             </a:rPr>
             <a:t>Intro</a:t>
           </a:r>
-          <a:endParaRPr lang="en-US" sz="4000" dirty="0">
-            <a:latin typeface="Yanone Kaffeesatz Regular" panose="02000000000000000000" pitchFamily="2" charset="0"/>
-          </a:endParaRPr>
         </a:p>
       </dgm:t>
     </dgm:pt>
@@ -4267,14 +4185,11 @@
         <a:lstStyle/>
         <a:p>
           <a:r>
-            <a:rPr lang="en-US" sz="4000" dirty="0" smtClean="0">
+            <a:rPr lang="en-US" sz="4000" dirty="0">
               <a:latin typeface="Yanone Kaffeesatz Regular" panose="02000000000000000000" pitchFamily="2" charset="0"/>
             </a:rPr>
             <a:t>Phases</a:t>
           </a:r>
-          <a:endParaRPr lang="en-US" sz="4000" dirty="0">
-            <a:latin typeface="Yanone Kaffeesatz Regular" panose="02000000000000000000" pitchFamily="2" charset="0"/>
-          </a:endParaRPr>
         </a:p>
       </dgm:t>
     </dgm:pt>
@@ -4368,13 +4283,6 @@
         </dgm:presLayoutVars>
       </dgm:prSet>
       <dgm:spPr/>
-      <dgm:t>
-        <a:bodyPr/>
-        <a:lstStyle/>
-        <a:p>
-          <a:endParaRPr lang="de-CH"/>
-        </a:p>
-      </dgm:t>
     </dgm:pt>
     <dgm:pt modelId="{FF7159AF-36D2-478F-AED5-A0FA717C33FE}" type="pres">
       <dgm:prSet presAssocID="{6EEF2820-B8D2-48C7-8FF5-8EF23E92A3FD}" presName="parTxOnlySpace" presStyleCnt="0"/>
@@ -4389,13 +4297,6 @@
         </dgm:presLayoutVars>
       </dgm:prSet>
       <dgm:spPr/>
-      <dgm:t>
-        <a:bodyPr/>
-        <a:lstStyle/>
-        <a:p>
-          <a:endParaRPr lang="de-CH"/>
-        </a:p>
-      </dgm:t>
     </dgm:pt>
     <dgm:pt modelId="{1893531E-AA6D-431E-863A-42991CED2B0E}" type="pres">
       <dgm:prSet presAssocID="{30B80118-14FF-424E-8307-BA35C510FBBB}" presName="parTxOnlySpace" presStyleCnt="0"/>
@@ -4410,13 +4311,6 @@
         </dgm:presLayoutVars>
       </dgm:prSet>
       <dgm:spPr/>
-      <dgm:t>
-        <a:bodyPr/>
-        <a:lstStyle/>
-        <a:p>
-          <a:endParaRPr lang="de-CH"/>
-        </a:p>
-      </dgm:t>
     </dgm:pt>
   </dgm:ptLst>
   <dgm:cxnLst>
@@ -4506,7 +4400,7 @@
         </a:bodyPr>
         <a:lstStyle/>
         <a:p>
-          <a:pPr lvl="0" algn="ctr" defTabSz="1778000">
+          <a:pPr marL="0" lvl="0" indent="0" algn="ctr" defTabSz="1778000">
             <a:lnSpc>
               <a:spcPct val="90000"/>
             </a:lnSpc>
@@ -4516,16 +4410,14 @@
             <a:spcAft>
               <a:spcPct val="35000"/>
             </a:spcAft>
+            <a:buNone/>
           </a:pPr>
           <a:r>
-            <a:rPr lang="en-US" sz="4000" kern="1200" dirty="0" smtClean="0">
+            <a:rPr lang="en-US" sz="4000" kern="1200" dirty="0">
               <a:latin typeface="Yanone Kaffeesatz Regular" panose="02000000000000000000" pitchFamily="2" charset="0"/>
             </a:rPr>
             <a:t>Intro</a:t>
           </a:r>
-          <a:endParaRPr lang="en-US" sz="4000" kern="1200" dirty="0">
-            <a:latin typeface="Yanone Kaffeesatz Regular" panose="02000000000000000000" pitchFamily="2" charset="0"/>
-          </a:endParaRPr>
         </a:p>
       </dsp:txBody>
       <dsp:txXfrm>
@@ -4588,7 +4480,7 @@
         </a:bodyPr>
         <a:lstStyle/>
         <a:p>
-          <a:pPr lvl="0" algn="ctr" defTabSz="1778000">
+          <a:pPr marL="0" lvl="0" indent="0" algn="ctr" defTabSz="1778000">
             <a:lnSpc>
               <a:spcPct val="90000"/>
             </a:lnSpc>
@@ -4598,16 +4490,14 @@
             <a:spcAft>
               <a:spcPct val="35000"/>
             </a:spcAft>
+            <a:buNone/>
           </a:pPr>
           <a:r>
-            <a:rPr lang="en-US" sz="4000" kern="1200" dirty="0" smtClean="0">
+            <a:rPr lang="en-US" sz="4000" kern="1200" dirty="0">
               <a:latin typeface="Yanone Kaffeesatz Regular" panose="02000000000000000000" pitchFamily="2" charset="0"/>
             </a:rPr>
             <a:t>Phases</a:t>
           </a:r>
-          <a:endParaRPr lang="en-US" sz="4000" kern="1200" dirty="0">
-            <a:latin typeface="Yanone Kaffeesatz Regular" panose="02000000000000000000" pitchFamily="2" charset="0"/>
-          </a:endParaRPr>
         </a:p>
       </dsp:txBody>
       <dsp:txXfrm>
@@ -4670,7 +4560,7 @@
         </a:bodyPr>
         <a:lstStyle/>
         <a:p>
-          <a:pPr lvl="0" algn="ctr" defTabSz="1778000">
+          <a:pPr marL="0" lvl="0" indent="0" algn="ctr" defTabSz="1778000">
             <a:lnSpc>
               <a:spcPct val="90000"/>
             </a:lnSpc>
@@ -4680,6 +4570,7 @@
             <a:spcAft>
               <a:spcPct val="35000"/>
             </a:spcAft>
+            <a:buNone/>
           </a:pPr>
           <a:r>
             <a:rPr lang="en-US" sz="4000" kern="1200" dirty="0" err="1">
@@ -4764,7 +4655,7 @@
         </a:bodyPr>
         <a:lstStyle/>
         <a:p>
-          <a:pPr lvl="0" algn="ctr" defTabSz="1778000">
+          <a:pPr marL="0" lvl="0" indent="0" algn="ctr" defTabSz="1778000">
             <a:lnSpc>
               <a:spcPct val="90000"/>
             </a:lnSpc>
@@ -4774,16 +4665,14 @@
             <a:spcAft>
               <a:spcPct val="35000"/>
             </a:spcAft>
+            <a:buNone/>
           </a:pPr>
           <a:r>
-            <a:rPr lang="en-US" sz="4000" kern="1200" dirty="0" smtClean="0">
+            <a:rPr lang="en-US" sz="4000" kern="1200" dirty="0">
               <a:latin typeface="Yanone Kaffeesatz Regular" panose="02000000000000000000" pitchFamily="2" charset="0"/>
             </a:rPr>
             <a:t>Intro</a:t>
           </a:r>
-          <a:endParaRPr lang="en-US" sz="4000" kern="1200" dirty="0">
-            <a:latin typeface="Yanone Kaffeesatz Regular" panose="02000000000000000000" pitchFamily="2" charset="0"/>
-          </a:endParaRPr>
         </a:p>
       </dsp:txBody>
       <dsp:txXfrm>
@@ -4846,7 +4735,7 @@
         </a:bodyPr>
         <a:lstStyle/>
         <a:p>
-          <a:pPr lvl="0" algn="ctr" defTabSz="1778000">
+          <a:pPr marL="0" lvl="0" indent="0" algn="ctr" defTabSz="1778000">
             <a:lnSpc>
               <a:spcPct val="90000"/>
             </a:lnSpc>
@@ -4856,16 +4745,14 @@
             <a:spcAft>
               <a:spcPct val="35000"/>
             </a:spcAft>
+            <a:buNone/>
           </a:pPr>
           <a:r>
-            <a:rPr lang="en-US" sz="4000" kern="1200" dirty="0" smtClean="0">
+            <a:rPr lang="en-US" sz="4000" kern="1200" dirty="0">
               <a:latin typeface="Yanone Kaffeesatz Regular" panose="02000000000000000000" pitchFamily="2" charset="0"/>
             </a:rPr>
             <a:t>Phases</a:t>
           </a:r>
-          <a:endParaRPr lang="en-US" sz="4000" kern="1200" dirty="0">
-            <a:latin typeface="Yanone Kaffeesatz Regular" panose="02000000000000000000" pitchFamily="2" charset="0"/>
-          </a:endParaRPr>
         </a:p>
       </dsp:txBody>
       <dsp:txXfrm>
@@ -4928,7 +4815,7 @@
         </a:bodyPr>
         <a:lstStyle/>
         <a:p>
-          <a:pPr lvl="0" algn="ctr" defTabSz="1778000">
+          <a:pPr marL="0" lvl="0" indent="0" algn="ctr" defTabSz="1778000">
             <a:lnSpc>
               <a:spcPct val="90000"/>
             </a:lnSpc>
@@ -4938,6 +4825,7 @@
             <a:spcAft>
               <a:spcPct val="35000"/>
             </a:spcAft>
+            <a:buNone/>
           </a:pPr>
           <a:r>
             <a:rPr lang="en-US" sz="4000" kern="1200" dirty="0" err="1">
@@ -5022,7 +4910,7 @@
         </a:bodyPr>
         <a:lstStyle/>
         <a:p>
-          <a:pPr lvl="0" algn="ctr" defTabSz="1778000">
+          <a:pPr marL="0" lvl="0" indent="0" algn="ctr" defTabSz="1778000">
             <a:lnSpc>
               <a:spcPct val="90000"/>
             </a:lnSpc>
@@ -5032,16 +4920,14 @@
             <a:spcAft>
               <a:spcPct val="35000"/>
             </a:spcAft>
+            <a:buNone/>
           </a:pPr>
           <a:r>
-            <a:rPr lang="en-US" sz="4000" kern="1200" dirty="0" smtClean="0">
+            <a:rPr lang="en-US" sz="4000" kern="1200" dirty="0">
               <a:latin typeface="Yanone Kaffeesatz Regular" panose="02000000000000000000" pitchFamily="2" charset="0"/>
             </a:rPr>
             <a:t>Intro</a:t>
           </a:r>
-          <a:endParaRPr lang="en-US" sz="4000" kern="1200" dirty="0">
-            <a:latin typeface="Yanone Kaffeesatz Regular" panose="02000000000000000000" pitchFamily="2" charset="0"/>
-          </a:endParaRPr>
         </a:p>
       </dsp:txBody>
       <dsp:txXfrm>
@@ -5104,7 +4990,7 @@
         </a:bodyPr>
         <a:lstStyle/>
         <a:p>
-          <a:pPr lvl="0" algn="ctr" defTabSz="1778000">
+          <a:pPr marL="0" lvl="0" indent="0" algn="ctr" defTabSz="1778000">
             <a:lnSpc>
               <a:spcPct val="90000"/>
             </a:lnSpc>
@@ -5114,16 +5000,14 @@
             <a:spcAft>
               <a:spcPct val="35000"/>
             </a:spcAft>
+            <a:buNone/>
           </a:pPr>
           <a:r>
-            <a:rPr lang="en-US" sz="4000" kern="1200" dirty="0" smtClean="0">
+            <a:rPr lang="en-US" sz="4000" kern="1200" dirty="0">
               <a:latin typeface="Yanone Kaffeesatz Regular" panose="02000000000000000000" pitchFamily="2" charset="0"/>
             </a:rPr>
             <a:t>Phases</a:t>
           </a:r>
-          <a:endParaRPr lang="en-US" sz="4000" kern="1200" dirty="0">
-            <a:latin typeface="Yanone Kaffeesatz Regular" panose="02000000000000000000" pitchFamily="2" charset="0"/>
-          </a:endParaRPr>
         </a:p>
       </dsp:txBody>
       <dsp:txXfrm>
@@ -5186,7 +5070,7 @@
         </a:bodyPr>
         <a:lstStyle/>
         <a:p>
-          <a:pPr lvl="0" algn="ctr" defTabSz="1778000">
+          <a:pPr marL="0" lvl="0" indent="0" algn="ctr" defTabSz="1778000">
             <a:lnSpc>
               <a:spcPct val="90000"/>
             </a:lnSpc>
@@ -5196,6 +5080,7 @@
             <a:spcAft>
               <a:spcPct val="35000"/>
             </a:spcAft>
+            <a:buNone/>
           </a:pPr>
           <a:r>
             <a:rPr lang="en-US" sz="4000" kern="1200" dirty="0" err="1">
@@ -5280,7 +5165,7 @@
         </a:bodyPr>
         <a:lstStyle/>
         <a:p>
-          <a:pPr lvl="0" algn="ctr" defTabSz="1778000">
+          <a:pPr marL="0" lvl="0" indent="0" algn="ctr" defTabSz="1778000">
             <a:lnSpc>
               <a:spcPct val="90000"/>
             </a:lnSpc>
@@ -5290,16 +5175,14 @@
             <a:spcAft>
               <a:spcPct val="35000"/>
             </a:spcAft>
+            <a:buNone/>
           </a:pPr>
           <a:r>
-            <a:rPr lang="en-US" sz="4000" kern="1200" dirty="0" smtClean="0">
+            <a:rPr lang="en-US" sz="4000" kern="1200" dirty="0">
               <a:latin typeface="Yanone Kaffeesatz Regular" panose="02000000000000000000" pitchFamily="2" charset="0"/>
             </a:rPr>
             <a:t>Intro</a:t>
           </a:r>
-          <a:endParaRPr lang="en-US" sz="4000" kern="1200" dirty="0">
-            <a:latin typeface="Yanone Kaffeesatz Regular" panose="02000000000000000000" pitchFamily="2" charset="0"/>
-          </a:endParaRPr>
         </a:p>
       </dsp:txBody>
       <dsp:txXfrm>
@@ -5362,7 +5245,7 @@
         </a:bodyPr>
         <a:lstStyle/>
         <a:p>
-          <a:pPr lvl="0" algn="ctr" defTabSz="1778000">
+          <a:pPr marL="0" lvl="0" indent="0" algn="ctr" defTabSz="1778000">
             <a:lnSpc>
               <a:spcPct val="90000"/>
             </a:lnSpc>
@@ -5372,16 +5255,14 @@
             <a:spcAft>
               <a:spcPct val="35000"/>
             </a:spcAft>
+            <a:buNone/>
           </a:pPr>
           <a:r>
-            <a:rPr lang="en-US" sz="4000" kern="1200" dirty="0" smtClean="0">
+            <a:rPr lang="en-US" sz="4000" kern="1200" dirty="0">
               <a:latin typeface="Yanone Kaffeesatz Regular" panose="02000000000000000000" pitchFamily="2" charset="0"/>
             </a:rPr>
             <a:t>Phases</a:t>
           </a:r>
-          <a:endParaRPr lang="en-US" sz="4000" kern="1200" dirty="0">
-            <a:latin typeface="Yanone Kaffeesatz Regular" panose="02000000000000000000" pitchFamily="2" charset="0"/>
-          </a:endParaRPr>
         </a:p>
       </dsp:txBody>
       <dsp:txXfrm>
@@ -5444,7 +5325,7 @@
         </a:bodyPr>
         <a:lstStyle/>
         <a:p>
-          <a:pPr lvl="0" algn="ctr" defTabSz="1778000">
+          <a:pPr marL="0" lvl="0" indent="0" algn="ctr" defTabSz="1778000">
             <a:lnSpc>
               <a:spcPct val="90000"/>
             </a:lnSpc>
@@ -5454,6 +5335,7 @@
             <a:spcAft>
               <a:spcPct val="35000"/>
             </a:spcAft>
+            <a:buNone/>
           </a:pPr>
           <a:r>
             <a:rPr lang="en-US" sz="4000" kern="1200" dirty="0" err="1">
@@ -10825,7 +10707,7 @@
           <a:p>
             <a:fld id="{D987070D-87AF-4443-8990-425EA27CC244}" type="datetimeFigureOut">
               <a:rPr lang="de-CH" smtClean="0"/>
-              <a:t>05.06.2016</a:t>
+              <a:t>06.06.2016</a:t>
             </a:fld>
             <a:endParaRPr lang="de-CH"/>
           </a:p>
@@ -12459,31 +12341,27 @@
           <a:p>
             <a:r>
               <a:rPr lang="en-US" dirty="0"/>
-              <a:t>A thread can handle multiple IO-bound tasks </a:t>
-            </a:r>
-            <a:r>
-              <a:rPr lang="en-US" dirty="0" smtClean="0"/>
-              <a:t>concurrently</a:t>
-            </a:r>
-          </a:p>
-          <a:p>
-            <a:endParaRPr lang="en-US" dirty="0" smtClean="0"/>
-          </a:p>
-          <a:p>
-            <a:r>
-              <a:rPr lang="en-US" dirty="0" smtClean="0"/>
+              <a:t>A thread can handle multiple IO-bound tasks concurrently</a:t>
+            </a:r>
+          </a:p>
+          <a:p>
+            <a:endParaRPr lang="en-US" dirty="0"/>
+          </a:p>
+          <a:p>
+            <a:r>
+              <a:rPr lang="en-US" dirty="0"/>
               <a:t>In order to leverage these Task based APIs we need to apply the</a:t>
             </a:r>
             <a:r>
-              <a:rPr lang="en-US" baseline="0" dirty="0" smtClean="0"/>
+              <a:rPr lang="en-US" baseline="0" dirty="0"/>
               <a:t> </a:t>
             </a:r>
             <a:r>
-              <a:rPr lang="en-US" baseline="0" dirty="0" err="1" smtClean="0"/>
+              <a:rPr lang="en-US" baseline="0" dirty="0" err="1"/>
               <a:t>async</a:t>
             </a:r>
             <a:r>
-              <a:rPr lang="en-US" baseline="0" dirty="0" smtClean="0"/>
+              <a:rPr lang="en-US" baseline="0" dirty="0"/>
               <a:t>/await best practices. Two of the three rules are</a:t>
             </a:r>
             <a:endParaRPr lang="en-US" dirty="0"/>
@@ -12571,1207 +12449,1207 @@
           <a:lstStyle/>
           <a:p>
             <a:r>
-              <a:rPr lang="de-CH" dirty="0" err="1" smtClean="0"/>
+              <a:rPr lang="de-CH" dirty="0" err="1"/>
               <a:t>Use</a:t>
             </a:r>
             <a:r>
-              <a:rPr lang="de-CH" baseline="0" dirty="0" smtClean="0"/>
+              <a:rPr lang="de-CH" baseline="0" dirty="0"/>
               <a:t> </a:t>
             </a:r>
             <a:r>
-              <a:rPr lang="de-CH" baseline="0" dirty="0" err="1" smtClean="0"/>
+              <a:rPr lang="de-CH" baseline="0" dirty="0" err="1"/>
               <a:t>async</a:t>
             </a:r>
             <a:r>
-              <a:rPr lang="de-CH" baseline="0" dirty="0" smtClean="0"/>
+              <a:rPr lang="de-CH" baseline="0" dirty="0"/>
               <a:t> Task </a:t>
             </a:r>
             <a:r>
-              <a:rPr lang="de-CH" baseline="0" dirty="0" err="1" smtClean="0"/>
+              <a:rPr lang="de-CH" baseline="0" dirty="0" err="1"/>
               <a:t>instead</a:t>
             </a:r>
             <a:r>
-              <a:rPr lang="de-CH" baseline="0" dirty="0" smtClean="0"/>
+              <a:rPr lang="de-CH" baseline="0" dirty="0"/>
               <a:t> </a:t>
             </a:r>
             <a:r>
-              <a:rPr lang="de-CH" baseline="0" dirty="0" err="1" smtClean="0"/>
+              <a:rPr lang="de-CH" baseline="0" dirty="0" err="1"/>
               <a:t>of</a:t>
             </a:r>
             <a:r>
-              <a:rPr lang="de-CH" baseline="0" dirty="0" smtClean="0"/>
+              <a:rPr lang="de-CH" baseline="0" dirty="0"/>
               <a:t> </a:t>
             </a:r>
             <a:r>
-              <a:rPr lang="de-CH" baseline="0" dirty="0" err="1" smtClean="0"/>
+              <a:rPr lang="de-CH" baseline="0" dirty="0" err="1"/>
               <a:t>async</a:t>
             </a:r>
             <a:r>
-              <a:rPr lang="de-CH" baseline="0" dirty="0" smtClean="0"/>
+              <a:rPr lang="de-CH" baseline="0" dirty="0"/>
               <a:t> </a:t>
             </a:r>
             <a:r>
-              <a:rPr lang="de-CH" baseline="0" dirty="0" err="1" smtClean="0"/>
+              <a:rPr lang="de-CH" baseline="0" dirty="0" err="1"/>
               <a:t>void</a:t>
             </a:r>
             <a:r>
-              <a:rPr lang="de-CH" baseline="0" dirty="0" smtClean="0"/>
+              <a:rPr lang="de-CH" baseline="0" dirty="0"/>
               <a:t>. Task </a:t>
             </a:r>
             <a:r>
-              <a:rPr lang="de-CH" baseline="0" dirty="0" err="1" smtClean="0"/>
+              <a:rPr lang="de-CH" baseline="0" dirty="0" err="1"/>
               <a:t>becomes</a:t>
             </a:r>
             <a:r>
-              <a:rPr lang="de-CH" baseline="0" dirty="0" smtClean="0"/>
+              <a:rPr lang="de-CH" baseline="0" dirty="0"/>
               <a:t> </a:t>
             </a:r>
             <a:r>
-              <a:rPr lang="de-CH" baseline="0" dirty="0" err="1" smtClean="0"/>
+              <a:rPr lang="de-CH" baseline="0" dirty="0" err="1"/>
               <a:t>the</a:t>
             </a:r>
             <a:r>
-              <a:rPr lang="de-CH" baseline="0" dirty="0" smtClean="0"/>
+              <a:rPr lang="de-CH" baseline="0" dirty="0"/>
               <a:t> </a:t>
             </a:r>
             <a:r>
-              <a:rPr lang="de-CH" baseline="0" dirty="0" err="1" smtClean="0"/>
+              <a:rPr lang="de-CH" baseline="0" dirty="0" err="1"/>
               <a:t>new</a:t>
             </a:r>
             <a:r>
-              <a:rPr lang="de-CH" baseline="0" dirty="0" smtClean="0"/>
+              <a:rPr lang="de-CH" baseline="0" dirty="0"/>
               <a:t> </a:t>
             </a:r>
             <a:r>
-              <a:rPr lang="de-CH" baseline="0" dirty="0" err="1" smtClean="0"/>
+              <a:rPr lang="de-CH" baseline="0" dirty="0" err="1"/>
               <a:t>void</a:t>
             </a:r>
             <a:r>
-              <a:rPr lang="de-CH" baseline="0" dirty="0" smtClean="0"/>
+              <a:rPr lang="de-CH" baseline="0" dirty="0"/>
               <a:t>. </a:t>
             </a:r>
             <a:r>
-              <a:rPr lang="de-CH" baseline="0" dirty="0" err="1" smtClean="0"/>
+              <a:rPr lang="de-CH" baseline="0" dirty="0" err="1"/>
               <a:t>Async</a:t>
             </a:r>
             <a:r>
-              <a:rPr lang="de-CH" baseline="0" dirty="0" smtClean="0"/>
+              <a:rPr lang="de-CH" baseline="0" dirty="0"/>
               <a:t> </a:t>
             </a:r>
             <a:r>
-              <a:rPr lang="de-CH" baseline="0" dirty="0" err="1" smtClean="0"/>
+              <a:rPr lang="de-CH" baseline="0" dirty="0" err="1"/>
               <a:t>void</a:t>
             </a:r>
             <a:r>
-              <a:rPr lang="de-CH" baseline="0" dirty="0" smtClean="0"/>
+              <a:rPr lang="de-CH" baseline="0" dirty="0"/>
               <a:t> </a:t>
             </a:r>
             <a:r>
-              <a:rPr lang="de-CH" baseline="0" dirty="0" err="1" smtClean="0"/>
+              <a:rPr lang="de-CH" baseline="0" dirty="0" err="1"/>
               <a:t>methods</a:t>
             </a:r>
             <a:r>
-              <a:rPr lang="de-CH" baseline="0" dirty="0" smtClean="0"/>
+              <a:rPr lang="de-CH" baseline="0" dirty="0"/>
               <a:t> </a:t>
             </a:r>
             <a:r>
-              <a:rPr lang="de-CH" baseline="0" dirty="0" err="1" smtClean="0"/>
+              <a:rPr lang="de-CH" baseline="0" dirty="0" err="1"/>
               <a:t>are</a:t>
             </a:r>
             <a:r>
-              <a:rPr lang="de-CH" baseline="0" dirty="0" smtClean="0"/>
+              <a:rPr lang="de-CH" baseline="0" dirty="0"/>
               <a:t> </a:t>
             </a:r>
             <a:r>
-              <a:rPr lang="de-CH" baseline="0" dirty="0" err="1" smtClean="0"/>
+              <a:rPr lang="de-CH" baseline="0" dirty="0" err="1"/>
               <a:t>evil</a:t>
             </a:r>
             <a:r>
-              <a:rPr lang="de-CH" baseline="0" dirty="0" smtClean="0"/>
+              <a:rPr lang="de-CH" baseline="0" dirty="0"/>
               <a:t>. </a:t>
             </a:r>
             <a:r>
-              <a:rPr lang="de-CH" baseline="0" dirty="0" err="1" smtClean="0"/>
+              <a:rPr lang="de-CH" baseline="0" dirty="0" err="1"/>
               <a:t>They</a:t>
             </a:r>
             <a:r>
-              <a:rPr lang="de-CH" baseline="0" dirty="0" smtClean="0"/>
+              <a:rPr lang="de-CH" baseline="0" dirty="0"/>
               <a:t> </a:t>
             </a:r>
             <a:r>
-              <a:rPr lang="de-CH" baseline="0" dirty="0" err="1" smtClean="0"/>
+              <a:rPr lang="de-CH" baseline="0" dirty="0" err="1"/>
               <a:t>interrupt</a:t>
             </a:r>
             <a:r>
-              <a:rPr lang="de-CH" baseline="0" dirty="0" smtClean="0"/>
+              <a:rPr lang="de-CH" baseline="0" dirty="0"/>
               <a:t> </a:t>
             </a:r>
             <a:r>
-              <a:rPr lang="de-CH" baseline="0" dirty="0" err="1" smtClean="0"/>
+              <a:rPr lang="de-CH" baseline="0" dirty="0" err="1"/>
               <a:t>the</a:t>
             </a:r>
             <a:r>
-              <a:rPr lang="de-CH" baseline="0" dirty="0" smtClean="0"/>
+              <a:rPr lang="de-CH" baseline="0" dirty="0"/>
               <a:t> </a:t>
             </a:r>
             <a:r>
-              <a:rPr lang="de-CH" baseline="0" dirty="0" err="1" smtClean="0"/>
+              <a:rPr lang="de-CH" baseline="0" dirty="0" err="1"/>
               <a:t>asynchronous</a:t>
             </a:r>
             <a:r>
-              <a:rPr lang="de-CH" baseline="0" dirty="0" smtClean="0"/>
+              <a:rPr lang="de-CH" baseline="0" dirty="0"/>
               <a:t> </a:t>
             </a:r>
             <a:r>
-              <a:rPr lang="de-CH" baseline="0" dirty="0" err="1" smtClean="0"/>
+              <a:rPr lang="de-CH" baseline="0" dirty="0" err="1"/>
               <a:t>flow</a:t>
             </a:r>
             <a:r>
-              <a:rPr lang="de-CH" baseline="0" dirty="0" smtClean="0"/>
+              <a:rPr lang="de-CH" baseline="0" dirty="0"/>
               <a:t>, </a:t>
             </a:r>
             <a:r>
-              <a:rPr lang="de-CH" baseline="0" dirty="0" err="1" smtClean="0"/>
+              <a:rPr lang="de-CH" baseline="0" dirty="0" err="1"/>
               <a:t>because</a:t>
             </a:r>
             <a:r>
-              <a:rPr lang="de-CH" baseline="0" dirty="0" smtClean="0"/>
+              <a:rPr lang="de-CH" baseline="0" dirty="0"/>
               <a:t> </a:t>
             </a:r>
             <a:r>
-              <a:rPr lang="de-CH" baseline="0" dirty="0" err="1" smtClean="0"/>
+              <a:rPr lang="de-CH" baseline="0" dirty="0" err="1"/>
               <a:t>the</a:t>
             </a:r>
             <a:r>
-              <a:rPr lang="de-CH" baseline="0" dirty="0" smtClean="0"/>
+              <a:rPr lang="de-CH" baseline="0" dirty="0"/>
               <a:t> </a:t>
             </a:r>
             <a:r>
-              <a:rPr lang="de-CH" baseline="0" dirty="0" err="1" smtClean="0"/>
+              <a:rPr lang="de-CH" baseline="0" dirty="0" err="1"/>
               <a:t>calling</a:t>
             </a:r>
             <a:r>
-              <a:rPr lang="de-CH" baseline="0" dirty="0" smtClean="0"/>
+              <a:rPr lang="de-CH" baseline="0" dirty="0"/>
               <a:t> </a:t>
             </a:r>
             <a:r>
-              <a:rPr lang="de-CH" baseline="0" dirty="0" err="1" smtClean="0"/>
+              <a:rPr lang="de-CH" baseline="0" dirty="0" err="1"/>
               <a:t>thread</a:t>
             </a:r>
             <a:r>
-              <a:rPr lang="de-CH" baseline="0" dirty="0" smtClean="0"/>
+              <a:rPr lang="de-CH" baseline="0" dirty="0"/>
               <a:t> </a:t>
             </a:r>
             <a:r>
-              <a:rPr lang="de-CH" baseline="0" dirty="0" err="1" smtClean="0"/>
+              <a:rPr lang="de-CH" baseline="0" dirty="0" err="1"/>
               <a:t>is</a:t>
             </a:r>
             <a:r>
-              <a:rPr lang="de-CH" baseline="0" dirty="0" smtClean="0"/>
+              <a:rPr lang="de-CH" baseline="0" dirty="0"/>
               <a:t> </a:t>
             </a:r>
             <a:r>
-              <a:rPr lang="de-CH" baseline="0" dirty="0" err="1" smtClean="0"/>
+              <a:rPr lang="de-CH" baseline="0" dirty="0" err="1"/>
               <a:t>entering</a:t>
             </a:r>
             <a:r>
-              <a:rPr lang="de-CH" baseline="0" dirty="0" smtClean="0"/>
+              <a:rPr lang="de-CH" baseline="0" dirty="0"/>
               <a:t> </a:t>
             </a:r>
             <a:r>
-              <a:rPr lang="de-CH" baseline="0" dirty="0" err="1" smtClean="0"/>
+              <a:rPr lang="de-CH" baseline="0" dirty="0" err="1"/>
               <a:t>the</a:t>
             </a:r>
             <a:r>
-              <a:rPr lang="de-CH" baseline="0" dirty="0" smtClean="0"/>
+              <a:rPr lang="de-CH" baseline="0" dirty="0"/>
               <a:t> block </a:t>
             </a:r>
             <a:r>
-              <a:rPr lang="de-CH" baseline="0" dirty="0" err="1" smtClean="0"/>
+              <a:rPr lang="de-CH" baseline="0" dirty="0" err="1"/>
               <a:t>of</a:t>
             </a:r>
             <a:r>
-              <a:rPr lang="de-CH" baseline="0" dirty="0" smtClean="0"/>
+              <a:rPr lang="de-CH" baseline="0" dirty="0"/>
               <a:t> </a:t>
             </a:r>
             <a:r>
-              <a:rPr lang="de-CH" baseline="0" dirty="0" err="1" smtClean="0"/>
+              <a:rPr lang="de-CH" baseline="0" dirty="0" err="1"/>
               <a:t>until</a:t>
             </a:r>
             <a:r>
-              <a:rPr lang="de-CH" baseline="0" dirty="0" smtClean="0"/>
+              <a:rPr lang="de-CH" baseline="0" dirty="0"/>
               <a:t> </a:t>
             </a:r>
             <a:r>
-              <a:rPr lang="de-CH" baseline="0" dirty="0" err="1" smtClean="0"/>
+              <a:rPr lang="de-CH" baseline="0" dirty="0" err="1"/>
               <a:t>it</a:t>
             </a:r>
             <a:r>
-              <a:rPr lang="de-CH" baseline="0" dirty="0" smtClean="0"/>
+              <a:rPr lang="de-CH" baseline="0" dirty="0"/>
               <a:t> </a:t>
             </a:r>
             <a:r>
-              <a:rPr lang="de-CH" baseline="0" dirty="0" err="1" smtClean="0"/>
+              <a:rPr lang="de-CH" baseline="0" dirty="0" err="1"/>
               <a:t>reaches</a:t>
             </a:r>
             <a:r>
-              <a:rPr lang="de-CH" baseline="0" dirty="0" smtClean="0"/>
+              <a:rPr lang="de-CH" baseline="0" dirty="0"/>
               <a:t> </a:t>
             </a:r>
             <a:r>
-              <a:rPr lang="de-CH" baseline="0" dirty="0" err="1" smtClean="0"/>
+              <a:rPr lang="de-CH" baseline="0" dirty="0" err="1"/>
               <a:t>the</a:t>
             </a:r>
             <a:r>
-              <a:rPr lang="de-CH" baseline="0" dirty="0" smtClean="0"/>
+              <a:rPr lang="de-CH" baseline="0" dirty="0"/>
               <a:t> </a:t>
             </a:r>
             <a:r>
-              <a:rPr lang="de-CH" baseline="0" dirty="0" err="1" smtClean="0"/>
+              <a:rPr lang="de-CH" baseline="0" dirty="0" err="1"/>
               <a:t>first</a:t>
             </a:r>
             <a:r>
-              <a:rPr lang="de-CH" baseline="0" dirty="0" smtClean="0"/>
+              <a:rPr lang="de-CH" baseline="0" dirty="0"/>
               <a:t> </a:t>
             </a:r>
             <a:r>
-              <a:rPr lang="de-CH" baseline="0" dirty="0" err="1" smtClean="0"/>
+              <a:rPr lang="de-CH" baseline="0" dirty="0" err="1"/>
               <a:t>await</a:t>
             </a:r>
             <a:r>
-              <a:rPr lang="de-CH" baseline="0" dirty="0" smtClean="0"/>
+              <a:rPr lang="de-CH" baseline="0" dirty="0"/>
               <a:t> </a:t>
             </a:r>
             <a:r>
-              <a:rPr lang="de-CH" baseline="0" dirty="0" err="1" smtClean="0"/>
+              <a:rPr lang="de-CH" baseline="0" dirty="0" err="1"/>
               <a:t>statement</a:t>
             </a:r>
             <a:r>
-              <a:rPr lang="de-CH" baseline="0" dirty="0" smtClean="0"/>
+              <a:rPr lang="de-CH" baseline="0" dirty="0"/>
               <a:t> </a:t>
             </a:r>
             <a:r>
-              <a:rPr lang="de-CH" baseline="0" dirty="0" err="1" smtClean="0"/>
+              <a:rPr lang="de-CH" baseline="0" dirty="0" err="1"/>
               <a:t>and</a:t>
             </a:r>
             <a:r>
-              <a:rPr lang="de-CH" baseline="0" dirty="0" smtClean="0"/>
+              <a:rPr lang="de-CH" baseline="0" dirty="0"/>
               <a:t> </a:t>
             </a:r>
             <a:r>
-              <a:rPr lang="de-CH" baseline="0" dirty="0" err="1" smtClean="0"/>
+              <a:rPr lang="de-CH" baseline="0" dirty="0" err="1"/>
               <a:t>then</a:t>
             </a:r>
             <a:r>
-              <a:rPr lang="de-CH" baseline="0" dirty="0" smtClean="0"/>
+              <a:rPr lang="de-CH" baseline="0" dirty="0"/>
               <a:t> </a:t>
             </a:r>
             <a:r>
-              <a:rPr lang="de-CH" baseline="0" dirty="0" err="1" smtClean="0"/>
+              <a:rPr lang="de-CH" baseline="0" dirty="0" err="1"/>
               <a:t>the</a:t>
             </a:r>
             <a:r>
-              <a:rPr lang="de-CH" baseline="0" dirty="0" smtClean="0"/>
+              <a:rPr lang="de-CH" baseline="0" dirty="0"/>
               <a:t> </a:t>
             </a:r>
             <a:r>
-              <a:rPr lang="de-CH" baseline="0" dirty="0" err="1" smtClean="0"/>
+              <a:rPr lang="de-CH" baseline="0" dirty="0" err="1"/>
               <a:t>operation</a:t>
             </a:r>
             <a:r>
-              <a:rPr lang="de-CH" baseline="0" dirty="0" smtClean="0"/>
+              <a:rPr lang="de-CH" baseline="0" dirty="0"/>
               <a:t> </a:t>
             </a:r>
             <a:r>
-              <a:rPr lang="de-CH" baseline="0" dirty="0" err="1" smtClean="0"/>
+              <a:rPr lang="de-CH" baseline="0" dirty="0" err="1"/>
               <a:t>is</a:t>
             </a:r>
             <a:r>
-              <a:rPr lang="de-CH" baseline="0" dirty="0" smtClean="0"/>
+              <a:rPr lang="de-CH" baseline="0" dirty="0"/>
               <a:t> </a:t>
             </a:r>
             <a:r>
-              <a:rPr lang="de-CH" baseline="0" dirty="0" err="1" smtClean="0"/>
+              <a:rPr lang="de-CH" baseline="0" dirty="0" err="1"/>
               <a:t>successfully</a:t>
             </a:r>
             <a:r>
-              <a:rPr lang="de-CH" baseline="0" dirty="0" smtClean="0"/>
+              <a:rPr lang="de-CH" baseline="0" dirty="0"/>
               <a:t> </a:t>
             </a:r>
             <a:r>
-              <a:rPr lang="de-CH" baseline="0" dirty="0" err="1" smtClean="0"/>
+              <a:rPr lang="de-CH" baseline="0" dirty="0" err="1"/>
               <a:t>executed</a:t>
             </a:r>
             <a:r>
-              <a:rPr lang="de-CH" baseline="0" dirty="0" smtClean="0"/>
+              <a:rPr lang="de-CH" baseline="0" dirty="0"/>
               <a:t> </a:t>
             </a:r>
             <a:r>
-              <a:rPr lang="de-CH" baseline="0" dirty="0" err="1" smtClean="0"/>
+              <a:rPr lang="de-CH" baseline="0" dirty="0" err="1"/>
               <a:t>for</a:t>
             </a:r>
             <a:r>
-              <a:rPr lang="de-CH" baseline="0" dirty="0" smtClean="0"/>
+              <a:rPr lang="de-CH" baseline="0" dirty="0"/>
               <a:t> </a:t>
             </a:r>
             <a:r>
-              <a:rPr lang="de-CH" baseline="0" dirty="0" err="1" smtClean="0"/>
+              <a:rPr lang="de-CH" baseline="0" dirty="0" err="1"/>
               <a:t>the</a:t>
             </a:r>
             <a:r>
-              <a:rPr lang="de-CH" baseline="0" dirty="0" smtClean="0"/>
+              <a:rPr lang="de-CH" baseline="0" dirty="0"/>
               <a:t> </a:t>
             </a:r>
             <a:r>
-              <a:rPr lang="de-CH" baseline="0" dirty="0" err="1" smtClean="0"/>
+              <a:rPr lang="de-CH" baseline="0" dirty="0" err="1"/>
               <a:t>calling</a:t>
             </a:r>
             <a:r>
-              <a:rPr lang="de-CH" baseline="0" dirty="0" smtClean="0"/>
+              <a:rPr lang="de-CH" baseline="0" dirty="0"/>
               <a:t> </a:t>
             </a:r>
             <a:r>
-              <a:rPr lang="de-CH" baseline="0" dirty="0" err="1" smtClean="0"/>
+              <a:rPr lang="de-CH" baseline="0" dirty="0" err="1"/>
               <a:t>thread</a:t>
             </a:r>
             <a:r>
-              <a:rPr lang="de-CH" baseline="0" dirty="0" smtClean="0"/>
+              <a:rPr lang="de-CH" baseline="0" dirty="0"/>
               <a:t>.</a:t>
             </a:r>
           </a:p>
           <a:p>
             <a:r>
-              <a:rPr lang="de-CH" baseline="0" dirty="0" err="1" smtClean="0"/>
+              <a:rPr lang="de-CH" baseline="0" dirty="0" err="1"/>
               <a:t>they</a:t>
             </a:r>
             <a:r>
-              <a:rPr lang="de-CH" baseline="0" dirty="0" smtClean="0"/>
+              <a:rPr lang="de-CH" baseline="0" dirty="0"/>
               <a:t> </a:t>
             </a:r>
             <a:r>
-              <a:rPr lang="de-CH" baseline="0" dirty="0" err="1" smtClean="0"/>
+              <a:rPr lang="de-CH" baseline="0" dirty="0" err="1"/>
               <a:t>are</a:t>
             </a:r>
             <a:r>
-              <a:rPr lang="de-CH" baseline="0" dirty="0" smtClean="0"/>
+              <a:rPr lang="de-CH" baseline="0" dirty="0"/>
               <a:t> </a:t>
             </a:r>
             <a:r>
-              <a:rPr lang="de-CH" baseline="0" dirty="0" err="1" smtClean="0"/>
+              <a:rPr lang="de-CH" baseline="0" dirty="0" err="1"/>
               <a:t>of</a:t>
             </a:r>
             <a:r>
-              <a:rPr lang="de-CH" baseline="0" dirty="0" smtClean="0"/>
+              <a:rPr lang="de-CH" baseline="0" dirty="0"/>
               <a:t> </a:t>
             </a:r>
             <a:r>
-              <a:rPr lang="de-CH" baseline="0" dirty="0" err="1" smtClean="0"/>
+              <a:rPr lang="de-CH" baseline="0" dirty="0" err="1"/>
               <a:t>fire</a:t>
             </a:r>
             <a:r>
-              <a:rPr lang="de-CH" baseline="0" dirty="0" smtClean="0"/>
+              <a:rPr lang="de-CH" baseline="0" dirty="0"/>
               <a:t> &amp; </a:t>
             </a:r>
             <a:r>
-              <a:rPr lang="de-CH" baseline="0" dirty="0" err="1" smtClean="0"/>
+              <a:rPr lang="de-CH" baseline="0" dirty="0" err="1"/>
               <a:t>forget</a:t>
             </a:r>
             <a:r>
-              <a:rPr lang="de-CH" baseline="0" dirty="0" smtClean="0"/>
+              <a:rPr lang="de-CH" baseline="0" dirty="0"/>
               <a:t> </a:t>
             </a:r>
             <a:r>
-              <a:rPr lang="de-CH" baseline="0" dirty="0" err="1" smtClean="0"/>
+              <a:rPr lang="de-CH" baseline="0" dirty="0" err="1"/>
               <a:t>nature</a:t>
             </a:r>
             <a:r>
-              <a:rPr lang="de-CH" baseline="0" dirty="0" smtClean="0"/>
+              <a:rPr lang="de-CH" baseline="0" dirty="0"/>
               <a:t>. </a:t>
             </a:r>
             <a:r>
-              <a:rPr lang="de-CH" baseline="0" dirty="0" err="1" smtClean="0"/>
+              <a:rPr lang="de-CH" baseline="0" dirty="0" err="1"/>
               <a:t>Any</a:t>
             </a:r>
             <a:r>
-              <a:rPr lang="de-CH" baseline="0" dirty="0" smtClean="0"/>
+              <a:rPr lang="de-CH" baseline="0" dirty="0"/>
               <a:t> </a:t>
             </a:r>
             <a:r>
-              <a:rPr lang="de-CH" baseline="0" dirty="0" err="1" smtClean="0"/>
+              <a:rPr lang="de-CH" baseline="0" dirty="0" err="1"/>
               <a:t>exceptions</a:t>
             </a:r>
             <a:r>
-              <a:rPr lang="de-CH" baseline="0" dirty="0" smtClean="0"/>
+              <a:rPr lang="de-CH" baseline="0" dirty="0"/>
               <a:t> </a:t>
             </a:r>
             <a:r>
-              <a:rPr lang="de-CH" baseline="0" dirty="0" err="1" smtClean="0"/>
+              <a:rPr lang="de-CH" baseline="0" dirty="0" err="1"/>
               <a:t>raised</a:t>
             </a:r>
             <a:r>
-              <a:rPr lang="de-CH" baseline="0" dirty="0" smtClean="0"/>
+              <a:rPr lang="de-CH" baseline="0" dirty="0"/>
               <a:t> </a:t>
             </a:r>
             <a:r>
-              <a:rPr lang="de-CH" baseline="0" dirty="0" err="1" smtClean="0"/>
+              <a:rPr lang="de-CH" baseline="0" dirty="0" err="1"/>
               <a:t>inside</a:t>
             </a:r>
             <a:r>
-              <a:rPr lang="de-CH" baseline="0" dirty="0" smtClean="0"/>
+              <a:rPr lang="de-CH" baseline="0" dirty="0"/>
               <a:t> </a:t>
             </a:r>
             <a:r>
-              <a:rPr lang="de-CH" baseline="0" dirty="0" err="1" smtClean="0"/>
+              <a:rPr lang="de-CH" baseline="0" dirty="0" err="1"/>
               <a:t>async</a:t>
             </a:r>
             <a:r>
-              <a:rPr lang="de-CH" baseline="0" dirty="0" smtClean="0"/>
+              <a:rPr lang="de-CH" baseline="0" dirty="0"/>
               <a:t> </a:t>
             </a:r>
             <a:r>
-              <a:rPr lang="de-CH" baseline="0" dirty="0" err="1" smtClean="0"/>
+              <a:rPr lang="de-CH" baseline="0" dirty="0" err="1"/>
               <a:t>void</a:t>
             </a:r>
             <a:r>
-              <a:rPr lang="de-CH" baseline="0" dirty="0" smtClean="0"/>
+              <a:rPr lang="de-CH" baseline="0" dirty="0"/>
               <a:t> </a:t>
             </a:r>
             <a:r>
-              <a:rPr lang="de-CH" baseline="0" dirty="0" err="1" smtClean="0"/>
+              <a:rPr lang="de-CH" baseline="0" dirty="0" err="1"/>
               <a:t>methods</a:t>
             </a:r>
             <a:r>
-              <a:rPr lang="de-CH" baseline="0" dirty="0" smtClean="0"/>
+              <a:rPr lang="de-CH" baseline="0" dirty="0"/>
               <a:t> </a:t>
             </a:r>
             <a:r>
-              <a:rPr lang="de-CH" baseline="0" dirty="0" err="1" smtClean="0"/>
+              <a:rPr lang="de-CH" baseline="0" dirty="0" err="1"/>
               <a:t>cannot</a:t>
             </a:r>
             <a:r>
-              <a:rPr lang="de-CH" baseline="0" dirty="0" smtClean="0"/>
+              <a:rPr lang="de-CH" baseline="0" dirty="0"/>
               <a:t> </a:t>
             </a:r>
             <a:r>
-              <a:rPr lang="de-CH" baseline="0" dirty="0" err="1" smtClean="0"/>
+              <a:rPr lang="de-CH" baseline="0" dirty="0" err="1"/>
               <a:t>be</a:t>
             </a:r>
             <a:r>
-              <a:rPr lang="de-CH" baseline="0" dirty="0" smtClean="0"/>
+              <a:rPr lang="de-CH" baseline="0" dirty="0"/>
               <a:t> </a:t>
             </a:r>
             <a:r>
-              <a:rPr lang="de-CH" baseline="0" dirty="0" err="1" smtClean="0"/>
+              <a:rPr lang="de-CH" baseline="0" dirty="0" err="1"/>
               <a:t>observed</a:t>
             </a:r>
             <a:r>
-              <a:rPr lang="de-CH" baseline="0" dirty="0" smtClean="0"/>
+              <a:rPr lang="de-CH" baseline="0" dirty="0"/>
               <a:t> </a:t>
             </a:r>
             <a:r>
-              <a:rPr lang="de-CH" baseline="0" dirty="0" err="1" smtClean="0"/>
+              <a:rPr lang="de-CH" baseline="0" dirty="0" err="1"/>
               <a:t>by</a:t>
             </a:r>
             <a:r>
-              <a:rPr lang="de-CH" baseline="0" dirty="0" smtClean="0"/>
+              <a:rPr lang="de-CH" baseline="0" dirty="0"/>
               <a:t> </a:t>
             </a:r>
             <a:r>
-              <a:rPr lang="de-CH" baseline="0" dirty="0" err="1" smtClean="0"/>
+              <a:rPr lang="de-CH" baseline="0" dirty="0" err="1"/>
               <a:t>the</a:t>
             </a:r>
             <a:r>
-              <a:rPr lang="de-CH" baseline="0" dirty="0" smtClean="0"/>
+              <a:rPr lang="de-CH" baseline="0" dirty="0"/>
               <a:t> </a:t>
             </a:r>
             <a:r>
-              <a:rPr lang="de-CH" baseline="0" dirty="0" err="1" smtClean="0"/>
+              <a:rPr lang="de-CH" baseline="0" dirty="0" err="1"/>
               <a:t>caller</a:t>
             </a:r>
             <a:r>
-              <a:rPr lang="de-CH" baseline="0" dirty="0" smtClean="0"/>
+              <a:rPr lang="de-CH" baseline="0" dirty="0"/>
               <a:t> (</a:t>
             </a:r>
             <a:r>
-              <a:rPr lang="de-CH" baseline="0" dirty="0" err="1" smtClean="0"/>
+              <a:rPr lang="de-CH" baseline="0" dirty="0" err="1"/>
               <a:t>unless</a:t>
             </a:r>
             <a:r>
-              <a:rPr lang="de-CH" baseline="0" dirty="0" smtClean="0"/>
+              <a:rPr lang="de-CH" baseline="0" dirty="0"/>
               <a:t> </a:t>
             </a:r>
             <a:r>
-              <a:rPr lang="de-CH" baseline="0" dirty="0" err="1" smtClean="0"/>
+              <a:rPr lang="de-CH" baseline="0" dirty="0" err="1"/>
               <a:t>you</a:t>
             </a:r>
             <a:r>
-              <a:rPr lang="de-CH" baseline="0" dirty="0" smtClean="0"/>
+              <a:rPr lang="de-CH" baseline="0" dirty="0"/>
               <a:t> do </a:t>
             </a:r>
             <a:r>
-              <a:rPr lang="de-CH" baseline="0" dirty="0" err="1" smtClean="0"/>
+              <a:rPr lang="de-CH" baseline="0" dirty="0" err="1"/>
               <a:t>fancy</a:t>
             </a:r>
             <a:r>
-              <a:rPr lang="de-CH" baseline="0" dirty="0" smtClean="0"/>
+              <a:rPr lang="de-CH" baseline="0" dirty="0"/>
               <a:t> </a:t>
             </a:r>
             <a:r>
-              <a:rPr lang="de-CH" baseline="0" dirty="0" err="1" smtClean="0"/>
+              <a:rPr lang="de-CH" baseline="0" dirty="0" err="1"/>
               <a:t>things</a:t>
             </a:r>
             <a:r>
-              <a:rPr lang="de-CH" baseline="0" dirty="0" smtClean="0"/>
+              <a:rPr lang="de-CH" baseline="0" dirty="0"/>
               <a:t> </a:t>
             </a:r>
             <a:r>
-              <a:rPr lang="de-CH" baseline="0" dirty="0" err="1" smtClean="0"/>
+              <a:rPr lang="de-CH" baseline="0" dirty="0" err="1"/>
               <a:t>with</a:t>
             </a:r>
             <a:r>
-              <a:rPr lang="de-CH" baseline="0" dirty="0" smtClean="0"/>
+              <a:rPr lang="de-CH" baseline="0" dirty="0"/>
               <a:t> </a:t>
             </a:r>
             <a:r>
-              <a:rPr lang="de-CH" baseline="0" dirty="0" err="1" smtClean="0"/>
+              <a:rPr lang="de-CH" baseline="0" dirty="0" err="1"/>
               <a:t>SynchronizationContexts</a:t>
             </a:r>
             <a:r>
-              <a:rPr lang="de-CH" baseline="0" dirty="0" smtClean="0"/>
+              <a:rPr lang="de-CH" baseline="0" dirty="0"/>
               <a:t>)</a:t>
             </a:r>
           </a:p>
           <a:p>
-            <a:endParaRPr lang="de-CH" baseline="0" dirty="0" smtClean="0"/>
-          </a:p>
-          <a:p>
-            <a:r>
-              <a:rPr lang="de-CH" baseline="0" dirty="0" err="1" smtClean="0"/>
+            <a:endParaRPr lang="de-CH" baseline="0" dirty="0"/>
+          </a:p>
+          <a:p>
+            <a:r>
+              <a:rPr lang="de-CH" baseline="0" dirty="0" err="1"/>
               <a:t>Async</a:t>
             </a:r>
             <a:r>
-              <a:rPr lang="de-CH" baseline="0" dirty="0" smtClean="0"/>
+              <a:rPr lang="de-CH" baseline="0" dirty="0"/>
               <a:t> all </a:t>
             </a:r>
             <a:r>
-              <a:rPr lang="de-CH" baseline="0" dirty="0" err="1" smtClean="0"/>
+              <a:rPr lang="de-CH" baseline="0" dirty="0" err="1"/>
               <a:t>the</a:t>
             </a:r>
             <a:r>
-              <a:rPr lang="de-CH" baseline="0" dirty="0" smtClean="0"/>
+              <a:rPr lang="de-CH" baseline="0" dirty="0"/>
               <a:t> </a:t>
             </a:r>
             <a:r>
-              <a:rPr lang="de-CH" baseline="0" dirty="0" err="1" smtClean="0"/>
+              <a:rPr lang="de-CH" baseline="0" dirty="0" err="1"/>
               <a:t>way</a:t>
             </a:r>
             <a:r>
-              <a:rPr lang="de-CH" baseline="0" dirty="0" smtClean="0"/>
+              <a:rPr lang="de-CH" baseline="0" dirty="0"/>
               <a:t>, </a:t>
             </a:r>
             <a:r>
-              <a:rPr lang="de-CH" baseline="0" dirty="0" err="1" smtClean="0"/>
+              <a:rPr lang="de-CH" baseline="0" dirty="0" err="1"/>
               <a:t>means</a:t>
             </a:r>
             <a:r>
-              <a:rPr lang="de-CH" baseline="0" dirty="0" smtClean="0"/>
+              <a:rPr lang="de-CH" baseline="0" dirty="0"/>
               <a:t> </a:t>
             </a:r>
             <a:r>
-              <a:rPr lang="de-CH" baseline="0" dirty="0" err="1" smtClean="0"/>
+              <a:rPr lang="de-CH" baseline="0" dirty="0" err="1"/>
               <a:t>we</a:t>
             </a:r>
             <a:r>
-              <a:rPr lang="de-CH" baseline="0" dirty="0" smtClean="0"/>
+              <a:rPr lang="de-CH" baseline="0" dirty="0"/>
               <a:t> </a:t>
             </a:r>
             <a:r>
-              <a:rPr lang="de-CH" baseline="0" dirty="0" err="1" smtClean="0"/>
+              <a:rPr lang="de-CH" baseline="0" dirty="0" err="1"/>
               <a:t>cannot</a:t>
             </a:r>
             <a:r>
-              <a:rPr lang="de-CH" baseline="0" dirty="0" smtClean="0"/>
+              <a:rPr lang="de-CH" baseline="0" dirty="0"/>
               <a:t> mix </a:t>
             </a:r>
             <a:r>
-              <a:rPr lang="de-CH" baseline="0" dirty="0" err="1" smtClean="0"/>
+              <a:rPr lang="de-CH" baseline="0" dirty="0" err="1"/>
               <a:t>blocking</a:t>
             </a:r>
             <a:r>
-              <a:rPr lang="de-CH" baseline="0" dirty="0" smtClean="0"/>
+              <a:rPr lang="de-CH" baseline="0" dirty="0"/>
               <a:t> </a:t>
             </a:r>
             <a:r>
-              <a:rPr lang="de-CH" baseline="0" dirty="0" err="1" smtClean="0"/>
+              <a:rPr lang="de-CH" baseline="0" dirty="0" err="1"/>
               <a:t>with</a:t>
             </a:r>
             <a:r>
-              <a:rPr lang="de-CH" baseline="0" dirty="0" smtClean="0"/>
+              <a:rPr lang="de-CH" baseline="0" dirty="0"/>
               <a:t> </a:t>
             </a:r>
             <a:r>
-              <a:rPr lang="de-CH" baseline="0" dirty="0" err="1" smtClean="0"/>
+              <a:rPr lang="de-CH" baseline="0" dirty="0" err="1"/>
               <a:t>asynchronous</a:t>
             </a:r>
             <a:r>
-              <a:rPr lang="de-CH" baseline="0" dirty="0" smtClean="0"/>
+              <a:rPr lang="de-CH" baseline="0" dirty="0"/>
               <a:t> </a:t>
             </a:r>
             <a:r>
-              <a:rPr lang="de-CH" baseline="0" dirty="0" err="1" smtClean="0"/>
+              <a:rPr lang="de-CH" baseline="0" dirty="0" err="1"/>
               <a:t>code</a:t>
             </a:r>
             <a:r>
-              <a:rPr lang="de-CH" baseline="0" dirty="0" smtClean="0"/>
+              <a:rPr lang="de-CH" baseline="0" dirty="0"/>
               <a:t>. As </a:t>
             </a:r>
             <a:r>
-              <a:rPr lang="de-CH" baseline="0" dirty="0" err="1" smtClean="0"/>
+              <a:rPr lang="de-CH" baseline="0" dirty="0" err="1"/>
               <a:t>shown</a:t>
             </a:r>
             <a:r>
-              <a:rPr lang="de-CH" baseline="0" dirty="0" smtClean="0"/>
+              <a:rPr lang="de-CH" baseline="0" dirty="0"/>
               <a:t> </a:t>
             </a:r>
             <a:r>
-              <a:rPr lang="de-CH" baseline="0" dirty="0" err="1" smtClean="0"/>
+              <a:rPr lang="de-CH" baseline="0" dirty="0" err="1"/>
               <a:t>by</a:t>
             </a:r>
             <a:r>
-              <a:rPr lang="de-CH" baseline="0" dirty="0" smtClean="0"/>
+              <a:rPr lang="de-CH" baseline="0" dirty="0"/>
               <a:t> </a:t>
             </a:r>
             <a:r>
-              <a:rPr lang="de-CH" baseline="0" dirty="0" err="1" smtClean="0"/>
+              <a:rPr lang="de-CH" baseline="0" dirty="0" err="1"/>
               <a:t>many</a:t>
             </a:r>
             <a:r>
-              <a:rPr lang="de-CH" baseline="0" dirty="0" smtClean="0"/>
+              <a:rPr lang="de-CH" baseline="0" dirty="0"/>
               <a:t> </a:t>
             </a:r>
             <a:r>
-              <a:rPr lang="de-CH" baseline="0" dirty="0" err="1" smtClean="0"/>
+              <a:rPr lang="de-CH" baseline="0" dirty="0" err="1"/>
               <a:t>blog</a:t>
             </a:r>
             <a:r>
-              <a:rPr lang="de-CH" baseline="0" dirty="0" smtClean="0"/>
+              <a:rPr lang="de-CH" baseline="0" dirty="0"/>
               <a:t> </a:t>
             </a:r>
             <a:r>
-              <a:rPr lang="de-CH" baseline="0" dirty="0" err="1" smtClean="0"/>
+              <a:rPr lang="de-CH" baseline="0" dirty="0" err="1"/>
               <a:t>posts</a:t>
             </a:r>
             <a:r>
-              <a:rPr lang="de-CH" baseline="0" dirty="0" smtClean="0"/>
+              <a:rPr lang="de-CH" baseline="0" dirty="0"/>
               <a:t>, </a:t>
             </a:r>
             <a:r>
-              <a:rPr lang="de-CH" baseline="0" dirty="0" err="1" smtClean="0"/>
+              <a:rPr lang="de-CH" baseline="0" dirty="0" err="1"/>
               <a:t>talks</a:t>
             </a:r>
             <a:r>
-              <a:rPr lang="de-CH" baseline="0" dirty="0" smtClean="0"/>
+              <a:rPr lang="de-CH" baseline="0" dirty="0"/>
               <a:t> etc. </a:t>
             </a:r>
             <a:r>
-              <a:rPr lang="de-CH" baseline="0" dirty="0" err="1" smtClean="0"/>
+              <a:rPr lang="de-CH" baseline="0" dirty="0" err="1"/>
               <a:t>around</a:t>
             </a:r>
             <a:r>
-              <a:rPr lang="de-CH" baseline="0" dirty="0" smtClean="0"/>
+              <a:rPr lang="de-CH" baseline="0" dirty="0"/>
               <a:t> </a:t>
             </a:r>
             <a:r>
-              <a:rPr lang="de-CH" baseline="0" dirty="0" err="1" smtClean="0"/>
+              <a:rPr lang="de-CH" baseline="0" dirty="0" err="1"/>
               <a:t>async</a:t>
             </a:r>
             <a:r>
-              <a:rPr lang="de-CH" baseline="0" dirty="0" smtClean="0"/>
+              <a:rPr lang="de-CH" baseline="0" dirty="0"/>
               <a:t> / </a:t>
             </a:r>
             <a:r>
-              <a:rPr lang="de-CH" baseline="0" dirty="0" err="1" smtClean="0"/>
+              <a:rPr lang="de-CH" baseline="0" dirty="0" err="1"/>
               <a:t>await</a:t>
             </a:r>
             <a:r>
-              <a:rPr lang="de-CH" baseline="0" dirty="0" smtClean="0"/>
+              <a:rPr lang="de-CH" baseline="0" dirty="0"/>
               <a:t> </a:t>
             </a:r>
             <a:r>
-              <a:rPr lang="de-CH" baseline="0" dirty="0" err="1" smtClean="0"/>
+              <a:rPr lang="de-CH" baseline="0" dirty="0" err="1"/>
               <a:t>best</a:t>
             </a:r>
             <a:r>
-              <a:rPr lang="de-CH" baseline="0" dirty="0" smtClean="0"/>
+              <a:rPr lang="de-CH" baseline="0" dirty="0"/>
               <a:t> </a:t>
             </a:r>
             <a:r>
-              <a:rPr lang="de-CH" baseline="0" dirty="0" err="1" smtClean="0"/>
+              <a:rPr lang="de-CH" baseline="0" dirty="0" err="1"/>
               <a:t>practices</a:t>
             </a:r>
             <a:r>
-              <a:rPr lang="de-CH" baseline="0" dirty="0" smtClean="0"/>
+              <a:rPr lang="de-CH" baseline="0" dirty="0"/>
               <a:t> (</a:t>
             </a:r>
             <a:r>
-              <a:rPr lang="de-CH" baseline="0" dirty="0" err="1" smtClean="0"/>
+              <a:rPr lang="de-CH" baseline="0" dirty="0" err="1"/>
               <a:t>btw</a:t>
             </a:r>
             <a:r>
-              <a:rPr lang="de-CH" baseline="0" dirty="0" smtClean="0"/>
+              <a:rPr lang="de-CH" baseline="0" dirty="0"/>
               <a:t>. </a:t>
             </a:r>
             <a:r>
-              <a:rPr lang="de-CH" baseline="0" dirty="0" err="1" smtClean="0"/>
+              <a:rPr lang="de-CH" baseline="0" dirty="0" err="1"/>
               <a:t>You</a:t>
             </a:r>
             <a:r>
-              <a:rPr lang="de-CH" baseline="0" dirty="0" smtClean="0"/>
+              <a:rPr lang="de-CH" baseline="0" dirty="0"/>
               <a:t> </a:t>
             </a:r>
             <a:r>
-              <a:rPr lang="de-CH" baseline="0" dirty="0" err="1" smtClean="0"/>
+              <a:rPr lang="de-CH" baseline="0" dirty="0" err="1"/>
               <a:t>can</a:t>
             </a:r>
             <a:r>
-              <a:rPr lang="de-CH" baseline="0" dirty="0" smtClean="0"/>
+              <a:rPr lang="de-CH" baseline="0" dirty="0"/>
               <a:t> </a:t>
             </a:r>
             <a:r>
-              <a:rPr lang="de-CH" baseline="0" dirty="0" err="1" smtClean="0"/>
+              <a:rPr lang="de-CH" baseline="0" dirty="0" err="1"/>
               <a:t>watch</a:t>
             </a:r>
             <a:r>
-              <a:rPr lang="de-CH" baseline="0" dirty="0" smtClean="0"/>
+              <a:rPr lang="de-CH" baseline="0" dirty="0"/>
               <a:t> </a:t>
             </a:r>
             <a:r>
-              <a:rPr lang="de-CH" baseline="0" dirty="0" err="1" smtClean="0"/>
+              <a:rPr lang="de-CH" baseline="0" dirty="0" err="1"/>
               <a:t>my</a:t>
             </a:r>
             <a:r>
-              <a:rPr lang="de-CH" baseline="0" dirty="0" smtClean="0"/>
+              <a:rPr lang="de-CH" baseline="0" dirty="0"/>
               <a:t> </a:t>
             </a:r>
             <a:r>
-              <a:rPr lang="de-CH" baseline="0" dirty="0" err="1" smtClean="0"/>
+              <a:rPr lang="de-CH" baseline="0" dirty="0" err="1"/>
               <a:t>webinar</a:t>
             </a:r>
             <a:r>
-              <a:rPr lang="de-CH" baseline="0" dirty="0" smtClean="0"/>
+              <a:rPr lang="de-CH" baseline="0" dirty="0"/>
               <a:t> </a:t>
             </a:r>
             <a:r>
-              <a:rPr lang="de-CH" baseline="0" dirty="0" err="1" smtClean="0"/>
+              <a:rPr lang="de-CH" baseline="0" dirty="0" err="1"/>
               <a:t>recordings</a:t>
             </a:r>
             <a:r>
-              <a:rPr lang="de-CH" baseline="0" dirty="0" smtClean="0"/>
+              <a:rPr lang="de-CH" baseline="0" dirty="0"/>
               <a:t> </a:t>
             </a:r>
             <a:r>
-              <a:rPr lang="de-CH" baseline="0" dirty="0" err="1" smtClean="0"/>
+              <a:rPr lang="de-CH" baseline="0" dirty="0" err="1"/>
               <a:t>which</a:t>
             </a:r>
             <a:r>
-              <a:rPr lang="de-CH" baseline="0" dirty="0" smtClean="0"/>
+              <a:rPr lang="de-CH" baseline="0" dirty="0"/>
               <a:t> I </a:t>
             </a:r>
             <a:r>
-              <a:rPr lang="de-CH" baseline="0" dirty="0" err="1" smtClean="0"/>
+              <a:rPr lang="de-CH" baseline="0" dirty="0" err="1"/>
               <a:t>show</a:t>
             </a:r>
             <a:r>
-              <a:rPr lang="de-CH" baseline="0" dirty="0" smtClean="0"/>
+              <a:rPr lang="de-CH" baseline="0" dirty="0"/>
               <a:t> </a:t>
             </a:r>
             <a:r>
-              <a:rPr lang="de-CH" baseline="0" dirty="0" err="1" smtClean="0"/>
+              <a:rPr lang="de-CH" baseline="0" dirty="0" err="1"/>
               <a:t>how</a:t>
             </a:r>
             <a:r>
-              <a:rPr lang="de-CH" baseline="0" dirty="0" smtClean="0"/>
+              <a:rPr lang="de-CH" baseline="0" dirty="0"/>
               <a:t> </a:t>
             </a:r>
             <a:r>
-              <a:rPr lang="de-CH" baseline="0" dirty="0" err="1" smtClean="0"/>
+              <a:rPr lang="de-CH" baseline="0" dirty="0" err="1"/>
               <a:t>to</a:t>
             </a:r>
             <a:r>
-              <a:rPr lang="de-CH" baseline="0" dirty="0" smtClean="0"/>
+              <a:rPr lang="de-CH" baseline="0" dirty="0"/>
               <a:t> </a:t>
             </a:r>
             <a:r>
-              <a:rPr lang="de-CH" baseline="0" dirty="0" err="1" smtClean="0"/>
+              <a:rPr lang="de-CH" baseline="0" dirty="0" err="1"/>
               <a:t>access</a:t>
             </a:r>
             <a:r>
-              <a:rPr lang="de-CH" baseline="0" dirty="0" smtClean="0"/>
+              <a:rPr lang="de-CH" baseline="0" dirty="0"/>
               <a:t> at </a:t>
             </a:r>
             <a:r>
-              <a:rPr lang="de-CH" baseline="0" dirty="0" err="1" smtClean="0"/>
+              <a:rPr lang="de-CH" baseline="0" dirty="0" err="1"/>
               <a:t>the</a:t>
             </a:r>
             <a:r>
-              <a:rPr lang="de-CH" baseline="0" dirty="0" smtClean="0"/>
+              <a:rPr lang="de-CH" baseline="0" dirty="0"/>
               <a:t> end </a:t>
             </a:r>
             <a:r>
-              <a:rPr lang="de-CH" baseline="0" dirty="0" err="1" smtClean="0"/>
+              <a:rPr lang="de-CH" baseline="0" dirty="0" err="1"/>
               <a:t>of</a:t>
             </a:r>
             <a:r>
-              <a:rPr lang="de-CH" baseline="0" dirty="0" smtClean="0"/>
+              <a:rPr lang="de-CH" baseline="0" dirty="0"/>
               <a:t> </a:t>
             </a:r>
             <a:r>
-              <a:rPr lang="de-CH" baseline="0" dirty="0" err="1" smtClean="0"/>
+              <a:rPr lang="de-CH" baseline="0" dirty="0" err="1"/>
               <a:t>this</a:t>
             </a:r>
             <a:r>
-              <a:rPr lang="de-CH" baseline="0" dirty="0" smtClean="0"/>
+              <a:rPr lang="de-CH" baseline="0" dirty="0"/>
               <a:t> </a:t>
             </a:r>
             <a:r>
-              <a:rPr lang="de-CH" baseline="0" dirty="0" err="1" smtClean="0"/>
+              <a:rPr lang="de-CH" baseline="0" dirty="0" err="1"/>
               <a:t>talk</a:t>
             </a:r>
             <a:r>
-              <a:rPr lang="de-CH" baseline="0" dirty="0" smtClean="0"/>
+              <a:rPr lang="de-CH" baseline="0" dirty="0"/>
               <a:t> </a:t>
             </a:r>
             <a:r>
-              <a:rPr lang="de-CH" baseline="0" dirty="0" err="1" smtClean="0"/>
+              <a:rPr lang="de-CH" baseline="0" dirty="0" err="1"/>
               <a:t>if</a:t>
             </a:r>
             <a:r>
-              <a:rPr lang="de-CH" baseline="0" dirty="0" smtClean="0"/>
+              <a:rPr lang="de-CH" baseline="0" dirty="0"/>
               <a:t> </a:t>
             </a:r>
             <a:r>
-              <a:rPr lang="de-CH" baseline="0" dirty="0" err="1" smtClean="0"/>
+              <a:rPr lang="de-CH" baseline="0" dirty="0" err="1"/>
               <a:t>you</a:t>
             </a:r>
             <a:r>
-              <a:rPr lang="de-CH" baseline="0" dirty="0" smtClean="0"/>
+              <a:rPr lang="de-CH" baseline="0" dirty="0"/>
               <a:t> </a:t>
             </a:r>
             <a:r>
-              <a:rPr lang="de-CH" baseline="0" dirty="0" err="1" smtClean="0"/>
+              <a:rPr lang="de-CH" baseline="0" dirty="0" err="1"/>
               <a:t>don’t</a:t>
             </a:r>
             <a:r>
-              <a:rPr lang="de-CH" baseline="0" dirty="0" smtClean="0"/>
+              <a:rPr lang="de-CH" baseline="0" dirty="0"/>
               <a:t> </a:t>
             </a:r>
             <a:r>
-              <a:rPr lang="de-CH" baseline="0" dirty="0" err="1" smtClean="0"/>
+              <a:rPr lang="de-CH" baseline="0" dirty="0" err="1"/>
               <a:t>know</a:t>
             </a:r>
             <a:r>
-              <a:rPr lang="de-CH" baseline="0" dirty="0" smtClean="0"/>
+              <a:rPr lang="de-CH" baseline="0" dirty="0"/>
               <a:t> </a:t>
             </a:r>
             <a:r>
-              <a:rPr lang="de-CH" baseline="0" dirty="0" err="1" smtClean="0"/>
+              <a:rPr lang="de-CH" baseline="0" dirty="0" err="1"/>
               <a:t>what</a:t>
             </a:r>
             <a:r>
-              <a:rPr lang="de-CH" baseline="0" dirty="0" smtClean="0"/>
+              <a:rPr lang="de-CH" baseline="0" dirty="0"/>
               <a:t> </a:t>
             </a:r>
             <a:r>
-              <a:rPr lang="de-CH" baseline="0" dirty="0" err="1" smtClean="0"/>
+              <a:rPr lang="de-CH" baseline="0" dirty="0" err="1"/>
               <a:t>I’m</a:t>
             </a:r>
             <a:r>
-              <a:rPr lang="de-CH" baseline="0" dirty="0" smtClean="0"/>
+              <a:rPr lang="de-CH" baseline="0" dirty="0"/>
               <a:t> </a:t>
             </a:r>
             <a:r>
-              <a:rPr lang="de-CH" baseline="0" dirty="0" err="1" smtClean="0"/>
+              <a:rPr lang="de-CH" baseline="0" dirty="0" err="1"/>
               <a:t>talking</a:t>
             </a:r>
             <a:r>
-              <a:rPr lang="de-CH" baseline="0" dirty="0" smtClean="0"/>
+              <a:rPr lang="de-CH" baseline="0" dirty="0"/>
               <a:t> </a:t>
             </a:r>
             <a:r>
-              <a:rPr lang="de-CH" baseline="0" dirty="0" err="1" smtClean="0"/>
+              <a:rPr lang="de-CH" baseline="0" dirty="0" err="1"/>
               <a:t>about</a:t>
             </a:r>
             <a:r>
-              <a:rPr lang="de-CH" baseline="0" dirty="0" smtClean="0"/>
+              <a:rPr lang="de-CH" baseline="0" dirty="0"/>
               <a:t>) </a:t>
             </a:r>
             <a:r>
-              <a:rPr lang="de-CH" baseline="0" dirty="0" err="1" smtClean="0"/>
+              <a:rPr lang="de-CH" baseline="0" dirty="0" err="1"/>
               <a:t>if</a:t>
             </a:r>
             <a:r>
-              <a:rPr lang="de-CH" baseline="0" dirty="0" smtClean="0"/>
+              <a:rPr lang="de-CH" baseline="0" dirty="0"/>
               <a:t> </a:t>
             </a:r>
             <a:r>
-              <a:rPr lang="de-CH" baseline="0" dirty="0" err="1" smtClean="0"/>
+              <a:rPr lang="de-CH" baseline="0" dirty="0" err="1"/>
               <a:t>we</a:t>
             </a:r>
             <a:r>
-              <a:rPr lang="de-CH" baseline="0" dirty="0" smtClean="0"/>
+              <a:rPr lang="de-CH" baseline="0" dirty="0"/>
               <a:t> mix </a:t>
             </a:r>
             <a:r>
-              <a:rPr lang="de-CH" baseline="0" dirty="0" err="1" smtClean="0"/>
+              <a:rPr lang="de-CH" baseline="0" dirty="0" err="1"/>
               <a:t>blocking</a:t>
             </a:r>
             <a:r>
-              <a:rPr lang="de-CH" baseline="0" dirty="0" smtClean="0"/>
+              <a:rPr lang="de-CH" baseline="0" dirty="0"/>
               <a:t> </a:t>
             </a:r>
             <a:r>
-              <a:rPr lang="de-CH" baseline="0" dirty="0" err="1" smtClean="0"/>
+              <a:rPr lang="de-CH" baseline="0" dirty="0" err="1"/>
               <a:t>with</a:t>
             </a:r>
             <a:r>
-              <a:rPr lang="de-CH" baseline="0" dirty="0" smtClean="0"/>
+              <a:rPr lang="de-CH" baseline="0" dirty="0"/>
               <a:t> </a:t>
             </a:r>
             <a:r>
-              <a:rPr lang="de-CH" baseline="0" dirty="0" err="1" smtClean="0"/>
+              <a:rPr lang="de-CH" baseline="0" dirty="0" err="1"/>
               <a:t>asynchronous</a:t>
             </a:r>
             <a:r>
-              <a:rPr lang="de-CH" baseline="0" dirty="0" smtClean="0"/>
+              <a:rPr lang="de-CH" baseline="0" dirty="0"/>
               <a:t> </a:t>
             </a:r>
             <a:r>
-              <a:rPr lang="de-CH" baseline="0" dirty="0" err="1" smtClean="0"/>
+              <a:rPr lang="de-CH" baseline="0" dirty="0" err="1"/>
               <a:t>code</a:t>
             </a:r>
             <a:r>
-              <a:rPr lang="de-CH" baseline="0" dirty="0" smtClean="0"/>
+              <a:rPr lang="de-CH" baseline="0" dirty="0"/>
               <a:t> </a:t>
             </a:r>
             <a:r>
-              <a:rPr lang="de-CH" baseline="0" dirty="0" err="1" smtClean="0"/>
+              <a:rPr lang="de-CH" baseline="0" dirty="0" err="1"/>
               <a:t>we</a:t>
             </a:r>
             <a:r>
-              <a:rPr lang="de-CH" baseline="0" dirty="0" smtClean="0"/>
+              <a:rPr lang="de-CH" baseline="0" dirty="0"/>
               <a:t> will not </a:t>
             </a:r>
             <a:r>
-              <a:rPr lang="de-CH" baseline="0" dirty="0" err="1" smtClean="0"/>
+              <a:rPr lang="de-CH" baseline="0" dirty="0" err="1"/>
               <a:t>only</a:t>
             </a:r>
             <a:r>
-              <a:rPr lang="de-CH" baseline="0" dirty="0" smtClean="0"/>
+              <a:rPr lang="de-CH" baseline="0" dirty="0"/>
               <a:t> </a:t>
             </a:r>
             <a:r>
-              <a:rPr lang="de-CH" baseline="0" dirty="0" err="1" smtClean="0"/>
+              <a:rPr lang="de-CH" baseline="0" dirty="0" err="1"/>
               <a:t>be</a:t>
             </a:r>
             <a:r>
-              <a:rPr lang="de-CH" baseline="0" dirty="0" smtClean="0"/>
+              <a:rPr lang="de-CH" baseline="0" dirty="0"/>
               <a:t> </a:t>
             </a:r>
             <a:r>
-              <a:rPr lang="de-CH" baseline="0" dirty="0" err="1" smtClean="0"/>
+              <a:rPr lang="de-CH" baseline="0" dirty="0" err="1"/>
               <a:t>unnecessarily</a:t>
             </a:r>
             <a:r>
-              <a:rPr lang="de-CH" baseline="0" dirty="0" smtClean="0"/>
+              <a:rPr lang="de-CH" baseline="0" dirty="0"/>
               <a:t> </a:t>
             </a:r>
             <a:r>
-              <a:rPr lang="de-CH" baseline="0" dirty="0" err="1" smtClean="0"/>
+              <a:rPr lang="de-CH" baseline="0" dirty="0" err="1"/>
               <a:t>capturing</a:t>
             </a:r>
             <a:r>
-              <a:rPr lang="de-CH" baseline="0" dirty="0" smtClean="0"/>
+              <a:rPr lang="de-CH" baseline="0" dirty="0"/>
               <a:t> </a:t>
             </a:r>
             <a:r>
-              <a:rPr lang="de-CH" baseline="0" dirty="0" err="1" smtClean="0"/>
+              <a:rPr lang="de-CH" baseline="0" dirty="0" err="1"/>
               <a:t>the</a:t>
             </a:r>
             <a:r>
-              <a:rPr lang="de-CH" baseline="0" dirty="0" smtClean="0"/>
+              <a:rPr lang="de-CH" baseline="0" dirty="0"/>
               <a:t> </a:t>
             </a:r>
             <a:r>
-              <a:rPr lang="de-CH" baseline="0" dirty="0" err="1" smtClean="0"/>
+              <a:rPr lang="de-CH" baseline="0" dirty="0" err="1"/>
               <a:t>worker</a:t>
             </a:r>
             <a:r>
-              <a:rPr lang="de-CH" baseline="0" dirty="0" smtClean="0"/>
+              <a:rPr lang="de-CH" baseline="0" dirty="0"/>
               <a:t> </a:t>
             </a:r>
             <a:r>
-              <a:rPr lang="de-CH" baseline="0" dirty="0" err="1" smtClean="0"/>
+              <a:rPr lang="de-CH" baseline="0" dirty="0" err="1"/>
               <a:t>thread</a:t>
             </a:r>
             <a:r>
-              <a:rPr lang="de-CH" baseline="0" dirty="0" smtClean="0"/>
+              <a:rPr lang="de-CH" baseline="0" dirty="0"/>
               <a:t> but also </a:t>
             </a:r>
             <a:r>
-              <a:rPr lang="de-CH" baseline="0" dirty="0" err="1" smtClean="0"/>
+              <a:rPr lang="de-CH" baseline="0" dirty="0" err="1"/>
               <a:t>expose</a:t>
             </a:r>
             <a:r>
-              <a:rPr lang="de-CH" baseline="0" dirty="0" smtClean="0"/>
+              <a:rPr lang="de-CH" baseline="0" dirty="0"/>
               <a:t> </a:t>
             </a:r>
             <a:r>
-              <a:rPr lang="de-CH" baseline="0" dirty="0" err="1" smtClean="0"/>
+              <a:rPr lang="de-CH" baseline="0" dirty="0" err="1"/>
               <a:t>our</a:t>
             </a:r>
             <a:r>
-              <a:rPr lang="de-CH" baseline="0" dirty="0" smtClean="0"/>
+              <a:rPr lang="de-CH" baseline="0" dirty="0"/>
               <a:t> </a:t>
             </a:r>
             <a:r>
-              <a:rPr lang="de-CH" baseline="0" dirty="0" err="1" smtClean="0"/>
+              <a:rPr lang="de-CH" baseline="0" dirty="0" err="1"/>
               <a:t>code</a:t>
             </a:r>
             <a:r>
-              <a:rPr lang="de-CH" baseline="0" dirty="0" smtClean="0"/>
+              <a:rPr lang="de-CH" baseline="0" dirty="0"/>
               <a:t> </a:t>
             </a:r>
             <a:r>
-              <a:rPr lang="de-CH" baseline="0" dirty="0" err="1" smtClean="0"/>
+              <a:rPr lang="de-CH" baseline="0" dirty="0" err="1"/>
               <a:t>to</a:t>
             </a:r>
             <a:r>
-              <a:rPr lang="de-CH" baseline="0" dirty="0" smtClean="0"/>
+              <a:rPr lang="de-CH" baseline="0" dirty="0"/>
               <a:t> potential </a:t>
             </a:r>
             <a:r>
-              <a:rPr lang="de-CH" baseline="0" dirty="0" err="1" smtClean="0"/>
+              <a:rPr lang="de-CH" baseline="0" dirty="0" err="1"/>
               <a:t>deadlocks</a:t>
             </a:r>
             <a:r>
-              <a:rPr lang="de-CH" baseline="0" dirty="0" smtClean="0"/>
+              <a:rPr lang="de-CH" baseline="0" dirty="0"/>
               <a:t>.</a:t>
             </a:r>
           </a:p>
           <a:p>
-            <a:endParaRPr lang="de-CH" baseline="0" dirty="0" smtClean="0"/>
-          </a:p>
-          <a:p>
-            <a:r>
-              <a:rPr lang="de-CH" baseline="0" dirty="0" err="1" smtClean="0"/>
+            <a:endParaRPr lang="de-CH" baseline="0" dirty="0"/>
+          </a:p>
+          <a:p>
+            <a:r>
+              <a:rPr lang="de-CH" baseline="0" dirty="0" err="1"/>
               <a:t>If</a:t>
             </a:r>
             <a:r>
-              <a:rPr lang="de-CH" baseline="0" dirty="0" smtClean="0"/>
+              <a:rPr lang="de-CH" baseline="0" dirty="0"/>
               <a:t> </a:t>
             </a:r>
             <a:r>
-              <a:rPr lang="de-CH" baseline="0" dirty="0" err="1" smtClean="0"/>
+              <a:rPr lang="de-CH" baseline="0" dirty="0" err="1"/>
               <a:t>we</a:t>
             </a:r>
             <a:r>
-              <a:rPr lang="de-CH" baseline="0" dirty="0" smtClean="0"/>
+              <a:rPr lang="de-CH" baseline="0" dirty="0"/>
               <a:t> follow </a:t>
             </a:r>
             <a:r>
-              <a:rPr lang="de-CH" baseline="0" dirty="0" err="1" smtClean="0"/>
+              <a:rPr lang="de-CH" baseline="0" dirty="0" err="1"/>
               <a:t>the</a:t>
             </a:r>
             <a:r>
-              <a:rPr lang="de-CH" baseline="0" dirty="0" smtClean="0"/>
+              <a:rPr lang="de-CH" baseline="0" dirty="0"/>
               <a:t> </a:t>
             </a:r>
             <a:r>
-              <a:rPr lang="de-CH" baseline="0" dirty="0" err="1" smtClean="0"/>
+              <a:rPr lang="de-CH" baseline="0" dirty="0" err="1"/>
               <a:t>rules</a:t>
             </a:r>
             <a:r>
-              <a:rPr lang="de-CH" baseline="0" dirty="0" smtClean="0"/>
+              <a:rPr lang="de-CH" baseline="0" dirty="0"/>
               <a:t> </a:t>
             </a:r>
             <a:r>
-              <a:rPr lang="de-CH" baseline="0" dirty="0" err="1" smtClean="0"/>
+              <a:rPr lang="de-CH" baseline="0" dirty="0" err="1"/>
               <a:t>above</a:t>
             </a:r>
             <a:r>
-              <a:rPr lang="de-CH" baseline="0" dirty="0" smtClean="0"/>
+              <a:rPr lang="de-CH" baseline="0" dirty="0"/>
               <a:t>, </a:t>
             </a:r>
             <a:r>
-              <a:rPr lang="de-CH" baseline="0" dirty="0" err="1" smtClean="0"/>
+              <a:rPr lang="de-CH" baseline="0" dirty="0" err="1"/>
               <a:t>the</a:t>
             </a:r>
             <a:r>
-              <a:rPr lang="de-CH" baseline="0" dirty="0" smtClean="0"/>
+              <a:rPr lang="de-CH" baseline="0" dirty="0"/>
               <a:t> </a:t>
             </a:r>
             <a:r>
-              <a:rPr lang="de-CH" baseline="0" dirty="0" err="1" smtClean="0"/>
+              <a:rPr lang="de-CH" baseline="0" dirty="0" err="1"/>
               <a:t>async</a:t>
             </a:r>
             <a:r>
-              <a:rPr lang="de-CH" baseline="0" dirty="0" smtClean="0"/>
+              <a:rPr lang="de-CH" baseline="0" dirty="0"/>
               <a:t> </a:t>
             </a:r>
             <a:r>
-              <a:rPr lang="de-CH" baseline="0" dirty="0" err="1" smtClean="0"/>
+              <a:rPr lang="de-CH" baseline="0" dirty="0" err="1"/>
               <a:t>task</a:t>
             </a:r>
             <a:r>
-              <a:rPr lang="de-CH" baseline="0" dirty="0" smtClean="0"/>
+              <a:rPr lang="de-CH" baseline="0" dirty="0"/>
               <a:t> </a:t>
             </a:r>
             <a:r>
-              <a:rPr lang="de-CH" baseline="0" dirty="0" err="1" smtClean="0"/>
+              <a:rPr lang="de-CH" baseline="0" dirty="0" err="1"/>
               <a:t>returning</a:t>
             </a:r>
             <a:r>
-              <a:rPr lang="de-CH" baseline="0" dirty="0" smtClean="0"/>
+              <a:rPr lang="de-CH" baseline="0" dirty="0"/>
               <a:t> APIs ripple </a:t>
             </a:r>
             <a:r>
-              <a:rPr lang="de-CH" baseline="0" dirty="0" err="1" smtClean="0"/>
+              <a:rPr lang="de-CH" baseline="0" dirty="0" err="1"/>
               <a:t>through</a:t>
             </a:r>
             <a:r>
-              <a:rPr lang="de-CH" baseline="0" dirty="0" smtClean="0"/>
+              <a:rPr lang="de-CH" baseline="0" dirty="0"/>
               <a:t> </a:t>
             </a:r>
             <a:r>
-              <a:rPr lang="de-CH" baseline="0" dirty="0" err="1" smtClean="0"/>
+              <a:rPr lang="de-CH" baseline="0" dirty="0" err="1"/>
               <a:t>the</a:t>
             </a:r>
             <a:r>
-              <a:rPr lang="de-CH" baseline="0" dirty="0" smtClean="0"/>
+              <a:rPr lang="de-CH" baseline="0" dirty="0"/>
               <a:t> </a:t>
             </a:r>
             <a:r>
-              <a:rPr lang="de-CH" baseline="0" dirty="0" err="1" smtClean="0"/>
+              <a:rPr lang="de-CH" baseline="0" dirty="0" err="1"/>
               <a:t>whole</a:t>
             </a:r>
             <a:r>
-              <a:rPr lang="de-CH" baseline="0" dirty="0" smtClean="0"/>
+              <a:rPr lang="de-CH" baseline="0" dirty="0"/>
               <a:t> </a:t>
             </a:r>
             <a:r>
-              <a:rPr lang="de-CH" baseline="0" dirty="0" err="1" smtClean="0"/>
+              <a:rPr lang="de-CH" baseline="0" dirty="0" err="1"/>
               <a:t>call</a:t>
             </a:r>
             <a:r>
-              <a:rPr lang="de-CH" baseline="0" dirty="0" smtClean="0"/>
+              <a:rPr lang="de-CH" baseline="0" dirty="0"/>
               <a:t> </a:t>
             </a:r>
             <a:r>
-              <a:rPr lang="de-CH" baseline="0" dirty="0" err="1" smtClean="0"/>
+              <a:rPr lang="de-CH" baseline="0" dirty="0" err="1"/>
               <a:t>stack</a:t>
             </a:r>
             <a:r>
-              <a:rPr lang="de-CH" baseline="0" dirty="0" smtClean="0"/>
+              <a:rPr lang="de-CH" baseline="0" dirty="0"/>
               <a:t>.</a:t>
             </a:r>
           </a:p>
@@ -13858,14 +13736,13 @@
           <a:lstStyle/>
           <a:p>
             <a:r>
-              <a:rPr lang="en-US" baseline="0" dirty="0" err="1" smtClean="0"/>
+              <a:rPr lang="en-US" baseline="0" dirty="0" err="1"/>
               <a:t>Async</a:t>
             </a:r>
             <a:r>
-              <a:rPr lang="en-US" baseline="0" dirty="0" smtClean="0"/>
+              <a:rPr lang="en-US" baseline="0" dirty="0"/>
               <a:t> /await is viral. Like a highly infectious deceases it starts spreading all over the place as soon as you have it.</a:t>
             </a:r>
-            <a:endParaRPr lang="en-US" baseline="0" dirty="0"/>
           </a:p>
         </p:txBody>
       </p:sp>
@@ -13950,10 +13827,9 @@
           <a:lstStyle/>
           <a:p>
             <a:r>
-              <a:rPr lang="de-CH" dirty="0" smtClean="0"/>
+              <a:rPr lang="de-CH" dirty="0"/>
               <a:t>But</a:t>
             </a:r>
-            <a:endParaRPr lang="de-CH" dirty="0"/>
           </a:p>
         </p:txBody>
       </p:sp>
@@ -14038,29 +13914,29 @@
           <a:lstStyle/>
           <a:p>
             <a:r>
-              <a:rPr lang="en-US" dirty="0" smtClean="0"/>
+              <a:rPr lang="en-US" dirty="0"/>
               <a:t>It kicks your servers butt</a:t>
             </a:r>
           </a:p>
           <a:p>
             <a:r>
-              <a:rPr lang="en-US" dirty="0" smtClean="0"/>
+              <a:rPr lang="en-US" dirty="0"/>
               <a:t>On a server every thread that can be freed up is worth freeing up. On</a:t>
             </a:r>
             <a:r>
-              <a:rPr lang="en-US" baseline="0" dirty="0" smtClean="0"/>
+              <a:rPr lang="en-US" baseline="0" dirty="0"/>
               <a:t> a server the comparison has to be done between asynchronous code and parallel code. Asynchronous code blow parallel code out of the water.</a:t>
             </a:r>
           </a:p>
           <a:p>
-            <a:endParaRPr lang="en-US" baseline="0" dirty="0" smtClean="0"/>
-          </a:p>
-          <a:p>
-            <a:r>
-              <a:rPr lang="en-US" baseline="0" dirty="0" smtClean="0"/>
+            <a:endParaRPr lang="en-US" baseline="0" dirty="0"/>
+          </a:p>
+          <a:p>
+            <a:r>
+              <a:rPr lang="en-US" baseline="0" dirty="0"/>
               <a:t>In order to understand why we need to explore how windows handles compute bound work and IO-bound work. We have two thread pools</a:t>
             </a:r>
-            <a:endParaRPr lang="en-US" dirty="0" smtClean="0"/>
+            <a:endParaRPr lang="en-US" dirty="0"/>
           </a:p>
         </p:txBody>
       </p:sp>
@@ -14145,40 +14021,43 @@
           <a:lstStyle/>
           <a:p>
             <a:r>
-              <a:rPr lang="en-US" dirty="0" smtClean="0"/>
+              <a:rPr lang="en-US" dirty="0"/>
               <a:t>Parallel / Compute</a:t>
             </a:r>
             <a:r>
-              <a:rPr lang="en-US" baseline="0" dirty="0" smtClean="0"/>
+              <a:rPr lang="en-US" baseline="0" dirty="0"/>
               <a:t> bound blocking work happens on the worker thread pool. Things like </a:t>
             </a:r>
             <a:r>
-              <a:rPr lang="en-US" baseline="0" dirty="0" err="1" smtClean="0"/>
+              <a:rPr lang="en-US" baseline="0" dirty="0" err="1"/>
               <a:t>Task.Run</a:t>
             </a:r>
             <a:r>
-              <a:rPr lang="en-US" baseline="0" dirty="0" smtClean="0"/>
+              <a:rPr lang="en-US" baseline="0" dirty="0"/>
               <a:t>, </a:t>
             </a:r>
             <a:r>
-              <a:rPr lang="en-US" baseline="0" dirty="0" err="1" smtClean="0"/>
+              <a:rPr lang="en-US" baseline="0" dirty="0" err="1"/>
               <a:t>Factory.StartNew</a:t>
             </a:r>
             <a:r>
-              <a:rPr lang="en-US" baseline="0" dirty="0" smtClean="0"/>
+              <a:rPr lang="en-US" baseline="0" dirty="0"/>
               <a:t>, </a:t>
             </a:r>
             <a:r>
-              <a:rPr lang="en-US" baseline="0" dirty="0" err="1" smtClean="0"/>
+              <a:rPr lang="en-US" baseline="0" dirty="0" err="1"/>
               <a:t>Parallel.For</a:t>
             </a:r>
             <a:r>
-              <a:rPr lang="en-US" baseline="0" dirty="0" smtClean="0"/>
-              <a:t> schedule tasks on the worker thread pool.</a:t>
-            </a:r>
-          </a:p>
-          <a:p>
-            <a:endParaRPr lang="en-US" baseline="0" dirty="0" smtClean="0"/>
+              <a:rPr lang="en-US" baseline="0" dirty="0"/>
+              <a:t> schedule tasks on the worker thread pool. On the other hand if we schedule Compute bound work the worker thread pool will start expanding its worker threads. This phase is called ramp up phase. Ramping up more worker threads is expensive. The thread injection rate is limited.</a:t>
+            </a:r>
+          </a:p>
+          <a:p>
+            <a:endParaRPr lang="en-US" baseline="0" dirty="0"/>
+          </a:p>
+          <a:p>
+            <a:endParaRPr lang="en-US" baseline="0" dirty="0"/>
           </a:p>
           <a:p>
             <a:pPr marL="0" marR="0" indent="0" algn="l" defTabSz="914400" rtl="0" eaLnBrk="1" fontAlgn="auto" latinLnBrk="0" hangingPunct="1">
@@ -14199,25 +14078,53 @@
               <a:defRPr/>
             </a:pPr>
             <a:r>
-              <a:rPr lang="en-US" baseline="0" dirty="0" smtClean="0"/>
-              <a:t>IO-bound work is scheduled on the IO-thread pool. The IO-bound thread pool has a fixed number of worker threads (usually number of cores) which can work concurrently on thousands of IO-bound tasks. On the other hand if we schedule Compute bound work the worker thread pool will start expanding its worker threads. This phase is called ramp up phase. Ramping up more worker threads is expensive. The thread injection rate is limited. </a:t>
-            </a:r>
-            <a:r>
-              <a:rPr lang="en-US" dirty="0" err="1" smtClean="0"/>
+              <a:rPr lang="en-US" dirty="0" err="1"/>
               <a:t>async</a:t>
             </a:r>
             <a:r>
-              <a:rPr lang="en-US" dirty="0" smtClean="0"/>
-              <a:t> can handle bursting traffic better; the IOCP is "always-on", so to speak.</a:t>
-            </a:r>
-            <a:endParaRPr lang="en-US" baseline="0" dirty="0" smtClean="0"/>
-          </a:p>
-          <a:p>
-            <a:endParaRPr lang="en-US" dirty="0" smtClean="0"/>
-          </a:p>
-          <a:p>
-            <a:r>
-              <a:rPr lang="en-US" dirty="0" smtClean="0"/>
+              <a:rPr lang="en-US" dirty="0"/>
+              <a:t> can handle bursting traffic better; the IOCP is "always-on", so to speak. </a:t>
+            </a:r>
+            <a:r>
+              <a:rPr lang="en-US" baseline="0" dirty="0"/>
+              <a:t>IO-bound work is scheduled on the IO-thread pool. The IO-bound thread pool has a fixed number of worker threads (usually number of cores) which can work concurrently on thousands of IO-bound tasks. </a:t>
+            </a:r>
+            <a:r>
+              <a:rPr lang="en-US" sz="1200" b="0" i="0" kern="1200" dirty="0">
+                <a:solidFill>
+                  <a:schemeClr val="tx1"/>
+                </a:solidFill>
+                <a:effectLst/>
+                <a:latin typeface="+mn-lt"/>
+                <a:ea typeface="+mn-ea"/>
+                <a:cs typeface="+mn-cs"/>
+              </a:rPr>
+              <a:t>The point of IOCP is to efficiently offload IO work from user code to kernel and driver and hardware and not to bother the user code until the IO work is done. To achieve that, the user code layer registers for being notified of the IO operation to be complete. That notification occurs in form of a callback on an IO thread, which is a pool thread managed by the IO system that is made available to the user code. </a:t>
+            </a:r>
+          </a:p>
+          <a:p>
+            <a:pPr marL="0" marR="0" indent="0" algn="l" defTabSz="914400" rtl="0" eaLnBrk="1" fontAlgn="auto" latinLnBrk="0" hangingPunct="1">
+              <a:lnSpc>
+                <a:spcPct val="100000"/>
+              </a:lnSpc>
+              <a:spcBef>
+                <a:spcPts val="0"/>
+              </a:spcBef>
+              <a:spcAft>
+                <a:spcPts val="0"/>
+              </a:spcAft>
+              <a:buClrTx/>
+              <a:buSzTx/>
+              <a:buFontTx/>
+              <a:buNone/>
+              <a:tabLst/>
+              <a:defRPr/>
+            </a:pPr>
+            <a:endParaRPr lang="en-US" dirty="0"/>
+          </a:p>
+          <a:p>
+            <a:r>
+              <a:rPr lang="en-US" dirty="0"/>
               <a:t>Next slide!</a:t>
             </a:r>
             <a:endParaRPr lang="de-CH" dirty="0"/>
@@ -14326,7 +14233,7 @@
               <a:t>You can reach me on twitter under @</a:t>
             </a:r>
             <a:r>
-              <a:rPr lang="en-US" dirty="0" err="1" smtClean="0"/>
+              <a:rPr lang="en-US" dirty="0" err="1"/>
               <a:t>danielmarbach</a:t>
             </a:r>
             <a:endParaRPr lang="en-US" dirty="0"/>
@@ -14339,53 +14246,53 @@
           </a:p>
           <a:p>
             <a:r>
-              <a:rPr lang="en-US" dirty="0" smtClean="0"/>
+              <a:rPr lang="en-US" dirty="0"/>
               <a:t>I’m the lead behind the </a:t>
             </a:r>
             <a:r>
-              <a:rPr lang="en-US" dirty="0" err="1" smtClean="0"/>
+              <a:rPr lang="en-US" dirty="0" err="1"/>
               <a:t>asyncification</a:t>
             </a:r>
             <a:r>
-              <a:rPr lang="en-US" baseline="0" dirty="0" smtClean="0"/>
+              <a:rPr lang="en-US" baseline="0" dirty="0"/>
               <a:t> of </a:t>
             </a:r>
             <a:r>
-              <a:rPr lang="en-US" baseline="0" dirty="0" err="1" smtClean="0"/>
+              <a:rPr lang="en-US" baseline="0" dirty="0" err="1"/>
               <a:t>NServiceBus</a:t>
             </a:r>
             <a:r>
-              <a:rPr lang="en-US" baseline="0" dirty="0" smtClean="0"/>
+              <a:rPr lang="en-US" baseline="0" dirty="0"/>
               <a:t> and the ecosystem around it</a:t>
             </a:r>
           </a:p>
           <a:p>
             <a:r>
-              <a:rPr lang="en-US" baseline="0" dirty="0" smtClean="0"/>
+              <a:rPr lang="en-US" baseline="0" dirty="0"/>
               <a:t>I regularly contribute back ideas and code changes to </a:t>
             </a:r>
             <a:r>
-              <a:rPr lang="en-US" baseline="0" dirty="0" err="1" smtClean="0"/>
+              <a:rPr lang="en-US" baseline="0" dirty="0" err="1"/>
               <a:t>asyncify</a:t>
             </a:r>
             <a:r>
-              <a:rPr lang="en-US" baseline="0" dirty="0" smtClean="0"/>
+              <a:rPr lang="en-US" baseline="0" dirty="0"/>
               <a:t> the .NET OSS libraries and frameworks out there. So far I contributed to Entity Framework, </a:t>
             </a:r>
             <a:r>
-              <a:rPr lang="en-US" baseline="0" dirty="0" err="1" smtClean="0"/>
+              <a:rPr lang="en-US" baseline="0" dirty="0" err="1"/>
               <a:t>RabbitMQ</a:t>
             </a:r>
             <a:r>
-              <a:rPr lang="en-US" baseline="0" dirty="0" smtClean="0"/>
+              <a:rPr lang="en-US" baseline="0" dirty="0"/>
               <a:t>, Marten, </a:t>
             </a:r>
             <a:r>
-              <a:rPr lang="en-US" baseline="0" dirty="0" err="1" smtClean="0"/>
+              <a:rPr lang="en-US" baseline="0" dirty="0" err="1"/>
               <a:t>MassTransit</a:t>
             </a:r>
             <a:r>
-              <a:rPr lang="en-US" baseline="0" dirty="0" smtClean="0"/>
+              <a:rPr lang="en-US" baseline="0" dirty="0"/>
               <a:t>, Quartz.NET and many more</a:t>
             </a:r>
             <a:endParaRPr lang="de-CH" dirty="0"/>
@@ -14472,36 +14379,80 @@
           <a:bodyPr/>
           <a:lstStyle/>
           <a:p>
-            <a:r>
-              <a:rPr lang="en-US" dirty="0" err="1" smtClean="0"/>
+            <a:pPr marL="0" marR="0" indent="0" algn="l" defTabSz="914400" rtl="0" eaLnBrk="1" fontAlgn="auto" latinLnBrk="0" hangingPunct="1">
+              <a:lnSpc>
+                <a:spcPct val="100000"/>
+              </a:lnSpc>
+              <a:spcBef>
+                <a:spcPts val="0"/>
+              </a:spcBef>
+              <a:spcAft>
+                <a:spcPts val="0"/>
+              </a:spcAft>
+              <a:buClrTx/>
+              <a:buSzTx/>
+              <a:buFontTx/>
+              <a:buNone/>
+              <a:tabLst/>
+              <a:defRPr/>
+            </a:pPr>
+            <a:r>
+              <a:rPr lang="en-US" sz="1200" b="0" i="0" kern="1200" dirty="0">
+                <a:solidFill>
+                  <a:schemeClr val="tx1"/>
+                </a:solidFill>
+                <a:effectLst/>
+                <a:latin typeface="+mn-lt"/>
+                <a:ea typeface="+mn-ea"/>
+                <a:cs typeface="+mn-cs"/>
+              </a:rPr>
+              <a:t>As IO typically takes very long and compute work is comparatively cheap, the goal of the IO system is to keep the thread count low (ideally one per core) and schedule all callbacks (and thus execution of interleaved user code) on that one thread. That means that, ideally, all work gets serialized and there minimal context switching as the OS scheduler owns the thread. </a:t>
+            </a:r>
+            <a:r>
+              <a:rPr lang="en-US" dirty="0" err="1"/>
               <a:t>async</a:t>
             </a:r>
             <a:r>
-              <a:rPr lang="en-US" dirty="0" smtClean="0"/>
+              <a:rPr lang="en-US" dirty="0"/>
               <a:t> uses much less memory allocation (and that's where most of the scalability benefits come from): the amount of memory saved by freeing up a thread (and its massive stack) dwarfs the amount of memory used for all the </a:t>
             </a:r>
             <a:r>
-              <a:rPr lang="en-US" dirty="0" err="1" smtClean="0"/>
+              <a:rPr lang="en-US" dirty="0" err="1"/>
               <a:t>async</a:t>
             </a:r>
             <a:r>
-              <a:rPr lang="en-US" dirty="0" smtClean="0"/>
-              <a:t> structures combined. Interestingly, if you examine each request in isolation, it would actually be (slightly) slower than the synchronous version (since there is the extra kernel transition, </a:t>
-            </a:r>
-            <a:r>
-              <a:rPr lang="en-US" dirty="0" err="1" smtClean="0"/>
+              <a:rPr lang="en-US" dirty="0"/>
+              <a:t> structures combined. </a:t>
+            </a:r>
+            <a:endParaRPr lang="en-US" baseline="0" dirty="0"/>
+          </a:p>
+          <a:p>
+            <a:endParaRPr lang="en-US" dirty="0"/>
+          </a:p>
+          <a:p>
+            <a:r>
+              <a:rPr lang="en-US" dirty="0"/>
+              <a:t>Interestingly, if you examine each request in isolation, it would actually be (slightly) slower than the synchronous version (since there is the extra kernel transition, </a:t>
+            </a:r>
+            <a:r>
+              <a:rPr lang="en-US" dirty="0" err="1"/>
               <a:t>etc</a:t>
             </a:r>
             <a:r>
-              <a:rPr lang="en-US" dirty="0" smtClean="0"/>
+              <a:rPr lang="en-US" dirty="0"/>
               <a:t>); but the scalability more than makes up for it.</a:t>
             </a:r>
           </a:p>
           <a:p>
             <a:r>
-              <a:rPr lang="en-US" dirty="0" smtClean="0"/>
+              <a:rPr lang="en-US" dirty="0"/>
               <a:t>Also, from the server perspective, So, if you compare asynchrony to synchrony - just looking at one method or one request - then synchrony makes more sense. But if you compare asynchrony to parallelism - looking at the server as a whole - then asynchrony generally wins.</a:t>
             </a:r>
+          </a:p>
+          <a:p>
+            <a:endParaRPr lang="en-US" dirty="0"/>
+          </a:p>
+          <a:p>
             <a:endParaRPr lang="de-CH" dirty="0"/>
           </a:p>
         </p:txBody>
@@ -14930,19 +14881,15 @@
           <a:p>
             <a:r>
               <a:rPr lang="en-US" baseline="0" dirty="0"/>
-              <a:t>If you don’t believe me go have a look </a:t>
-            </a:r>
-            <a:r>
-              <a:rPr lang="en-US" baseline="0" dirty="0" smtClean="0"/>
-              <a:t>end2end</a:t>
-            </a:r>
-          </a:p>
-          <a:p>
-            <a:endParaRPr lang="en-US" baseline="0" dirty="0" smtClean="0"/>
-          </a:p>
-          <a:p>
-            <a:r>
-              <a:rPr lang="en-US" baseline="0" dirty="0" smtClean="0"/>
+              <a:t>If you don’t believe me go have a look end2end</a:t>
+            </a:r>
+          </a:p>
+          <a:p>
+            <a:endParaRPr lang="en-US" baseline="0" dirty="0"/>
+          </a:p>
+          <a:p>
+            <a:r>
+              <a:rPr lang="en-US" baseline="0" dirty="0"/>
               <a:t>So if we want to benefit from asynchronous programming we have to (next slide)</a:t>
             </a:r>
             <a:endParaRPr lang="de-CH" dirty="0"/>
@@ -15035,35 +14982,31 @@
             </a:r>
             <a:r>
               <a:rPr lang="en-US" baseline="0" dirty="0"/>
-              <a:t> ALL THE </a:t>
-            </a:r>
-            <a:r>
-              <a:rPr lang="en-US" baseline="0" dirty="0" smtClean="0"/>
-              <a:t>THINGS</a:t>
-            </a:r>
-          </a:p>
-          <a:p>
-            <a:endParaRPr lang="en-US" baseline="0" dirty="0" smtClean="0"/>
-          </a:p>
-          <a:p>
-            <a:r>
-              <a:rPr lang="en-US" baseline="0" dirty="0" smtClean="0"/>
+              <a:t> ALL THE THINGS</a:t>
+            </a:r>
+          </a:p>
+          <a:p>
+            <a:endParaRPr lang="en-US" baseline="0" dirty="0"/>
+          </a:p>
+          <a:p>
+            <a:r>
+              <a:rPr lang="en-US" baseline="0" dirty="0"/>
               <a:t>In order to approach the </a:t>
             </a:r>
             <a:r>
-              <a:rPr lang="en-US" baseline="0" dirty="0" err="1" smtClean="0"/>
+              <a:rPr lang="en-US" baseline="0" dirty="0" err="1"/>
               <a:t>asyncification</a:t>
             </a:r>
             <a:r>
-              <a:rPr lang="en-US" baseline="0" dirty="0" smtClean="0"/>
+              <a:rPr lang="en-US" baseline="0" dirty="0"/>
               <a:t> in a structure way I’ll show you a four phased approach for evolving your code-base towards </a:t>
             </a:r>
             <a:r>
-              <a:rPr lang="en-US" baseline="0" dirty="0" err="1" smtClean="0"/>
+              <a:rPr lang="en-US" baseline="0" dirty="0" err="1"/>
               <a:t>async</a:t>
             </a:r>
             <a:r>
-              <a:rPr lang="en-US" baseline="0" dirty="0" smtClean="0"/>
+              <a:rPr lang="en-US" baseline="0" dirty="0"/>
               <a:t>/await today.</a:t>
             </a:r>
           </a:p>
@@ -15150,74 +15093,51 @@
           <a:lstStyle/>
           <a:p>
             <a:r>
-              <a:rPr lang="en-US" dirty="0" smtClean="0"/>
-              <a:t>In </a:t>
-            </a:r>
-            <a:r>
-              <a:rPr lang="en-US" dirty="0" smtClean="0"/>
-              <a:t>the identification phase, we classify the components which would benefit from </a:t>
-            </a:r>
-            <a:r>
-              <a:rPr lang="en-US" dirty="0" err="1" smtClean="0"/>
+              <a:rPr lang="en-US" dirty="0"/>
+              <a:t>In the identification phase, we classify the components which would benefit from </a:t>
+            </a:r>
+            <a:r>
+              <a:rPr lang="en-US" dirty="0" err="1"/>
               <a:t>async</a:t>
             </a:r>
             <a:r>
-              <a:rPr lang="en-US" dirty="0" smtClean="0"/>
+              <a:rPr lang="en-US" dirty="0"/>
               <a:t>/await. </a:t>
             </a:r>
-            <a:endParaRPr lang="en-US" dirty="0" smtClean="0"/>
-          </a:p>
-          <a:p>
-            <a:r>
-              <a:rPr lang="en-US" dirty="0" smtClean="0"/>
-              <a:t>In </a:t>
-            </a:r>
-            <a:r>
-              <a:rPr lang="en-US" dirty="0" smtClean="0"/>
-              <a:t>the exploration phase, we discover potential road blockers which might hinder the </a:t>
-            </a:r>
-            <a:r>
-              <a:rPr lang="en-US" dirty="0" err="1" smtClean="0"/>
+          </a:p>
+          <a:p>
+            <a:r>
+              <a:rPr lang="en-US" dirty="0"/>
+              <a:t>In the exploration phase, we discover potential road blockers which might hinder the </a:t>
+            </a:r>
+            <a:r>
+              <a:rPr lang="en-US" dirty="0" err="1"/>
               <a:t>async</a:t>
             </a:r>
             <a:r>
-              <a:rPr lang="en-US" dirty="0" smtClean="0"/>
+              <a:rPr lang="en-US" dirty="0"/>
               <a:t>/await adoption.</a:t>
             </a:r>
           </a:p>
           <a:p>
             <a:r>
-              <a:rPr lang="en-US" dirty="0" smtClean="0"/>
-              <a:t>In </a:t>
-            </a:r>
-            <a:r>
-              <a:rPr lang="en-US" dirty="0" smtClean="0"/>
-              <a:t>the obstacle phase, we learn to redesign parts of the code to remove the previously identified road blockers. </a:t>
-            </a:r>
-            <a:endParaRPr lang="en-US" dirty="0" smtClean="0"/>
-          </a:p>
-          <a:p>
-            <a:r>
-              <a:rPr lang="en-US" dirty="0" smtClean="0"/>
-              <a:t>In </a:t>
-            </a:r>
-            <a:r>
-              <a:rPr lang="en-US" dirty="0" smtClean="0"/>
-              <a:t>the bring-it-together phase, we gradually move the components which benefit the most from </a:t>
-            </a:r>
-            <a:r>
-              <a:rPr lang="en-US" dirty="0" err="1" smtClean="0"/>
+              <a:rPr lang="en-US" dirty="0"/>
+              <a:t>In the obstacle phase, we learn to redesign parts of the code to remove the previously identified road blockers. </a:t>
+            </a:r>
+          </a:p>
+          <a:p>
+            <a:r>
+              <a:rPr lang="en-US" dirty="0"/>
+              <a:t>In the bring-it-together phase, we gradually move the components which benefit the most from </a:t>
+            </a:r>
+            <a:r>
+              <a:rPr lang="en-US" dirty="0" err="1"/>
               <a:t>async</a:t>
             </a:r>
             <a:r>
-              <a:rPr lang="en-US" dirty="0" smtClean="0"/>
-              <a:t>/await to a full asynchronous API. Small steps. No Big Bang</a:t>
-            </a:r>
-            <a:r>
-              <a:rPr lang="en-US" dirty="0" smtClean="0"/>
-              <a:t>.</a:t>
-            </a:r>
-            <a:endParaRPr lang="en-US" dirty="0" smtClean="0"/>
+              <a:rPr lang="en-US" dirty="0"/>
+              <a:t>/await to a full asynchronous API. Small steps. No Big Bang.</a:t>
+            </a:r>
           </a:p>
         </p:txBody>
       </p:sp>
@@ -15305,7 +15225,7 @@
           </a:p>
           <a:p>
             <a:r>
-              <a:rPr lang="de-CH" dirty="0" err="1" smtClean="0"/>
+              <a:rPr lang="de-CH" dirty="0" err="1"/>
               <a:t>Phases</a:t>
             </a:r>
             <a:endParaRPr lang="de-CH" dirty="0"/>
@@ -15393,106 +15313,105 @@
           <a:lstStyle/>
           <a:p>
             <a:r>
-              <a:rPr lang="de-CH" dirty="0" smtClean="0"/>
+              <a:rPr lang="de-CH" dirty="0"/>
               <a:t>In </a:t>
             </a:r>
             <a:r>
-              <a:rPr lang="de-CH" dirty="0" err="1" smtClean="0"/>
+              <a:rPr lang="de-CH" dirty="0" err="1"/>
               <a:t>the</a:t>
             </a:r>
             <a:r>
-              <a:rPr lang="de-CH" dirty="0" smtClean="0"/>
+              <a:rPr lang="de-CH" dirty="0"/>
               <a:t> </a:t>
             </a:r>
             <a:r>
-              <a:rPr lang="de-CH" dirty="0" err="1" smtClean="0"/>
+              <a:rPr lang="de-CH" dirty="0" err="1"/>
               <a:t>identification</a:t>
             </a:r>
             <a:r>
-              <a:rPr lang="de-CH" dirty="0" smtClean="0"/>
+              <a:rPr lang="de-CH" dirty="0"/>
               <a:t> </a:t>
             </a:r>
             <a:r>
-              <a:rPr lang="de-CH" dirty="0" err="1" smtClean="0"/>
+              <a:rPr lang="de-CH" dirty="0" err="1"/>
               <a:t>phase</a:t>
             </a:r>
             <a:r>
-              <a:rPr lang="de-CH" dirty="0" smtClean="0"/>
+              <a:rPr lang="de-CH" dirty="0"/>
               <a:t> </a:t>
             </a:r>
             <a:r>
-              <a:rPr lang="de-CH" dirty="0" err="1" smtClean="0"/>
+              <a:rPr lang="de-CH" dirty="0" err="1"/>
               <a:t>we</a:t>
             </a:r>
             <a:r>
-              <a:rPr lang="de-CH" dirty="0" smtClean="0"/>
+              <a:rPr lang="de-CH" dirty="0"/>
               <a:t> </a:t>
             </a:r>
             <a:r>
-              <a:rPr lang="de-CH" dirty="0" err="1" smtClean="0"/>
+              <a:rPr lang="de-CH" dirty="0" err="1"/>
               <a:t>identifiy</a:t>
             </a:r>
             <a:r>
-              <a:rPr lang="de-CH" dirty="0" smtClean="0"/>
+              <a:rPr lang="de-CH" dirty="0"/>
               <a:t> all </a:t>
             </a:r>
             <a:r>
-              <a:rPr lang="de-CH" dirty="0" err="1" smtClean="0"/>
+              <a:rPr lang="de-CH" dirty="0" err="1"/>
               <a:t>components</a:t>
             </a:r>
             <a:r>
-              <a:rPr lang="de-CH" dirty="0" smtClean="0"/>
+              <a:rPr lang="de-CH" dirty="0"/>
               <a:t> </a:t>
             </a:r>
             <a:r>
-              <a:rPr lang="de-CH" dirty="0" err="1" smtClean="0"/>
+              <a:rPr lang="de-CH" dirty="0" err="1"/>
               <a:t>which</a:t>
             </a:r>
             <a:r>
-              <a:rPr lang="de-CH" dirty="0" smtClean="0"/>
+              <a:rPr lang="de-CH" dirty="0"/>
               <a:t> </a:t>
             </a:r>
             <a:r>
-              <a:rPr lang="de-CH" dirty="0" err="1" smtClean="0"/>
+              <a:rPr lang="de-CH" dirty="0" err="1"/>
               <a:t>truly</a:t>
             </a:r>
             <a:r>
-              <a:rPr lang="de-CH" dirty="0" smtClean="0"/>
+              <a:rPr lang="de-CH" dirty="0"/>
               <a:t> </a:t>
             </a:r>
             <a:r>
-              <a:rPr lang="de-CH" dirty="0" err="1" smtClean="0"/>
+              <a:rPr lang="de-CH" dirty="0" err="1"/>
               <a:t>benefit</a:t>
             </a:r>
             <a:r>
-              <a:rPr lang="de-CH" dirty="0" smtClean="0"/>
+              <a:rPr lang="de-CH" dirty="0"/>
               <a:t> </a:t>
             </a:r>
             <a:r>
-              <a:rPr lang="de-CH" dirty="0" err="1" smtClean="0"/>
+              <a:rPr lang="de-CH" dirty="0" err="1"/>
               <a:t>from</a:t>
             </a:r>
             <a:r>
-              <a:rPr lang="de-CH" dirty="0" smtClean="0"/>
+              <a:rPr lang="de-CH" dirty="0"/>
               <a:t> </a:t>
             </a:r>
             <a:r>
-              <a:rPr lang="de-CH" dirty="0" err="1" smtClean="0"/>
+              <a:rPr lang="de-CH" dirty="0" err="1"/>
               <a:t>async</a:t>
             </a:r>
             <a:r>
-              <a:rPr lang="de-CH" dirty="0" smtClean="0"/>
+              <a:rPr lang="de-CH" dirty="0"/>
               <a:t>/</a:t>
             </a:r>
             <a:r>
-              <a:rPr lang="de-CH" dirty="0" err="1" smtClean="0"/>
+              <a:rPr lang="de-CH" dirty="0" err="1"/>
               <a:t>await</a:t>
             </a:r>
             <a:r>
-              <a:rPr lang="de-CH" dirty="0" smtClean="0"/>
+              <a:rPr lang="de-CH" dirty="0"/>
               <a:t>.</a:t>
             </a:r>
-            <a:endParaRPr lang="de-CH" dirty="0"/>
           </a:p>
         </p:txBody>
       </p:sp>
@@ -15577,51 +15496,51 @@
           <a:lstStyle/>
           <a:p>
             <a:r>
-              <a:rPr lang="de-CH" dirty="0" smtClean="0"/>
+              <a:rPr lang="de-CH" dirty="0"/>
               <a:t>As </a:t>
             </a:r>
             <a:r>
-              <a:rPr lang="de-CH" dirty="0" err="1" smtClean="0"/>
+              <a:rPr lang="de-CH" dirty="0" err="1"/>
               <a:t>we</a:t>
             </a:r>
             <a:r>
-              <a:rPr lang="de-CH" dirty="0" smtClean="0"/>
+              <a:rPr lang="de-CH" dirty="0"/>
               <a:t> </a:t>
             </a:r>
             <a:r>
-              <a:rPr lang="de-CH" dirty="0" err="1" smtClean="0"/>
+              <a:rPr lang="de-CH" dirty="0" err="1"/>
               <a:t>have</a:t>
             </a:r>
             <a:r>
-              <a:rPr lang="de-CH" dirty="0" smtClean="0"/>
+              <a:rPr lang="de-CH" dirty="0"/>
               <a:t> </a:t>
             </a:r>
             <a:r>
-              <a:rPr lang="de-CH" dirty="0" err="1" smtClean="0"/>
+              <a:rPr lang="de-CH" dirty="0" err="1"/>
               <a:t>learned</a:t>
             </a:r>
             <a:r>
-              <a:rPr lang="de-CH" dirty="0" smtClean="0"/>
+              <a:rPr lang="de-CH" dirty="0"/>
               <a:t> in </a:t>
             </a:r>
             <a:r>
-              <a:rPr lang="de-CH" dirty="0" err="1" smtClean="0"/>
+              <a:rPr lang="de-CH" dirty="0" err="1"/>
               <a:t>the</a:t>
             </a:r>
             <a:r>
-              <a:rPr lang="de-CH" dirty="0" smtClean="0"/>
+              <a:rPr lang="de-CH" dirty="0"/>
               <a:t> </a:t>
             </a:r>
             <a:r>
-              <a:rPr lang="de-CH" dirty="0" err="1" smtClean="0"/>
+              <a:rPr lang="de-CH" dirty="0" err="1"/>
               <a:t>introduction</a:t>
             </a:r>
             <a:r>
-              <a:rPr lang="de-CH" dirty="0" smtClean="0"/>
+              <a:rPr lang="de-CH" dirty="0"/>
               <a:t> </a:t>
             </a:r>
             <a:r>
-              <a:rPr lang="de-CH" dirty="0" err="1" smtClean="0"/>
+              <a:rPr lang="de-CH" dirty="0" err="1"/>
               <a:t>section</a:t>
             </a:r>
             <a:endParaRPr lang="de-CH" dirty="0"/>
@@ -15805,15 +15724,6 @@
               </a:rPr>
               <a:t>timeboxing</a:t>
             </a:r>
-            <a:r>
-              <a:rPr lang="en-US" sz="1200" dirty="0">
-                <a:solidFill>
-                  <a:schemeClr val="accent3"/>
-                </a:solidFill>
-                <a:latin typeface="Yanone Kaffeesatz Regular" panose="02000000000000000000" pitchFamily="2" charset="0"/>
-              </a:rPr>
-              <a:t/>
-            </a:r>
             <a:br>
               <a:rPr lang="en-US" sz="1200" dirty="0">
                 <a:solidFill>
@@ -18982,7 +18892,7 @@
     </p:spTree>
     <p:extLst>
       <p:ext uri="{BB962C8B-B14F-4D97-AF65-F5344CB8AC3E}">
-        <p14:creationId xmlns:p14="http://schemas.microsoft.com/office/powerpoint/2010/main" val="2671717177"/>
+        <p14:creationId xmlns:p14="http://schemas.microsoft.com/office/powerpoint/2010/main" val="3232846875"/>
       </p:ext>
     </p:extLst>
   </p:cSld>
@@ -19066,7 +18976,7 @@
     </p:spTree>
     <p:extLst>
       <p:ext uri="{BB962C8B-B14F-4D97-AF65-F5344CB8AC3E}">
-        <p14:creationId xmlns:p14="http://schemas.microsoft.com/office/powerpoint/2010/main" val="3087970652"/>
+        <p14:creationId xmlns:p14="http://schemas.microsoft.com/office/powerpoint/2010/main" val="2671717177"/>
       </p:ext>
     </p:extLst>
   </p:cSld>
@@ -19150,7 +19060,7 @@
     </p:spTree>
     <p:extLst>
       <p:ext uri="{BB962C8B-B14F-4D97-AF65-F5344CB8AC3E}">
-        <p14:creationId xmlns:p14="http://schemas.microsoft.com/office/powerpoint/2010/main" val="1956186479"/>
+        <p14:creationId xmlns:p14="http://schemas.microsoft.com/office/powerpoint/2010/main" val="3087970652"/>
       </p:ext>
     </p:extLst>
   </p:cSld>
@@ -19205,7 +19115,7 @@
           <a:lstStyle/>
           <a:p>
             <a:r>
-              <a:rPr lang="en-US" dirty="0" smtClean="0"/>
+              <a:rPr lang="en-US" dirty="0"/>
               <a:t>Intro</a:t>
             </a:r>
             <a:endParaRPr lang="en-US" baseline="0" dirty="0"/>
@@ -19328,7 +19238,7 @@
     </p:spTree>
     <p:extLst>
       <p:ext uri="{BB962C8B-B14F-4D97-AF65-F5344CB8AC3E}">
-        <p14:creationId xmlns:p14="http://schemas.microsoft.com/office/powerpoint/2010/main" val="3734242553"/>
+        <p14:creationId xmlns:p14="http://schemas.microsoft.com/office/powerpoint/2010/main" val="1956186479"/>
       </p:ext>
     </p:extLst>
   </p:cSld>
@@ -19412,7 +19322,7 @@
     </p:spTree>
     <p:extLst>
       <p:ext uri="{BB962C8B-B14F-4D97-AF65-F5344CB8AC3E}">
-        <p14:creationId xmlns:p14="http://schemas.microsoft.com/office/powerpoint/2010/main" val="878633206"/>
+        <p14:creationId xmlns:p14="http://schemas.microsoft.com/office/powerpoint/2010/main" val="3734242553"/>
       </p:ext>
     </p:extLst>
   </p:cSld>
@@ -19466,10 +19376,6 @@
           <a:bodyPr/>
           <a:lstStyle/>
           <a:p>
-            <a:r>
-              <a:rPr lang="en-US" dirty="0"/>
-              <a:t>Maybe add RPC??</a:t>
-            </a:r>
             <a:endParaRPr lang="de-CH" dirty="0"/>
           </a:p>
         </p:txBody>
@@ -19500,7 +19406,7 @@
     </p:spTree>
     <p:extLst>
       <p:ext uri="{BB962C8B-B14F-4D97-AF65-F5344CB8AC3E}">
-        <p14:creationId xmlns:p14="http://schemas.microsoft.com/office/powerpoint/2010/main" val="4060569646"/>
+        <p14:creationId xmlns:p14="http://schemas.microsoft.com/office/powerpoint/2010/main" val="878633206"/>
       </p:ext>
     </p:extLst>
   </p:cSld>
@@ -19588,7 +19494,7 @@
     </p:spTree>
     <p:extLst>
       <p:ext uri="{BB962C8B-B14F-4D97-AF65-F5344CB8AC3E}">
-        <p14:creationId xmlns:p14="http://schemas.microsoft.com/office/powerpoint/2010/main" val="2716480519"/>
+        <p14:creationId xmlns:p14="http://schemas.microsoft.com/office/powerpoint/2010/main" val="4060569646"/>
       </p:ext>
     </p:extLst>
   </p:cSld>
@@ -19642,6 +19548,10 @@
           <a:bodyPr/>
           <a:lstStyle/>
           <a:p>
+            <a:r>
+              <a:rPr lang="en-US" dirty="0"/>
+              <a:t>Maybe add RPC??</a:t>
+            </a:r>
             <a:endParaRPr lang="de-CH" dirty="0"/>
           </a:p>
         </p:txBody>
@@ -19672,7 +19582,7 @@
     </p:spTree>
     <p:extLst>
       <p:ext uri="{BB962C8B-B14F-4D97-AF65-F5344CB8AC3E}">
-        <p14:creationId xmlns:p14="http://schemas.microsoft.com/office/powerpoint/2010/main" val="128107605"/>
+        <p14:creationId xmlns:p14="http://schemas.microsoft.com/office/powerpoint/2010/main" val="2716480519"/>
       </p:ext>
     </p:extLst>
   </p:cSld>
@@ -19726,14 +19636,6 @@
           <a:bodyPr/>
           <a:lstStyle/>
           <a:p>
-            <a:r>
-              <a:rPr lang="en-US" dirty="0" smtClean="0"/>
-              <a:t>Show </a:t>
-            </a:r>
-            <a:r>
-              <a:rPr lang="en-US" dirty="0"/>
-              <a:t>output?</a:t>
-            </a:r>
             <a:endParaRPr lang="de-CH" dirty="0"/>
           </a:p>
         </p:txBody>
@@ -19764,7 +19666,7 @@
     </p:spTree>
     <p:extLst>
       <p:ext uri="{BB962C8B-B14F-4D97-AF65-F5344CB8AC3E}">
-        <p14:creationId xmlns:p14="http://schemas.microsoft.com/office/powerpoint/2010/main" val="1371806687"/>
+        <p14:creationId xmlns:p14="http://schemas.microsoft.com/office/powerpoint/2010/main" val="128107605"/>
       </p:ext>
     </p:extLst>
   </p:cSld>
@@ -19818,6 +19720,10 @@
           <a:bodyPr/>
           <a:lstStyle/>
           <a:p>
+            <a:r>
+              <a:rPr lang="en-US" dirty="0"/>
+              <a:t>Show output?</a:t>
+            </a:r>
             <a:endParaRPr lang="de-CH" dirty="0"/>
           </a:p>
         </p:txBody>
@@ -19848,7 +19754,7 @@
     </p:spTree>
     <p:extLst>
       <p:ext uri="{BB962C8B-B14F-4D97-AF65-F5344CB8AC3E}">
-        <p14:creationId xmlns:p14="http://schemas.microsoft.com/office/powerpoint/2010/main" val="1159054268"/>
+        <p14:creationId xmlns:p14="http://schemas.microsoft.com/office/powerpoint/2010/main" val="1371806687"/>
       </p:ext>
     </p:extLst>
   </p:cSld>
@@ -19923,7 +19829,7 @@
           <a:p>
             <a:fld id="{9BCA07FD-5BD5-4529-84B0-48DD2C561176}" type="slidenum">
               <a:rPr lang="de-CH" smtClean="0"/>
-              <a:t>72</a:t>
+              <a:t>70</a:t>
             </a:fld>
             <a:endParaRPr lang="de-CH"/>
           </a:p>
@@ -19932,7 +19838,7 @@
     </p:spTree>
     <p:extLst>
       <p:ext uri="{BB962C8B-B14F-4D97-AF65-F5344CB8AC3E}">
-        <p14:creationId xmlns:p14="http://schemas.microsoft.com/office/powerpoint/2010/main" val="982283487"/>
+        <p14:creationId xmlns:p14="http://schemas.microsoft.com/office/powerpoint/2010/main" val="1159054268"/>
       </p:ext>
     </p:extLst>
   </p:cSld>
@@ -20016,7 +19922,7 @@
     </p:spTree>
     <p:extLst>
       <p:ext uri="{BB962C8B-B14F-4D97-AF65-F5344CB8AC3E}">
-        <p14:creationId xmlns:p14="http://schemas.microsoft.com/office/powerpoint/2010/main" val="1285901199"/>
+        <p14:creationId xmlns:p14="http://schemas.microsoft.com/office/powerpoint/2010/main" val="982283487"/>
       </p:ext>
     </p:extLst>
   </p:cSld>
@@ -20091,7 +19997,7 @@
           <a:p>
             <a:fld id="{9BCA07FD-5BD5-4529-84B0-48DD2C561176}" type="slidenum">
               <a:rPr lang="de-CH" smtClean="0"/>
-              <a:t>75</a:t>
+              <a:t>74</a:t>
             </a:fld>
             <a:endParaRPr lang="de-CH"/>
           </a:p>
@@ -20100,7 +20006,7 @@
     </p:spTree>
     <p:extLst>
       <p:ext uri="{BB962C8B-B14F-4D97-AF65-F5344CB8AC3E}">
-        <p14:creationId xmlns:p14="http://schemas.microsoft.com/office/powerpoint/2010/main" val="1928972092"/>
+        <p14:creationId xmlns:p14="http://schemas.microsoft.com/office/powerpoint/2010/main" val="1285901199"/>
       </p:ext>
     </p:extLst>
   </p:cSld>
@@ -20155,42 +20061,41 @@
           <a:lstStyle/>
           <a:p>
             <a:r>
-              <a:rPr lang="en-US" baseline="0" dirty="0" smtClean="0"/>
+              <a:rPr lang="en-US" baseline="0" dirty="0"/>
               <a:t>Fasten your seatbelts. Asynchronous programming with </a:t>
             </a:r>
             <a:r>
-              <a:rPr lang="en-US" baseline="0" dirty="0" err="1" smtClean="0"/>
+              <a:rPr lang="en-US" baseline="0" dirty="0" err="1"/>
               <a:t>async</a:t>
             </a:r>
             <a:r>
-              <a:rPr lang="en-US" baseline="0" dirty="0" smtClean="0"/>
+              <a:rPr lang="en-US" baseline="0" dirty="0"/>
               <a:t>/await is coming more and more. Especially in the cloud enabled world of today and tomorrow more and more third party libraries and framework will move to </a:t>
             </a:r>
             <a:r>
-              <a:rPr lang="en-US" baseline="0" dirty="0" err="1" smtClean="0"/>
+              <a:rPr lang="en-US" baseline="0" dirty="0" err="1"/>
               <a:t>async</a:t>
             </a:r>
             <a:r>
-              <a:rPr lang="en-US" baseline="0" dirty="0" smtClean="0"/>
+              <a:rPr lang="en-US" baseline="0" dirty="0"/>
               <a:t> only APIs. As soon as your code starts integrating with this APIs it needs to move to </a:t>
             </a:r>
             <a:r>
-              <a:rPr lang="en-US" baseline="0" dirty="0" err="1" smtClean="0"/>
+              <a:rPr lang="en-US" baseline="0" dirty="0" err="1"/>
               <a:t>async</a:t>
             </a:r>
             <a:r>
-              <a:rPr lang="en-US" baseline="0" dirty="0" smtClean="0"/>
+              <a:rPr lang="en-US" baseline="0" dirty="0"/>
               <a:t>/await as well if you want to avoid the </a:t>
             </a:r>
             <a:r>
-              <a:rPr lang="en-US" baseline="0" dirty="0" err="1" smtClean="0"/>
+              <a:rPr lang="en-US" baseline="0" dirty="0" err="1"/>
               <a:t>async</a:t>
             </a:r>
             <a:r>
-              <a:rPr lang="en-US" baseline="0" dirty="0" smtClean="0"/>
+              <a:rPr lang="en-US" baseline="0" dirty="0"/>
               <a:t> over sync blocking mega disaster.</a:t>
             </a:r>
-            <a:endParaRPr lang="en-US" baseline="0" dirty="0"/>
           </a:p>
         </p:txBody>
       </p:sp>
@@ -20295,7 +20200,7 @@
           <a:p>
             <a:fld id="{9BCA07FD-5BD5-4529-84B0-48DD2C561176}" type="slidenum">
               <a:rPr lang="de-CH" smtClean="0"/>
-              <a:t>77</a:t>
+              <a:t>76</a:t>
             </a:fld>
             <a:endParaRPr lang="de-CH"/>
           </a:p>
@@ -20304,7 +20209,7 @@
     </p:spTree>
     <p:extLst>
       <p:ext uri="{BB962C8B-B14F-4D97-AF65-F5344CB8AC3E}">
-        <p14:creationId xmlns:p14="http://schemas.microsoft.com/office/powerpoint/2010/main" val="3949617383"/>
+        <p14:creationId xmlns:p14="http://schemas.microsoft.com/office/powerpoint/2010/main" val="1928972092"/>
       </p:ext>
     </p:extLst>
   </p:cSld>
@@ -20358,13 +20263,6 @@
           <a:bodyPr/>
           <a:lstStyle/>
           <a:p>
-            <a:r>
-              <a:rPr lang="en-US" dirty="0" err="1" smtClean="0"/>
-              <a:t>WrapUp</a:t>
-            </a:r>
-            <a:endParaRPr lang="en-US" baseline="0" dirty="0"/>
-          </a:p>
-          <a:p>
             <a:endParaRPr lang="de-CH" dirty="0"/>
           </a:p>
         </p:txBody>
@@ -20395,7 +20293,7 @@
     </p:spTree>
     <p:extLst>
       <p:ext uri="{BB962C8B-B14F-4D97-AF65-F5344CB8AC3E}">
-        <p14:creationId xmlns:p14="http://schemas.microsoft.com/office/powerpoint/2010/main" val="1740915790"/>
+        <p14:creationId xmlns:p14="http://schemas.microsoft.com/office/powerpoint/2010/main" val="3949617383"/>
       </p:ext>
     </p:extLst>
   </p:cSld>
@@ -20449,6 +20347,13 @@
           <a:bodyPr/>
           <a:lstStyle/>
           <a:p>
+            <a:r>
+              <a:rPr lang="en-US" dirty="0" err="1"/>
+              <a:t>WrapUp</a:t>
+            </a:r>
+            <a:endParaRPr lang="en-US" baseline="0" dirty="0"/>
+          </a:p>
+          <a:p>
             <a:endParaRPr lang="de-CH" dirty="0"/>
           </a:p>
         </p:txBody>
@@ -20479,7 +20384,7 @@
     </p:spTree>
     <p:extLst>
       <p:ext uri="{BB962C8B-B14F-4D97-AF65-F5344CB8AC3E}">
-        <p14:creationId xmlns:p14="http://schemas.microsoft.com/office/powerpoint/2010/main" val="3503916100"/>
+        <p14:creationId xmlns:p14="http://schemas.microsoft.com/office/powerpoint/2010/main" val="1740915790"/>
       </p:ext>
     </p:extLst>
   </p:cSld>
@@ -20533,10 +20438,6 @@
           <a:bodyPr/>
           <a:lstStyle/>
           <a:p>
-            <a:r>
-              <a:rPr lang="en-US" dirty="0"/>
-              <a:t>Questions that can be answered in blog posts</a:t>
-            </a:r>
             <a:endParaRPr lang="de-CH" dirty="0"/>
           </a:p>
         </p:txBody>
@@ -20567,7 +20468,7 @@
     </p:spTree>
     <p:extLst>
       <p:ext uri="{BB962C8B-B14F-4D97-AF65-F5344CB8AC3E}">
-        <p14:creationId xmlns:p14="http://schemas.microsoft.com/office/powerpoint/2010/main" val="3670487613"/>
+        <p14:creationId xmlns:p14="http://schemas.microsoft.com/office/powerpoint/2010/main" val="3503916100"/>
       </p:ext>
     </p:extLst>
   </p:cSld>
@@ -20621,7 +20522,11 @@
           <a:bodyPr/>
           <a:lstStyle/>
           <a:p>
-            <a:endParaRPr lang="de-CH"/>
+            <a:r>
+              <a:rPr lang="en-US" dirty="0"/>
+              <a:t>Questions that can be answered in blog posts</a:t>
+            </a:r>
+            <a:endParaRPr lang="de-CH" dirty="0"/>
           </a:p>
         </p:txBody>
       </p:sp>
@@ -20651,7 +20556,7 @@
     </p:spTree>
     <p:extLst>
       <p:ext uri="{BB962C8B-B14F-4D97-AF65-F5344CB8AC3E}">
-        <p14:creationId xmlns:p14="http://schemas.microsoft.com/office/powerpoint/2010/main" val="1195108343"/>
+        <p14:creationId xmlns:p14="http://schemas.microsoft.com/office/powerpoint/2010/main" val="3670487613"/>
       </p:ext>
     </p:extLst>
   </p:cSld>
@@ -20705,7 +20610,7 @@
           <a:bodyPr/>
           <a:lstStyle/>
           <a:p>
-            <a:endParaRPr lang="de-CH" dirty="0"/>
+            <a:endParaRPr lang="de-CH"/>
           </a:p>
         </p:txBody>
       </p:sp>
@@ -20735,7 +20640,7 @@
     </p:spTree>
     <p:extLst>
       <p:ext uri="{BB962C8B-B14F-4D97-AF65-F5344CB8AC3E}">
-        <p14:creationId xmlns:p14="http://schemas.microsoft.com/office/powerpoint/2010/main" val="978782014"/>
+        <p14:creationId xmlns:p14="http://schemas.microsoft.com/office/powerpoint/2010/main" val="1195108343"/>
       </p:ext>
     </p:extLst>
   </p:cSld>
@@ -20789,14 +20694,6 @@
           <a:bodyPr/>
           <a:lstStyle/>
           <a:p>
-            <a:r>
-              <a:rPr lang="de-CH" dirty="0"/>
-              <a:t>Thank you very much</a:t>
-            </a:r>
-            <a:r>
-              <a:rPr lang="de-CH" baseline="0" dirty="0"/>
-              <a:t> for listening and see you next time</a:t>
-            </a:r>
             <a:endParaRPr lang="de-CH" dirty="0"/>
           </a:p>
         </p:txBody>
@@ -20827,7 +20724,7 @@
     </p:spTree>
     <p:extLst>
       <p:ext uri="{BB962C8B-B14F-4D97-AF65-F5344CB8AC3E}">
-        <p14:creationId xmlns:p14="http://schemas.microsoft.com/office/powerpoint/2010/main" val="3949593976"/>
+        <p14:creationId xmlns:p14="http://schemas.microsoft.com/office/powerpoint/2010/main" val="978782014"/>
       </p:ext>
     </p:extLst>
   </p:cSld>
@@ -20881,6 +20778,14 @@
           <a:bodyPr/>
           <a:lstStyle/>
           <a:p>
+            <a:r>
+              <a:rPr lang="de-CH" dirty="0"/>
+              <a:t>Thank you very much</a:t>
+            </a:r>
+            <a:r>
+              <a:rPr lang="de-CH" baseline="0" dirty="0"/>
+              <a:t> for listening and see you next time</a:t>
+            </a:r>
             <a:endParaRPr lang="de-CH" dirty="0"/>
           </a:p>
         </p:txBody>
@@ -20903,6 +20808,90 @@
             <a:fld id="{9BCA07FD-5BD5-4529-84B0-48DD2C561176}" type="slidenum">
               <a:rPr lang="de-CH" smtClean="0"/>
               <a:t>84</a:t>
+            </a:fld>
+            <a:endParaRPr lang="de-CH"/>
+          </a:p>
+        </p:txBody>
+      </p:sp>
+    </p:spTree>
+    <p:extLst>
+      <p:ext uri="{BB962C8B-B14F-4D97-AF65-F5344CB8AC3E}">
+        <p14:creationId xmlns:p14="http://schemas.microsoft.com/office/powerpoint/2010/main" val="3949593976"/>
+      </p:ext>
+    </p:extLst>
+  </p:cSld>
+  <p:clrMapOvr>
+    <a:masterClrMapping/>
+  </p:clrMapOvr>
+</p:notes>
+</file>
+
+<file path=ppt/notesSlides/notesSlide78.xml><?xml version="1.0" encoding="utf-8"?>
+<p:notes xmlns:a="http://schemas.openxmlformats.org/drawingml/2006/main" xmlns:r="http://schemas.openxmlformats.org/officeDocument/2006/relationships" xmlns:p="http://schemas.openxmlformats.org/presentationml/2006/main">
+  <p:cSld>
+    <p:spTree>
+      <p:nvGrpSpPr>
+        <p:cNvPr id="1" name=""/>
+        <p:cNvGrpSpPr/>
+        <p:nvPr/>
+      </p:nvGrpSpPr>
+      <p:grpSpPr>
+        <a:xfrm>
+          <a:off x="0" y="0"/>
+          <a:ext cx="0" cy="0"/>
+          <a:chOff x="0" y="0"/>
+          <a:chExt cx="0" cy="0"/>
+        </a:xfrm>
+      </p:grpSpPr>
+      <p:sp>
+        <p:nvSpPr>
+          <p:cNvPr id="2" name="Slide Image Placeholder 1"/>
+          <p:cNvSpPr>
+            <a:spLocks noGrp="1" noRot="1" noChangeAspect="1"/>
+          </p:cNvSpPr>
+          <p:nvPr>
+            <p:ph type="sldImg"/>
+          </p:nvPr>
+        </p:nvSpPr>
+        <p:spPr/>
+      </p:sp>
+      <p:sp>
+        <p:nvSpPr>
+          <p:cNvPr id="3" name="Notes Placeholder 2"/>
+          <p:cNvSpPr>
+            <a:spLocks noGrp="1"/>
+          </p:cNvSpPr>
+          <p:nvPr>
+            <p:ph type="body" idx="1"/>
+          </p:nvPr>
+        </p:nvSpPr>
+        <p:spPr/>
+        <p:txBody>
+          <a:bodyPr/>
+          <a:lstStyle/>
+          <a:p>
+            <a:endParaRPr lang="de-CH" dirty="0"/>
+          </a:p>
+        </p:txBody>
+      </p:sp>
+      <p:sp>
+        <p:nvSpPr>
+          <p:cNvPr id="4" name="Slide Number Placeholder 3"/>
+          <p:cNvSpPr>
+            <a:spLocks noGrp="1"/>
+          </p:cNvSpPr>
+          <p:nvPr>
+            <p:ph type="sldNum" sz="quarter" idx="10"/>
+          </p:nvPr>
+        </p:nvSpPr>
+        <p:spPr/>
+        <p:txBody>
+          <a:bodyPr/>
+          <a:lstStyle/>
+          <a:p>
+            <a:fld id="{9BCA07FD-5BD5-4529-84B0-48DD2C561176}" type="slidenum">
+              <a:rPr lang="de-CH" smtClean="0"/>
+              <a:t>85</a:t>
             </a:fld>
             <a:endParaRPr lang="de-CH"/>
           </a:p>
@@ -20971,19 +20960,15 @@
             </a:r>
             <a:r>
               <a:rPr lang="en-US" baseline="0" dirty="0"/>
-              <a:t> with fewer </a:t>
-            </a:r>
-            <a:r>
-              <a:rPr lang="en-US" baseline="0" dirty="0" smtClean="0"/>
-              <a:t>slides</a:t>
-            </a:r>
-          </a:p>
-          <a:p>
-            <a:endParaRPr lang="en-US" baseline="0" dirty="0" smtClean="0"/>
-          </a:p>
-          <a:p>
-            <a:r>
-              <a:rPr lang="en-US" baseline="0" dirty="0" smtClean="0"/>
+              <a:t> with fewer slides</a:t>
+            </a:r>
+          </a:p>
+          <a:p>
+            <a:endParaRPr lang="en-US" baseline="0" dirty="0"/>
+          </a:p>
+          <a:p>
+            <a:r>
+              <a:rPr lang="en-US" baseline="0" dirty="0"/>
               <a:t>Dart 1.9 has it, Python 3.5 and higher has it</a:t>
             </a:r>
             <a:endParaRPr lang="de-CH" dirty="0"/>
@@ -21273,7 +21258,7 @@
           <a:p>
             <a:fld id="{A2EAEABE-1D59-4413-813E-803E21872067}" type="datetimeFigureOut">
               <a:rPr lang="de-CH" smtClean="0"/>
-              <a:t>05.06.2016</a:t>
+              <a:t>06.06.2016</a:t>
             </a:fld>
             <a:endParaRPr lang="de-CH"/>
           </a:p>
@@ -21443,7 +21428,7 @@
           <a:p>
             <a:fld id="{A2EAEABE-1D59-4413-813E-803E21872067}" type="datetimeFigureOut">
               <a:rPr lang="de-CH" smtClean="0"/>
-              <a:t>05.06.2016</a:t>
+              <a:t>06.06.2016</a:t>
             </a:fld>
             <a:endParaRPr lang="de-CH"/>
           </a:p>
@@ -21623,7 +21608,7 @@
           <a:p>
             <a:fld id="{A2EAEABE-1D59-4413-813E-803E21872067}" type="datetimeFigureOut">
               <a:rPr lang="de-CH" smtClean="0"/>
-              <a:t>05.06.2016</a:t>
+              <a:t>06.06.2016</a:t>
             </a:fld>
             <a:endParaRPr lang="de-CH"/>
           </a:p>
@@ -21792,7 +21777,7 @@
           <a:p>
             <a:fld id="{A2EAEABE-1D59-4413-813E-803E21872067}" type="datetimeFigureOut">
               <a:rPr lang="de-CH" smtClean="0"/>
-              <a:t>05.06.2016</a:t>
+              <a:t>06.06.2016</a:t>
             </a:fld>
             <a:endParaRPr lang="de-CH"/>
           </a:p>
@@ -22038,7 +22023,7 @@
           <a:p>
             <a:fld id="{A2EAEABE-1D59-4413-813E-803E21872067}" type="datetimeFigureOut">
               <a:rPr lang="de-CH" smtClean="0"/>
-              <a:t>05.06.2016</a:t>
+              <a:t>06.06.2016</a:t>
             </a:fld>
             <a:endParaRPr lang="de-CH"/>
           </a:p>
@@ -22270,7 +22255,7 @@
           <a:p>
             <a:fld id="{A2EAEABE-1D59-4413-813E-803E21872067}" type="datetimeFigureOut">
               <a:rPr lang="de-CH" smtClean="0"/>
-              <a:t>05.06.2016</a:t>
+              <a:t>06.06.2016</a:t>
             </a:fld>
             <a:endParaRPr lang="de-CH"/>
           </a:p>
@@ -22637,7 +22622,7 @@
           <a:p>
             <a:fld id="{A2EAEABE-1D59-4413-813E-803E21872067}" type="datetimeFigureOut">
               <a:rPr lang="de-CH" smtClean="0"/>
-              <a:t>05.06.2016</a:t>
+              <a:t>06.06.2016</a:t>
             </a:fld>
             <a:endParaRPr lang="de-CH"/>
           </a:p>
@@ -22755,7 +22740,7 @@
           <a:p>
             <a:fld id="{A2EAEABE-1D59-4413-813E-803E21872067}" type="datetimeFigureOut">
               <a:rPr lang="de-CH" smtClean="0"/>
-              <a:t>05.06.2016</a:t>
+              <a:t>06.06.2016</a:t>
             </a:fld>
             <a:endParaRPr lang="de-CH"/>
           </a:p>
@@ -22850,7 +22835,7 @@
           <a:p>
             <a:fld id="{A2EAEABE-1D59-4413-813E-803E21872067}" type="datetimeFigureOut">
               <a:rPr lang="de-CH" smtClean="0"/>
-              <a:t>05.06.2016</a:t>
+              <a:t>06.06.2016</a:t>
             </a:fld>
             <a:endParaRPr lang="de-CH"/>
           </a:p>
@@ -23127,7 +23112,7 @@
           <a:p>
             <a:fld id="{A2EAEABE-1D59-4413-813E-803E21872067}" type="datetimeFigureOut">
               <a:rPr lang="de-CH" smtClean="0"/>
-              <a:t>05.06.2016</a:t>
+              <a:t>06.06.2016</a:t>
             </a:fld>
             <a:endParaRPr lang="de-CH"/>
           </a:p>
@@ -23384,7 +23369,7 @@
           <a:p>
             <a:fld id="{A2EAEABE-1D59-4413-813E-803E21872067}" type="datetimeFigureOut">
               <a:rPr lang="de-CH" smtClean="0"/>
-              <a:t>05.06.2016</a:t>
+              <a:t>06.06.2016</a:t>
             </a:fld>
             <a:endParaRPr lang="de-CH"/>
           </a:p>
@@ -23595,7 +23580,7 @@
           <a:p>
             <a:fld id="{A2EAEABE-1D59-4413-813E-803E21872067}" type="datetimeFigureOut">
               <a:rPr lang="de-CH" smtClean="0"/>
-              <a:t>05.06.2016</a:t>
+              <a:t>06.06.2016</a:t>
             </a:fld>
             <a:endParaRPr lang="de-CH"/>
           </a:p>
@@ -24177,13 +24162,6 @@
   <p:clrMapOvr>
     <a:masterClrMapping/>
   </p:clrMapOvr>
-  <p:timing>
-    <p:tnLst>
-      <p:par>
-        <p:cTn id="1" dur="indefinite" restart="never" nodeType="tmRoot"/>
-      </p:par>
-    </p:tnLst>
-  </p:timing>
 </p:sld>
 </file>
 
@@ -24402,13 +24380,6 @@
   <p:clrMapOvr>
     <a:masterClrMapping/>
   </p:clrMapOvr>
-  <p:timing>
-    <p:tnLst>
-      <p:par>
-        <p:cTn id="1" dur="indefinite" restart="never" nodeType="tmRoot"/>
-      </p:par>
-    </p:tnLst>
-  </p:timing>
 </p:sld>
 </file>
 
@@ -24623,13 +24594,6 @@
   <p:clrMapOvr>
     <a:masterClrMapping/>
   </p:clrMapOvr>
-  <p:timing>
-    <p:tnLst>
-      <p:par>
-        <p:cTn id="1" dur="indefinite" restart="never" nodeType="tmRoot"/>
-      </p:par>
-    </p:tnLst>
-  </p:timing>
 </p:sld>
 </file>
 
@@ -24881,13 +24845,6 @@
   <p:clrMapOvr>
     <a:masterClrMapping/>
   </p:clrMapOvr>
-  <p:timing>
-    <p:tnLst>
-      <p:par>
-        <p:cTn id="1" dur="indefinite" restart="never" nodeType="tmRoot"/>
-      </p:par>
-    </p:tnLst>
-  </p:timing>
 </p:sld>
 </file>
 
@@ -25128,13 +25085,6 @@
   <p:clrMapOvr>
     <a:masterClrMapping/>
   </p:clrMapOvr>
-  <p:timing>
-    <p:tnLst>
-      <p:par>
-        <p:cTn id="1" dur="indefinite" restart="never" nodeType="tmRoot"/>
-      </p:par>
-    </p:tnLst>
-  </p:timing>
 </p:sld>
 </file>
 
@@ -25386,13 +25336,6 @@
   <p:clrMapOvr>
     <a:masterClrMapping/>
   </p:clrMapOvr>
-  <p:timing>
-    <p:tnLst>
-      <p:par>
-        <p:cTn id="1" dur="indefinite" restart="never" nodeType="tmRoot"/>
-      </p:par>
-    </p:tnLst>
-  </p:timing>
 </p:sld>
 </file>
 
@@ -25620,13 +25563,6 @@
   <p:clrMapOvr>
     <a:masterClrMapping/>
   </p:clrMapOvr>
-  <p:timing>
-    <p:tnLst>
-      <p:par>
-        <p:cTn id="1" dur="indefinite" restart="never" nodeType="tmRoot"/>
-      </p:par>
-    </p:tnLst>
-  </p:timing>
 </p:sld>
 </file>
 
@@ -25786,13 +25722,6 @@
   <p:clrMapOvr>
     <a:masterClrMapping/>
   </p:clrMapOvr>
-  <p:timing>
-    <p:tnLst>
-      <p:par>
-        <p:cTn id="1" dur="indefinite" restart="never" nodeType="tmRoot"/>
-      </p:par>
-    </p:tnLst>
-  </p:timing>
 </p:sld>
 </file>
 
@@ -25857,13 +25786,6 @@
   <p:clrMapOvr>
     <a:masterClrMapping/>
   </p:clrMapOvr>
-  <p:timing>
-    <p:tnLst>
-      <p:par>
-        <p:cTn id="1" dur="indefinite" restart="never" nodeType="tmRoot"/>
-      </p:par>
-    </p:tnLst>
-  </p:timing>
 </p:sld>
 </file>
 
@@ -26014,13 +25936,6 @@
   <p:clrMapOvr>
     <a:masterClrMapping/>
   </p:clrMapOvr>
-  <p:timing>
-    <p:tnLst>
-      <p:par>
-        <p:cTn id="1" dur="indefinite" restart="never" nodeType="tmRoot"/>
-      </p:par>
-    </p:tnLst>
-  </p:timing>
 </p:sld>
 </file>
 
@@ -26486,13 +26401,6 @@
   <p:clrMapOvr>
     <a:masterClrMapping/>
   </p:clrMapOvr>
-  <p:timing>
-    <p:tnLst>
-      <p:par>
-        <p:cTn id="1" dur="indefinite" restart="never" nodeType="tmRoot"/>
-      </p:par>
-    </p:tnLst>
-  </p:timing>
 </p:sld>
 </file>
 
@@ -26679,13 +26587,6 @@
   <p:clrMapOvr>
     <a:masterClrMapping/>
   </p:clrMapOvr>
-  <p:timing>
-    <p:tnLst>
-      <p:par>
-        <p:cTn id="1" dur="indefinite" restart="never" nodeType="tmRoot"/>
-      </p:par>
-    </p:tnLst>
-  </p:timing>
 </p:sld>
 </file>
 
@@ -27151,13 +27052,6 @@
   <p:clrMapOvr>
     <a:masterClrMapping/>
   </p:clrMapOvr>
-  <p:timing>
-    <p:tnLst>
-      <p:par>
-        <p:cTn id="1" dur="indefinite" restart="never" nodeType="tmRoot"/>
-      </p:par>
-    </p:tnLst>
-  </p:timing>
 </p:sld>
 </file>
 
@@ -27529,13 +27423,6 @@
   <p:clrMapOvr>
     <a:masterClrMapping/>
   </p:clrMapOvr>
-  <p:timing>
-    <p:tnLst>
-      <p:par>
-        <p:cTn id="1" dur="indefinite" restart="never" nodeType="tmRoot"/>
-      </p:par>
-    </p:tnLst>
-  </p:timing>
 </p:sld>
 </file>
 
@@ -27607,13 +27494,6 @@
   <p:clrMapOvr>
     <a:masterClrMapping/>
   </p:clrMapOvr>
-  <p:timing>
-    <p:tnLst>
-      <p:par>
-        <p:cTn id="1" dur="indefinite" restart="never" nodeType="tmRoot"/>
-      </p:par>
-    </p:tnLst>
-  </p:timing>
 </p:sld>
 </file>
 
@@ -27864,7 +27744,7 @@
               <a:t>b</a:t>
             </a:r>
             <a:r>
-              <a:rPr lang="en-US" sz="5400" dirty="0" smtClean="0">
+              <a:rPr lang="en-US" sz="5400" dirty="0">
                 <a:solidFill>
                   <a:schemeClr val="tx2"/>
                 </a:solidFill>
@@ -27902,7 +27782,7 @@
           <a:lstStyle/>
           <a:p>
             <a:r>
-              <a:rPr lang="en-US" sz="9600" dirty="0" smtClean="0">
+              <a:rPr lang="en-US" sz="9600" dirty="0">
                 <a:solidFill>
                   <a:schemeClr val="accent4"/>
                 </a:solidFill>
@@ -27911,7 +27791,7 @@
               <a:t>i</a:t>
             </a:r>
             <a:r>
-              <a:rPr lang="en-US" sz="5400" dirty="0" smtClean="0">
+              <a:rPr lang="en-US" sz="5400" dirty="0">
                 <a:solidFill>
                   <a:schemeClr val="tx2"/>
                 </a:solidFill>
@@ -28007,7 +27887,7 @@
           <a:lstStyle/>
           <a:p>
             <a:r>
-              <a:rPr lang="en-US" sz="9600" dirty="0" smtClean="0">
+              <a:rPr lang="en-US" sz="9600" dirty="0">
                 <a:solidFill>
                   <a:schemeClr val="accent4"/>
                 </a:solidFill>
@@ -28016,7 +27896,7 @@
               <a:t>o</a:t>
             </a:r>
             <a:r>
-              <a:rPr lang="en-US" sz="5400" dirty="0" smtClean="0">
+              <a:rPr lang="en-US" sz="5400" dirty="0">
                 <a:solidFill>
                   <a:schemeClr val="tx2"/>
                 </a:solidFill>
@@ -28024,12 +27904,6 @@
               </a:rPr>
               <a:t>vercome</a:t>
             </a:r>
-            <a:endParaRPr lang="en-US" sz="5400" dirty="0">
-              <a:solidFill>
-                <a:schemeClr val="tx2"/>
-              </a:solidFill>
-              <a:latin typeface="Yanone Kaffeesatz Regular" panose="02000000000000000000" pitchFamily="2" charset="0"/>
-            </a:endParaRPr>
           </a:p>
         </p:txBody>
       </p:sp>
@@ -28540,13 +28414,6 @@
   <p:clrMapOvr>
     <a:masterClrMapping/>
   </p:clrMapOvr>
-  <p:timing>
-    <p:tnLst>
-      <p:par>
-        <p:cTn id="1" dur="indefinite" restart="never" nodeType="tmRoot"/>
-      </p:par>
-    </p:tnLst>
-  </p:timing>
 </p:sld>
 </file>
 
@@ -28811,7 +28678,7 @@
                 <a:t>b</a:t>
               </a:r>
               <a:r>
-                <a:rPr lang="en-US" sz="5400" dirty="0" smtClean="0">
+                <a:rPr lang="en-US" sz="5400" dirty="0">
                   <a:solidFill>
                     <a:schemeClr val="tx2"/>
                   </a:solidFill>
@@ -28849,7 +28716,7 @@
             <a:lstStyle/>
             <a:p>
               <a:r>
-                <a:rPr lang="en-US" sz="9600" dirty="0" smtClean="0">
+                <a:rPr lang="en-US" sz="9600" dirty="0">
                   <a:solidFill>
                     <a:schemeClr val="accent4"/>
                   </a:solidFill>
@@ -28858,7 +28725,7 @@
                 <a:t>i</a:t>
               </a:r>
               <a:r>
-                <a:rPr lang="en-US" sz="5400" dirty="0" smtClean="0">
+                <a:rPr lang="en-US" sz="5400" dirty="0">
                   <a:solidFill>
                     <a:schemeClr val="tx2"/>
                   </a:solidFill>
@@ -28954,7 +28821,7 @@
             <a:lstStyle/>
             <a:p>
               <a:r>
-                <a:rPr lang="en-US" sz="9600" dirty="0" smtClean="0">
+                <a:rPr lang="en-US" sz="9600" dirty="0">
                   <a:solidFill>
                     <a:schemeClr val="tx2"/>
                   </a:solidFill>
@@ -28963,7 +28830,7 @@
                 <a:t>o</a:t>
               </a:r>
               <a:r>
-                <a:rPr lang="en-US" sz="5400" dirty="0" smtClean="0">
+                <a:rPr lang="en-US" sz="5400" dirty="0">
                   <a:solidFill>
                     <a:schemeClr val="tx2"/>
                   </a:solidFill>
@@ -28971,12 +28838,6 @@
                 </a:rPr>
                 <a:t>vercome</a:t>
               </a:r>
-              <a:endParaRPr lang="en-US" sz="5400" dirty="0">
-                <a:solidFill>
-                  <a:schemeClr val="tx2"/>
-                </a:solidFill>
-                <a:latin typeface="Yanone Kaffeesatz Regular" panose="02000000000000000000" pitchFamily="2" charset="0"/>
-              </a:endParaRPr>
             </a:p>
           </p:txBody>
         </p:sp>
@@ -28991,13 +28852,6 @@
   <p:clrMapOvr>
     <a:masterClrMapping/>
   </p:clrMapOvr>
-  <p:timing>
-    <p:tnLst>
-      <p:par>
-        <p:cTn id="1" dur="indefinite" restart="never" nodeType="tmRoot"/>
-      </p:par>
-    </p:tnLst>
-  </p:timing>
 </p:sld>
 </file>
 
@@ -31076,7 +30930,7 @@
                 <a:t>b</a:t>
               </a:r>
               <a:r>
-                <a:rPr lang="en-US" sz="5400" dirty="0" smtClean="0">
+                <a:rPr lang="en-US" sz="5400" dirty="0">
                   <a:solidFill>
                     <a:schemeClr val="tx2"/>
                   </a:solidFill>
@@ -31114,7 +30968,7 @@
             <a:lstStyle/>
             <a:p>
               <a:r>
-                <a:rPr lang="en-US" sz="9600" dirty="0" smtClean="0">
+                <a:rPr lang="en-US" sz="9600" dirty="0">
                   <a:solidFill>
                     <a:schemeClr val="tx2"/>
                   </a:solidFill>
@@ -31123,7 +30977,7 @@
                 <a:t>i</a:t>
               </a:r>
               <a:r>
-                <a:rPr lang="en-US" sz="5400" dirty="0" smtClean="0">
+                <a:rPr lang="en-US" sz="5400" dirty="0">
                   <a:solidFill>
                     <a:schemeClr val="tx2"/>
                   </a:solidFill>
@@ -31219,7 +31073,7 @@
             <a:lstStyle/>
             <a:p>
               <a:r>
-                <a:rPr lang="en-US" sz="9600" dirty="0" smtClean="0">
+                <a:rPr lang="en-US" sz="9600" dirty="0">
                   <a:solidFill>
                     <a:schemeClr val="tx2"/>
                   </a:solidFill>
@@ -31228,7 +31082,7 @@
                 <a:t>o</a:t>
               </a:r>
               <a:r>
-                <a:rPr lang="en-US" sz="5400" dirty="0" smtClean="0">
+                <a:rPr lang="en-US" sz="5400" dirty="0">
                   <a:solidFill>
                     <a:schemeClr val="tx2"/>
                   </a:solidFill>
@@ -31236,12 +31090,6 @@
                 </a:rPr>
                 <a:t>vercome</a:t>
               </a:r>
-              <a:endParaRPr lang="en-US" sz="5400" dirty="0">
-                <a:solidFill>
-                  <a:schemeClr val="tx2"/>
-                </a:solidFill>
-                <a:latin typeface="Yanone Kaffeesatz Regular" panose="02000000000000000000" pitchFamily="2" charset="0"/>
-              </a:endParaRPr>
             </a:p>
           </p:txBody>
         </p:sp>
@@ -31256,13 +31104,6 @@
   <p:clrMapOvr>
     <a:masterClrMapping/>
   </p:clrMapOvr>
-  <p:timing>
-    <p:tnLst>
-      <p:par>
-        <p:cTn id="1" dur="indefinite" restart="never" nodeType="tmRoot"/>
-      </p:par>
-    </p:tnLst>
-  </p:timing>
 </p:sld>
 </file>
 
@@ -31551,13 +31392,6 @@
   <p:clrMapOvr>
     <a:masterClrMapping/>
   </p:clrMapOvr>
-  <p:timing>
-    <p:tnLst>
-      <p:par>
-        <p:cTn id="1" dur="indefinite" restart="never" nodeType="tmRoot"/>
-      </p:par>
-    </p:tnLst>
-  </p:timing>
 </p:sld>
 </file>
 
@@ -31635,7 +31469,7 @@
           <a:lstStyle/>
           <a:p>
             <a:r>
-              <a:rPr lang="en-US" sz="3600" dirty="0" smtClean="0">
+              <a:rPr lang="en-US" sz="3600" dirty="0">
                 <a:solidFill>
                   <a:schemeClr val="tx2"/>
                 </a:solidFill>
@@ -31668,16 +31502,7 @@
                 </a:solidFill>
                 <a:latin typeface="Yanone Kaffeesatz Regular" panose="02000000000000000000" pitchFamily="2" charset="0"/>
               </a:rPr>
-              <a:t> the </a:t>
-            </a:r>
-            <a:r>
-              <a:rPr lang="en-US" sz="3600" dirty="0" smtClean="0">
-                <a:solidFill>
-                  <a:schemeClr val="accent4"/>
-                </a:solidFill>
-                <a:latin typeface="Yanone Kaffeesatz Regular" panose="02000000000000000000" pitchFamily="2" charset="0"/>
-              </a:rPr>
-              <a:t>future</a:t>
+              <a:t> the future</a:t>
             </a:r>
           </a:p>
           <a:p>
@@ -31690,7 +31515,7 @@
           </a:p>
           <a:p>
             <a:r>
-              <a:rPr lang="en-US" sz="3600" dirty="0" smtClean="0">
+              <a:rPr lang="en-US" sz="3600" dirty="0">
                 <a:solidFill>
                   <a:schemeClr val="tx2"/>
                 </a:solidFill>
@@ -31699,7 +31524,7 @@
               <a:t>How to </a:t>
             </a:r>
             <a:r>
-              <a:rPr lang="en-US" sz="3600" dirty="0" smtClean="0">
+              <a:rPr lang="en-US" sz="3600" dirty="0">
                 <a:solidFill>
                   <a:schemeClr val="accent4"/>
                 </a:solidFill>
@@ -31708,7 +31533,7 @@
               <a:t>gradually move</a:t>
             </a:r>
             <a:r>
-              <a:rPr lang="en-US" sz="3600" dirty="0" smtClean="0">
+              <a:rPr lang="en-US" sz="3600" dirty="0">
                 <a:solidFill>
                   <a:schemeClr val="tx2"/>
                 </a:solidFill>
@@ -31719,7 +31544,7 @@
           </a:p>
           <a:p>
             <a:r>
-              <a:rPr lang="en-US" sz="3600" dirty="0" smtClean="0">
+              <a:rPr lang="en-US" sz="3600" dirty="0">
                 <a:solidFill>
                   <a:schemeClr val="tx2"/>
                 </a:solidFill>
@@ -31728,7 +31553,7 @@
               <a:t>code towards </a:t>
             </a:r>
             <a:r>
-              <a:rPr lang="en-US" sz="3600" dirty="0" err="1" smtClean="0">
+              <a:rPr lang="en-US" sz="3600" dirty="0" err="1">
                 <a:solidFill>
                   <a:schemeClr val="tx2"/>
                 </a:solidFill>
@@ -31737,7 +31562,7 @@
               <a:t>async</a:t>
             </a:r>
             <a:r>
-              <a:rPr lang="en-US" sz="3600" dirty="0" smtClean="0">
+              <a:rPr lang="en-US" sz="3600" dirty="0">
                 <a:solidFill>
                   <a:schemeClr val="tx2"/>
                 </a:solidFill>
@@ -31756,7 +31581,7 @@
           </a:p>
           <a:p>
             <a:r>
-              <a:rPr lang="en-US" sz="3600" dirty="0" smtClean="0">
+              <a:rPr lang="en-US" sz="3600" dirty="0">
                 <a:solidFill>
                   <a:schemeClr val="tx2"/>
                 </a:solidFill>
@@ -31765,7 +31590,7 @@
               <a:t>The </a:t>
             </a:r>
             <a:r>
-              <a:rPr lang="en-US" sz="3600" dirty="0" err="1" smtClean="0">
+              <a:rPr lang="en-US" sz="3600" dirty="0" err="1">
                 <a:solidFill>
                   <a:schemeClr val="tx2"/>
                 </a:solidFill>
@@ -31774,7 +31599,7 @@
               <a:t>toolbelt</a:t>
             </a:r>
             <a:r>
-              <a:rPr lang="en-US" sz="3600" dirty="0" smtClean="0">
+              <a:rPr lang="en-US" sz="3600" dirty="0">
                 <a:solidFill>
                   <a:schemeClr val="tx2"/>
                 </a:solidFill>
@@ -31783,7 +31608,7 @@
               <a:t> for an </a:t>
             </a:r>
             <a:r>
-              <a:rPr lang="en-US" sz="3600" dirty="0" err="1" smtClean="0">
+              <a:rPr lang="en-US" sz="3600" dirty="0" err="1">
                 <a:solidFill>
                   <a:schemeClr val="accent4"/>
                 </a:solidFill>
@@ -31792,7 +31617,7 @@
               <a:t>async</a:t>
             </a:r>
             <a:r>
-              <a:rPr lang="en-US" sz="3600" dirty="0" smtClean="0">
+              <a:rPr lang="en-US" sz="3600" dirty="0">
                 <a:solidFill>
                   <a:schemeClr val="accent4"/>
                 </a:solidFill>
@@ -31800,12 +31625,6 @@
               </a:rPr>
               <a:t> ninja</a:t>
             </a:r>
-            <a:endParaRPr lang="en-US" sz="3600" dirty="0">
-              <a:solidFill>
-                <a:schemeClr val="accent4"/>
-              </a:solidFill>
-              <a:latin typeface="Yanone Kaffeesatz Regular" panose="02000000000000000000" pitchFamily="2" charset="0"/>
-            </a:endParaRPr>
           </a:p>
         </p:txBody>
       </p:sp>
@@ -31853,13 +31672,6 @@
   <p:clrMapOvr>
     <a:masterClrMapping/>
   </p:clrMapOvr>
-  <p:timing>
-    <p:tnLst>
-      <p:par>
-        <p:cTn id="1" dur="indefinite" restart="never" nodeType="tmRoot"/>
-      </p:par>
-    </p:tnLst>
-  </p:timing>
 </p:sld>
 </file>
 
@@ -32425,13 +32237,6 @@
   <p:clrMapOvr>
     <a:masterClrMapping/>
   </p:clrMapOvr>
-  <p:timing>
-    <p:tnLst>
-      <p:par>
-        <p:cTn id="1" dur="indefinite" restart="never" nodeType="tmRoot"/>
-      </p:par>
-    </p:tnLst>
-  </p:timing>
 </p:sld>
 </file>
 
@@ -33007,13 +32812,6 @@
   <p:clrMapOvr>
     <a:masterClrMapping/>
   </p:clrMapOvr>
-  <p:timing>
-    <p:tnLst>
-      <p:par>
-        <p:cTn id="1" dur="indefinite" restart="never" nodeType="tmRoot"/>
-      </p:par>
-    </p:tnLst>
-  </p:timing>
 </p:sld>
 </file>
 
@@ -33329,13 +33127,6 @@
   <p:clrMapOvr>
     <a:masterClrMapping/>
   </p:clrMapOvr>
-  <p:timing>
-    <p:tnLst>
-      <p:par>
-        <p:cTn id="1" dur="indefinite" restart="never" nodeType="tmRoot"/>
-      </p:par>
-    </p:tnLst>
-  </p:timing>
 </p:sld>
 </file>
 
@@ -33378,7 +33169,7 @@
           <a:lstStyle/>
           <a:p>
             <a:r>
-              <a:rPr lang="en-US" sz="8800" dirty="0" smtClean="0">
+              <a:rPr lang="en-US" sz="8800" dirty="0">
                 <a:solidFill>
                   <a:schemeClr val="accent2"/>
                 </a:solidFill>
@@ -33400,13 +33191,6 @@
   <p:clrMapOvr>
     <a:masterClrMapping/>
   </p:clrMapOvr>
-  <p:timing>
-    <p:tnLst>
-      <p:par>
-        <p:cTn id="1" dur="indefinite" restart="never" nodeType="tmRoot"/>
-      </p:par>
-    </p:tnLst>
-  </p:timing>
 </p:sld>
 </file>
 
@@ -33860,13 +33644,6 @@
   <p:clrMapOvr>
     <a:masterClrMapping/>
   </p:clrMapOvr>
-  <p:timing>
-    <p:tnLst>
-      <p:par>
-        <p:cTn id="1" dur="indefinite" restart="never" nodeType="tmRoot"/>
-      </p:par>
-    </p:tnLst>
-  </p:timing>
 </p:sld>
 </file>
 
@@ -33909,7 +33686,7 @@
           <a:lstStyle/>
           <a:p>
             <a:r>
-              <a:rPr lang="en-US" sz="8800" dirty="0" err="1" smtClean="0">
+              <a:rPr lang="en-US" sz="8800" dirty="0" err="1">
                 <a:solidFill>
                   <a:schemeClr val="accent2"/>
                 </a:solidFill>
@@ -33931,13 +33708,6 @@
   <p:clrMapOvr>
     <a:masterClrMapping/>
   </p:clrMapOvr>
-  <p:timing>
-    <p:tnLst>
-      <p:par>
-        <p:cTn id="1" dur="indefinite" restart="never" nodeType="tmRoot"/>
-      </p:par>
-    </p:tnLst>
-  </p:timing>
 </p:sld>
 </file>
 
@@ -33980,7 +33750,7 @@
           <a:lstStyle/>
           <a:p>
             <a:r>
-              <a:rPr lang="en-US" sz="3300" dirty="0" err="1" smtClean="0">
+              <a:rPr lang="en-US" sz="3300" dirty="0" err="1">
                 <a:solidFill>
                   <a:schemeClr val="tx2"/>
                 </a:solidFill>
@@ -33989,7 +33759,7 @@
               <a:t>var</a:t>
             </a:r>
             <a:r>
-              <a:rPr lang="en-US" sz="3300" dirty="0" smtClean="0">
+              <a:rPr lang="en-US" sz="3300" dirty="0">
                 <a:solidFill>
                   <a:schemeClr val="tx2"/>
                 </a:solidFill>
@@ -34088,19 +33858,10 @@
                 </a:solidFill>
                 <a:latin typeface="Yanone Kaffeesatz Regular" panose="02000000000000000000" pitchFamily="2" charset="0"/>
               </a:rPr>
-              <a:t> </a:t>
-            </a:r>
-            <a:r>
-              <a:rPr lang="en-US" sz="3300" dirty="0" smtClean="0">
-                <a:solidFill>
-                  <a:schemeClr val="tx2"/>
-                </a:solidFill>
-                <a:latin typeface="Yanone Kaffeesatz Regular" panose="02000000000000000000" pitchFamily="2" charset="0"/>
-              </a:rPr>
-              <a:t>   </a:t>
-            </a:r>
-            <a:r>
-              <a:rPr lang="en-US" sz="3300" dirty="0" err="1" smtClean="0">
+              <a:t>    </a:t>
+            </a:r>
+            <a:r>
+              <a:rPr lang="en-US" sz="3300" dirty="0" err="1">
                 <a:solidFill>
                   <a:schemeClr val="accent4"/>
                 </a:solidFill>
@@ -34120,7 +33881,7 @@
           </a:p>
           <a:p>
             <a:r>
-              <a:rPr lang="en-US" sz="3300" dirty="0" smtClean="0">
+              <a:rPr lang="en-US" sz="3300" dirty="0">
                 <a:solidFill>
                   <a:schemeClr val="tx2"/>
                 </a:solidFill>
@@ -34128,12 +33889,6 @@
               </a:rPr>
               <a:t>});</a:t>
             </a:r>
-            <a:endParaRPr lang="en-US" sz="3300" dirty="0">
-              <a:solidFill>
-                <a:schemeClr val="tx2"/>
-              </a:solidFill>
-              <a:latin typeface="Yanone Kaffeesatz Regular" panose="02000000000000000000" pitchFamily="2" charset="0"/>
-            </a:endParaRPr>
           </a:p>
           <a:p>
             <a:endParaRPr lang="en-US" sz="3300" dirty="0">
@@ -34440,13 +34195,6 @@
   <p:clrMapOvr>
     <a:masterClrMapping/>
   </p:clrMapOvr>
-  <p:timing>
-    <p:tnLst>
-      <p:par>
-        <p:cTn id="1" dur="indefinite" restart="never" nodeType="tmRoot"/>
-      </p:par>
-    </p:tnLst>
-  </p:timing>
 </p:sld>
 </file>
 
@@ -34749,13 +34497,6 @@
   <p:clrMapOvr>
     <a:masterClrMapping/>
   </p:clrMapOvr>
-  <p:timing>
-    <p:tnLst>
-      <p:par>
-        <p:cTn id="1" dur="indefinite" restart="never" nodeType="tmRoot"/>
-      </p:par>
-    </p:tnLst>
-  </p:timing>
 </p:sld>
 </file>
 
@@ -34798,7 +34539,7 @@
           <a:lstStyle/>
           <a:p>
             <a:r>
-              <a:rPr lang="en-US" sz="8800" dirty="0" smtClean="0">
+              <a:rPr lang="en-US" sz="8800" dirty="0">
                 <a:solidFill>
                   <a:schemeClr val="accent2"/>
                 </a:solidFill>
@@ -34820,13 +34561,6 @@
   <p:clrMapOvr>
     <a:masterClrMapping/>
   </p:clrMapOvr>
-  <p:timing>
-    <p:tnLst>
-      <p:par>
-        <p:cTn id="1" dur="indefinite" restart="never" nodeType="tmRoot"/>
-      </p:par>
-    </p:tnLst>
-  </p:timing>
 </p:sld>
 </file>
 
@@ -35207,13 +34941,6 @@
   <p:clrMapOvr>
     <a:masterClrMapping/>
   </p:clrMapOvr>
-  <p:timing>
-    <p:tnLst>
-      <p:par>
-        <p:cTn id="1" dur="indefinite" restart="never" nodeType="tmRoot"/>
-      </p:par>
-    </p:tnLst>
-  </p:timing>
 </p:sld>
 </file>
 
@@ -35279,13 +35006,6 @@
   <p:clrMapOvr>
     <a:masterClrMapping/>
   </p:clrMapOvr>
-  <p:timing>
-    <p:tnLst>
-      <p:par>
-        <p:cTn id="1" dur="indefinite" restart="never" nodeType="tmRoot"/>
-      </p:par>
-    </p:tnLst>
-  </p:timing>
 </p:sld>
 </file>
 
@@ -35328,7 +35048,7 @@
           <a:lstStyle/>
           <a:p>
             <a:r>
-              <a:rPr lang="en-US" sz="8800" dirty="0" smtClean="0">
+              <a:rPr lang="en-US" sz="8800" dirty="0">
                 <a:solidFill>
                   <a:schemeClr val="accent2"/>
                 </a:solidFill>
@@ -35350,13 +35070,6 @@
   <p:clrMapOvr>
     <a:masterClrMapping/>
   </p:clrMapOvr>
-  <p:timing>
-    <p:tnLst>
-      <p:par>
-        <p:cTn id="1" dur="indefinite" restart="never" nodeType="tmRoot"/>
-      </p:par>
-    </p:tnLst>
-  </p:timing>
 </p:sld>
 </file>
 
@@ -35900,13 +35613,6 @@
   <p:clrMapOvr>
     <a:masterClrMapping/>
   </p:clrMapOvr>
-  <p:timing>
-    <p:tnLst>
-      <p:par>
-        <p:cTn id="1" dur="indefinite" restart="never" nodeType="tmRoot"/>
-      </p:par>
-    </p:tnLst>
-  </p:timing>
 </p:sld>
 </file>
 
@@ -35949,7 +35655,7 @@
           <a:lstStyle/>
           <a:p>
             <a:r>
-              <a:rPr lang="en-US" sz="8800" dirty="0" smtClean="0">
+              <a:rPr lang="en-US" sz="8800" dirty="0">
                 <a:solidFill>
                   <a:schemeClr val="accent2"/>
                 </a:solidFill>
@@ -35971,13 +35677,6 @@
   <p:clrMapOvr>
     <a:masterClrMapping/>
   </p:clrMapOvr>
-  <p:timing>
-    <p:tnLst>
-      <p:par>
-        <p:cTn id="1" dur="indefinite" restart="never" nodeType="tmRoot"/>
-      </p:par>
-    </p:tnLst>
-  </p:timing>
 </p:sld>
 </file>
 
@@ -36401,13 +36100,6 @@
   <p:clrMapOvr>
     <a:masterClrMapping/>
   </p:clrMapOvr>
-  <p:timing>
-    <p:tnLst>
-      <p:par>
-        <p:cTn id="1" dur="indefinite" restart="never" nodeType="tmRoot"/>
-      </p:par>
-    </p:tnLst>
-  </p:timing>
 </p:sld>
 </file>
 
@@ -36450,7 +36142,7 @@
           <a:lstStyle/>
           <a:p>
             <a:r>
-              <a:rPr lang="en-US" sz="2800" dirty="0" err="1" smtClean="0">
+              <a:rPr lang="en-US" sz="2800" dirty="0" err="1">
                 <a:solidFill>
                   <a:schemeClr val="accent3"/>
                 </a:solidFill>
@@ -36459,22 +36151,13 @@
               <a:t>var</a:t>
             </a:r>
             <a:r>
-              <a:rPr lang="en-US" sz="2800" dirty="0" smtClean="0">
+              <a:rPr lang="en-US" sz="2800" dirty="0">
                 <a:solidFill>
                   <a:schemeClr val="accent3"/>
                 </a:solidFill>
                 <a:latin typeface="Yanone Kaffeesatz Regular" panose="02000000000000000000" pitchFamily="2" charset="0"/>
               </a:rPr>
-              <a:t> </a:t>
-            </a:r>
-            <a:r>
-              <a:rPr lang="en-US" sz="2800" dirty="0">
-                <a:solidFill>
-                  <a:schemeClr val="accent3"/>
-                </a:solidFill>
-                <a:latin typeface="Yanone Kaffeesatz Regular" panose="02000000000000000000" pitchFamily="2" charset="0"/>
-              </a:rPr>
-              <a:t>instance = new </a:t>
+              <a:t> instance = new </a:t>
             </a:r>
             <a:r>
               <a:rPr lang="en-US" sz="2800" dirty="0" err="1">
@@ -36938,13 +36621,6 @@
   <p:clrMapOvr>
     <a:masterClrMapping/>
   </p:clrMapOvr>
-  <p:timing>
-    <p:tnLst>
-      <p:par>
-        <p:cTn id="1" dur="indefinite" restart="never" nodeType="tmRoot"/>
-      </p:par>
-    </p:tnLst>
-  </p:timing>
 </p:sld>
 </file>
 
@@ -37122,13 +36798,6 @@
   <p:clrMapOvr>
     <a:masterClrMapping/>
   </p:clrMapOvr>
-  <p:timing>
-    <p:tnLst>
-      <p:par>
-        <p:cTn id="1" dur="indefinite" restart="never" nodeType="tmRoot"/>
-      </p:par>
-    </p:tnLst>
-  </p:timing>
 </p:sld>
 </file>
 
@@ -37279,13 +36948,6 @@
   <p:clrMapOvr>
     <a:masterClrMapping/>
   </p:clrMapOvr>
-  <p:timing>
-    <p:tnLst>
-      <p:par>
-        <p:cTn id="1" dur="indefinite" restart="never" nodeType="tmRoot"/>
-      </p:par>
-    </p:tnLst>
-  </p:timing>
 </p:sld>
 </file>
 
@@ -37550,7 +37212,7 @@
                 <a:t>b</a:t>
               </a:r>
               <a:r>
-                <a:rPr lang="en-US" sz="5400" dirty="0" smtClean="0">
+                <a:rPr lang="en-US" sz="5400" dirty="0">
                   <a:solidFill>
                     <a:schemeClr val="tx2"/>
                   </a:solidFill>
@@ -37588,7 +37250,7 @@
             <a:lstStyle/>
             <a:p>
               <a:r>
-                <a:rPr lang="en-US" sz="9600" dirty="0" smtClean="0">
+                <a:rPr lang="en-US" sz="9600" dirty="0">
                   <a:solidFill>
                     <a:schemeClr val="tx2"/>
                   </a:solidFill>
@@ -37597,7 +37259,7 @@
                 <a:t>i</a:t>
               </a:r>
               <a:r>
-                <a:rPr lang="en-US" sz="5400" dirty="0" smtClean="0">
+                <a:rPr lang="en-US" sz="5400" dirty="0">
                   <a:solidFill>
                     <a:schemeClr val="tx2"/>
                   </a:solidFill>
@@ -37693,7 +37355,7 @@
             <a:lstStyle/>
             <a:p>
               <a:r>
-                <a:rPr lang="en-US" sz="9600" dirty="0" smtClean="0">
+                <a:rPr lang="en-US" sz="9600" dirty="0">
                   <a:solidFill>
                     <a:schemeClr val="accent4"/>
                   </a:solidFill>
@@ -37702,7 +37364,7 @@
                 <a:t>o</a:t>
               </a:r>
               <a:r>
-                <a:rPr lang="en-US" sz="5400" dirty="0" smtClean="0">
+                <a:rPr lang="en-US" sz="5400" dirty="0">
                   <a:solidFill>
                     <a:schemeClr val="tx2"/>
                   </a:solidFill>
@@ -37710,12 +37372,6 @@
                 </a:rPr>
                 <a:t>vercome</a:t>
               </a:r>
-              <a:endParaRPr lang="en-US" sz="5400" dirty="0">
-                <a:solidFill>
-                  <a:schemeClr val="tx2"/>
-                </a:solidFill>
-                <a:latin typeface="Yanone Kaffeesatz Regular" panose="02000000000000000000" pitchFamily="2" charset="0"/>
-              </a:endParaRPr>
             </a:p>
           </p:txBody>
         </p:sp>
@@ -37730,13 +37386,6 @@
   <p:clrMapOvr>
     <a:masterClrMapping/>
   </p:clrMapOvr>
-  <p:timing>
-    <p:tnLst>
-      <p:par>
-        <p:cTn id="1" dur="indefinite" restart="never" nodeType="tmRoot"/>
-      </p:par>
-    </p:tnLst>
-  </p:timing>
 </p:sld>
 </file>
 
@@ -37779,7 +37428,7 @@
           <a:lstStyle/>
           <a:p>
             <a:r>
-              <a:rPr lang="en-US" sz="8800" dirty="0" smtClean="0">
+              <a:rPr lang="en-US" sz="8800" dirty="0">
                 <a:solidFill>
                   <a:schemeClr val="accent2"/>
                 </a:solidFill>
@@ -37801,13 +37450,6 @@
   <p:clrMapOvr>
     <a:masterClrMapping/>
   </p:clrMapOvr>
-  <p:timing>
-    <p:tnLst>
-      <p:par>
-        <p:cTn id="1" dur="indefinite" restart="never" nodeType="tmRoot"/>
-      </p:par>
-    </p:tnLst>
-  </p:timing>
 </p:sld>
 </file>
 
@@ -38060,21 +37702,14 @@
   <p:clrMapOvr>
     <a:masterClrMapping/>
   </p:clrMapOvr>
-  <mc:AlternateContent xmlns:mc="http://schemas.openxmlformats.org/markup-compatibility/2006">
-    <mc:Choice xmlns:p14="http://schemas.microsoft.com/office/powerpoint/2010/main" Requires="p14">
+  <mc:AlternateContent xmlns:mc="http://schemas.openxmlformats.org/markup-compatibility/2006" xmlns:p14="http://schemas.microsoft.com/office/powerpoint/2010/main">
+    <mc:Choice Requires="p14">
       <p:transition p14:dur="0" advClick="0" advTm="5000"/>
     </mc:Choice>
-    <mc:Fallback>
+    <mc:Fallback xmlns="">
       <p:transition advClick="0" advTm="5000"/>
     </mc:Fallback>
   </mc:AlternateContent>
-  <p:timing>
-    <p:tnLst>
-      <p:par>
-        <p:cTn id="1" dur="indefinite" restart="never" nodeType="tmRoot"/>
-      </p:par>
-    </p:tnLst>
-  </p:timing>
 </p:sld>
 </file>
 
@@ -38127,13 +37762,6 @@
   <p:clrMapOvr>
     <a:masterClrMapping/>
   </p:clrMapOvr>
-  <p:timing>
-    <p:tnLst>
-      <p:par>
-        <p:cTn id="1" dur="indefinite" restart="never" nodeType="tmRoot"/>
-      </p:par>
-    </p:tnLst>
-  </p:timing>
 </p:sld>
 </file>
 
@@ -38471,19 +38099,10 @@
                 </a:solidFill>
                 <a:latin typeface="Yanone Kaffeesatz Regular" panose="02000000000000000000" pitchFamily="2" charset="0"/>
               </a:rPr>
-              <a:t> </a:t>
-            </a:r>
-            <a:r>
-              <a:rPr lang="de-CH" sz="3300" dirty="0" smtClean="0">
-                <a:solidFill>
-                  <a:schemeClr val="accent4"/>
-                </a:solidFill>
-                <a:latin typeface="Yanone Kaffeesatz Regular" panose="02000000000000000000" pitchFamily="2" charset="0"/>
-              </a:rPr>
-              <a:t>Task </a:t>
-            </a:r>
-            <a:r>
-              <a:rPr lang="de-CH" sz="3300" dirty="0" err="1" smtClean="0">
+              <a:t> Task </a:t>
+            </a:r>
+            <a:r>
+              <a:rPr lang="de-CH" sz="3300" dirty="0" err="1">
                 <a:solidFill>
                   <a:schemeClr val="tx2"/>
                 </a:solidFill>
@@ -38492,7 +38111,7 @@
               <a:t>MyEventHandler</a:t>
             </a:r>
             <a:r>
-              <a:rPr lang="de-CH" sz="3300" dirty="0" smtClean="0">
+              <a:rPr lang="de-CH" sz="3300" dirty="0">
                 <a:solidFill>
                   <a:schemeClr val="tx2"/>
                 </a:solidFill>
@@ -38501,7 +38120,7 @@
               <a:t>(</a:t>
             </a:r>
             <a:r>
-              <a:rPr lang="de-CH" sz="3300" dirty="0" err="1" smtClean="0">
+              <a:rPr lang="de-CH" sz="3300" dirty="0" err="1">
                 <a:solidFill>
                   <a:schemeClr val="tx2"/>
                 </a:solidFill>
@@ -38510,22 +38129,13 @@
               <a:t>object</a:t>
             </a:r>
             <a:r>
-              <a:rPr lang="de-CH" sz="3300" dirty="0" smtClean="0">
-                <a:solidFill>
-                  <a:schemeClr val="tx2"/>
-                </a:solidFill>
-                <a:latin typeface="Yanone Kaffeesatz Regular" panose="02000000000000000000" pitchFamily="2" charset="0"/>
-              </a:rPr>
-              <a:t> </a:t>
-            </a:r>
-            <a:r>
               <a:rPr lang="de-CH" sz="3300" dirty="0">
                 <a:solidFill>
                   <a:schemeClr val="tx2"/>
                 </a:solidFill>
                 <a:latin typeface="Yanone Kaffeesatz Regular" panose="02000000000000000000" pitchFamily="2" charset="0"/>
               </a:rPr>
-              <a:t>sender, EventArgs e)</a:t>
+              <a:t> sender, EventArgs e)</a:t>
             </a:r>
           </a:p>
           <a:p>
@@ -38602,25 +38212,18 @@
   <p:clrMapOvr>
     <a:masterClrMapping/>
   </p:clrMapOvr>
-  <mc:AlternateContent xmlns:mc="http://schemas.openxmlformats.org/markup-compatibility/2006">
-    <mc:Choice xmlns:p15="http://schemas.microsoft.com/office/powerpoint/2012/main" Requires="p15">
+  <mc:AlternateContent xmlns:mc="http://schemas.openxmlformats.org/markup-compatibility/2006" xmlns:p15="http://schemas.microsoft.com/office/powerpoint/2012/main">
+    <mc:Choice Requires="p15">
       <p:transition xmlns:p14="http://schemas.microsoft.com/office/powerpoint/2010/main" spd="slow" p14:dur="2000" advClick="0">
         <p15:prstTrans prst="crush"/>
       </p:transition>
     </mc:Choice>
-    <mc:Fallback>
+    <mc:Fallback xmlns="">
       <p:transition spd="slow" advClick="0">
         <p:fade/>
       </p:transition>
     </mc:Fallback>
   </mc:AlternateContent>
-  <p:timing>
-    <p:tnLst>
-      <p:par>
-        <p:cTn id="1" dur="indefinite" restart="never" nodeType="tmRoot"/>
-      </p:par>
-    </p:tnLst>
-  </p:timing>
 </p:sld>
 </file>
 
@@ -38758,7 +38361,7 @@
           <a:lstStyle/>
           <a:p>
             <a:r>
-              <a:rPr lang="de-CH" sz="2800" dirty="0" err="1" smtClean="0">
+              <a:rPr lang="de-CH" sz="2800" dirty="0" err="1">
                 <a:solidFill>
                   <a:schemeClr val="tx2"/>
                 </a:solidFill>
@@ -38767,31 +38370,13 @@
               <a:t>protected</a:t>
             </a:r>
             <a:r>
-              <a:rPr lang="de-CH" sz="2800" dirty="0" smtClean="0">
-                <a:solidFill>
-                  <a:schemeClr val="tx2"/>
-                </a:solidFill>
-                <a:latin typeface="Yanone Kaffeesatz Regular" panose="02000000000000000000" pitchFamily="2" charset="0"/>
-              </a:rPr>
-              <a:t> </a:t>
-            </a:r>
-            <a:r>
               <a:rPr lang="de-CH" sz="2800" dirty="0">
                 <a:solidFill>
                   <a:schemeClr val="tx2"/>
                 </a:solidFill>
                 <a:latin typeface="Yanone Kaffeesatz Regular" panose="02000000000000000000" pitchFamily="2" charset="0"/>
               </a:rPr>
-              <a:t>virtual Task OnMyAsyncEvent() </a:t>
-            </a:r>
-            <a:r>
-              <a:rPr lang="de-CH" sz="2800" dirty="0" smtClean="0">
-                <a:solidFill>
-                  <a:schemeClr val="tx2"/>
-                </a:solidFill>
-                <a:latin typeface="Yanone Kaffeesatz Regular" panose="02000000000000000000" pitchFamily="2" charset="0"/>
-              </a:rPr>
-              <a:t>{</a:t>
+              <a:t> virtual Task OnMyAsyncEvent() {</a:t>
             </a:r>
             <a:endParaRPr lang="de-CH" sz="2800" dirty="0">
               <a:solidFill>
@@ -38831,7 +38416,7 @@
               <a:t>invocationList.Length</a:t>
             </a:r>
             <a:r>
-              <a:rPr lang="de-CH" sz="2800" dirty="0" smtClean="0">
+              <a:rPr lang="de-CH" sz="2800" dirty="0">
                 <a:solidFill>
                   <a:schemeClr val="accent3"/>
                 </a:solidFill>
@@ -38841,7 +38426,7 @@
             </a:r>
           </a:p>
           <a:p>
-            <a:endParaRPr lang="de-CH" sz="2800" dirty="0" smtClean="0">
+            <a:endParaRPr lang="de-CH" sz="2800" dirty="0">
               <a:solidFill>
                 <a:schemeClr val="tx2"/>
               </a:solidFill>
@@ -38850,22 +38435,13 @@
           </a:p>
           <a:p>
             <a:r>
-              <a:rPr lang="de-CH" sz="2800" dirty="0" smtClean="0">
+              <a:rPr lang="de-CH" sz="2800" dirty="0">
                 <a:solidFill>
                   <a:schemeClr val="accent3"/>
                 </a:solidFill>
                 <a:latin typeface="Yanone Kaffeesatz Regular" panose="02000000000000000000" pitchFamily="2" charset="0"/>
               </a:rPr>
-              <a:t>   </a:t>
-            </a:r>
-            <a:r>
-              <a:rPr lang="de-CH" sz="2800" dirty="0">
-                <a:solidFill>
-                  <a:schemeClr val="accent3"/>
-                </a:solidFill>
-                <a:latin typeface="Yanone Kaffeesatz Regular" panose="02000000000000000000" pitchFamily="2" charset="0"/>
-              </a:rPr>
-              <a:t>for (int i = 0; i &lt; invocations.Length; i++) {</a:t>
+              <a:t>   for (int i = 0; i &lt; invocations.Length; i++) {</a:t>
             </a:r>
           </a:p>
           <a:p>
@@ -38976,13 +38552,6 @@
   <p:clrMapOvr>
     <a:masterClrMapping/>
   </p:clrMapOvr>
-  <p:timing>
-    <p:tnLst>
-      <p:par>
-        <p:cTn id="1" dur="indefinite" restart="never" nodeType="tmRoot"/>
-      </p:par>
-    </p:tnLst>
-  </p:timing>
 </p:sld>
 </file>
 
@@ -39025,7 +38594,7 @@
           <a:lstStyle/>
           <a:p>
             <a:r>
-              <a:rPr lang="en-US" sz="8800" dirty="0" err="1" smtClean="0">
+              <a:rPr lang="en-US" sz="8800" dirty="0" err="1">
                 <a:solidFill>
                   <a:schemeClr val="accent2"/>
                 </a:solidFill>
@@ -39047,13 +38616,6 @@
   <p:clrMapOvr>
     <a:masterClrMapping/>
   </p:clrMapOvr>
-  <p:timing>
-    <p:tnLst>
-      <p:par>
-        <p:cTn id="1" dur="indefinite" restart="never" nodeType="tmRoot"/>
-      </p:par>
-    </p:tnLst>
-  </p:timing>
 </p:sld>
 </file>
 
@@ -39096,7 +38658,7 @@
           <a:lstStyle/>
           <a:p>
             <a:r>
-              <a:rPr lang="en-US" sz="3300" dirty="0" err="1" smtClean="0">
+              <a:rPr lang="en-US" sz="3300" dirty="0" err="1">
                 <a:solidFill>
                   <a:schemeClr val="tx2"/>
                 </a:solidFill>
@@ -39105,7 +38667,7 @@
               <a:t>var</a:t>
             </a:r>
             <a:r>
-              <a:rPr lang="en-US" sz="3300" dirty="0" smtClean="0">
+              <a:rPr lang="en-US" sz="3300" dirty="0">
                 <a:solidFill>
                   <a:schemeClr val="tx2"/>
                 </a:solidFill>
@@ -39204,19 +38766,10 @@
                 </a:solidFill>
                 <a:latin typeface="Yanone Kaffeesatz Regular" panose="02000000000000000000" pitchFamily="2" charset="0"/>
               </a:rPr>
-              <a:t> </a:t>
-            </a:r>
-            <a:r>
-              <a:rPr lang="en-US" sz="3300" dirty="0" smtClean="0">
-                <a:solidFill>
-                  <a:schemeClr val="tx2"/>
-                </a:solidFill>
-                <a:latin typeface="Yanone Kaffeesatz Regular" panose="02000000000000000000" pitchFamily="2" charset="0"/>
-              </a:rPr>
-              <a:t>   </a:t>
-            </a:r>
-            <a:r>
-              <a:rPr lang="en-US" sz="3300" dirty="0" err="1" smtClean="0">
+              <a:t>    </a:t>
+            </a:r>
+            <a:r>
+              <a:rPr lang="en-US" sz="3300" dirty="0" err="1">
                 <a:solidFill>
                   <a:schemeClr val="tx2"/>
                 </a:solidFill>
@@ -39236,7 +38789,7 @@
           </a:p>
           <a:p>
             <a:r>
-              <a:rPr lang="en-US" sz="3300" dirty="0" smtClean="0">
+              <a:rPr lang="en-US" sz="3300" dirty="0">
                 <a:solidFill>
                   <a:schemeClr val="tx2"/>
                 </a:solidFill>
@@ -39244,12 +38797,6 @@
               </a:rPr>
               <a:t>});</a:t>
             </a:r>
-            <a:endParaRPr lang="en-US" sz="3300" dirty="0">
-              <a:solidFill>
-                <a:schemeClr val="tx2"/>
-              </a:solidFill>
-              <a:latin typeface="Yanone Kaffeesatz Regular" panose="02000000000000000000" pitchFamily="2" charset="0"/>
-            </a:endParaRPr>
           </a:p>
           <a:p>
             <a:endParaRPr lang="en-US" sz="3300" dirty="0">
@@ -39421,21 +38968,14 @@
   <p:clrMapOvr>
     <a:masterClrMapping/>
   </p:clrMapOvr>
-  <mc:AlternateContent xmlns:mc="http://schemas.openxmlformats.org/markup-compatibility/2006">
-    <mc:Choice xmlns:p14="http://schemas.microsoft.com/office/powerpoint/2010/main" Requires="p14">
+  <mc:AlternateContent xmlns:mc="http://schemas.openxmlformats.org/markup-compatibility/2006" xmlns:p14="http://schemas.microsoft.com/office/powerpoint/2010/main">
+    <mc:Choice Requires="p14">
       <p:transition spd="slow" p14:dur="2000" advClick="0" advTm="5000"/>
     </mc:Choice>
-    <mc:Fallback>
+    <mc:Fallback xmlns="">
       <p:transition spd="slow" advClick="0" advTm="5000"/>
     </mc:Fallback>
   </mc:AlternateContent>
-  <p:timing>
-    <p:tnLst>
-      <p:par>
-        <p:cTn id="1" dur="indefinite" restart="never" nodeType="tmRoot"/>
-      </p:par>
-    </p:tnLst>
-  </p:timing>
 </p:sld>
 </file>
 
@@ -39566,19 +39106,10 @@
                 </a:solidFill>
                 <a:latin typeface="Yanone Kaffeesatz Regular" panose="02000000000000000000" pitchFamily="2" charset="0"/>
               </a:rPr>
-              <a:t> t1 = </a:t>
-            </a:r>
-            <a:r>
-              <a:rPr lang="en-US" sz="3300" dirty="0" smtClean="0">
-                <a:solidFill>
-                  <a:schemeClr val="tx2"/>
-                </a:solidFill>
-                <a:latin typeface="Yanone Kaffeesatz Regular" panose="02000000000000000000" pitchFamily="2" charset="0"/>
-              </a:rPr>
-              <a:t>((</a:t>
-            </a:r>
-            <a:r>
-              <a:rPr lang="en-US" sz="3300" dirty="0" err="1" smtClean="0">
+              <a:t> t1 = ((</a:t>
+            </a:r>
+            <a:r>
+              <a:rPr lang="en-US" sz="3300" dirty="0" err="1">
                 <a:solidFill>
                   <a:schemeClr val="tx2"/>
                 </a:solidFill>
@@ -39587,7 +39118,7 @@
               <a:t>Func</a:t>
             </a:r>
             <a:r>
-              <a:rPr lang="en-US" sz="3300" dirty="0" smtClean="0">
+              <a:rPr lang="en-US" sz="3300" dirty="0">
                 <a:solidFill>
                   <a:schemeClr val="tx2"/>
                 </a:solidFill>
@@ -39596,7 +39127,7 @@
               <a:t>&lt;Task&gt;)(</a:t>
             </a:r>
             <a:r>
-              <a:rPr lang="en-US" sz="3300" dirty="0" err="1" smtClean="0">
+              <a:rPr lang="en-US" sz="3300" dirty="0" err="1">
                 <a:solidFill>
                   <a:schemeClr val="tx2"/>
                 </a:solidFill>
@@ -39605,27 +39136,18 @@
               <a:t>async</a:t>
             </a:r>
             <a:r>
-              <a:rPr lang="en-US" sz="3300" dirty="0" smtClean="0">
-                <a:solidFill>
-                  <a:schemeClr val="tx2"/>
-                </a:solidFill>
-                <a:latin typeface="Yanone Kaffeesatz Regular" panose="02000000000000000000" pitchFamily="2" charset="0"/>
-              </a:rPr>
-              <a:t> () </a:t>
-            </a:r>
-            <a:r>
               <a:rPr lang="en-US" sz="3300" dirty="0">
                 <a:solidFill>
                   <a:schemeClr val="tx2"/>
                 </a:solidFill>
                 <a:latin typeface="Yanone Kaffeesatz Regular" panose="02000000000000000000" pitchFamily="2" charset="0"/>
               </a:rPr>
-              <a:t>=&gt; {</a:t>
-            </a:r>
-          </a:p>
-          <a:p>
-            <a:r>
-              <a:rPr lang="en-US" sz="3300" dirty="0" smtClean="0">
+              <a:t> () =&gt; {</a:t>
+            </a:r>
+          </a:p>
+          <a:p>
+            <a:r>
+              <a:rPr lang="en-US" sz="3300" dirty="0">
                 <a:solidFill>
                   <a:schemeClr val="accent4"/>
                 </a:solidFill>
@@ -39634,7 +39156,7 @@
               <a:t>   await</a:t>
             </a:r>
             <a:r>
-              <a:rPr lang="en-US" sz="3300" dirty="0" smtClean="0">
+              <a:rPr lang="en-US" sz="3300" dirty="0">
                 <a:solidFill>
                   <a:schemeClr val="tx2"/>
                 </a:solidFill>
@@ -39652,7 +39174,7 @@
               <a:t>tcs.Task</a:t>
             </a:r>
             <a:r>
-              <a:rPr lang="en-US" sz="3300" dirty="0" smtClean="0">
+              <a:rPr lang="en-US" sz="3300" dirty="0">
                 <a:solidFill>
                   <a:schemeClr val="accent4"/>
                 </a:solidFill>
@@ -39688,7 +39210,7 @@
           </a:p>
           <a:p>
             <a:r>
-              <a:rPr lang="en-US" sz="3300" dirty="0" err="1" smtClean="0">
+              <a:rPr lang="en-US" sz="3300" dirty="0" err="1">
                 <a:solidFill>
                   <a:schemeClr val="tx2"/>
                 </a:solidFill>
@@ -39697,34 +39219,16 @@
               <a:t>var</a:t>
             </a:r>
             <a:r>
-              <a:rPr lang="en-US" sz="3300" dirty="0" smtClean="0">
-                <a:solidFill>
-                  <a:schemeClr val="tx2"/>
-                </a:solidFill>
-                <a:latin typeface="Yanone Kaffeesatz Regular" panose="02000000000000000000" pitchFamily="2" charset="0"/>
-              </a:rPr>
-              <a:t> </a:t>
-            </a:r>
-            <a:r>
               <a:rPr lang="en-US" sz="3300" dirty="0">
                 <a:solidFill>
                   <a:schemeClr val="tx2"/>
                 </a:solidFill>
                 <a:latin typeface="Yanone Kaffeesatz Regular" panose="02000000000000000000" pitchFamily="2" charset="0"/>
               </a:rPr>
-              <a:t>t2 = </a:t>
-            </a:r>
-            <a:r>
-              <a:rPr lang="en-US" sz="3300" dirty="0" smtClean="0">
-                <a:solidFill>
-                  <a:schemeClr val="tx2"/>
-                </a:solidFill>
-                <a:latin typeface="Yanone Kaffeesatz Regular" panose="02000000000000000000" pitchFamily="2" charset="0"/>
-              </a:rPr>
-              <a:t>((</a:t>
-            </a:r>
-            <a:r>
-              <a:rPr lang="en-US" sz="3300" dirty="0" err="1" smtClean="0">
+              <a:t> t2 = ((</a:t>
+            </a:r>
+            <a:r>
+              <a:rPr lang="en-US" sz="3300" dirty="0" err="1">
                 <a:solidFill>
                   <a:schemeClr val="tx2"/>
                 </a:solidFill>
@@ -39733,7 +39237,7 @@
               <a:t>Func</a:t>
             </a:r>
             <a:r>
-              <a:rPr lang="en-US" sz="3300" dirty="0" smtClean="0">
+              <a:rPr lang="en-US" sz="3300" dirty="0">
                 <a:solidFill>
                   <a:schemeClr val="tx2"/>
                 </a:solidFill>
@@ -39742,7 +39246,7 @@
               <a:t>&lt;Task&gt;)(</a:t>
             </a:r>
             <a:r>
-              <a:rPr lang="en-US" sz="3300" dirty="0" err="1" smtClean="0">
+              <a:rPr lang="en-US" sz="3300" dirty="0" err="1">
                 <a:solidFill>
                   <a:schemeClr val="tx2"/>
                 </a:solidFill>
@@ -39751,22 +39255,13 @@
               <a:t>async</a:t>
             </a:r>
             <a:r>
-              <a:rPr lang="en-US" sz="3300" dirty="0" smtClean="0">
-                <a:solidFill>
-                  <a:schemeClr val="tx2"/>
-                </a:solidFill>
-                <a:latin typeface="Yanone Kaffeesatz Regular" panose="02000000000000000000" pitchFamily="2" charset="0"/>
-              </a:rPr>
-              <a:t> () </a:t>
-            </a:r>
-            <a:r>
               <a:rPr lang="en-US" sz="3300" dirty="0">
                 <a:solidFill>
                   <a:schemeClr val="tx2"/>
                 </a:solidFill>
                 <a:latin typeface="Yanone Kaffeesatz Regular" panose="02000000000000000000" pitchFamily="2" charset="0"/>
               </a:rPr>
-              <a:t>=&gt; {</a:t>
+              <a:t> () =&gt; {</a:t>
             </a:r>
           </a:p>
           <a:p>
@@ -40046,25 +39541,18 @@
   <p:clrMapOvr>
     <a:masterClrMapping/>
   </p:clrMapOvr>
-  <mc:AlternateContent xmlns:mc="http://schemas.openxmlformats.org/markup-compatibility/2006">
-    <mc:Choice xmlns:p15="http://schemas.microsoft.com/office/powerpoint/2012/main" Requires="p15">
+  <mc:AlternateContent xmlns:mc="http://schemas.openxmlformats.org/markup-compatibility/2006" xmlns:p15="http://schemas.microsoft.com/office/powerpoint/2012/main">
+    <mc:Choice Requires="p15">
       <p:transition xmlns:p14="http://schemas.microsoft.com/office/powerpoint/2010/main" spd="slow" p14:dur="2000">
         <p15:prstTrans prst="crush"/>
       </p:transition>
     </mc:Choice>
-    <mc:Fallback>
+    <mc:Fallback xmlns="">
       <p:transition spd="slow">
         <p:fade/>
       </p:transition>
     </mc:Fallback>
   </mc:AlternateContent>
-  <p:timing>
-    <p:tnLst>
-      <p:par>
-        <p:cTn id="1" dur="indefinite" restart="never" nodeType="tmRoot"/>
-      </p:par>
-    </p:tnLst>
-  </p:timing>
 </p:sld>
 </file>
 
@@ -40134,7 +39622,7 @@
         <p:spPr>
           <a:xfrm>
             <a:off x="5073728" y="2327535"/>
-            <a:ext cx="6118983" cy="2308324"/>
+            <a:ext cx="6122189" cy="2308324"/>
           </a:xfrm>
           <a:prstGeom prst="rect">
             <a:avLst/>
@@ -40200,7 +39688,25 @@
                 </a:solidFill>
                 <a:latin typeface="Yanone Kaffeesatz Regular" panose="02000000000000000000" pitchFamily="2" charset="0"/>
               </a:rPr>
-              <a:t>For reset events an approach is </a:t>
+              <a:t>For </a:t>
+            </a:r>
+            <a:r>
+              <a:rPr lang="en-US" sz="4800" dirty="0" err="1">
+                <a:solidFill>
+                  <a:schemeClr val="tx2"/>
+                </a:solidFill>
+                <a:latin typeface="Yanone Kaffeesatz Regular" panose="02000000000000000000" pitchFamily="2" charset="0"/>
+              </a:rPr>
+              <a:t>async</a:t>
+            </a:r>
+            <a:r>
+              <a:rPr lang="en-US" sz="4800" dirty="0">
+                <a:solidFill>
+                  <a:schemeClr val="tx2"/>
+                </a:solidFill>
+                <a:latin typeface="Yanone Kaffeesatz Regular" panose="02000000000000000000" pitchFamily="2" charset="0"/>
+              </a:rPr>
+              <a:t> reset events, an </a:t>
             </a:r>
             <a:br>
               <a:rPr lang="en-US" sz="4800" dirty="0">
@@ -40217,7 +39723,7 @@
                 </a:solidFill>
                 <a:latin typeface="Yanone Kaffeesatz Regular" panose="02000000000000000000" pitchFamily="2" charset="0"/>
               </a:rPr>
-              <a:t>available on my github account</a:t>
+              <a:t>approach is available on github</a:t>
             </a:r>
             <a:endParaRPr lang="de-CH" sz="800" dirty="0">
               <a:solidFill>
@@ -40322,6 +39828,39 @@
           </p:txBody>
         </p:sp>
       </p:grpSp>
+      <p:sp>
+        <p:nvSpPr>
+          <p:cNvPr id="3" name="Rectangle 2"/>
+          <p:cNvSpPr/>
+          <p:nvPr/>
+        </p:nvSpPr>
+        <p:spPr>
+          <a:xfrm>
+            <a:off x="5073728" y="5254936"/>
+            <a:ext cx="6609878" cy="830997"/>
+          </a:xfrm>
+          <a:prstGeom prst="rect">
+            <a:avLst/>
+          </a:prstGeom>
+        </p:spPr>
+        <p:txBody>
+          <a:bodyPr wrap="square">
+            <a:spAutoFit/>
+          </a:bodyPr>
+          <a:lstStyle/>
+          <a:p>
+            <a:r>
+              <a:rPr lang="de-CH" sz="2400" dirty="0">
+                <a:solidFill>
+                  <a:schemeClr val="accent3"/>
+                </a:solidFill>
+                <a:latin typeface="Yanone Kaffeesatz Regular" panose="02000000000000000000" pitchFamily="2" charset="0"/>
+              </a:rPr>
+              <a:t>https://github.com/danielmarbach/RearchitectTowardsAsyncAwait/blob/master/presentation/AsyncManualResetEvent.cs</a:t>
+            </a:r>
+          </a:p>
+        </p:txBody>
+      </p:sp>
     </p:spTree>
     <p:extLst>
       <p:ext uri="{BB962C8B-B14F-4D97-AF65-F5344CB8AC3E}">
@@ -40332,13 +39871,6 @@
   <p:clrMapOvr>
     <a:masterClrMapping/>
   </p:clrMapOvr>
-  <p:timing>
-    <p:tnLst>
-      <p:par>
-        <p:cTn id="1" dur="indefinite" restart="never" nodeType="tmRoot"/>
-      </p:par>
-    </p:tnLst>
-  </p:timing>
 </p:sld>
 </file>
 
@@ -40381,7 +39913,7 @@
           <a:lstStyle/>
           <a:p>
             <a:r>
-              <a:rPr lang="en-US" sz="8800" dirty="0" smtClean="0">
+              <a:rPr lang="en-US" sz="8800" dirty="0">
                 <a:solidFill>
                   <a:schemeClr val="accent2"/>
                 </a:solidFill>
@@ -40403,13 +39935,6 @@
   <p:clrMapOvr>
     <a:masterClrMapping/>
   </p:clrMapOvr>
-  <p:timing>
-    <p:tnLst>
-      <p:par>
-        <p:cTn id="1" dur="indefinite" restart="never" nodeType="tmRoot"/>
-      </p:par>
-    </p:tnLst>
-  </p:timing>
 </p:sld>
 </file>
 
@@ -40653,13 +40178,6 @@
   <p:clrMapOvr>
     <a:masterClrMapping/>
   </p:clrMapOvr>
-  <p:timing>
-    <p:tnLst>
-      <p:par>
-        <p:cTn id="1" dur="indefinite" restart="never" nodeType="tmRoot"/>
-      </p:par>
-    </p:tnLst>
-  </p:timing>
 </p:sld>
 </file>
 
@@ -40859,21 +40377,14 @@
   <p:clrMapOvr>
     <a:masterClrMapping/>
   </p:clrMapOvr>
-  <mc:AlternateContent xmlns:mc="http://schemas.openxmlformats.org/markup-compatibility/2006">
-    <mc:Choice xmlns:p14="http://schemas.microsoft.com/office/powerpoint/2010/main" Requires="p14">
+  <mc:AlternateContent xmlns:mc="http://schemas.openxmlformats.org/markup-compatibility/2006" xmlns:p14="http://schemas.microsoft.com/office/powerpoint/2010/main">
+    <mc:Choice Requires="p14">
       <p:transition spd="slow" p14:dur="2000" advClick="0" advTm="5000"/>
     </mc:Choice>
-    <mc:Fallback>
+    <mc:Fallback xmlns="">
       <p:transition spd="slow" advClick="0" advTm="5000"/>
     </mc:Fallback>
   </mc:AlternateContent>
-  <p:timing>
-    <p:tnLst>
-      <p:par>
-        <p:cTn id="1" dur="indefinite" restart="never" nodeType="tmRoot"/>
-      </p:par>
-    </p:tnLst>
-  </p:timing>
 </p:sld>
 </file>
 
@@ -41496,25 +41007,18 @@
   <p:clrMapOvr>
     <a:masterClrMapping/>
   </p:clrMapOvr>
-  <mc:AlternateContent xmlns:mc="http://schemas.openxmlformats.org/markup-compatibility/2006">
-    <mc:Choice xmlns:p15="http://schemas.microsoft.com/office/powerpoint/2012/main" Requires="p15">
+  <mc:AlternateContent xmlns:mc="http://schemas.openxmlformats.org/markup-compatibility/2006" xmlns:p15="http://schemas.microsoft.com/office/powerpoint/2012/main">
+    <mc:Choice Requires="p15">
       <p:transition xmlns:p14="http://schemas.microsoft.com/office/powerpoint/2010/main" spd="slow" p14:dur="2000">
         <p15:prstTrans prst="crush"/>
       </p:transition>
     </mc:Choice>
-    <mc:Fallback>
+    <mc:Fallback xmlns="">
       <p:transition spd="slow">
         <p:fade/>
       </p:transition>
     </mc:Fallback>
   </mc:AlternateContent>
-  <p:timing>
-    <p:tnLst>
-      <p:par>
-        <p:cTn id="1" dur="indefinite" restart="never" nodeType="tmRoot"/>
-      </p:par>
-    </p:tnLst>
-  </p:timing>
 </p:sld>
 </file>
 
@@ -41567,17 +41071,286 @@
   <p:clrMapOvr>
     <a:masterClrMapping/>
   </p:clrMapOvr>
-  <p:timing>
-    <p:tnLst>
-      <p:par>
-        <p:cTn id="1" dur="indefinite" restart="never" nodeType="tmRoot"/>
-      </p:par>
-    </p:tnLst>
-  </p:timing>
 </p:sld>
 </file>
 
 <file path=ppt/slides/slide60.xml><?xml version="1.0" encoding="utf-8"?>
+<p:sld xmlns:a="http://schemas.openxmlformats.org/drawingml/2006/main" xmlns:r="http://schemas.openxmlformats.org/officeDocument/2006/relationships" xmlns:p="http://schemas.openxmlformats.org/presentationml/2006/main">
+  <p:cSld>
+    <p:spTree>
+      <p:nvGrpSpPr>
+        <p:cNvPr id="1" name=""/>
+        <p:cNvGrpSpPr/>
+        <p:nvPr/>
+      </p:nvGrpSpPr>
+      <p:grpSpPr>
+        <a:xfrm>
+          <a:off x="0" y="0"/>
+          <a:ext cx="0" cy="0"/>
+          <a:chOff x="0" y="0"/>
+          <a:chExt cx="0" cy="0"/>
+        </a:xfrm>
+      </p:grpSpPr>
+      <p:sp>
+        <p:nvSpPr>
+          <p:cNvPr id="11" name="Rectangle 10"/>
+          <p:cNvSpPr/>
+          <p:nvPr/>
+        </p:nvSpPr>
+        <p:spPr>
+          <a:xfrm>
+            <a:off x="2337179" y="489736"/>
+            <a:ext cx="994183" cy="707886"/>
+          </a:xfrm>
+          <a:prstGeom prst="rect">
+            <a:avLst/>
+          </a:prstGeom>
+        </p:spPr>
+        <p:txBody>
+          <a:bodyPr wrap="none">
+            <a:spAutoFit/>
+          </a:bodyPr>
+          <a:lstStyle/>
+          <a:p>
+            <a:pPr algn="ctr"/>
+            <a:r>
+              <a:rPr lang="en-US" sz="4000" dirty="0">
+                <a:solidFill>
+                  <a:schemeClr val="accent3"/>
+                </a:solidFill>
+                <a:latin typeface="Yanone Kaffeesatz Regular" panose="02000000000000000000" pitchFamily="2" charset="0"/>
+              </a:rPr>
+              <a:t>locks</a:t>
+            </a:r>
+          </a:p>
+        </p:txBody>
+      </p:sp>
+      <p:sp>
+        <p:nvSpPr>
+          <p:cNvPr id="10" name="Rectangle 9"/>
+          <p:cNvSpPr/>
+          <p:nvPr/>
+        </p:nvSpPr>
+        <p:spPr>
+          <a:xfrm>
+            <a:off x="4779004" y="1197622"/>
+            <a:ext cx="7354899" cy="3046988"/>
+          </a:xfrm>
+          <a:prstGeom prst="rect">
+            <a:avLst/>
+          </a:prstGeom>
+        </p:spPr>
+        <p:txBody>
+          <a:bodyPr wrap="none">
+            <a:spAutoFit/>
+          </a:bodyPr>
+          <a:lstStyle/>
+          <a:p>
+            <a:r>
+              <a:rPr lang="de-CH" sz="4800" dirty="0">
+                <a:solidFill>
+                  <a:schemeClr val="tx2"/>
+                </a:solidFill>
+                <a:latin typeface="Yanone Kaffeesatz Regular" panose="02000000000000000000" pitchFamily="2" charset="0"/>
+              </a:rPr>
+              <a:t>using (await semaphore.</a:t>
+            </a:r>
+            <a:r>
+              <a:rPr lang="de-CH" sz="4800" dirty="0">
+                <a:solidFill>
+                  <a:schemeClr val="accent4"/>
+                </a:solidFill>
+                <a:latin typeface="Yanone Kaffeesatz Regular" panose="02000000000000000000" pitchFamily="2" charset="0"/>
+              </a:rPr>
+              <a:t>LockAsync</a:t>
+            </a:r>
+            <a:r>
+              <a:rPr lang="de-CH" sz="4800" dirty="0">
+                <a:solidFill>
+                  <a:schemeClr val="tx2"/>
+                </a:solidFill>
+                <a:latin typeface="Yanone Kaffeesatz Regular" panose="02000000000000000000" pitchFamily="2" charset="0"/>
+              </a:rPr>
+              <a:t>())</a:t>
+            </a:r>
+          </a:p>
+          <a:p>
+            <a:r>
+              <a:rPr lang="de-CH" sz="4800" dirty="0">
+                <a:solidFill>
+                  <a:schemeClr val="tx2"/>
+                </a:solidFill>
+                <a:latin typeface="Yanone Kaffeesatz Regular" panose="02000000000000000000" pitchFamily="2" charset="0"/>
+              </a:rPr>
+              <a:t>{</a:t>
+            </a:r>
+          </a:p>
+          <a:p>
+            <a:r>
+              <a:rPr lang="de-CH" sz="4800" dirty="0">
+                <a:solidFill>
+                  <a:schemeClr val="tx2"/>
+                </a:solidFill>
+                <a:latin typeface="Yanone Kaffeesatz Regular" panose="02000000000000000000" pitchFamily="2" charset="0"/>
+              </a:rPr>
+              <a:t>   sharedRessource++;</a:t>
+            </a:r>
+          </a:p>
+          <a:p>
+            <a:r>
+              <a:rPr lang="de-CH" sz="4800" dirty="0">
+                <a:solidFill>
+                  <a:schemeClr val="tx2"/>
+                </a:solidFill>
+                <a:latin typeface="Yanone Kaffeesatz Regular" panose="02000000000000000000" pitchFamily="2" charset="0"/>
+              </a:rPr>
+              <a:t>}</a:t>
+            </a:r>
+          </a:p>
+        </p:txBody>
+      </p:sp>
+      <p:grpSp>
+        <p:nvGrpSpPr>
+          <p:cNvPr id="15" name="Group 14"/>
+          <p:cNvGrpSpPr/>
+          <p:nvPr/>
+        </p:nvGrpSpPr>
+        <p:grpSpPr>
+          <a:xfrm>
+            <a:off x="-283221" y="2473176"/>
+            <a:ext cx="3781261" cy="3858842"/>
+            <a:chOff x="145657" y="0"/>
+            <a:chExt cx="6858000" cy="6858000"/>
+          </a:xfrm>
+        </p:grpSpPr>
+        <p:pic>
+          <p:nvPicPr>
+            <p:cNvPr id="16" name="Picture 15"/>
+            <p:cNvPicPr>
+              <a:picLocks noChangeAspect="1"/>
+            </p:cNvPicPr>
+            <p:nvPr/>
+          </p:nvPicPr>
+          <p:blipFill>
+            <a:blip r:embed="rId3" cstate="print">
+              <a:duotone>
+                <a:schemeClr val="accent3">
+                  <a:shade val="45000"/>
+                  <a:satMod val="135000"/>
+                </a:schemeClr>
+                <a:prstClr val="white"/>
+              </a:duotone>
+              <a:extLst>
+                <a:ext uri="{28A0092B-C50C-407E-A947-70E740481C1C}">
+                  <a14:useLocalDpi xmlns:a14="http://schemas.microsoft.com/office/drawing/2010/main" val="0"/>
+                </a:ext>
+              </a:extLst>
+            </a:blip>
+            <a:stretch>
+              <a:fillRect/>
+            </a:stretch>
+          </p:blipFill>
+          <p:spPr>
+            <a:xfrm>
+              <a:off x="145657" y="0"/>
+              <a:ext cx="6858000" cy="6858000"/>
+            </a:xfrm>
+            <a:prstGeom prst="rect">
+              <a:avLst/>
+            </a:prstGeom>
+          </p:spPr>
+        </p:pic>
+        <p:sp>
+          <p:nvSpPr>
+            <p:cNvPr id="17" name="Rectangle 16"/>
+            <p:cNvSpPr/>
+            <p:nvPr/>
+          </p:nvSpPr>
+          <p:spPr>
+            <a:xfrm>
+              <a:off x="3646761" y="130075"/>
+              <a:ext cx="1878721" cy="1805054"/>
+            </a:xfrm>
+            <a:prstGeom prst="rect">
+              <a:avLst/>
+            </a:prstGeom>
+          </p:spPr>
+          <p:txBody>
+            <a:bodyPr wrap="none">
+              <a:spAutoFit/>
+            </a:bodyPr>
+            <a:lstStyle/>
+            <a:p>
+              <a:r>
+                <a:rPr lang="en-US" sz="3600" dirty="0">
+                  <a:solidFill>
+                    <a:schemeClr val="accent2"/>
+                  </a:solidFill>
+                  <a:latin typeface="Yanone Kaffeesatz Regular" panose="02000000000000000000" pitchFamily="2" charset="0"/>
+                </a:rPr>
+                <a:t>Fix it</a:t>
+              </a:r>
+              <a:r>
+                <a:rPr lang="en-US" sz="6000" dirty="0">
+                  <a:solidFill>
+                    <a:schemeClr val="accent2"/>
+                  </a:solidFill>
+                  <a:latin typeface="Yanone Kaffeesatz Regular" panose="02000000000000000000" pitchFamily="2" charset="0"/>
+                </a:rPr>
+                <a:t>!</a:t>
+              </a:r>
+              <a:endParaRPr lang="de-CH" sz="600" dirty="0"/>
+            </a:p>
+          </p:txBody>
+        </p:sp>
+      </p:grpSp>
+      <p:sp>
+        <p:nvSpPr>
+          <p:cNvPr id="3" name="Rectangle 2"/>
+          <p:cNvSpPr/>
+          <p:nvPr/>
+        </p:nvSpPr>
+        <p:spPr>
+          <a:xfrm>
+            <a:off x="4779004" y="4990440"/>
+            <a:ext cx="6609878" cy="830997"/>
+          </a:xfrm>
+          <a:prstGeom prst="rect">
+            <a:avLst/>
+          </a:prstGeom>
+        </p:spPr>
+        <p:txBody>
+          <a:bodyPr wrap="square">
+            <a:spAutoFit/>
+          </a:bodyPr>
+          <a:lstStyle/>
+          <a:p>
+            <a:r>
+              <a:rPr lang="de-CH" sz="2400" dirty="0">
+                <a:solidFill>
+                  <a:schemeClr val="accent3"/>
+                </a:solidFill>
+                <a:latin typeface="Yanone Kaffeesatz Regular" panose="02000000000000000000" pitchFamily="2" charset="0"/>
+              </a:rPr>
+              <a:t>https://github.com/danielmarbach/RearchitectTowardsAsyncAwait/blob/master/presentation/AsyncLock.cs</a:t>
+            </a:r>
+          </a:p>
+        </p:txBody>
+      </p:sp>
+    </p:spTree>
+    <p:extLst>
+      <p:ext uri="{BB962C8B-B14F-4D97-AF65-F5344CB8AC3E}">
+        <p14:creationId xmlns:p14="http://schemas.microsoft.com/office/powerpoint/2010/main" val="3388752638"/>
+      </p:ext>
+    </p:extLst>
+  </p:cSld>
+  <p:clrMapOvr>
+    <a:masterClrMapping/>
+  </p:clrMapOvr>
+</p:sld>
+</file>
+
+<file path=ppt/slides/slide61.xml><?xml version="1.0" encoding="utf-8"?>
 <p:sld xmlns:a="http://schemas.openxmlformats.org/drawingml/2006/main" xmlns:r="http://schemas.openxmlformats.org/officeDocument/2006/relationships" xmlns:p="http://schemas.openxmlformats.org/presentationml/2006/main">
   <p:cSld>
     <p:spTree>
@@ -41616,7 +41389,7 @@
           <a:lstStyle/>
           <a:p>
             <a:r>
-              <a:rPr lang="en-US" sz="8800" dirty="0" smtClean="0">
+              <a:rPr lang="en-US" sz="8800" dirty="0">
                 <a:solidFill>
                   <a:schemeClr val="accent2"/>
                 </a:solidFill>
@@ -41638,17 +41411,10 @@
   <p:clrMapOvr>
     <a:masterClrMapping/>
   </p:clrMapOvr>
-  <p:timing>
-    <p:tnLst>
-      <p:par>
-        <p:cTn id="1" dur="indefinite" restart="never" nodeType="tmRoot"/>
-      </p:par>
-    </p:tnLst>
-  </p:timing>
 </p:sld>
 </file>
 
-<file path=ppt/slides/slide61.xml><?xml version="1.0" encoding="utf-8"?>
+<file path=ppt/slides/slide62.xml><?xml version="1.0" encoding="utf-8"?>
 <p:sld xmlns:a="http://schemas.openxmlformats.org/drawingml/2006/main" xmlns:r="http://schemas.openxmlformats.org/officeDocument/2006/relationships" xmlns:p="http://schemas.openxmlformats.org/presentationml/2006/main">
   <p:cSld>
     <p:spTree>
@@ -42023,25 +41789,18 @@
   <p:clrMapOvr>
     <a:masterClrMapping/>
   </p:clrMapOvr>
-  <mc:AlternateContent xmlns:mc="http://schemas.openxmlformats.org/markup-compatibility/2006">
-    <mc:Choice xmlns:p14="http://schemas.microsoft.com/office/powerpoint/2010/main" Requires="p14">
+  <mc:AlternateContent xmlns:mc="http://schemas.openxmlformats.org/markup-compatibility/2006" xmlns:p14="http://schemas.microsoft.com/office/powerpoint/2010/main">
+    <mc:Choice Requires="p14">
       <p:transition spd="slow" p14:dur="2000" advClick="0" advTm="5000"/>
     </mc:Choice>
-    <mc:Fallback>
+    <mc:Fallback xmlns="">
       <p:transition spd="slow" advClick="0" advTm="5000"/>
     </mc:Fallback>
   </mc:AlternateContent>
-  <p:timing>
-    <p:tnLst>
-      <p:par>
-        <p:cTn id="1" dur="indefinite" restart="never" nodeType="tmRoot"/>
-      </p:par>
-    </p:tnLst>
-  </p:timing>
 </p:sld>
 </file>
 
-<file path=ppt/slides/slide62.xml><?xml version="1.0" encoding="utf-8"?>
+<file path=ppt/slides/slide63.xml><?xml version="1.0" encoding="utf-8"?>
 <p:sld xmlns:a="http://schemas.openxmlformats.org/drawingml/2006/main" xmlns:r="http://schemas.openxmlformats.org/officeDocument/2006/relationships" xmlns:p="http://schemas.openxmlformats.org/presentationml/2006/main">
   <p:cSld>
     <p:spTree>
@@ -42504,29 +42263,22 @@
   <p:clrMapOvr>
     <a:masterClrMapping/>
   </p:clrMapOvr>
-  <mc:AlternateContent xmlns:mc="http://schemas.openxmlformats.org/markup-compatibility/2006">
-    <mc:Choice xmlns:p15="http://schemas.microsoft.com/office/powerpoint/2012/main" Requires="p15">
+  <mc:AlternateContent xmlns:mc="http://schemas.openxmlformats.org/markup-compatibility/2006" xmlns:p15="http://schemas.microsoft.com/office/powerpoint/2012/main">
+    <mc:Choice Requires="p15">
       <p:transition xmlns:p14="http://schemas.microsoft.com/office/powerpoint/2010/main" spd="slow" p14:dur="2000">
         <p15:prstTrans prst="crush"/>
       </p:transition>
     </mc:Choice>
-    <mc:Fallback>
+    <mc:Fallback xmlns="">
       <p:transition spd="slow">
         <p:fade/>
       </p:transition>
     </mc:Fallback>
   </mc:AlternateContent>
-  <p:timing>
-    <p:tnLst>
-      <p:par>
-        <p:cTn id="1" dur="indefinite" restart="never" nodeType="tmRoot"/>
-      </p:par>
-    </p:tnLst>
-  </p:timing>
 </p:sld>
 </file>
 
-<file path=ppt/slides/slide63.xml><?xml version="1.0" encoding="utf-8"?>
+<file path=ppt/slides/slide64.xml><?xml version="1.0" encoding="utf-8"?>
 <p:sld xmlns:a="http://schemas.openxmlformats.org/drawingml/2006/main" xmlns:r="http://schemas.openxmlformats.org/officeDocument/2006/relationships" xmlns:p="http://schemas.openxmlformats.org/presentationml/2006/main">
   <p:cSld>
     <p:spTree>
@@ -42565,7 +42317,7 @@
           <a:lstStyle/>
           <a:p>
             <a:r>
-              <a:rPr lang="en-US" sz="8800" dirty="0" smtClean="0">
+              <a:rPr lang="en-US" sz="8800" dirty="0">
                 <a:solidFill>
                   <a:schemeClr val="accent2"/>
                 </a:solidFill>
@@ -42587,17 +42339,10 @@
   <p:clrMapOvr>
     <a:masterClrMapping/>
   </p:clrMapOvr>
-  <p:timing>
-    <p:tnLst>
-      <p:par>
-        <p:cTn id="1" dur="indefinite" restart="never" nodeType="tmRoot"/>
-      </p:par>
-    </p:tnLst>
-  </p:timing>
 </p:sld>
 </file>
 
-<file path=ppt/slides/slide64.xml><?xml version="1.0" encoding="utf-8"?>
+<file path=ppt/slides/slide65.xml><?xml version="1.0" encoding="utf-8"?>
 <p:sld xmlns:a="http://schemas.openxmlformats.org/drawingml/2006/main" xmlns:r="http://schemas.openxmlformats.org/officeDocument/2006/relationships" xmlns:p="http://schemas.openxmlformats.org/presentationml/2006/main">
   <p:cSld>
     <p:spTree>
@@ -42888,25 +42633,18 @@
   <p:clrMapOvr>
     <a:masterClrMapping/>
   </p:clrMapOvr>
-  <mc:AlternateContent xmlns:mc="http://schemas.openxmlformats.org/markup-compatibility/2006">
-    <mc:Choice xmlns:p14="http://schemas.microsoft.com/office/powerpoint/2010/main" Requires="p14">
+  <mc:AlternateContent xmlns:mc="http://schemas.openxmlformats.org/markup-compatibility/2006" xmlns:p14="http://schemas.microsoft.com/office/powerpoint/2010/main">
+    <mc:Choice Requires="p14">
       <p:transition spd="slow" p14:dur="2000" advClick="0" advTm="5000"/>
     </mc:Choice>
-    <mc:Fallback>
+    <mc:Fallback xmlns="">
       <p:transition spd="slow" advClick="0" advTm="5000"/>
     </mc:Fallback>
   </mc:AlternateContent>
-  <p:timing>
-    <p:tnLst>
-      <p:par>
-        <p:cTn id="1" dur="indefinite" restart="never" nodeType="tmRoot"/>
-      </p:par>
-    </p:tnLst>
-  </p:timing>
 </p:sld>
 </file>
 
-<file path=ppt/slides/slide65.xml><?xml version="1.0" encoding="utf-8"?>
+<file path=ppt/slides/slide66.xml><?xml version="1.0" encoding="utf-8"?>
 <p:sld xmlns:a="http://schemas.openxmlformats.org/drawingml/2006/main" xmlns:r="http://schemas.openxmlformats.org/officeDocument/2006/relationships" xmlns:p="http://schemas.openxmlformats.org/presentationml/2006/main">
   <p:cSld>
     <p:spTree>
@@ -42954,7 +42692,7 @@
               <a:t> class </a:t>
             </a:r>
             <a:r>
-              <a:rPr lang="en-US" sz="3200" dirty="0" err="1" smtClean="0">
+              <a:rPr lang="en-US" sz="3200" dirty="0" err="1">
                 <a:solidFill>
                   <a:schemeClr val="tx2"/>
                 </a:solidFill>
@@ -42963,7 +42701,7 @@
               <a:t>ClassWithAmbientState</a:t>
             </a:r>
             <a:r>
-              <a:rPr lang="en-US" sz="3200" dirty="0" smtClean="0">
+              <a:rPr lang="en-US" sz="3200" dirty="0">
                 <a:solidFill>
                   <a:schemeClr val="tx2"/>
                 </a:solidFill>
@@ -42971,6 +42709,126 @@
               </a:rPr>
               <a:t> {</a:t>
             </a:r>
+          </a:p>
+          <a:p>
+            <a:r>
+              <a:rPr lang="en-US" sz="3200" dirty="0">
+                <a:solidFill>
+                  <a:schemeClr val="tx2"/>
+                </a:solidFill>
+                <a:latin typeface="Yanone Kaffeesatz Regular" panose="02000000000000000000" pitchFamily="2" charset="0"/>
+              </a:rPr>
+              <a:t>   static </a:t>
+            </a:r>
+            <a:r>
+              <a:rPr lang="en-US" sz="3200" dirty="0" err="1">
+                <a:solidFill>
+                  <a:schemeClr val="accent4"/>
+                </a:solidFill>
+                <a:latin typeface="Yanone Kaffeesatz Regular" panose="02000000000000000000" pitchFamily="2" charset="0"/>
+              </a:rPr>
+              <a:t>AsyncLocal</a:t>
+            </a:r>
+            <a:r>
+              <a:rPr lang="en-US" sz="3200" dirty="0">
+                <a:solidFill>
+                  <a:schemeClr val="tx2"/>
+                </a:solidFill>
+                <a:latin typeface="Yanone Kaffeesatz Regular" panose="02000000000000000000" pitchFamily="2" charset="0"/>
+              </a:rPr>
+              <a:t>&lt;</a:t>
+            </a:r>
+            <a:r>
+              <a:rPr lang="en-US" sz="3200" dirty="0" err="1">
+                <a:solidFill>
+                  <a:schemeClr val="tx2"/>
+                </a:solidFill>
+                <a:latin typeface="Yanone Kaffeesatz Regular" panose="02000000000000000000" pitchFamily="2" charset="0"/>
+              </a:rPr>
+              <a:t>int</a:t>
+            </a:r>
+            <a:r>
+              <a:rPr lang="en-US" sz="3200" dirty="0">
+                <a:solidFill>
+                  <a:schemeClr val="tx2"/>
+                </a:solidFill>
+                <a:latin typeface="Yanone Kaffeesatz Regular" panose="02000000000000000000" pitchFamily="2" charset="0"/>
+              </a:rPr>
+              <a:t>&gt; </a:t>
+            </a:r>
+            <a:r>
+              <a:rPr lang="en-US" sz="3200" dirty="0" err="1">
+                <a:solidFill>
+                  <a:schemeClr val="tx2"/>
+                </a:solidFill>
+                <a:latin typeface="Yanone Kaffeesatz Regular" panose="02000000000000000000" pitchFamily="2" charset="0"/>
+              </a:rPr>
+              <a:t>ambientState</a:t>
+            </a:r>
+            <a:r>
+              <a:rPr lang="en-US" sz="3200" dirty="0">
+                <a:solidFill>
+                  <a:schemeClr val="tx2"/>
+                </a:solidFill>
+                <a:latin typeface="Yanone Kaffeesatz Regular" panose="02000000000000000000" pitchFamily="2" charset="0"/>
+              </a:rPr>
+              <a:t> = </a:t>
+            </a:r>
+            <a:br>
+              <a:rPr lang="en-US" sz="3200" dirty="0">
+                <a:solidFill>
+                  <a:schemeClr val="tx2"/>
+                </a:solidFill>
+                <a:latin typeface="Yanone Kaffeesatz Regular" panose="02000000000000000000" pitchFamily="2" charset="0"/>
+              </a:rPr>
+            </a:br>
+            <a:r>
+              <a:rPr lang="en-US" sz="3200" dirty="0">
+                <a:solidFill>
+                  <a:schemeClr val="tx2"/>
+                </a:solidFill>
+                <a:latin typeface="Yanone Kaffeesatz Regular" panose="02000000000000000000" pitchFamily="2" charset="0"/>
+              </a:rPr>
+              <a:t>        new </a:t>
+            </a:r>
+            <a:r>
+              <a:rPr lang="en-US" sz="3200" dirty="0" err="1">
+                <a:solidFill>
+                  <a:schemeClr val="accent4"/>
+                </a:solidFill>
+                <a:latin typeface="Yanone Kaffeesatz Regular" panose="02000000000000000000" pitchFamily="2" charset="0"/>
+              </a:rPr>
+              <a:t>AsyncLocal</a:t>
+            </a:r>
+            <a:r>
+              <a:rPr lang="en-US" sz="3200" dirty="0">
+                <a:solidFill>
+                  <a:schemeClr val="tx2"/>
+                </a:solidFill>
+                <a:latin typeface="Yanone Kaffeesatz Regular" panose="02000000000000000000" pitchFamily="2" charset="0"/>
+              </a:rPr>
+              <a:t>&lt;</a:t>
+            </a:r>
+            <a:r>
+              <a:rPr lang="en-US" sz="3200" dirty="0" err="1">
+                <a:solidFill>
+                  <a:schemeClr val="tx2"/>
+                </a:solidFill>
+                <a:latin typeface="Yanone Kaffeesatz Regular" panose="02000000000000000000" pitchFamily="2" charset="0"/>
+              </a:rPr>
+              <a:t>int</a:t>
+            </a:r>
+            <a:r>
+              <a:rPr lang="en-US" sz="3200" dirty="0">
+                <a:solidFill>
+                  <a:schemeClr val="tx2"/>
+                </a:solidFill>
+                <a:latin typeface="Yanone Kaffeesatz Regular" panose="02000000000000000000" pitchFamily="2" charset="0"/>
+              </a:rPr>
+              <a:t>&gt;(); </a:t>
+            </a:r>
+          </a:p>
+          <a:p>
             <a:endParaRPr lang="en-US" sz="3200" dirty="0">
               <a:solidFill>
                 <a:schemeClr val="tx2"/>
@@ -42991,11 +42849,11 @@
             <a:r>
               <a:rPr lang="en-US" sz="3200" dirty="0" err="1">
                 <a:solidFill>
-                  <a:schemeClr val="accent4"/>
-                </a:solidFill>
-                <a:latin typeface="Yanone Kaffeesatz Regular" panose="02000000000000000000" pitchFamily="2" charset="0"/>
-              </a:rPr>
-              <a:t>AsyncLocal</a:t>
+                  <a:schemeClr val="tx2"/>
+                </a:solidFill>
+                <a:latin typeface="Yanone Kaffeesatz Regular" panose="02000000000000000000" pitchFamily="2" charset="0"/>
+              </a:rPr>
+              <a:t>ClassWithAmbientState</a:t>
             </a:r>
             <a:r>
               <a:rPr lang="en-US" sz="3200" dirty="0">
@@ -43004,7 +42862,24 @@
                 </a:solidFill>
                 <a:latin typeface="Yanone Kaffeesatz Regular" panose="02000000000000000000" pitchFamily="2" charset="0"/>
               </a:rPr>
-              <a:t>&lt;</a:t>
+              <a:t>() {</a:t>
+            </a:r>
+            <a:br>
+              <a:rPr lang="en-US" sz="3200" dirty="0">
+                <a:solidFill>
+                  <a:schemeClr val="tx2"/>
+                </a:solidFill>
+                <a:latin typeface="Yanone Kaffeesatz Regular" panose="02000000000000000000" pitchFamily="2" charset="0"/>
+              </a:rPr>
+            </a:br>
+            <a:r>
+              <a:rPr lang="en-US" sz="3200" dirty="0">
+                <a:solidFill>
+                  <a:schemeClr val="tx2"/>
+                </a:solidFill>
+                <a:latin typeface="Yanone Kaffeesatz Regular" panose="02000000000000000000" pitchFamily="2" charset="0"/>
+              </a:rPr>
+              <a:t>      </a:t>
             </a:r>
             <a:r>
               <a:rPr lang="en-US" sz="3200" dirty="0" err="1">
@@ -43013,7 +42888,7 @@
                 </a:solidFill>
                 <a:latin typeface="Yanone Kaffeesatz Regular" panose="02000000000000000000" pitchFamily="2" charset="0"/>
               </a:rPr>
-              <a:t>int</a:t>
+              <a:t>ambientState.Value</a:t>
             </a:r>
             <a:r>
               <a:rPr lang="en-US" sz="3200" dirty="0">
@@ -43022,87 +42897,24 @@
                 </a:solidFill>
                 <a:latin typeface="Yanone Kaffeesatz Regular" panose="02000000000000000000" pitchFamily="2" charset="0"/>
               </a:rPr>
-              <a:t>&gt; </a:t>
-            </a:r>
-            <a:r>
-              <a:rPr lang="en-US" sz="3200" dirty="0" err="1">
-                <a:solidFill>
-                  <a:schemeClr val="tx2"/>
-                </a:solidFill>
-                <a:latin typeface="Yanone Kaffeesatz Regular" panose="02000000000000000000" pitchFamily="2" charset="0"/>
-              </a:rPr>
-              <a:t>ambientState</a:t>
-            </a:r>
-            <a:r>
+              <a:t> = 1;</a:t>
+            </a:r>
+            <a:br>
               <a:rPr lang="en-US" sz="3200" dirty="0">
                 <a:solidFill>
                   <a:schemeClr val="tx2"/>
                 </a:solidFill>
                 <a:latin typeface="Yanone Kaffeesatz Regular" panose="02000000000000000000" pitchFamily="2" charset="0"/>
               </a:rPr>
-              <a:t> = </a:t>
-            </a:r>
-            <a:r>
-              <a:rPr lang="en-US" sz="3200" dirty="0" smtClean="0">
-                <a:solidFill>
-                  <a:schemeClr val="tx2"/>
-                </a:solidFill>
-                <a:latin typeface="Yanone Kaffeesatz Regular" panose="02000000000000000000" pitchFamily="2" charset="0"/>
-              </a:rPr>
-              <a:t/>
-            </a:r>
-            <a:br>
-              <a:rPr lang="en-US" sz="3200" dirty="0" smtClean="0">
-                <a:solidFill>
-                  <a:schemeClr val="tx2"/>
-                </a:solidFill>
-                <a:latin typeface="Yanone Kaffeesatz Regular" panose="02000000000000000000" pitchFamily="2" charset="0"/>
-              </a:rPr>
             </a:br>
             <a:r>
-              <a:rPr lang="en-US" sz="3200" dirty="0" smtClean="0">
-                <a:solidFill>
-                  <a:schemeClr val="tx2"/>
-                </a:solidFill>
-                <a:latin typeface="Yanone Kaffeesatz Regular" panose="02000000000000000000" pitchFamily="2" charset="0"/>
-              </a:rPr>
-              <a:t>        new </a:t>
-            </a:r>
-            <a:r>
-              <a:rPr lang="en-US" sz="3200" dirty="0" err="1" smtClean="0">
-                <a:solidFill>
-                  <a:schemeClr val="accent4"/>
-                </a:solidFill>
-                <a:latin typeface="Yanone Kaffeesatz Regular" panose="02000000000000000000" pitchFamily="2" charset="0"/>
-              </a:rPr>
-              <a:t>AsyncLocal</a:t>
-            </a:r>
-            <a:r>
-              <a:rPr lang="en-US" sz="3200" dirty="0" smtClean="0">
-                <a:solidFill>
-                  <a:schemeClr val="tx2"/>
-                </a:solidFill>
-                <a:latin typeface="Yanone Kaffeesatz Regular" panose="02000000000000000000" pitchFamily="2" charset="0"/>
-              </a:rPr>
-              <a:t>&lt;</a:t>
-            </a:r>
-            <a:r>
-              <a:rPr lang="en-US" sz="3200" dirty="0" err="1" smtClean="0">
-                <a:solidFill>
-                  <a:schemeClr val="tx2"/>
-                </a:solidFill>
-                <a:latin typeface="Yanone Kaffeesatz Regular" panose="02000000000000000000" pitchFamily="2" charset="0"/>
-              </a:rPr>
-              <a:t>int</a:t>
-            </a:r>
-            <a:r>
               <a:rPr lang="en-US" sz="3200" dirty="0">
                 <a:solidFill>
                   <a:schemeClr val="tx2"/>
                 </a:solidFill>
                 <a:latin typeface="Yanone Kaffeesatz Regular" panose="02000000000000000000" pitchFamily="2" charset="0"/>
               </a:rPr>
-              <a:t>&gt;(); </a:t>
+              <a:t>   }</a:t>
             </a:r>
           </a:p>
           <a:p>
@@ -43121,112 +42933,8 @@
                 </a:solidFill>
                 <a:latin typeface="Yanone Kaffeesatz Regular" panose="02000000000000000000" pitchFamily="2" charset="0"/>
               </a:rPr>
-              <a:t>   static </a:t>
-            </a:r>
-            <a:r>
-              <a:rPr lang="en-US" sz="3200" dirty="0" err="1">
-                <a:solidFill>
-                  <a:schemeClr val="tx2"/>
-                </a:solidFill>
-                <a:latin typeface="Yanone Kaffeesatz Regular" panose="02000000000000000000" pitchFamily="2" charset="0"/>
-              </a:rPr>
-              <a:t>ClassWithAmbientState</a:t>
-            </a:r>
-            <a:r>
-              <a:rPr lang="en-US" sz="3200" dirty="0">
-                <a:solidFill>
-                  <a:schemeClr val="tx2"/>
-                </a:solidFill>
-                <a:latin typeface="Yanone Kaffeesatz Regular" panose="02000000000000000000" pitchFamily="2" charset="0"/>
-              </a:rPr>
-              <a:t>() {</a:t>
-            </a:r>
-            <a:br>
-              <a:rPr lang="en-US" sz="3200" dirty="0">
-                <a:solidFill>
-                  <a:schemeClr val="tx2"/>
-                </a:solidFill>
-                <a:latin typeface="Yanone Kaffeesatz Regular" panose="02000000000000000000" pitchFamily="2" charset="0"/>
-              </a:rPr>
-            </a:br>
-            <a:r>
-              <a:rPr lang="en-US" sz="3200" dirty="0">
-                <a:solidFill>
-                  <a:schemeClr val="tx2"/>
-                </a:solidFill>
-                <a:latin typeface="Yanone Kaffeesatz Regular" panose="02000000000000000000" pitchFamily="2" charset="0"/>
-              </a:rPr>
-              <a:t>      </a:t>
-            </a:r>
-            <a:r>
-              <a:rPr lang="en-US" sz="3200" dirty="0" err="1">
-                <a:solidFill>
-                  <a:schemeClr val="tx2"/>
-                </a:solidFill>
-                <a:latin typeface="Yanone Kaffeesatz Regular" panose="02000000000000000000" pitchFamily="2" charset="0"/>
-              </a:rPr>
-              <a:t>ambientState.Value</a:t>
-            </a:r>
-            <a:r>
-              <a:rPr lang="en-US" sz="3200" dirty="0">
-                <a:solidFill>
-                  <a:schemeClr val="tx2"/>
-                </a:solidFill>
-                <a:latin typeface="Yanone Kaffeesatz Regular" panose="02000000000000000000" pitchFamily="2" charset="0"/>
-              </a:rPr>
-              <a:t> = 1;</a:t>
-            </a:r>
-            <a:br>
-              <a:rPr lang="en-US" sz="3200" dirty="0">
-                <a:solidFill>
-                  <a:schemeClr val="tx2"/>
-                </a:solidFill>
-                <a:latin typeface="Yanone Kaffeesatz Regular" panose="02000000000000000000" pitchFamily="2" charset="0"/>
-              </a:rPr>
-            </a:br>
-            <a:r>
-              <a:rPr lang="en-US" sz="3200" dirty="0">
-                <a:solidFill>
-                  <a:schemeClr val="tx2"/>
-                </a:solidFill>
-                <a:latin typeface="Yanone Kaffeesatz Regular" panose="02000000000000000000" pitchFamily="2" charset="0"/>
-              </a:rPr>
-              <a:t>   }</a:t>
-            </a:r>
-          </a:p>
-          <a:p>
-            <a:endParaRPr lang="en-US" sz="3200" dirty="0">
-              <a:solidFill>
-                <a:schemeClr val="tx2"/>
-              </a:solidFill>
-              <a:latin typeface="Yanone Kaffeesatz Regular" panose="02000000000000000000" pitchFamily="2" charset="0"/>
-            </a:endParaRPr>
-          </a:p>
-          <a:p>
-            <a:r>
-              <a:rPr lang="en-US" sz="3200" dirty="0">
-                <a:solidFill>
-                  <a:schemeClr val="tx2"/>
-                </a:solidFill>
-                <a:latin typeface="Yanone Kaffeesatz Regular" panose="02000000000000000000" pitchFamily="2" charset="0"/>
-              </a:rPr>
-              <a:t>   public void Do</a:t>
-            </a:r>
-            <a:r>
-              <a:rPr lang="en-US" sz="3200" dirty="0" smtClean="0">
-                <a:solidFill>
-                  <a:schemeClr val="tx2"/>
-                </a:solidFill>
-                <a:latin typeface="Yanone Kaffeesatz Regular" panose="02000000000000000000" pitchFamily="2" charset="0"/>
-              </a:rPr>
-              <a:t>() {</a:t>
-            </a:r>
-            <a:endParaRPr lang="en-US" sz="3200" dirty="0">
-              <a:solidFill>
-                <a:schemeClr val="tx2"/>
-              </a:solidFill>
-              <a:latin typeface="Yanone Kaffeesatz Regular" panose="02000000000000000000" pitchFamily="2" charset="0"/>
-            </a:endParaRPr>
+              <a:t>   public void Do() {</a:t>
+            </a:r>
           </a:p>
           <a:p>
             <a:r>
@@ -43426,29 +43134,22 @@
   <p:clrMapOvr>
     <a:masterClrMapping/>
   </p:clrMapOvr>
-  <mc:AlternateContent xmlns:mc="http://schemas.openxmlformats.org/markup-compatibility/2006">
-    <mc:Choice xmlns:p15="http://schemas.microsoft.com/office/powerpoint/2012/main" Requires="p15">
+  <mc:AlternateContent xmlns:mc="http://schemas.openxmlformats.org/markup-compatibility/2006" xmlns:p15="http://schemas.microsoft.com/office/powerpoint/2012/main">
+    <mc:Choice Requires="p15">
       <p:transition xmlns:p14="http://schemas.microsoft.com/office/powerpoint/2010/main" spd="slow" p14:dur="2000">
         <p15:prstTrans prst="crush"/>
       </p:transition>
     </mc:Choice>
-    <mc:Fallback>
+    <mc:Fallback xmlns="">
       <p:transition spd="slow">
         <p:fade/>
       </p:transition>
     </mc:Fallback>
   </mc:AlternateContent>
-  <p:timing>
-    <p:tnLst>
-      <p:par>
-        <p:cTn id="1" dur="indefinite" restart="never" nodeType="tmRoot"/>
-      </p:par>
-    </p:tnLst>
-  </p:timing>
 </p:sld>
 </file>
 
-<file path=ppt/slides/slide66.xml><?xml version="1.0" encoding="utf-8"?>
+<file path=ppt/slides/slide67.xml><?xml version="1.0" encoding="utf-8"?>
 <p:sld xmlns:a="http://schemas.openxmlformats.org/drawingml/2006/main" xmlns:r="http://schemas.openxmlformats.org/officeDocument/2006/relationships" xmlns:p="http://schemas.openxmlformats.org/presentationml/2006/main">
   <p:cSld>
     <p:spTree>
@@ -43487,7 +43188,7 @@
           <a:lstStyle/>
           <a:p>
             <a:r>
-              <a:rPr lang="en-US" sz="2800" dirty="0" err="1" smtClean="0">
+              <a:rPr lang="en-US" sz="2800" dirty="0" err="1">
                 <a:solidFill>
                   <a:schemeClr val="accent3"/>
                 </a:solidFill>
@@ -43496,22 +43197,98 @@
               <a:t>var</a:t>
             </a:r>
             <a:r>
-              <a:rPr lang="en-US" sz="2800" dirty="0" smtClean="0">
+              <a:rPr lang="en-US" sz="2800" dirty="0">
                 <a:solidFill>
                   <a:schemeClr val="accent3"/>
                 </a:solidFill>
                 <a:latin typeface="Yanone Kaffeesatz Regular" panose="02000000000000000000" pitchFamily="2" charset="0"/>
               </a:rPr>
+              <a:t> instance = new </a:t>
+            </a:r>
+            <a:r>
+              <a:rPr lang="en-US" sz="2800" dirty="0" err="1">
+                <a:solidFill>
+                  <a:schemeClr val="accent3"/>
+                </a:solidFill>
+                <a:latin typeface="Yanone Kaffeesatz Regular" panose="02000000000000000000" pitchFamily="2" charset="0"/>
+              </a:rPr>
+              <a:t>ClassWithAmbientState</a:t>
+            </a:r>
+            <a:r>
+              <a:rPr lang="en-US" sz="2800" dirty="0">
+                <a:solidFill>
+                  <a:schemeClr val="accent3"/>
+                </a:solidFill>
+                <a:latin typeface="Yanone Kaffeesatz Regular" panose="02000000000000000000" pitchFamily="2" charset="0"/>
+              </a:rPr>
+              <a:t>();</a:t>
+            </a:r>
+          </a:p>
+          <a:p>
+            <a:r>
+              <a:rPr lang="en-US" sz="2800" dirty="0" err="1">
+                <a:solidFill>
+                  <a:schemeClr val="accent3"/>
+                </a:solidFill>
+                <a:latin typeface="Yanone Kaffeesatz Regular" panose="02000000000000000000" pitchFamily="2" charset="0"/>
+              </a:rPr>
+              <a:t>var</a:t>
+            </a:r>
+            <a:r>
+              <a:rPr lang="en-US" sz="2800" dirty="0">
+                <a:solidFill>
+                  <a:schemeClr val="accent3"/>
+                </a:solidFill>
+                <a:latin typeface="Yanone Kaffeesatz Regular" panose="02000000000000000000" pitchFamily="2" charset="0"/>
+              </a:rPr>
+              <a:t> tasks = new Task[3];</a:t>
+            </a:r>
+          </a:p>
+          <a:p>
+            <a:r>
+              <a:rPr lang="en-US" sz="2800" dirty="0">
+                <a:solidFill>
+                  <a:schemeClr val="accent3"/>
+                </a:solidFill>
+                <a:latin typeface="Yanone Kaffeesatz Regular" panose="02000000000000000000" pitchFamily="2" charset="0"/>
+              </a:rPr>
+              <a:t>for (</a:t>
+            </a:r>
+            <a:r>
+              <a:rPr lang="en-US" sz="2800" dirty="0" err="1">
+                <a:solidFill>
+                  <a:schemeClr val="accent3"/>
+                </a:solidFill>
+                <a:latin typeface="Yanone Kaffeesatz Regular" panose="02000000000000000000" pitchFamily="2" charset="0"/>
+              </a:rPr>
+              <a:t>int</a:t>
+            </a:r>
+            <a:r>
+              <a:rPr lang="en-US" sz="2800" dirty="0">
+                <a:solidFill>
+                  <a:schemeClr val="accent3"/>
+                </a:solidFill>
+                <a:latin typeface="Yanone Kaffeesatz Regular" panose="02000000000000000000" pitchFamily="2" charset="0"/>
+              </a:rPr>
               <a:t> </a:t>
             </a:r>
             <a:r>
+              <a:rPr lang="en-US" sz="2800" dirty="0" err="1">
+                <a:solidFill>
+                  <a:schemeClr val="accent3"/>
+                </a:solidFill>
+                <a:latin typeface="Yanone Kaffeesatz Regular" panose="02000000000000000000" pitchFamily="2" charset="0"/>
+              </a:rPr>
+              <a:t>i</a:t>
+            </a:r>
+            <a:r>
               <a:rPr lang="en-US" sz="2800" dirty="0">
                 <a:solidFill>
                   <a:schemeClr val="accent3"/>
                 </a:solidFill>
                 <a:latin typeface="Yanone Kaffeesatz Regular" panose="02000000000000000000" pitchFamily="2" charset="0"/>
               </a:rPr>
-              <a:t>instance = new </a:t>
+              <a:t> = 0; </a:t>
             </a:r>
             <a:r>
               <a:rPr lang="en-US" sz="2800" dirty="0" err="1">
@@ -43520,7 +43297,7 @@
                 </a:solidFill>
                 <a:latin typeface="Yanone Kaffeesatz Regular" panose="02000000000000000000" pitchFamily="2" charset="0"/>
               </a:rPr>
-              <a:t>ClassWithAmbientState</a:t>
+              <a:t>i</a:t>
             </a:r>
             <a:r>
               <a:rPr lang="en-US" sz="2800" dirty="0">
@@ -43529,367 +43306,234 @@
                 </a:solidFill>
                 <a:latin typeface="Yanone Kaffeesatz Regular" panose="02000000000000000000" pitchFamily="2" charset="0"/>
               </a:rPr>
+              <a:t> &lt; 3; </a:t>
+            </a:r>
+            <a:r>
+              <a:rPr lang="en-US" sz="2800" dirty="0" err="1">
+                <a:solidFill>
+                  <a:schemeClr val="accent3"/>
+                </a:solidFill>
+                <a:latin typeface="Yanone Kaffeesatz Regular" panose="02000000000000000000" pitchFamily="2" charset="0"/>
+              </a:rPr>
+              <a:t>i</a:t>
+            </a:r>
+            <a:r>
+              <a:rPr lang="en-US" sz="2800" dirty="0">
+                <a:solidFill>
+                  <a:schemeClr val="accent3"/>
+                </a:solidFill>
+                <a:latin typeface="Yanone Kaffeesatz Regular" panose="02000000000000000000" pitchFamily="2" charset="0"/>
+              </a:rPr>
+              <a:t>++) {</a:t>
+            </a:r>
+          </a:p>
+          <a:p>
+            <a:r>
+              <a:rPr lang="en-US" sz="2800" dirty="0">
+                <a:solidFill>
+                  <a:schemeClr val="tx2"/>
+                </a:solidFill>
+                <a:latin typeface="Yanone Kaffeesatz Regular" panose="02000000000000000000" pitchFamily="2" charset="0"/>
+              </a:rPr>
+              <a:t>   tasks[</a:t>
+            </a:r>
+            <a:r>
+              <a:rPr lang="en-US" sz="2800" dirty="0" err="1">
+                <a:solidFill>
+                  <a:schemeClr val="tx2"/>
+                </a:solidFill>
+                <a:latin typeface="Yanone Kaffeesatz Regular" panose="02000000000000000000" pitchFamily="2" charset="0"/>
+              </a:rPr>
+              <a:t>i</a:t>
+            </a:r>
+            <a:r>
+              <a:rPr lang="en-US" sz="2800" dirty="0">
+                <a:solidFill>
+                  <a:schemeClr val="tx2"/>
+                </a:solidFill>
+                <a:latin typeface="Yanone Kaffeesatz Regular" panose="02000000000000000000" pitchFamily="2" charset="0"/>
+              </a:rPr>
+              <a:t>] = ((</a:t>
+            </a:r>
+            <a:r>
+              <a:rPr lang="en-US" sz="2800" dirty="0" err="1">
+                <a:solidFill>
+                  <a:schemeClr val="tx2"/>
+                </a:solidFill>
+                <a:latin typeface="Yanone Kaffeesatz Regular" panose="02000000000000000000" pitchFamily="2" charset="0"/>
+              </a:rPr>
+              <a:t>Func</a:t>
+            </a:r>
+            <a:r>
+              <a:rPr lang="en-US" sz="2800" dirty="0">
+                <a:solidFill>
+                  <a:schemeClr val="tx2"/>
+                </a:solidFill>
+                <a:latin typeface="Yanone Kaffeesatz Regular" panose="02000000000000000000" pitchFamily="2" charset="0"/>
+              </a:rPr>
+              <a:t>&lt;Task&gt;)(</a:t>
+            </a:r>
+            <a:r>
+              <a:rPr lang="en-US" sz="2800" dirty="0" err="1">
+                <a:solidFill>
+                  <a:schemeClr val="accent4"/>
+                </a:solidFill>
+                <a:latin typeface="Yanone Kaffeesatz Regular" panose="02000000000000000000" pitchFamily="2" charset="0"/>
+              </a:rPr>
+              <a:t>async</a:t>
+            </a:r>
+            <a:r>
+              <a:rPr lang="en-US" sz="2800" dirty="0">
+                <a:solidFill>
+                  <a:schemeClr val="accent4"/>
+                </a:solidFill>
+                <a:latin typeface="Yanone Kaffeesatz Regular" panose="02000000000000000000" pitchFamily="2" charset="0"/>
+              </a:rPr>
+              <a:t> </a:t>
+            </a:r>
+            <a:r>
+              <a:rPr lang="en-US" sz="2800" dirty="0">
+                <a:solidFill>
+                  <a:schemeClr val="tx2"/>
+                </a:solidFill>
+                <a:latin typeface="Yanone Kaffeesatz Regular" panose="02000000000000000000" pitchFamily="2" charset="0"/>
+              </a:rPr>
+              <a:t>() =&gt; {</a:t>
+            </a:r>
+          </a:p>
+          <a:p>
+            <a:r>
+              <a:rPr lang="en-US" sz="2800" dirty="0">
+                <a:solidFill>
+                  <a:schemeClr val="tx2"/>
+                </a:solidFill>
+                <a:latin typeface="Yanone Kaffeesatz Regular" panose="02000000000000000000" pitchFamily="2" charset="0"/>
+              </a:rPr>
+              <a:t>      </a:t>
+            </a:r>
+            <a:r>
+              <a:rPr lang="en-US" sz="2800" dirty="0" err="1">
+                <a:solidFill>
+                  <a:schemeClr val="accent4"/>
+                </a:solidFill>
+                <a:latin typeface="Yanone Kaffeesatz Regular" panose="02000000000000000000" pitchFamily="2" charset="0"/>
+              </a:rPr>
+              <a:t>instance.Do</a:t>
+            </a:r>
+            <a:r>
+              <a:rPr lang="en-US" sz="2800" dirty="0">
+                <a:solidFill>
+                  <a:schemeClr val="tx2"/>
+                </a:solidFill>
+                <a:latin typeface="Yanone Kaffeesatz Regular" panose="02000000000000000000" pitchFamily="2" charset="0"/>
+              </a:rPr>
               <a:t>();</a:t>
             </a:r>
           </a:p>
           <a:p>
             <a:r>
+              <a:rPr lang="en-US" sz="2800" dirty="0">
+                <a:solidFill>
+                  <a:schemeClr val="tx2"/>
+                </a:solidFill>
+                <a:latin typeface="Yanone Kaffeesatz Regular" panose="02000000000000000000" pitchFamily="2" charset="0"/>
+              </a:rPr>
+              <a:t>      </a:t>
+            </a:r>
+            <a:r>
+              <a:rPr lang="en-US" sz="2800" dirty="0">
+                <a:solidFill>
+                  <a:schemeClr val="accent4"/>
+                </a:solidFill>
+                <a:latin typeface="Yanone Kaffeesatz Regular" panose="02000000000000000000" pitchFamily="2" charset="0"/>
+              </a:rPr>
+              <a:t>await</a:t>
+            </a:r>
+            <a:r>
+              <a:rPr lang="en-US" sz="2800" dirty="0">
+                <a:solidFill>
+                  <a:schemeClr val="tx2"/>
+                </a:solidFill>
+                <a:latin typeface="Yanone Kaffeesatz Regular" panose="02000000000000000000" pitchFamily="2" charset="0"/>
+              </a:rPr>
+              <a:t> </a:t>
+            </a:r>
+            <a:r>
               <a:rPr lang="en-US" sz="2800" dirty="0" err="1">
                 <a:solidFill>
-                  <a:schemeClr val="accent3"/>
-                </a:solidFill>
-                <a:latin typeface="Yanone Kaffeesatz Regular" panose="02000000000000000000" pitchFamily="2" charset="0"/>
-              </a:rPr>
-              <a:t>var</a:t>
+                  <a:schemeClr val="tx2"/>
+                </a:solidFill>
+                <a:latin typeface="Yanone Kaffeesatz Regular" panose="02000000000000000000" pitchFamily="2" charset="0"/>
+              </a:rPr>
+              <a:t>Task.Delay</a:t>
             </a:r>
             <a:r>
               <a:rPr lang="en-US" sz="2800" dirty="0">
                 <a:solidFill>
-                  <a:schemeClr val="accent3"/>
-                </a:solidFill>
-                <a:latin typeface="Yanone Kaffeesatz Regular" panose="02000000000000000000" pitchFamily="2" charset="0"/>
-              </a:rPr>
-              <a:t> tasks = new Task[3];</a:t>
-            </a:r>
-          </a:p>
-          <a:p>
+                  <a:schemeClr val="tx2"/>
+                </a:solidFill>
+                <a:latin typeface="Yanone Kaffeesatz Regular" panose="02000000000000000000" pitchFamily="2" charset="0"/>
+              </a:rPr>
+              <a:t>(200).</a:t>
+            </a:r>
+            <a:r>
+              <a:rPr lang="en-US" sz="2800" dirty="0" err="1">
+                <a:solidFill>
+                  <a:schemeClr val="tx2"/>
+                </a:solidFill>
+                <a:latin typeface="Yanone Kaffeesatz Regular" panose="02000000000000000000" pitchFamily="2" charset="0"/>
+              </a:rPr>
+              <a:t>ConfigureAwait</a:t>
+            </a:r>
             <a:r>
               <a:rPr lang="en-US" sz="2800" dirty="0">
                 <a:solidFill>
-                  <a:schemeClr val="accent3"/>
-                </a:solidFill>
-                <a:latin typeface="Yanone Kaffeesatz Regular" panose="02000000000000000000" pitchFamily="2" charset="0"/>
-              </a:rPr>
-              <a:t>for (</a:t>
+                  <a:schemeClr val="tx2"/>
+                </a:solidFill>
+                <a:latin typeface="Yanone Kaffeesatz Regular" panose="02000000000000000000" pitchFamily="2" charset="0"/>
+              </a:rPr>
+              <a:t>(false);</a:t>
+            </a:r>
+          </a:p>
+          <a:p>
+            <a:r>
+              <a:rPr lang="en-US" sz="2800" dirty="0">
+                <a:solidFill>
+                  <a:schemeClr val="tx2"/>
+                </a:solidFill>
+                <a:latin typeface="Yanone Kaffeesatz Regular" panose="02000000000000000000" pitchFamily="2" charset="0"/>
+              </a:rPr>
+              <a:t>      </a:t>
             </a:r>
             <a:r>
               <a:rPr lang="en-US" sz="2800" dirty="0" err="1">
                 <a:solidFill>
-                  <a:schemeClr val="accent3"/>
-                </a:solidFill>
-                <a:latin typeface="Yanone Kaffeesatz Regular" panose="02000000000000000000" pitchFamily="2" charset="0"/>
-              </a:rPr>
-              <a:t>int</a:t>
+                  <a:schemeClr val="accent4"/>
+                </a:solidFill>
+                <a:latin typeface="Yanone Kaffeesatz Regular" panose="02000000000000000000" pitchFamily="2" charset="0"/>
+              </a:rPr>
+              <a:t>instance.Do</a:t>
             </a:r>
             <a:r>
               <a:rPr lang="en-US" sz="2800" dirty="0">
                 <a:solidFill>
-                  <a:schemeClr val="accent3"/>
-                </a:solidFill>
-                <a:latin typeface="Yanone Kaffeesatz Regular" panose="02000000000000000000" pitchFamily="2" charset="0"/>
-              </a:rPr>
-              <a:t> </a:t>
-            </a:r>
-            <a:r>
-              <a:rPr lang="en-US" sz="2800" dirty="0" err="1">
-                <a:solidFill>
-                  <a:schemeClr val="accent3"/>
-                </a:solidFill>
-                <a:latin typeface="Yanone Kaffeesatz Regular" panose="02000000000000000000" pitchFamily="2" charset="0"/>
-              </a:rPr>
-              <a:t>i</a:t>
-            </a:r>
+                  <a:schemeClr val="tx2"/>
+                </a:solidFill>
+                <a:latin typeface="Yanone Kaffeesatz Regular" panose="02000000000000000000" pitchFamily="2" charset="0"/>
+              </a:rPr>
+              <a:t>();</a:t>
+            </a:r>
+          </a:p>
+          <a:p>
             <a:r>
               <a:rPr lang="en-US" sz="2800" dirty="0">
                 <a:solidFill>
-                  <a:schemeClr val="accent3"/>
-                </a:solidFill>
-                <a:latin typeface="Yanone Kaffeesatz Regular" panose="02000000000000000000" pitchFamily="2" charset="0"/>
-              </a:rPr>
-              <a:t> = 0; </a:t>
-            </a:r>
-            <a:r>
-              <a:rPr lang="en-US" sz="2800" dirty="0" err="1">
-                <a:solidFill>
-                  <a:schemeClr val="accent3"/>
-                </a:solidFill>
-                <a:latin typeface="Yanone Kaffeesatz Regular" panose="02000000000000000000" pitchFamily="2" charset="0"/>
-              </a:rPr>
-              <a:t>i</a:t>
-            </a:r>
-            <a:r>
-              <a:rPr lang="en-US" sz="2800" dirty="0">
-                <a:solidFill>
-                  <a:schemeClr val="accent3"/>
-                </a:solidFill>
-                <a:latin typeface="Yanone Kaffeesatz Regular" panose="02000000000000000000" pitchFamily="2" charset="0"/>
-              </a:rPr>
-              <a:t> &lt; 3; </a:t>
-            </a:r>
-            <a:r>
-              <a:rPr lang="en-US" sz="2800" dirty="0" err="1">
-                <a:solidFill>
-                  <a:schemeClr val="accent3"/>
-                </a:solidFill>
-                <a:latin typeface="Yanone Kaffeesatz Regular" panose="02000000000000000000" pitchFamily="2" charset="0"/>
-              </a:rPr>
-              <a:t>i</a:t>
-            </a:r>
-            <a:r>
-              <a:rPr lang="en-US" sz="2800" dirty="0">
-                <a:solidFill>
-                  <a:schemeClr val="accent3"/>
-                </a:solidFill>
-                <a:latin typeface="Yanone Kaffeesatz Regular" panose="02000000000000000000" pitchFamily="2" charset="0"/>
-              </a:rPr>
-              <a:t>++) {</a:t>
-            </a:r>
-          </a:p>
-          <a:p>
-            <a:r>
-              <a:rPr lang="en-US" sz="2800" dirty="0">
-                <a:solidFill>
-                  <a:schemeClr val="tx2"/>
-                </a:solidFill>
-                <a:latin typeface="Yanone Kaffeesatz Regular" panose="02000000000000000000" pitchFamily="2" charset="0"/>
-              </a:rPr>
-              <a:t>   tasks[</a:t>
-            </a:r>
-            <a:r>
-              <a:rPr lang="en-US" sz="2800" dirty="0" err="1">
-                <a:solidFill>
-                  <a:schemeClr val="tx2"/>
-                </a:solidFill>
-                <a:latin typeface="Yanone Kaffeesatz Regular" panose="02000000000000000000" pitchFamily="2" charset="0"/>
-              </a:rPr>
-              <a:t>i</a:t>
-            </a:r>
-            <a:r>
-              <a:rPr lang="en-US" sz="2800" dirty="0">
-                <a:solidFill>
-                  <a:schemeClr val="tx2"/>
-                </a:solidFill>
-                <a:latin typeface="Yanone Kaffeesatz Regular" panose="02000000000000000000" pitchFamily="2" charset="0"/>
-              </a:rPr>
-              <a:t>] = </a:t>
-            </a:r>
-            <a:r>
-              <a:rPr lang="en-US" sz="2800" dirty="0" smtClean="0">
-                <a:solidFill>
-                  <a:schemeClr val="tx2"/>
-                </a:solidFill>
-                <a:latin typeface="Yanone Kaffeesatz Regular" panose="02000000000000000000" pitchFamily="2" charset="0"/>
-              </a:rPr>
-              <a:t>((</a:t>
-            </a:r>
-            <a:r>
-              <a:rPr lang="en-US" sz="2800" dirty="0" err="1" smtClean="0">
-                <a:solidFill>
-                  <a:schemeClr val="tx2"/>
-                </a:solidFill>
-                <a:latin typeface="Yanone Kaffeesatz Regular" panose="02000000000000000000" pitchFamily="2" charset="0"/>
-              </a:rPr>
-              <a:t>Func</a:t>
-            </a:r>
-            <a:r>
-              <a:rPr lang="en-US" sz="2800" dirty="0" smtClean="0">
-                <a:solidFill>
-                  <a:schemeClr val="tx2"/>
-                </a:solidFill>
-                <a:latin typeface="Yanone Kaffeesatz Regular" panose="02000000000000000000" pitchFamily="2" charset="0"/>
-              </a:rPr>
-              <a:t>&lt;Task&gt;)(</a:t>
-            </a:r>
-            <a:r>
-              <a:rPr lang="en-US" sz="2800" dirty="0" err="1" smtClean="0">
-                <a:solidFill>
-                  <a:schemeClr val="accent4"/>
-                </a:solidFill>
-                <a:latin typeface="Yanone Kaffeesatz Regular" panose="02000000000000000000" pitchFamily="2" charset="0"/>
-              </a:rPr>
-              <a:t>async</a:t>
-            </a:r>
-            <a:r>
-              <a:rPr lang="en-US" sz="2800" dirty="0" smtClean="0">
-                <a:solidFill>
-                  <a:schemeClr val="accent4"/>
-                </a:solidFill>
-                <a:latin typeface="Yanone Kaffeesatz Regular" panose="02000000000000000000" pitchFamily="2" charset="0"/>
-              </a:rPr>
-              <a:t> </a:t>
-            </a:r>
-            <a:r>
-              <a:rPr lang="en-US" sz="2800" dirty="0" smtClean="0">
-                <a:solidFill>
-                  <a:schemeClr val="tx2"/>
-                </a:solidFill>
-                <a:latin typeface="Yanone Kaffeesatz Regular" panose="02000000000000000000" pitchFamily="2" charset="0"/>
-              </a:rPr>
-              <a:t>() </a:t>
-            </a:r>
-            <a:r>
-              <a:rPr lang="en-US" sz="2800" dirty="0">
-                <a:solidFill>
-                  <a:schemeClr val="tx2"/>
-                </a:solidFill>
-                <a:latin typeface="Yanone Kaffeesatz Regular" panose="02000000000000000000" pitchFamily="2" charset="0"/>
-              </a:rPr>
-              <a:t>=&gt; {</a:t>
-            </a:r>
-          </a:p>
-          <a:p>
-            <a:r>
-              <a:rPr lang="en-US" sz="2800" dirty="0">
-                <a:solidFill>
-                  <a:schemeClr val="tx2"/>
-                </a:solidFill>
-                <a:latin typeface="Yanone Kaffeesatz Regular" panose="02000000000000000000" pitchFamily="2" charset="0"/>
-              </a:rPr>
-              <a:t>      </a:t>
-            </a:r>
-            <a:r>
-              <a:rPr lang="en-US" sz="2800" dirty="0" err="1">
-                <a:solidFill>
-                  <a:schemeClr val="accent4"/>
-                </a:solidFill>
-                <a:latin typeface="Yanone Kaffeesatz Regular" panose="02000000000000000000" pitchFamily="2" charset="0"/>
-              </a:rPr>
-              <a:t>instance.Do</a:t>
-            </a:r>
-            <a:r>
-              <a:rPr lang="en-US" sz="2800" dirty="0">
-                <a:solidFill>
-                  <a:schemeClr val="tx2"/>
-                </a:solidFill>
-                <a:latin typeface="Yanone Kaffeesatz Regular" panose="02000000000000000000" pitchFamily="2" charset="0"/>
-              </a:rPr>
-              <a:t>();</a:t>
-            </a:r>
-          </a:p>
-          <a:p>
-            <a:r>
-              <a:rPr lang="en-US" sz="2800" dirty="0">
-                <a:solidFill>
-                  <a:schemeClr val="tx2"/>
-                </a:solidFill>
-                <a:latin typeface="Yanone Kaffeesatz Regular" panose="02000000000000000000" pitchFamily="2" charset="0"/>
-              </a:rPr>
-              <a:t>      </a:t>
-            </a:r>
-            <a:r>
-              <a:rPr lang="en-US" sz="2800" dirty="0" smtClean="0">
-                <a:solidFill>
-                  <a:schemeClr val="accent4"/>
-                </a:solidFill>
-                <a:latin typeface="Yanone Kaffeesatz Regular" panose="02000000000000000000" pitchFamily="2" charset="0"/>
-              </a:rPr>
-              <a:t>await</a:t>
-            </a:r>
-            <a:r>
-              <a:rPr lang="en-US" sz="2800" dirty="0" smtClean="0">
-                <a:solidFill>
-                  <a:schemeClr val="tx2"/>
-                </a:solidFill>
-                <a:latin typeface="Yanone Kaffeesatz Regular" panose="02000000000000000000" pitchFamily="2" charset="0"/>
-              </a:rPr>
-              <a:t> </a:t>
-            </a:r>
-            <a:r>
-              <a:rPr lang="en-US" sz="2800" dirty="0" err="1" smtClean="0">
-                <a:solidFill>
-                  <a:schemeClr val="tx2"/>
-                </a:solidFill>
-                <a:latin typeface="Yanone Kaffeesatz Regular" panose="02000000000000000000" pitchFamily="2" charset="0"/>
-              </a:rPr>
-              <a:t>Task.Delay</a:t>
-            </a:r>
-            <a:r>
-              <a:rPr lang="en-US" sz="2800" dirty="0" smtClean="0">
-                <a:solidFill>
-                  <a:schemeClr val="tx2"/>
-                </a:solidFill>
-                <a:latin typeface="Yanone Kaffeesatz Regular" panose="02000000000000000000" pitchFamily="2" charset="0"/>
-              </a:rPr>
-              <a:t>(200).</a:t>
-            </a:r>
-            <a:r>
-              <a:rPr lang="en-US" sz="2800" dirty="0" err="1" smtClean="0">
-                <a:solidFill>
-                  <a:schemeClr val="tx2"/>
-                </a:solidFill>
-                <a:latin typeface="Yanone Kaffeesatz Regular" panose="02000000000000000000" pitchFamily="2" charset="0"/>
-              </a:rPr>
-              <a:t>ConfigureAwait</a:t>
-            </a:r>
-            <a:r>
-              <a:rPr lang="en-US" sz="2800" dirty="0" smtClean="0">
-                <a:solidFill>
-                  <a:schemeClr val="tx2"/>
-                </a:solidFill>
-                <a:latin typeface="Yanone Kaffeesatz Regular" panose="02000000000000000000" pitchFamily="2" charset="0"/>
-              </a:rPr>
-              <a:t>(false)</a:t>
-            </a:r>
-            <a:r>
-              <a:rPr lang="en-US" sz="2800" dirty="0" smtClean="0">
-                <a:solidFill>
-                  <a:schemeClr val="tx2"/>
-                </a:solidFill>
-                <a:latin typeface="Yanone Kaffeesatz Regular" panose="02000000000000000000" pitchFamily="2" charset="0"/>
-              </a:rPr>
-              <a:t>;</a:t>
-            </a:r>
-            <a:endParaRPr lang="en-US" sz="2800" dirty="0">
-              <a:solidFill>
-                <a:schemeClr val="tx2"/>
-              </a:solidFill>
-              <a:latin typeface="Yanone Kaffeesatz Regular" panose="02000000000000000000" pitchFamily="2" charset="0"/>
-            </a:endParaRPr>
-          </a:p>
-          <a:p>
-            <a:r>
-              <a:rPr lang="en-US" sz="2800" dirty="0">
-                <a:solidFill>
-                  <a:schemeClr val="tx2"/>
-                </a:solidFill>
-                <a:latin typeface="Yanone Kaffeesatz Regular" panose="02000000000000000000" pitchFamily="2" charset="0"/>
-              </a:rPr>
-              <a:t>      </a:t>
-            </a:r>
-            <a:r>
-              <a:rPr lang="en-US" sz="2800" dirty="0" err="1">
-                <a:solidFill>
-                  <a:schemeClr val="accent4"/>
-                </a:solidFill>
-                <a:latin typeface="Yanone Kaffeesatz Regular" panose="02000000000000000000" pitchFamily="2" charset="0"/>
-              </a:rPr>
-              <a:t>instance.Do</a:t>
-            </a:r>
-            <a:r>
-              <a:rPr lang="en-US" sz="2800" dirty="0">
-                <a:solidFill>
-                  <a:schemeClr val="tx2"/>
-                </a:solidFill>
-                <a:latin typeface="Yanone Kaffeesatz Regular" panose="02000000000000000000" pitchFamily="2" charset="0"/>
-              </a:rPr>
-              <a:t>();</a:t>
-            </a:r>
-          </a:p>
-          <a:p>
-            <a:r>
-              <a:rPr lang="en-US" sz="2800" dirty="0">
-                <a:solidFill>
-                  <a:schemeClr val="tx2"/>
-                </a:solidFill>
-                <a:latin typeface="Yanone Kaffeesatz Regular" panose="02000000000000000000" pitchFamily="2" charset="0"/>
-              </a:rPr>
-              <a:t>   </a:t>
-            </a:r>
-            <a:r>
-              <a:rPr lang="en-US" sz="2800" dirty="0" smtClean="0">
-                <a:solidFill>
-                  <a:schemeClr val="tx2"/>
-                </a:solidFill>
-                <a:latin typeface="Yanone Kaffeesatz Regular" panose="02000000000000000000" pitchFamily="2" charset="0"/>
-              </a:rPr>
-              <a:t>}))();</a:t>
-            </a:r>
-            <a:endParaRPr lang="en-US" sz="2800" dirty="0">
-              <a:solidFill>
-                <a:schemeClr val="tx2"/>
-              </a:solidFill>
-              <a:latin typeface="Yanone Kaffeesatz Regular" panose="02000000000000000000" pitchFamily="2" charset="0"/>
-            </a:endParaRPr>
+                  <a:schemeClr val="tx2"/>
+                </a:solidFill>
+                <a:latin typeface="Yanone Kaffeesatz Regular" panose="02000000000000000000" pitchFamily="2" charset="0"/>
+              </a:rPr>
+              <a:t>   }))();</a:t>
+            </a:r>
           </a:p>
           <a:p>
             <a:r>
@@ -44054,7 +43698,7 @@
             <a:lstStyle/>
             <a:p>
               <a:r>
-                <a:rPr lang="en-US" sz="3600" dirty="0" smtClean="0">
+                <a:rPr lang="en-US" sz="3600" dirty="0">
                   <a:solidFill>
                     <a:schemeClr val="accent2"/>
                   </a:solidFill>
@@ -44063,7 +43707,7 @@
                 <a:t>Fix it</a:t>
               </a:r>
               <a:r>
-                <a:rPr lang="en-US" sz="6000" dirty="0" smtClean="0">
+                <a:rPr lang="en-US" sz="6000" dirty="0">
                   <a:solidFill>
                     <a:schemeClr val="accent2"/>
                   </a:solidFill>
@@ -44086,17 +43730,10 @@
   <p:clrMapOvr>
     <a:masterClrMapping/>
   </p:clrMapOvr>
-  <p:timing>
-    <p:tnLst>
-      <p:par>
-        <p:cTn id="1" dur="indefinite" restart="never" nodeType="tmRoot"/>
-      </p:par>
-    </p:tnLst>
-  </p:timing>
 </p:sld>
 </file>
 
-<file path=ppt/slides/slide67.xml><?xml version="1.0" encoding="utf-8"?>
+<file path=ppt/slides/slide68.xml><?xml version="1.0" encoding="utf-8"?>
 <p:sld xmlns:a="http://schemas.openxmlformats.org/drawingml/2006/main" xmlns:r="http://schemas.openxmlformats.org/officeDocument/2006/relationships" xmlns:p="http://schemas.openxmlformats.org/presentationml/2006/main">
   <p:cSld>
     <p:spTree>
@@ -44353,17 +43990,10 @@
   <p:clrMapOvr>
     <a:masterClrMapping/>
   </p:clrMapOvr>
-  <p:timing>
-    <p:tnLst>
-      <p:par>
-        <p:cTn id="1" dur="indefinite" restart="never" nodeType="tmRoot"/>
-      </p:par>
-    </p:tnLst>
-  </p:timing>
 </p:sld>
 </file>
 
-<file path=ppt/slides/slide68.xml><?xml version="1.0" encoding="utf-8"?>
+<file path=ppt/slides/slide69.xml><?xml version="1.0" encoding="utf-8"?>
 <p:sld xmlns:a="http://schemas.openxmlformats.org/drawingml/2006/main" xmlns:r="http://schemas.openxmlformats.org/officeDocument/2006/relationships" xmlns:p="http://schemas.openxmlformats.org/presentationml/2006/main">
   <p:cSld>
     <p:spTree>
@@ -44402,7 +44032,7 @@
           <a:lstStyle/>
           <a:p>
             <a:r>
-              <a:rPr lang="en-US" sz="3200" dirty="0" err="1" smtClean="0">
+              <a:rPr lang="en-US" sz="3200" dirty="0" err="1">
                 <a:solidFill>
                   <a:schemeClr val="tx2"/>
                 </a:solidFill>
@@ -44411,25 +44041,16 @@
               <a:t>var</a:t>
             </a:r>
             <a:r>
-              <a:rPr lang="en-US" sz="3200" dirty="0" smtClean="0">
-                <a:solidFill>
-                  <a:schemeClr val="tx2"/>
-                </a:solidFill>
-                <a:latin typeface="Yanone Kaffeesatz Regular" panose="02000000000000000000" pitchFamily="2" charset="0"/>
-              </a:rPr>
-              <a:t> </a:t>
-            </a:r>
-            <a:r>
               <a:rPr lang="en-US" sz="3200" dirty="0">
                 <a:solidFill>
                   <a:schemeClr val="tx2"/>
                 </a:solidFill>
                 <a:latin typeface="Yanone Kaffeesatz Regular" panose="02000000000000000000" pitchFamily="2" charset="0"/>
               </a:rPr>
-              <a:t>instance = new </a:t>
-            </a:r>
-            <a:r>
-              <a:rPr lang="en-US" sz="3200" dirty="0" err="1" smtClean="0">
+              <a:t> instance = new </a:t>
+            </a:r>
+            <a:r>
+              <a:rPr lang="en-US" sz="3200" dirty="0" err="1">
                 <a:solidFill>
                   <a:schemeClr val="tx2"/>
                 </a:solidFill>
@@ -44438,7 +44059,7 @@
               <a:t>ClassWithFloatingState</a:t>
             </a:r>
             <a:r>
-              <a:rPr lang="en-US" sz="3200" dirty="0" smtClean="0">
+              <a:rPr lang="en-US" sz="3200" dirty="0">
                 <a:solidFill>
                   <a:schemeClr val="tx2"/>
                 </a:solidFill>
@@ -44446,12 +44067,6 @@
               </a:rPr>
               <a:t>();</a:t>
             </a:r>
-            <a:endParaRPr lang="en-US" sz="3200" dirty="0">
-              <a:solidFill>
-                <a:schemeClr val="tx2"/>
-              </a:solidFill>
-              <a:latin typeface="Yanone Kaffeesatz Regular" panose="02000000000000000000" pitchFamily="2" charset="0"/>
-            </a:endParaRPr>
           </a:p>
           <a:p>
             <a:endParaRPr lang="en-US" sz="3200" dirty="0">
@@ -44988,17 +44603,160 @@
   <p:clrMapOvr>
     <a:masterClrMapping/>
   </p:clrMapOvr>
-  <p:timing>
-    <p:tnLst>
-      <p:par>
-        <p:cTn id="1" dur="indefinite" restart="never" nodeType="tmRoot"/>
-      </p:par>
-    </p:tnLst>
-  </p:timing>
 </p:sld>
 </file>
 
-<file path=ppt/slides/slide69.xml><?xml version="1.0" encoding="utf-8"?>
+<file path=ppt/slides/slide7.xml><?xml version="1.0" encoding="utf-8"?>
+<p:sld xmlns:a="http://schemas.openxmlformats.org/drawingml/2006/main" xmlns:r="http://schemas.openxmlformats.org/officeDocument/2006/relationships" xmlns:p="http://schemas.openxmlformats.org/presentationml/2006/main">
+  <p:cSld>
+    <p:spTree>
+      <p:nvGrpSpPr>
+        <p:cNvPr id="1" name=""/>
+        <p:cNvGrpSpPr/>
+        <p:nvPr/>
+      </p:nvGrpSpPr>
+      <p:grpSpPr>
+        <a:xfrm>
+          <a:off x="0" y="0"/>
+          <a:ext cx="0" cy="0"/>
+          <a:chOff x="0" y="0"/>
+          <a:chExt cx="0" cy="0"/>
+        </a:xfrm>
+      </p:grpSpPr>
+      <p:grpSp>
+        <p:nvGrpSpPr>
+          <p:cNvPr id="3" name="Group 2"/>
+          <p:cNvGrpSpPr/>
+          <p:nvPr/>
+        </p:nvGrpSpPr>
+        <p:grpSpPr>
+          <a:xfrm>
+            <a:off x="1697040" y="735955"/>
+            <a:ext cx="8466503" cy="5386090"/>
+            <a:chOff x="1040633" y="1050953"/>
+            <a:chExt cx="8466503" cy="5386090"/>
+          </a:xfrm>
+        </p:grpSpPr>
+        <p:sp>
+          <p:nvSpPr>
+            <p:cNvPr id="2" name="Rectangle 1"/>
+            <p:cNvSpPr/>
+            <p:nvPr/>
+          </p:nvSpPr>
+          <p:spPr>
+            <a:xfrm>
+              <a:off x="3575704" y="1050953"/>
+              <a:ext cx="5931432" cy="5386090"/>
+            </a:xfrm>
+            <a:prstGeom prst="rect">
+              <a:avLst/>
+            </a:prstGeom>
+          </p:spPr>
+          <p:txBody>
+            <a:bodyPr wrap="none">
+              <a:spAutoFit/>
+            </a:bodyPr>
+            <a:lstStyle/>
+            <a:p>
+              <a:r>
+                <a:rPr lang="en-US" sz="34400" dirty="0">
+                  <a:solidFill>
+                    <a:schemeClr val="accent2"/>
+                  </a:solidFill>
+                  <a:latin typeface="Yanone Kaffeesatz Regular" panose="02000000000000000000" pitchFamily="2" charset="0"/>
+                </a:rPr>
+                <a:t>cast</a:t>
+              </a:r>
+              <a:endParaRPr lang="de-CH" sz="2400" dirty="0"/>
+            </a:p>
+          </p:txBody>
+        </p:sp>
+        <p:sp>
+          <p:nvSpPr>
+            <p:cNvPr id="4" name="Rectangle 3"/>
+            <p:cNvSpPr/>
+            <p:nvPr/>
+          </p:nvSpPr>
+          <p:spPr>
+            <a:xfrm>
+              <a:off x="1040633" y="1702859"/>
+              <a:ext cx="2042547" cy="1107996"/>
+            </a:xfrm>
+            <a:prstGeom prst="rect">
+              <a:avLst/>
+            </a:prstGeom>
+          </p:spPr>
+          <p:txBody>
+            <a:bodyPr wrap="none">
+              <a:spAutoFit/>
+            </a:bodyPr>
+            <a:lstStyle/>
+            <a:p>
+              <a:r>
+                <a:rPr lang="en-US" sz="6600" dirty="0">
+                  <a:solidFill>
+                    <a:schemeClr val="accent3"/>
+                  </a:solidFill>
+                  <a:latin typeface="Yanone Kaffeesatz Regular" panose="02000000000000000000" pitchFamily="2" charset="0"/>
+                </a:rPr>
+                <a:t>The die</a:t>
+              </a:r>
+            </a:p>
+          </p:txBody>
+        </p:sp>
+        <p:sp>
+          <p:nvSpPr>
+            <p:cNvPr id="5" name="Rectangle 4"/>
+            <p:cNvSpPr/>
+            <p:nvPr/>
+          </p:nvSpPr>
+          <p:spPr>
+            <a:xfrm>
+              <a:off x="1924083" y="2538448"/>
+              <a:ext cx="1104790" cy="2215991"/>
+            </a:xfrm>
+            <a:prstGeom prst="rect">
+              <a:avLst/>
+            </a:prstGeom>
+          </p:spPr>
+          <p:txBody>
+            <a:bodyPr wrap="none">
+              <a:spAutoFit/>
+            </a:bodyPr>
+            <a:lstStyle/>
+            <a:p>
+              <a:r>
+                <a:rPr lang="en-US" sz="13800" dirty="0">
+                  <a:solidFill>
+                    <a:schemeClr val="tx2"/>
+                  </a:solidFill>
+                  <a:latin typeface="Yanone Kaffeesatz Regular" panose="02000000000000000000" pitchFamily="2" charset="0"/>
+                </a:rPr>
+                <a:t>is</a:t>
+              </a:r>
+              <a:endParaRPr lang="de-CH" sz="1600" dirty="0">
+                <a:solidFill>
+                  <a:schemeClr val="tx2"/>
+                </a:solidFill>
+              </a:endParaRPr>
+            </a:p>
+          </p:txBody>
+        </p:sp>
+      </p:grpSp>
+    </p:spTree>
+    <p:extLst>
+      <p:ext uri="{BB962C8B-B14F-4D97-AF65-F5344CB8AC3E}">
+        <p14:creationId xmlns:p14="http://schemas.microsoft.com/office/powerpoint/2010/main" val="4062756728"/>
+      </p:ext>
+    </p:extLst>
+  </p:cSld>
+  <p:clrMapOvr>
+    <a:masterClrMapping/>
+  </p:clrMapOvr>
+</p:sld>
+</file>
+
+<file path=ppt/slides/slide70.xml><?xml version="1.0" encoding="utf-8"?>
 <p:sld xmlns:a="http://schemas.openxmlformats.org/drawingml/2006/main" xmlns:r="http://schemas.openxmlformats.org/officeDocument/2006/relationships" xmlns:p="http://schemas.openxmlformats.org/presentationml/2006/main">
   <p:cSld>
     <p:spTree>
@@ -45259,7 +45017,7 @@
                 <a:t>b</a:t>
               </a:r>
               <a:r>
-                <a:rPr lang="en-US" sz="5400" dirty="0" smtClean="0">
+                <a:rPr lang="en-US" sz="5400" dirty="0">
                   <a:solidFill>
                     <a:schemeClr val="tx2"/>
                   </a:solidFill>
@@ -45297,7 +45055,7 @@
             <a:lstStyle/>
             <a:p>
               <a:r>
-                <a:rPr lang="en-US" sz="9600" dirty="0" smtClean="0">
+                <a:rPr lang="en-US" sz="9600" dirty="0">
                   <a:solidFill>
                     <a:schemeClr val="tx2"/>
                   </a:solidFill>
@@ -45306,7 +45064,7 @@
                 <a:t>i</a:t>
               </a:r>
               <a:r>
-                <a:rPr lang="en-US" sz="5400" dirty="0" smtClean="0">
+                <a:rPr lang="en-US" sz="5400" dirty="0">
                   <a:solidFill>
                     <a:schemeClr val="tx2"/>
                   </a:solidFill>
@@ -45402,7 +45160,7 @@
             <a:lstStyle/>
             <a:p>
               <a:r>
-                <a:rPr lang="en-US" sz="9600" dirty="0" smtClean="0">
+                <a:rPr lang="en-US" sz="9600" dirty="0">
                   <a:solidFill>
                     <a:schemeClr val="tx2"/>
                   </a:solidFill>
@@ -45411,7 +45169,7 @@
                 <a:t>o</a:t>
               </a:r>
               <a:r>
-                <a:rPr lang="en-US" sz="5400" dirty="0" smtClean="0">
+                <a:rPr lang="en-US" sz="5400" dirty="0">
                   <a:solidFill>
                     <a:schemeClr val="tx2"/>
                   </a:solidFill>
@@ -45419,12 +45177,6 @@
                 </a:rPr>
                 <a:t>vercome</a:t>
               </a:r>
-              <a:endParaRPr lang="en-US" sz="5400" dirty="0">
-                <a:solidFill>
-                  <a:schemeClr val="tx2"/>
-                </a:solidFill>
-                <a:latin typeface="Yanone Kaffeesatz Regular" panose="02000000000000000000" pitchFamily="2" charset="0"/>
-              </a:endParaRPr>
             </a:p>
           </p:txBody>
         </p:sp>
@@ -45439,174 +45191,10 @@
   <p:clrMapOvr>
     <a:masterClrMapping/>
   </p:clrMapOvr>
-  <p:timing>
-    <p:tnLst>
-      <p:par>
-        <p:cTn id="1" dur="indefinite" restart="never" nodeType="tmRoot"/>
-      </p:par>
-    </p:tnLst>
-  </p:timing>
 </p:sld>
 </file>
 
-<file path=ppt/slides/slide7.xml><?xml version="1.0" encoding="utf-8"?>
-<p:sld xmlns:a="http://schemas.openxmlformats.org/drawingml/2006/main" xmlns:r="http://schemas.openxmlformats.org/officeDocument/2006/relationships" xmlns:p="http://schemas.openxmlformats.org/presentationml/2006/main">
-  <p:cSld>
-    <p:spTree>
-      <p:nvGrpSpPr>
-        <p:cNvPr id="1" name=""/>
-        <p:cNvGrpSpPr/>
-        <p:nvPr/>
-      </p:nvGrpSpPr>
-      <p:grpSpPr>
-        <a:xfrm>
-          <a:off x="0" y="0"/>
-          <a:ext cx="0" cy="0"/>
-          <a:chOff x="0" y="0"/>
-          <a:chExt cx="0" cy="0"/>
-        </a:xfrm>
-      </p:grpSpPr>
-      <p:grpSp>
-        <p:nvGrpSpPr>
-          <p:cNvPr id="3" name="Group 2"/>
-          <p:cNvGrpSpPr/>
-          <p:nvPr/>
-        </p:nvGrpSpPr>
-        <p:grpSpPr>
-          <a:xfrm>
-            <a:off x="1697040" y="735955"/>
-            <a:ext cx="8466503" cy="5386090"/>
-            <a:chOff x="1040633" y="1050953"/>
-            <a:chExt cx="8466503" cy="5386090"/>
-          </a:xfrm>
-        </p:grpSpPr>
-        <p:sp>
-          <p:nvSpPr>
-            <p:cNvPr id="2" name="Rectangle 1"/>
-            <p:cNvSpPr/>
-            <p:nvPr/>
-          </p:nvSpPr>
-          <p:spPr>
-            <a:xfrm>
-              <a:off x="3575704" y="1050953"/>
-              <a:ext cx="5931432" cy="5386090"/>
-            </a:xfrm>
-            <a:prstGeom prst="rect">
-              <a:avLst/>
-            </a:prstGeom>
-          </p:spPr>
-          <p:txBody>
-            <a:bodyPr wrap="none">
-              <a:spAutoFit/>
-            </a:bodyPr>
-            <a:lstStyle/>
-            <a:p>
-              <a:r>
-                <a:rPr lang="en-US" sz="34400" dirty="0">
-                  <a:solidFill>
-                    <a:schemeClr val="accent2"/>
-                  </a:solidFill>
-                  <a:latin typeface="Yanone Kaffeesatz Regular" panose="02000000000000000000" pitchFamily="2" charset="0"/>
-                </a:rPr>
-                <a:t>cast</a:t>
-              </a:r>
-              <a:endParaRPr lang="de-CH" sz="2400" dirty="0"/>
-            </a:p>
-          </p:txBody>
-        </p:sp>
-        <p:sp>
-          <p:nvSpPr>
-            <p:cNvPr id="4" name="Rectangle 3"/>
-            <p:cNvSpPr/>
-            <p:nvPr/>
-          </p:nvSpPr>
-          <p:spPr>
-            <a:xfrm>
-              <a:off x="1040633" y="1702859"/>
-              <a:ext cx="2042547" cy="1107996"/>
-            </a:xfrm>
-            <a:prstGeom prst="rect">
-              <a:avLst/>
-            </a:prstGeom>
-          </p:spPr>
-          <p:txBody>
-            <a:bodyPr wrap="none">
-              <a:spAutoFit/>
-            </a:bodyPr>
-            <a:lstStyle/>
-            <a:p>
-              <a:r>
-                <a:rPr lang="en-US" sz="6600" dirty="0">
-                  <a:solidFill>
-                    <a:schemeClr val="accent3"/>
-                  </a:solidFill>
-                  <a:latin typeface="Yanone Kaffeesatz Regular" panose="02000000000000000000" pitchFamily="2" charset="0"/>
-                </a:rPr>
-                <a:t>The die</a:t>
-              </a:r>
-            </a:p>
-          </p:txBody>
-        </p:sp>
-        <p:sp>
-          <p:nvSpPr>
-            <p:cNvPr id="5" name="Rectangle 4"/>
-            <p:cNvSpPr/>
-            <p:nvPr/>
-          </p:nvSpPr>
-          <p:spPr>
-            <a:xfrm>
-              <a:off x="1924083" y="2538448"/>
-              <a:ext cx="1104790" cy="2215991"/>
-            </a:xfrm>
-            <a:prstGeom prst="rect">
-              <a:avLst/>
-            </a:prstGeom>
-          </p:spPr>
-          <p:txBody>
-            <a:bodyPr wrap="none">
-              <a:spAutoFit/>
-            </a:bodyPr>
-            <a:lstStyle/>
-            <a:p>
-              <a:r>
-                <a:rPr lang="en-US" sz="13800" dirty="0">
-                  <a:solidFill>
-                    <a:schemeClr val="tx2"/>
-                  </a:solidFill>
-                  <a:latin typeface="Yanone Kaffeesatz Regular" panose="02000000000000000000" pitchFamily="2" charset="0"/>
-                </a:rPr>
-                <a:t>is</a:t>
-              </a:r>
-              <a:endParaRPr lang="de-CH" sz="1600" dirty="0">
-                <a:solidFill>
-                  <a:schemeClr val="tx2"/>
-                </a:solidFill>
-              </a:endParaRPr>
-            </a:p>
-          </p:txBody>
-        </p:sp>
-      </p:grpSp>
-    </p:spTree>
-    <p:extLst>
-      <p:ext uri="{BB962C8B-B14F-4D97-AF65-F5344CB8AC3E}">
-        <p14:creationId xmlns:p14="http://schemas.microsoft.com/office/powerpoint/2010/main" val="4062756728"/>
-      </p:ext>
-    </p:extLst>
-  </p:cSld>
-  <p:clrMapOvr>
-    <a:masterClrMapping/>
-  </p:clrMapOvr>
-  <p:timing>
-    <p:tnLst>
-      <p:par>
-        <p:cTn id="1" dur="indefinite" restart="never" nodeType="tmRoot"/>
-      </p:par>
-    </p:tnLst>
-  </p:timing>
-</p:sld>
-</file>
-
-<file path=ppt/slides/slide70.xml><?xml version="1.0" encoding="utf-8"?>
+<file path=ppt/slides/slide71.xml><?xml version="1.0" encoding="utf-8"?>
 <p:sld xmlns:a="http://schemas.openxmlformats.org/drawingml/2006/main" xmlns:r="http://schemas.openxmlformats.org/officeDocument/2006/relationships" xmlns:p="http://schemas.openxmlformats.org/presentationml/2006/main">
   <p:cSld>
     <p:spTree>
@@ -46033,369 +45621,6 @@
   <p:clrMapOvr>
     <a:masterClrMapping/>
   </p:clrMapOvr>
-  <p:timing>
-    <p:tnLst>
-      <p:par>
-        <p:cTn id="1" dur="indefinite" restart="never" nodeType="tmRoot"/>
-      </p:par>
-    </p:tnLst>
-  </p:timing>
-</p:sld>
-</file>
-
-<file path=ppt/slides/slide71.xml><?xml version="1.0" encoding="utf-8"?>
-<p:sld xmlns:a="http://schemas.openxmlformats.org/drawingml/2006/main" xmlns:r="http://schemas.openxmlformats.org/officeDocument/2006/relationships" xmlns:p="http://schemas.openxmlformats.org/presentationml/2006/main">
-  <p:cSld>
-    <p:spTree>
-      <p:nvGrpSpPr>
-        <p:cNvPr id="1" name=""/>
-        <p:cNvGrpSpPr/>
-        <p:nvPr/>
-      </p:nvGrpSpPr>
-      <p:grpSpPr>
-        <a:xfrm>
-          <a:off x="0" y="0"/>
-          <a:ext cx="0" cy="0"/>
-          <a:chOff x="0" y="0"/>
-          <a:chExt cx="0" cy="0"/>
-        </a:xfrm>
-      </p:grpSpPr>
-      <p:sp>
-        <p:nvSpPr>
-          <p:cNvPr id="6" name="Rectangle 5"/>
-          <p:cNvSpPr/>
-          <p:nvPr/>
-        </p:nvSpPr>
-        <p:spPr>
-          <a:xfrm>
-            <a:off x="0" y="2705725"/>
-            <a:ext cx="4999912" cy="2800767"/>
-          </a:xfrm>
-          <a:prstGeom prst="rect">
-            <a:avLst/>
-          </a:prstGeom>
-        </p:spPr>
-        <p:txBody>
-          <a:bodyPr wrap="square">
-            <a:spAutoFit/>
-          </a:bodyPr>
-          <a:lstStyle/>
-          <a:p>
-            <a:pPr algn="ctr"/>
-            <a:r>
-              <a:rPr lang="en-US" sz="8800" dirty="0">
-                <a:solidFill>
-                  <a:schemeClr val="accent2"/>
-                </a:solidFill>
-                <a:latin typeface="Yanone Kaffeesatz Regular" panose="02000000000000000000" pitchFamily="2" charset="0"/>
-              </a:rPr>
-              <a:t>Bring it together</a:t>
-            </a:r>
-            <a:endParaRPr lang="de-CH" sz="1200" dirty="0"/>
-          </a:p>
-        </p:txBody>
-      </p:sp>
-      <p:sp>
-        <p:nvSpPr>
-          <p:cNvPr id="11" name="Rectangle 10"/>
-          <p:cNvSpPr/>
-          <p:nvPr/>
-        </p:nvSpPr>
-        <p:spPr>
-          <a:xfrm>
-            <a:off x="4885255" y="391527"/>
-            <a:ext cx="7306745" cy="6124754"/>
-          </a:xfrm>
-          <a:prstGeom prst="rect">
-            <a:avLst/>
-          </a:prstGeom>
-        </p:spPr>
-        <p:txBody>
-          <a:bodyPr wrap="square">
-            <a:spAutoFit/>
-          </a:bodyPr>
-          <a:lstStyle/>
-          <a:p>
-            <a:r>
-              <a:rPr lang="en-US" sz="2800" dirty="0">
-                <a:solidFill>
-                  <a:schemeClr val="tx2"/>
-                </a:solidFill>
-                <a:latin typeface="Yanone Kaffeesatz Regular" panose="02000000000000000000" pitchFamily="2" charset="0"/>
-              </a:rPr>
-              <a:t>void </a:t>
-            </a:r>
-            <a:r>
-              <a:rPr lang="en-US" sz="2800" dirty="0" err="1">
-                <a:solidFill>
-                  <a:schemeClr val="tx2"/>
-                </a:solidFill>
-                <a:latin typeface="Yanone Kaffeesatz Regular" panose="02000000000000000000" pitchFamily="2" charset="0"/>
-              </a:rPr>
-              <a:t>HighLevel</a:t>
-            </a:r>
-            <a:r>
-              <a:rPr lang="en-US" sz="2800" dirty="0">
-                <a:solidFill>
-                  <a:schemeClr val="tx2"/>
-                </a:solidFill>
-                <a:latin typeface="Yanone Kaffeesatz Regular" panose="02000000000000000000" pitchFamily="2" charset="0"/>
-              </a:rPr>
-              <a:t>() {</a:t>
-            </a:r>
-          </a:p>
-          <a:p>
-            <a:r>
-              <a:rPr lang="en-US" sz="2800" dirty="0">
-                <a:solidFill>
-                  <a:schemeClr val="tx2"/>
-                </a:solidFill>
-                <a:latin typeface="Yanone Kaffeesatz Regular" panose="02000000000000000000" pitchFamily="2" charset="0"/>
-              </a:rPr>
-              <a:t>   try { </a:t>
-            </a:r>
-          </a:p>
-          <a:p>
-            <a:r>
-              <a:rPr lang="en-US" sz="2800" dirty="0">
-                <a:solidFill>
-                  <a:schemeClr val="tx2"/>
-                </a:solidFill>
-                <a:latin typeface="Yanone Kaffeesatz Regular" panose="02000000000000000000" pitchFamily="2" charset="0"/>
-              </a:rPr>
-              <a:t>      </a:t>
-            </a:r>
-            <a:r>
-              <a:rPr lang="en-US" sz="2800" dirty="0" err="1">
-                <a:solidFill>
-                  <a:schemeClr val="tx2"/>
-                </a:solidFill>
-                <a:latin typeface="Yanone Kaffeesatz Regular" panose="02000000000000000000" pitchFamily="2" charset="0"/>
-              </a:rPr>
-              <a:t>MidLevel</a:t>
-            </a:r>
-            <a:r>
-              <a:rPr lang="en-US" sz="2800" dirty="0">
-                <a:solidFill>
-                  <a:schemeClr val="tx2"/>
-                </a:solidFill>
-                <a:latin typeface="Yanone Kaffeesatz Regular" panose="02000000000000000000" pitchFamily="2" charset="0"/>
-              </a:rPr>
-              <a:t>(); </a:t>
-            </a:r>
-          </a:p>
-          <a:p>
-            <a:r>
-              <a:rPr lang="en-US" sz="2800" dirty="0">
-                <a:solidFill>
-                  <a:schemeClr val="tx2"/>
-                </a:solidFill>
-                <a:latin typeface="Yanone Kaffeesatz Regular" panose="02000000000000000000" pitchFamily="2" charset="0"/>
-              </a:rPr>
-              <a:t>   } catch(</a:t>
-            </a:r>
-            <a:r>
-              <a:rPr lang="en-US" sz="2800" dirty="0" err="1">
-                <a:solidFill>
-                  <a:schemeClr val="tx2"/>
-                </a:solidFill>
-                <a:latin typeface="Yanone Kaffeesatz Regular" panose="02000000000000000000" pitchFamily="2" charset="0"/>
-              </a:rPr>
-              <a:t>InvalidOperationException</a:t>
-            </a:r>
-            <a:r>
-              <a:rPr lang="en-US" sz="2800" dirty="0">
-                <a:solidFill>
-                  <a:schemeClr val="tx2"/>
-                </a:solidFill>
-                <a:latin typeface="Yanone Kaffeesatz Regular" panose="02000000000000000000" pitchFamily="2" charset="0"/>
-              </a:rPr>
-              <a:t>) { }</a:t>
-            </a:r>
-          </a:p>
-          <a:p>
-            <a:r>
-              <a:rPr lang="en-US" sz="2800" dirty="0">
-                <a:solidFill>
-                  <a:schemeClr val="tx2"/>
-                </a:solidFill>
-                <a:latin typeface="Yanone Kaffeesatz Regular" panose="02000000000000000000" pitchFamily="2" charset="0"/>
-              </a:rPr>
-              <a:t>}</a:t>
-            </a:r>
-          </a:p>
-          <a:p>
-            <a:endParaRPr lang="en-US" sz="2800" dirty="0">
-              <a:solidFill>
-                <a:schemeClr val="tx2"/>
-              </a:solidFill>
-              <a:latin typeface="Yanone Kaffeesatz Regular" panose="02000000000000000000" pitchFamily="2" charset="0"/>
-            </a:endParaRPr>
-          </a:p>
-          <a:p>
-            <a:r>
-              <a:rPr lang="en-US" sz="2800" dirty="0">
-                <a:solidFill>
-                  <a:schemeClr val="tx2"/>
-                </a:solidFill>
-                <a:latin typeface="Yanone Kaffeesatz Regular" panose="02000000000000000000" pitchFamily="2" charset="0"/>
-              </a:rPr>
-              <a:t>void </a:t>
-            </a:r>
-            <a:r>
-              <a:rPr lang="en-US" sz="2800" dirty="0" err="1">
-                <a:solidFill>
-                  <a:schemeClr val="tx2"/>
-                </a:solidFill>
-                <a:latin typeface="Yanone Kaffeesatz Regular" panose="02000000000000000000" pitchFamily="2" charset="0"/>
-              </a:rPr>
-              <a:t>MidLevel</a:t>
-            </a:r>
-            <a:r>
-              <a:rPr lang="en-US" sz="2800" dirty="0">
-                <a:solidFill>
-                  <a:schemeClr val="tx2"/>
-                </a:solidFill>
-                <a:latin typeface="Yanone Kaffeesatz Regular" panose="02000000000000000000" pitchFamily="2" charset="0"/>
-              </a:rPr>
-              <a:t>() {</a:t>
-            </a:r>
-          </a:p>
-          <a:p>
-            <a:r>
-              <a:rPr lang="en-US" sz="2800" dirty="0">
-                <a:solidFill>
-                  <a:schemeClr val="tx2"/>
-                </a:solidFill>
-                <a:latin typeface="Yanone Kaffeesatz Regular" panose="02000000000000000000" pitchFamily="2" charset="0"/>
-              </a:rPr>
-              <a:t>   …</a:t>
-            </a:r>
-          </a:p>
-          <a:p>
-            <a:r>
-              <a:rPr lang="en-US" sz="2800" dirty="0">
-                <a:solidFill>
-                  <a:schemeClr val="tx2"/>
-                </a:solidFill>
-                <a:latin typeface="Yanone Kaffeesatz Regular" panose="02000000000000000000" pitchFamily="2" charset="0"/>
-              </a:rPr>
-              <a:t>   </a:t>
-            </a:r>
-            <a:r>
-              <a:rPr lang="en-US" sz="2800" dirty="0" err="1">
-                <a:solidFill>
-                  <a:schemeClr val="tx2"/>
-                </a:solidFill>
-                <a:latin typeface="Yanone Kaffeesatz Regular" panose="02000000000000000000" pitchFamily="2" charset="0"/>
-              </a:rPr>
-              <a:t>LowLevel</a:t>
-            </a:r>
-            <a:r>
-              <a:rPr lang="en-US" sz="2800" dirty="0">
-                <a:solidFill>
-                  <a:schemeClr val="tx2"/>
-                </a:solidFill>
-                <a:latin typeface="Yanone Kaffeesatz Regular" panose="02000000000000000000" pitchFamily="2" charset="0"/>
-              </a:rPr>
-              <a:t>();</a:t>
-            </a:r>
-          </a:p>
-          <a:p>
-            <a:r>
-              <a:rPr lang="en-US" sz="2800" dirty="0">
-                <a:solidFill>
-                  <a:schemeClr val="tx2"/>
-                </a:solidFill>
-                <a:latin typeface="Yanone Kaffeesatz Regular" panose="02000000000000000000" pitchFamily="2" charset="0"/>
-              </a:rPr>
-              <a:t>   …</a:t>
-            </a:r>
-          </a:p>
-          <a:p>
-            <a:r>
-              <a:rPr lang="en-US" sz="2800" dirty="0">
-                <a:solidFill>
-                  <a:schemeClr val="tx2"/>
-                </a:solidFill>
-                <a:latin typeface="Yanone Kaffeesatz Regular" panose="02000000000000000000" pitchFamily="2" charset="0"/>
-              </a:rPr>
-              <a:t>}</a:t>
-            </a:r>
-          </a:p>
-          <a:p>
-            <a:endParaRPr lang="en-US" sz="2800" dirty="0">
-              <a:solidFill>
-                <a:schemeClr val="tx2"/>
-              </a:solidFill>
-              <a:latin typeface="Yanone Kaffeesatz Regular" panose="02000000000000000000" pitchFamily="2" charset="0"/>
-            </a:endParaRPr>
-          </a:p>
-          <a:p>
-            <a:r>
-              <a:rPr lang="en-US" sz="2800" dirty="0">
-                <a:solidFill>
-                  <a:schemeClr val="tx2"/>
-                </a:solidFill>
-                <a:latin typeface="Yanone Kaffeesatz Regular" panose="02000000000000000000" pitchFamily="2" charset="0"/>
-              </a:rPr>
-              <a:t>void </a:t>
-            </a:r>
-            <a:r>
-              <a:rPr lang="en-US" sz="2800" dirty="0" err="1">
-                <a:solidFill>
-                  <a:schemeClr val="tx2"/>
-                </a:solidFill>
-                <a:latin typeface="Yanone Kaffeesatz Regular" panose="02000000000000000000" pitchFamily="2" charset="0"/>
-              </a:rPr>
-              <a:t>LowLevel</a:t>
-            </a:r>
-            <a:r>
-              <a:rPr lang="en-US" sz="2800" dirty="0">
-                <a:solidFill>
-                  <a:schemeClr val="tx2"/>
-                </a:solidFill>
-                <a:latin typeface="Yanone Kaffeesatz Regular" panose="02000000000000000000" pitchFamily="2" charset="0"/>
-              </a:rPr>
-              <a:t>() {</a:t>
-            </a:r>
-          </a:p>
-          <a:p>
-            <a:r>
-              <a:rPr lang="en-US" sz="2800" dirty="0">
-                <a:solidFill>
-                  <a:schemeClr val="tx2"/>
-                </a:solidFill>
-                <a:latin typeface="Yanone Kaffeesatz Regular" panose="02000000000000000000" pitchFamily="2" charset="0"/>
-              </a:rPr>
-              <a:t>}</a:t>
-            </a:r>
-            <a:endParaRPr lang="de-CH" sz="2800" dirty="0">
-              <a:solidFill>
-                <a:schemeClr val="tx2"/>
-              </a:solidFill>
-              <a:latin typeface="Yanone Kaffeesatz Regular" panose="02000000000000000000" pitchFamily="2" charset="0"/>
-            </a:endParaRPr>
-          </a:p>
-        </p:txBody>
-      </p:sp>
-    </p:spTree>
-    <p:extLst>
-      <p:ext uri="{BB962C8B-B14F-4D97-AF65-F5344CB8AC3E}">
-        <p14:creationId xmlns:p14="http://schemas.microsoft.com/office/powerpoint/2010/main" val="2762055390"/>
-      </p:ext>
-    </p:extLst>
-  </p:cSld>
-  <p:clrMapOvr>
-    <a:masterClrMapping/>
-  </p:clrMapOvr>
-  <p:timing>
-    <p:tnLst>
-      <p:par>
-        <p:cTn id="1" dur="indefinite" restart="never" nodeType="tmRoot"/>
-      </p:par>
-    </p:tnLst>
-  </p:timing>
 </p:sld>
 </file>
 
@@ -46654,6 +45879,355 @@
                 </a:solidFill>
                 <a:latin typeface="Yanone Kaffeesatz Regular" panose="02000000000000000000" pitchFamily="2" charset="0"/>
               </a:rPr>
+              <a:t>();</a:t>
+            </a:r>
+          </a:p>
+          <a:p>
+            <a:r>
+              <a:rPr lang="en-US" sz="2800" dirty="0">
+                <a:solidFill>
+                  <a:schemeClr val="tx2"/>
+                </a:solidFill>
+                <a:latin typeface="Yanone Kaffeesatz Regular" panose="02000000000000000000" pitchFamily="2" charset="0"/>
+              </a:rPr>
+              <a:t>   …</a:t>
+            </a:r>
+          </a:p>
+          <a:p>
+            <a:r>
+              <a:rPr lang="en-US" sz="2800" dirty="0">
+                <a:solidFill>
+                  <a:schemeClr val="tx2"/>
+                </a:solidFill>
+                <a:latin typeface="Yanone Kaffeesatz Regular" panose="02000000000000000000" pitchFamily="2" charset="0"/>
+              </a:rPr>
+              <a:t>}</a:t>
+            </a:r>
+          </a:p>
+          <a:p>
+            <a:endParaRPr lang="en-US" sz="2800" dirty="0">
+              <a:solidFill>
+                <a:schemeClr val="tx2"/>
+              </a:solidFill>
+              <a:latin typeface="Yanone Kaffeesatz Regular" panose="02000000000000000000" pitchFamily="2" charset="0"/>
+            </a:endParaRPr>
+          </a:p>
+          <a:p>
+            <a:r>
+              <a:rPr lang="en-US" sz="2800" dirty="0">
+                <a:solidFill>
+                  <a:schemeClr val="tx2"/>
+                </a:solidFill>
+                <a:latin typeface="Yanone Kaffeesatz Regular" panose="02000000000000000000" pitchFamily="2" charset="0"/>
+              </a:rPr>
+              <a:t>void </a:t>
+            </a:r>
+            <a:r>
+              <a:rPr lang="en-US" sz="2800" dirty="0" err="1">
+                <a:solidFill>
+                  <a:schemeClr val="tx2"/>
+                </a:solidFill>
+                <a:latin typeface="Yanone Kaffeesatz Regular" panose="02000000000000000000" pitchFamily="2" charset="0"/>
+              </a:rPr>
+              <a:t>LowLevel</a:t>
+            </a:r>
+            <a:r>
+              <a:rPr lang="en-US" sz="2800" dirty="0">
+                <a:solidFill>
+                  <a:schemeClr val="tx2"/>
+                </a:solidFill>
+                <a:latin typeface="Yanone Kaffeesatz Regular" panose="02000000000000000000" pitchFamily="2" charset="0"/>
+              </a:rPr>
+              <a:t>() {</a:t>
+            </a:r>
+          </a:p>
+          <a:p>
+            <a:r>
+              <a:rPr lang="en-US" sz="2800" dirty="0">
+                <a:solidFill>
+                  <a:schemeClr val="tx2"/>
+                </a:solidFill>
+                <a:latin typeface="Yanone Kaffeesatz Regular" panose="02000000000000000000" pitchFamily="2" charset="0"/>
+              </a:rPr>
+              <a:t>}</a:t>
+            </a:r>
+            <a:endParaRPr lang="de-CH" sz="2800" dirty="0">
+              <a:solidFill>
+                <a:schemeClr val="tx2"/>
+              </a:solidFill>
+              <a:latin typeface="Yanone Kaffeesatz Regular" panose="02000000000000000000" pitchFamily="2" charset="0"/>
+            </a:endParaRPr>
+          </a:p>
+        </p:txBody>
+      </p:sp>
+    </p:spTree>
+    <p:extLst>
+      <p:ext uri="{BB962C8B-B14F-4D97-AF65-F5344CB8AC3E}">
+        <p14:creationId xmlns:p14="http://schemas.microsoft.com/office/powerpoint/2010/main" val="2762055390"/>
+      </p:ext>
+    </p:extLst>
+  </p:cSld>
+  <p:clrMapOvr>
+    <a:masterClrMapping/>
+  </p:clrMapOvr>
+</p:sld>
+</file>
+
+<file path=ppt/slides/slide73.xml><?xml version="1.0" encoding="utf-8"?>
+<p:sld xmlns:a="http://schemas.openxmlformats.org/drawingml/2006/main" xmlns:r="http://schemas.openxmlformats.org/officeDocument/2006/relationships" xmlns:p="http://schemas.openxmlformats.org/presentationml/2006/main">
+  <p:cSld>
+    <p:spTree>
+      <p:nvGrpSpPr>
+        <p:cNvPr id="1" name=""/>
+        <p:cNvGrpSpPr/>
+        <p:nvPr/>
+      </p:nvGrpSpPr>
+      <p:grpSpPr>
+        <a:xfrm>
+          <a:off x="0" y="0"/>
+          <a:ext cx="0" cy="0"/>
+          <a:chOff x="0" y="0"/>
+          <a:chExt cx="0" cy="0"/>
+        </a:xfrm>
+      </p:grpSpPr>
+      <p:sp>
+        <p:nvSpPr>
+          <p:cNvPr id="6" name="Rectangle 5"/>
+          <p:cNvSpPr/>
+          <p:nvPr/>
+        </p:nvSpPr>
+        <p:spPr>
+          <a:xfrm>
+            <a:off x="0" y="2705725"/>
+            <a:ext cx="4999912" cy="2800767"/>
+          </a:xfrm>
+          <a:prstGeom prst="rect">
+            <a:avLst/>
+          </a:prstGeom>
+        </p:spPr>
+        <p:txBody>
+          <a:bodyPr wrap="square">
+            <a:spAutoFit/>
+          </a:bodyPr>
+          <a:lstStyle/>
+          <a:p>
+            <a:pPr algn="ctr"/>
+            <a:r>
+              <a:rPr lang="en-US" sz="8800" dirty="0">
+                <a:solidFill>
+                  <a:schemeClr val="accent2"/>
+                </a:solidFill>
+                <a:latin typeface="Yanone Kaffeesatz Regular" panose="02000000000000000000" pitchFamily="2" charset="0"/>
+              </a:rPr>
+              <a:t>Bring it together</a:t>
+            </a:r>
+            <a:endParaRPr lang="de-CH" sz="1200" dirty="0"/>
+          </a:p>
+        </p:txBody>
+      </p:sp>
+      <p:sp>
+        <p:nvSpPr>
+          <p:cNvPr id="11" name="Rectangle 10"/>
+          <p:cNvSpPr/>
+          <p:nvPr/>
+        </p:nvSpPr>
+        <p:spPr>
+          <a:xfrm>
+            <a:off x="4885255" y="391527"/>
+            <a:ext cx="7306745" cy="6124754"/>
+          </a:xfrm>
+          <a:prstGeom prst="rect">
+            <a:avLst/>
+          </a:prstGeom>
+        </p:spPr>
+        <p:txBody>
+          <a:bodyPr wrap="square">
+            <a:spAutoFit/>
+          </a:bodyPr>
+          <a:lstStyle/>
+          <a:p>
+            <a:r>
+              <a:rPr lang="en-US" sz="2800" dirty="0">
+                <a:solidFill>
+                  <a:schemeClr val="tx2"/>
+                </a:solidFill>
+                <a:latin typeface="Yanone Kaffeesatz Regular" panose="02000000000000000000" pitchFamily="2" charset="0"/>
+              </a:rPr>
+              <a:t>void </a:t>
+            </a:r>
+            <a:r>
+              <a:rPr lang="en-US" sz="2800" dirty="0" err="1">
+                <a:solidFill>
+                  <a:schemeClr val="tx2"/>
+                </a:solidFill>
+                <a:latin typeface="Yanone Kaffeesatz Regular" panose="02000000000000000000" pitchFamily="2" charset="0"/>
+              </a:rPr>
+              <a:t>HighLevel</a:t>
+            </a:r>
+            <a:r>
+              <a:rPr lang="en-US" sz="2800" dirty="0">
+                <a:solidFill>
+                  <a:schemeClr val="tx2"/>
+                </a:solidFill>
+                <a:latin typeface="Yanone Kaffeesatz Regular" panose="02000000000000000000" pitchFamily="2" charset="0"/>
+              </a:rPr>
+              <a:t>() {</a:t>
+            </a:r>
+          </a:p>
+          <a:p>
+            <a:r>
+              <a:rPr lang="en-US" sz="2800" dirty="0">
+                <a:solidFill>
+                  <a:schemeClr val="tx2"/>
+                </a:solidFill>
+                <a:latin typeface="Yanone Kaffeesatz Regular" panose="02000000000000000000" pitchFamily="2" charset="0"/>
+              </a:rPr>
+              <a:t>   try { </a:t>
+            </a:r>
+          </a:p>
+          <a:p>
+            <a:r>
+              <a:rPr lang="en-US" sz="2800" dirty="0">
+                <a:solidFill>
+                  <a:schemeClr val="tx2"/>
+                </a:solidFill>
+                <a:latin typeface="Yanone Kaffeesatz Regular" panose="02000000000000000000" pitchFamily="2" charset="0"/>
+              </a:rPr>
+              <a:t>      </a:t>
+            </a:r>
+            <a:r>
+              <a:rPr lang="en-US" sz="2800" dirty="0" err="1">
+                <a:solidFill>
+                  <a:schemeClr val="tx2"/>
+                </a:solidFill>
+                <a:latin typeface="Yanone Kaffeesatz Regular" panose="02000000000000000000" pitchFamily="2" charset="0"/>
+              </a:rPr>
+              <a:t>MidLevel</a:t>
+            </a:r>
+            <a:r>
+              <a:rPr lang="en-US" sz="2800" dirty="0">
+                <a:solidFill>
+                  <a:schemeClr val="tx2"/>
+                </a:solidFill>
+                <a:latin typeface="Yanone Kaffeesatz Regular" panose="02000000000000000000" pitchFamily="2" charset="0"/>
+              </a:rPr>
+              <a:t>(); </a:t>
+            </a:r>
+          </a:p>
+          <a:p>
+            <a:r>
+              <a:rPr lang="en-US" sz="2800" dirty="0">
+                <a:solidFill>
+                  <a:schemeClr val="tx2"/>
+                </a:solidFill>
+                <a:latin typeface="Yanone Kaffeesatz Regular" panose="02000000000000000000" pitchFamily="2" charset="0"/>
+              </a:rPr>
+              <a:t>   } catch(</a:t>
+            </a:r>
+            <a:r>
+              <a:rPr lang="en-US" sz="2800" dirty="0" err="1">
+                <a:solidFill>
+                  <a:schemeClr val="tx2"/>
+                </a:solidFill>
+                <a:latin typeface="Yanone Kaffeesatz Regular" panose="02000000000000000000" pitchFamily="2" charset="0"/>
+              </a:rPr>
+              <a:t>InvalidOperationException</a:t>
+            </a:r>
+            <a:r>
+              <a:rPr lang="en-US" sz="2800" dirty="0">
+                <a:solidFill>
+                  <a:schemeClr val="tx2"/>
+                </a:solidFill>
+                <a:latin typeface="Yanone Kaffeesatz Regular" panose="02000000000000000000" pitchFamily="2" charset="0"/>
+              </a:rPr>
+              <a:t>) { }</a:t>
+            </a:r>
+          </a:p>
+          <a:p>
+            <a:r>
+              <a:rPr lang="en-US" sz="2800" dirty="0">
+                <a:solidFill>
+                  <a:schemeClr val="tx2"/>
+                </a:solidFill>
+                <a:latin typeface="Yanone Kaffeesatz Regular" panose="02000000000000000000" pitchFamily="2" charset="0"/>
+              </a:rPr>
+              <a:t>}</a:t>
+            </a:r>
+          </a:p>
+          <a:p>
+            <a:endParaRPr lang="en-US" sz="2800" dirty="0">
+              <a:solidFill>
+                <a:schemeClr val="tx2"/>
+              </a:solidFill>
+              <a:latin typeface="Yanone Kaffeesatz Regular" panose="02000000000000000000" pitchFamily="2" charset="0"/>
+            </a:endParaRPr>
+          </a:p>
+          <a:p>
+            <a:r>
+              <a:rPr lang="en-US" sz="2800" dirty="0">
+                <a:solidFill>
+                  <a:schemeClr val="tx2"/>
+                </a:solidFill>
+                <a:latin typeface="Yanone Kaffeesatz Regular" panose="02000000000000000000" pitchFamily="2" charset="0"/>
+              </a:rPr>
+              <a:t>void </a:t>
+            </a:r>
+            <a:r>
+              <a:rPr lang="en-US" sz="2800" dirty="0" err="1">
+                <a:solidFill>
+                  <a:schemeClr val="tx2"/>
+                </a:solidFill>
+                <a:latin typeface="Yanone Kaffeesatz Regular" panose="02000000000000000000" pitchFamily="2" charset="0"/>
+              </a:rPr>
+              <a:t>MidLevel</a:t>
+            </a:r>
+            <a:r>
+              <a:rPr lang="en-US" sz="2800" dirty="0">
+                <a:solidFill>
+                  <a:schemeClr val="tx2"/>
+                </a:solidFill>
+                <a:latin typeface="Yanone Kaffeesatz Regular" panose="02000000000000000000" pitchFamily="2" charset="0"/>
+              </a:rPr>
+              <a:t>() {</a:t>
+            </a:r>
+          </a:p>
+          <a:p>
+            <a:r>
+              <a:rPr lang="en-US" sz="2800" dirty="0">
+                <a:solidFill>
+                  <a:schemeClr val="tx2"/>
+                </a:solidFill>
+                <a:latin typeface="Yanone Kaffeesatz Regular" panose="02000000000000000000" pitchFamily="2" charset="0"/>
+              </a:rPr>
+              <a:t>   …</a:t>
+            </a:r>
+          </a:p>
+          <a:p>
+            <a:r>
+              <a:rPr lang="en-US" sz="2800" dirty="0">
+                <a:solidFill>
+                  <a:schemeClr val="tx2"/>
+                </a:solidFill>
+                <a:latin typeface="Yanone Kaffeesatz Regular" panose="02000000000000000000" pitchFamily="2" charset="0"/>
+              </a:rPr>
+              <a:t>   </a:t>
+            </a:r>
+            <a:r>
+              <a:rPr lang="en-US" sz="2800" dirty="0" err="1">
+                <a:solidFill>
+                  <a:schemeClr val="tx2"/>
+                </a:solidFill>
+                <a:latin typeface="Yanone Kaffeesatz Regular" panose="02000000000000000000" pitchFamily="2" charset="0"/>
+              </a:rPr>
+              <a:t>LowLevel</a:t>
+            </a:r>
+            <a:r>
+              <a:rPr lang="en-US" sz="2800" dirty="0">
+                <a:solidFill>
+                  <a:schemeClr val="tx2"/>
+                </a:solidFill>
+                <a:latin typeface="Yanone Kaffeesatz Regular" panose="02000000000000000000" pitchFamily="2" charset="0"/>
+              </a:rPr>
               <a:t>()</a:t>
             </a:r>
             <a:r>
@@ -46817,17 +46391,10 @@
   <p:clrMapOvr>
     <a:masterClrMapping/>
   </p:clrMapOvr>
-  <p:timing>
-    <p:tnLst>
-      <p:par>
-        <p:cTn id="1" dur="indefinite" restart="never" nodeType="tmRoot"/>
-      </p:par>
-    </p:tnLst>
-  </p:timing>
 </p:sld>
 </file>
 
-<file path=ppt/slides/slide73.xml><?xml version="1.0" encoding="utf-8"?>
+<file path=ppt/slides/slide74.xml><?xml version="1.0" encoding="utf-8"?>
 <p:sld xmlns:a="http://schemas.openxmlformats.org/drawingml/2006/main" xmlns:r="http://schemas.openxmlformats.org/officeDocument/2006/relationships" xmlns:p="http://schemas.openxmlformats.org/presentationml/2006/main">
   <p:cSld>
     <p:spTree>
@@ -46888,17 +46455,10 @@
   <p:clrMapOvr>
     <a:masterClrMapping/>
   </p:clrMapOvr>
-  <p:timing>
-    <p:tnLst>
-      <p:par>
-        <p:cTn id="1" dur="indefinite" restart="never" nodeType="tmRoot"/>
-      </p:par>
-    </p:tnLst>
-  </p:timing>
 </p:sld>
 </file>
 
-<file path=ppt/slides/slide74.xml><?xml version="1.0" encoding="utf-8"?>
+<file path=ppt/slides/slide75.xml><?xml version="1.0" encoding="utf-8"?>
 <p:sld xmlns:a="http://schemas.openxmlformats.org/drawingml/2006/main" xmlns:r="http://schemas.openxmlformats.org/officeDocument/2006/relationships" xmlns:p="http://schemas.openxmlformats.org/presentationml/2006/main">
   <p:cSld>
     <p:spTree>
@@ -47379,17 +46939,10 @@
   <p:clrMapOvr>
     <a:masterClrMapping/>
   </p:clrMapOvr>
-  <p:timing>
-    <p:tnLst>
-      <p:par>
-        <p:cTn id="1" dur="indefinite" restart="never" nodeType="tmRoot"/>
-      </p:par>
-    </p:tnLst>
-  </p:timing>
 </p:sld>
 </file>
 
-<file path=ppt/slides/slide75.xml><?xml version="1.0" encoding="utf-8"?>
+<file path=ppt/slides/slide76.xml><?xml version="1.0" encoding="utf-8"?>
 <p:sld xmlns:a="http://schemas.openxmlformats.org/drawingml/2006/main" xmlns:r="http://schemas.openxmlformats.org/officeDocument/2006/relationships" xmlns:p="http://schemas.openxmlformats.org/presentationml/2006/main">
   <p:cSld>
     <p:spTree>
@@ -47450,17 +47003,10 @@
   <p:clrMapOvr>
     <a:masterClrMapping/>
   </p:clrMapOvr>
-  <p:timing>
-    <p:tnLst>
-      <p:par>
-        <p:cTn id="1" dur="indefinite" restart="never" nodeType="tmRoot"/>
-      </p:par>
-    </p:tnLst>
-  </p:timing>
 </p:sld>
 </file>
 
-<file path=ppt/slides/slide76.xml><?xml version="1.0" encoding="utf-8"?>
+<file path=ppt/slides/slide77.xml><?xml version="1.0" encoding="utf-8"?>
 <p:sld xmlns:a="http://schemas.openxmlformats.org/drawingml/2006/main" xmlns:r="http://schemas.openxmlformats.org/officeDocument/2006/relationships" xmlns:p="http://schemas.openxmlformats.org/presentationml/2006/main">
   <p:cSld>
     <p:spTree>
@@ -47914,17 +47460,10 @@
   <p:clrMapOvr>
     <a:masterClrMapping/>
   </p:clrMapOvr>
-  <p:timing>
-    <p:tnLst>
-      <p:par>
-        <p:cTn id="1" dur="indefinite" restart="never" nodeType="tmRoot"/>
-      </p:par>
-    </p:tnLst>
-  </p:timing>
 </p:sld>
 </file>
 
-<file path=ppt/slides/slide77.xml><?xml version="1.0" encoding="utf-8"?>
+<file path=ppt/slides/slide78.xml><?xml version="1.0" encoding="utf-8"?>
 <p:sld xmlns:a="http://schemas.openxmlformats.org/drawingml/2006/main" xmlns:r="http://schemas.openxmlformats.org/officeDocument/2006/relationships" xmlns:p="http://schemas.openxmlformats.org/presentationml/2006/main">
   <p:cSld>
     <p:spTree>
@@ -48042,7 +47581,7 @@
       </p:sp>
       <p:pic>
         <p:nvPicPr>
-          <p:cNvPr id="4" name="Picture 2" descr="X ALL THE THINGS - async all the things"/>
+          <p:cNvPr id="1026" name="Picture 2" descr="https://pbs.twimg.com/media/CirRTB7UUAEdU_0.jpg:large"/>
           <p:cNvPicPr>
             <a:picLocks noChangeAspect="1" noChangeArrowheads="1"/>
           </p:cNvPicPr>
@@ -48063,8 +47602,8 @@
         </p:blipFill>
         <p:spPr bwMode="auto">
           <a:xfrm>
-            <a:off x="6571199" y="981989"/>
-            <a:ext cx="4027566" cy="3020674"/>
+            <a:off x="6518590" y="1145163"/>
+            <a:ext cx="3810000" cy="2857500"/>
           </a:xfrm>
           <a:prstGeom prst="rect">
             <a:avLst/>
@@ -48091,17 +47630,10 @@
   <p:clrMapOvr>
     <a:masterClrMapping/>
   </p:clrMapOvr>
-  <p:timing>
-    <p:tnLst>
-      <p:par>
-        <p:cTn id="1" dur="indefinite" restart="never" nodeType="tmRoot"/>
-      </p:par>
-    </p:tnLst>
-  </p:timing>
 </p:sld>
 </file>
 
-<file path=ppt/slides/slide78.xml><?xml version="1.0" encoding="utf-8"?>
+<file path=ppt/slides/slide79.xml><?xml version="1.0" encoding="utf-8"?>
 <p:sld xmlns:a="http://schemas.openxmlformats.org/drawingml/2006/main" xmlns:r="http://schemas.openxmlformats.org/officeDocument/2006/relationships" xmlns:p="http://schemas.openxmlformats.org/presentationml/2006/main">
   <p:cSld>
     <p:spTree>
@@ -48150,294 +47682,6 @@
   <p:clrMapOvr>
     <a:masterClrMapping/>
   </p:clrMapOvr>
-  <p:timing>
-    <p:tnLst>
-      <p:par>
-        <p:cTn id="1" dur="indefinite" restart="never" nodeType="tmRoot"/>
-      </p:par>
-    </p:tnLst>
-  </p:timing>
-</p:sld>
-</file>
-
-<file path=ppt/slides/slide79.xml><?xml version="1.0" encoding="utf-8"?>
-<p:sld xmlns:a="http://schemas.openxmlformats.org/drawingml/2006/main" xmlns:r="http://schemas.openxmlformats.org/officeDocument/2006/relationships" xmlns:p="http://schemas.openxmlformats.org/presentationml/2006/main">
-  <p:cSld>
-    <p:spTree>
-      <p:nvGrpSpPr>
-        <p:cNvPr id="1" name=""/>
-        <p:cNvGrpSpPr/>
-        <p:nvPr/>
-      </p:nvGrpSpPr>
-      <p:grpSpPr>
-        <a:xfrm>
-          <a:off x="0" y="0"/>
-          <a:ext cx="0" cy="0"/>
-          <a:chOff x="0" y="0"/>
-          <a:chExt cx="0" cy="0"/>
-        </a:xfrm>
-      </p:grpSpPr>
-      <p:sp>
-        <p:nvSpPr>
-          <p:cNvPr id="5" name="Rectangle 4"/>
-          <p:cNvSpPr/>
-          <p:nvPr/>
-        </p:nvSpPr>
-        <p:spPr>
-          <a:xfrm>
-            <a:off x="0" y="1952437"/>
-            <a:ext cx="4999912" cy="2646878"/>
-          </a:xfrm>
-          <a:prstGeom prst="rect">
-            <a:avLst/>
-          </a:prstGeom>
-        </p:spPr>
-        <p:txBody>
-          <a:bodyPr wrap="square">
-            <a:spAutoFit/>
-          </a:bodyPr>
-          <a:lstStyle/>
-          <a:p>
-            <a:pPr algn="ctr"/>
-            <a:r>
-              <a:rPr lang="en-US" sz="16600" dirty="0">
-                <a:solidFill>
-                  <a:schemeClr val="accent2"/>
-                </a:solidFill>
-                <a:latin typeface="Yanone Kaffeesatz Regular" panose="02000000000000000000" pitchFamily="2" charset="0"/>
-              </a:rPr>
-              <a:t>Recap</a:t>
-            </a:r>
-            <a:endParaRPr lang="de-CH" dirty="0"/>
-          </a:p>
-        </p:txBody>
-      </p:sp>
-      <p:sp>
-        <p:nvSpPr>
-          <p:cNvPr id="6" name="Rectangle 5"/>
-          <p:cNvSpPr/>
-          <p:nvPr/>
-        </p:nvSpPr>
-        <p:spPr>
-          <a:xfrm>
-            <a:off x="6485270" y="1671407"/>
-            <a:ext cx="5706729" cy="3970318"/>
-          </a:xfrm>
-          <a:prstGeom prst="rect">
-            <a:avLst/>
-          </a:prstGeom>
-        </p:spPr>
-        <p:txBody>
-          <a:bodyPr wrap="square">
-            <a:spAutoFit/>
-          </a:bodyPr>
-          <a:lstStyle/>
-          <a:p>
-            <a:r>
-              <a:rPr lang="en-US" sz="3600" dirty="0" smtClean="0">
-                <a:solidFill>
-                  <a:schemeClr val="tx2"/>
-                </a:solidFill>
-                <a:latin typeface="Yanone Kaffeesatz Regular" panose="02000000000000000000" pitchFamily="2" charset="0"/>
-              </a:rPr>
-              <a:t>Use </a:t>
-            </a:r>
-            <a:r>
-              <a:rPr lang="en-US" sz="3600" dirty="0" err="1" smtClean="0">
-                <a:solidFill>
-                  <a:schemeClr val="accent4"/>
-                </a:solidFill>
-                <a:latin typeface="Yanone Kaffeesatz Regular" panose="02000000000000000000" pitchFamily="2" charset="0"/>
-              </a:rPr>
-              <a:t>iPob</a:t>
-            </a:r>
-            <a:r>
-              <a:rPr lang="en-US" sz="3600" dirty="0" smtClean="0">
-                <a:solidFill>
-                  <a:schemeClr val="accent4"/>
-                </a:solidFill>
-                <a:latin typeface="Yanone Kaffeesatz Regular" panose="02000000000000000000" pitchFamily="2" charset="0"/>
-              </a:rPr>
-              <a:t> </a:t>
-            </a:r>
-            <a:r>
-              <a:rPr lang="en-US" sz="3600" dirty="0" smtClean="0">
-                <a:solidFill>
-                  <a:schemeClr val="tx2"/>
-                </a:solidFill>
-                <a:latin typeface="Yanone Kaffeesatz Regular" panose="02000000000000000000" pitchFamily="2" charset="0"/>
-              </a:rPr>
-              <a:t>to move your code</a:t>
-            </a:r>
-          </a:p>
-          <a:p>
-            <a:r>
-              <a:rPr lang="en-US" sz="3600" dirty="0">
-                <a:solidFill>
-                  <a:schemeClr val="tx2"/>
-                </a:solidFill>
-                <a:latin typeface="Yanone Kaffeesatz Regular" panose="02000000000000000000" pitchFamily="2" charset="0"/>
-              </a:rPr>
-              <a:t>s</a:t>
-            </a:r>
-            <a:r>
-              <a:rPr lang="en-US" sz="3600" dirty="0" smtClean="0">
-                <a:solidFill>
-                  <a:schemeClr val="tx2"/>
-                </a:solidFill>
-                <a:latin typeface="Yanone Kaffeesatz Regular" panose="02000000000000000000" pitchFamily="2" charset="0"/>
-              </a:rPr>
-              <a:t>tep by step towards </a:t>
-            </a:r>
-            <a:r>
-              <a:rPr lang="en-US" sz="3600" dirty="0" err="1" smtClean="0">
-                <a:solidFill>
-                  <a:schemeClr val="tx2"/>
-                </a:solidFill>
-                <a:latin typeface="Yanone Kaffeesatz Regular" panose="02000000000000000000" pitchFamily="2" charset="0"/>
-              </a:rPr>
-              <a:t>async</a:t>
-            </a:r>
-            <a:r>
-              <a:rPr lang="en-US" sz="3600" dirty="0" smtClean="0">
-                <a:solidFill>
-                  <a:schemeClr val="tx2"/>
-                </a:solidFill>
-                <a:latin typeface="Yanone Kaffeesatz Regular" panose="02000000000000000000" pitchFamily="2" charset="0"/>
-              </a:rPr>
-              <a:t> / await</a:t>
-            </a:r>
-          </a:p>
-          <a:p>
-            <a:endParaRPr lang="en-US" sz="3600" dirty="0">
-              <a:solidFill>
-                <a:schemeClr val="tx2"/>
-              </a:solidFill>
-              <a:latin typeface="Yanone Kaffeesatz Regular" panose="02000000000000000000" pitchFamily="2" charset="0"/>
-            </a:endParaRPr>
-          </a:p>
-          <a:p>
-            <a:r>
-              <a:rPr lang="en-US" sz="3600" dirty="0" smtClean="0">
-                <a:solidFill>
-                  <a:schemeClr val="accent4"/>
-                </a:solidFill>
-                <a:latin typeface="Yanone Kaffeesatz Regular" panose="02000000000000000000" pitchFamily="2" charset="0"/>
-              </a:rPr>
-              <a:t>IO-bound</a:t>
-            </a:r>
-            <a:r>
-              <a:rPr lang="en-US" sz="3600" dirty="0" smtClean="0">
-                <a:solidFill>
-                  <a:schemeClr val="tx2"/>
-                </a:solidFill>
-                <a:latin typeface="Yanone Kaffeesatz Regular" panose="02000000000000000000" pitchFamily="2" charset="0"/>
-              </a:rPr>
-              <a:t> paths benefit from </a:t>
-            </a:r>
-            <a:r>
-              <a:rPr lang="en-US" sz="3600" dirty="0" err="1" smtClean="0">
-                <a:solidFill>
-                  <a:schemeClr val="tx2"/>
-                </a:solidFill>
-                <a:latin typeface="Yanone Kaffeesatz Regular" panose="02000000000000000000" pitchFamily="2" charset="0"/>
-              </a:rPr>
-              <a:t>async</a:t>
-            </a:r>
-            <a:endParaRPr lang="en-US" sz="3600" dirty="0" smtClean="0">
-              <a:solidFill>
-                <a:schemeClr val="tx2"/>
-              </a:solidFill>
-              <a:latin typeface="Yanone Kaffeesatz Regular" panose="02000000000000000000" pitchFamily="2" charset="0"/>
-            </a:endParaRPr>
-          </a:p>
-          <a:p>
-            <a:endParaRPr lang="en-US" sz="3600" dirty="0">
-              <a:solidFill>
-                <a:schemeClr val="tx2"/>
-              </a:solidFill>
-              <a:latin typeface="Yanone Kaffeesatz Regular" panose="02000000000000000000" pitchFamily="2" charset="0"/>
-            </a:endParaRPr>
-          </a:p>
-          <a:p>
-            <a:r>
-              <a:rPr lang="en-US" sz="3600" dirty="0" smtClean="0">
-                <a:solidFill>
-                  <a:schemeClr val="accent4"/>
-                </a:solidFill>
-                <a:latin typeface="Yanone Kaffeesatz Regular" panose="02000000000000000000" pitchFamily="2" charset="0"/>
-              </a:rPr>
-              <a:t>Uniform API of Task</a:t>
-            </a:r>
-            <a:r>
-              <a:rPr lang="en-US" sz="3600" dirty="0" smtClean="0">
-                <a:solidFill>
-                  <a:schemeClr val="tx2"/>
-                </a:solidFill>
-                <a:latin typeface="Yanone Kaffeesatz Regular" panose="02000000000000000000" pitchFamily="2" charset="0"/>
-              </a:rPr>
-              <a:t> allows to await CPU-bound as well as IO-bound tasks</a:t>
-            </a:r>
-            <a:endParaRPr lang="en-US" sz="3600" dirty="0">
-              <a:solidFill>
-                <a:schemeClr val="accent4"/>
-              </a:solidFill>
-              <a:latin typeface="Yanone Kaffeesatz Regular" panose="02000000000000000000" pitchFamily="2" charset="0"/>
-            </a:endParaRPr>
-          </a:p>
-        </p:txBody>
-      </p:sp>
-      <p:sp>
-        <p:nvSpPr>
-          <p:cNvPr id="7" name="Rectangle 6"/>
-          <p:cNvSpPr/>
-          <p:nvPr/>
-        </p:nvSpPr>
-        <p:spPr>
-          <a:xfrm>
-            <a:off x="1" y="4399885"/>
-            <a:ext cx="6494332" cy="1200329"/>
-          </a:xfrm>
-          <a:prstGeom prst="rect">
-            <a:avLst/>
-          </a:prstGeom>
-        </p:spPr>
-        <p:txBody>
-          <a:bodyPr wrap="square">
-            <a:spAutoFit/>
-          </a:bodyPr>
-          <a:lstStyle/>
-          <a:p>
-            <a:pPr algn="ctr"/>
-            <a:r>
-              <a:rPr lang="en-US" sz="7200" dirty="0">
-                <a:solidFill>
-                  <a:schemeClr val="accent3"/>
-                </a:solidFill>
-                <a:latin typeface="Yanone Kaffeesatz Regular" panose="02000000000000000000" pitchFamily="2" charset="0"/>
-              </a:rPr>
-              <a:t>reminder</a:t>
-            </a:r>
-          </a:p>
-        </p:txBody>
-      </p:sp>
-    </p:spTree>
-    <p:extLst>
-      <p:ext uri="{BB962C8B-B14F-4D97-AF65-F5344CB8AC3E}">
-        <p14:creationId xmlns:p14="http://schemas.microsoft.com/office/powerpoint/2010/main" val="2436182924"/>
-      </p:ext>
-    </p:extLst>
-  </p:cSld>
-  <p:clrMapOvr>
-    <a:masterClrMapping/>
-  </p:clrMapOvr>
-  <p:timing>
-    <p:tnLst>
-      <p:par>
-        <p:cTn id="1" dur="indefinite" restart="never" nodeType="tmRoot"/>
-      </p:par>
-    </p:tnLst>
-  </p:timing>
 </p:sld>
 </file>
 
@@ -48804,15 +48048,6 @@
               </a:rPr>
               <a:t>functions</a:t>
             </a:r>
-            <a:r>
-              <a:rPr lang="de-CH" sz="2400" dirty="0">
-                <a:solidFill>
-                  <a:schemeClr val="accent3"/>
-                </a:solidFill>
-                <a:latin typeface="Yanone Kaffeesatz Regular" panose="02000000000000000000" pitchFamily="2" charset="0"/>
-              </a:rPr>
-              <a:t/>
-            </a:r>
             <a:br>
               <a:rPr lang="de-CH" sz="2400" dirty="0">
                 <a:solidFill>
@@ -48951,17 +48186,275 @@
   <p:clrMapOvr>
     <a:masterClrMapping/>
   </p:clrMapOvr>
-  <p:timing>
-    <p:tnLst>
-      <p:par>
-        <p:cTn id="1" dur="indefinite" restart="never" nodeType="tmRoot"/>
-      </p:par>
-    </p:tnLst>
-  </p:timing>
 </p:sld>
 </file>
 
 <file path=ppt/slides/slide80.xml><?xml version="1.0" encoding="utf-8"?>
+<p:sld xmlns:a="http://schemas.openxmlformats.org/drawingml/2006/main" xmlns:r="http://schemas.openxmlformats.org/officeDocument/2006/relationships" xmlns:p="http://schemas.openxmlformats.org/presentationml/2006/main">
+  <p:cSld>
+    <p:spTree>
+      <p:nvGrpSpPr>
+        <p:cNvPr id="1" name=""/>
+        <p:cNvGrpSpPr/>
+        <p:nvPr/>
+      </p:nvGrpSpPr>
+      <p:grpSpPr>
+        <a:xfrm>
+          <a:off x="0" y="0"/>
+          <a:ext cx="0" cy="0"/>
+          <a:chOff x="0" y="0"/>
+          <a:chExt cx="0" cy="0"/>
+        </a:xfrm>
+      </p:grpSpPr>
+      <p:sp>
+        <p:nvSpPr>
+          <p:cNvPr id="5" name="Rectangle 4"/>
+          <p:cNvSpPr/>
+          <p:nvPr/>
+        </p:nvSpPr>
+        <p:spPr>
+          <a:xfrm>
+            <a:off x="0" y="1952437"/>
+            <a:ext cx="4999912" cy="2646878"/>
+          </a:xfrm>
+          <a:prstGeom prst="rect">
+            <a:avLst/>
+          </a:prstGeom>
+        </p:spPr>
+        <p:txBody>
+          <a:bodyPr wrap="square">
+            <a:spAutoFit/>
+          </a:bodyPr>
+          <a:lstStyle/>
+          <a:p>
+            <a:pPr algn="ctr"/>
+            <a:r>
+              <a:rPr lang="en-US" sz="16600" dirty="0">
+                <a:solidFill>
+                  <a:schemeClr val="accent2"/>
+                </a:solidFill>
+                <a:latin typeface="Yanone Kaffeesatz Regular" panose="02000000000000000000" pitchFamily="2" charset="0"/>
+              </a:rPr>
+              <a:t>Recap</a:t>
+            </a:r>
+            <a:endParaRPr lang="de-CH" dirty="0"/>
+          </a:p>
+        </p:txBody>
+      </p:sp>
+      <p:sp>
+        <p:nvSpPr>
+          <p:cNvPr id="6" name="Rectangle 5"/>
+          <p:cNvSpPr/>
+          <p:nvPr/>
+        </p:nvSpPr>
+        <p:spPr>
+          <a:xfrm>
+            <a:off x="6485270" y="1671407"/>
+            <a:ext cx="5706729" cy="3970318"/>
+          </a:xfrm>
+          <a:prstGeom prst="rect">
+            <a:avLst/>
+          </a:prstGeom>
+        </p:spPr>
+        <p:txBody>
+          <a:bodyPr wrap="square">
+            <a:spAutoFit/>
+          </a:bodyPr>
+          <a:lstStyle/>
+          <a:p>
+            <a:r>
+              <a:rPr lang="en-US" sz="3600" dirty="0">
+                <a:solidFill>
+                  <a:schemeClr val="tx2"/>
+                </a:solidFill>
+                <a:latin typeface="Yanone Kaffeesatz Regular" panose="02000000000000000000" pitchFamily="2" charset="0"/>
+              </a:rPr>
+              <a:t>Use </a:t>
+            </a:r>
+            <a:r>
+              <a:rPr lang="en-US" sz="3600" dirty="0" err="1">
+                <a:solidFill>
+                  <a:schemeClr val="accent4"/>
+                </a:solidFill>
+                <a:latin typeface="Yanone Kaffeesatz Regular" panose="02000000000000000000" pitchFamily="2" charset="0"/>
+              </a:rPr>
+              <a:t>iPob</a:t>
+            </a:r>
+            <a:r>
+              <a:rPr lang="en-US" sz="3600" dirty="0">
+                <a:solidFill>
+                  <a:schemeClr val="accent4"/>
+                </a:solidFill>
+                <a:latin typeface="Yanone Kaffeesatz Regular" panose="02000000000000000000" pitchFamily="2" charset="0"/>
+              </a:rPr>
+              <a:t> </a:t>
+            </a:r>
+            <a:r>
+              <a:rPr lang="en-US" sz="3600" dirty="0">
+                <a:solidFill>
+                  <a:schemeClr val="tx2"/>
+                </a:solidFill>
+                <a:latin typeface="Yanone Kaffeesatz Regular" panose="02000000000000000000" pitchFamily="2" charset="0"/>
+              </a:rPr>
+              <a:t>to move your code</a:t>
+            </a:r>
+          </a:p>
+          <a:p>
+            <a:r>
+              <a:rPr lang="en-US" sz="3600" dirty="0">
+                <a:solidFill>
+                  <a:schemeClr val="tx2"/>
+                </a:solidFill>
+                <a:latin typeface="Yanone Kaffeesatz Regular" panose="02000000000000000000" pitchFamily="2" charset="0"/>
+              </a:rPr>
+              <a:t>step by step towards </a:t>
+            </a:r>
+            <a:r>
+              <a:rPr lang="en-US" sz="3600" dirty="0" err="1">
+                <a:solidFill>
+                  <a:schemeClr val="tx2"/>
+                </a:solidFill>
+                <a:latin typeface="Yanone Kaffeesatz Regular" panose="02000000000000000000" pitchFamily="2" charset="0"/>
+              </a:rPr>
+              <a:t>async</a:t>
+            </a:r>
+            <a:r>
+              <a:rPr lang="en-US" sz="3600" dirty="0">
+                <a:solidFill>
+                  <a:schemeClr val="tx2"/>
+                </a:solidFill>
+                <a:latin typeface="Yanone Kaffeesatz Regular" panose="02000000000000000000" pitchFamily="2" charset="0"/>
+              </a:rPr>
+              <a:t> / await</a:t>
+            </a:r>
+          </a:p>
+          <a:p>
+            <a:endParaRPr lang="en-US" sz="3600" dirty="0">
+              <a:solidFill>
+                <a:schemeClr val="tx2"/>
+              </a:solidFill>
+              <a:latin typeface="Yanone Kaffeesatz Regular" panose="02000000000000000000" pitchFamily="2" charset="0"/>
+            </a:endParaRPr>
+          </a:p>
+          <a:p>
+            <a:r>
+              <a:rPr lang="en-US" sz="3600" dirty="0">
+                <a:solidFill>
+                  <a:schemeClr val="accent4"/>
+                </a:solidFill>
+                <a:latin typeface="Yanone Kaffeesatz Regular" panose="02000000000000000000" pitchFamily="2" charset="0"/>
+              </a:rPr>
+              <a:t>IO-bound</a:t>
+            </a:r>
+            <a:r>
+              <a:rPr lang="en-US" sz="3600" dirty="0">
+                <a:solidFill>
+                  <a:schemeClr val="tx2"/>
+                </a:solidFill>
+                <a:latin typeface="Yanone Kaffeesatz Regular" panose="02000000000000000000" pitchFamily="2" charset="0"/>
+              </a:rPr>
+              <a:t> paths benefit from </a:t>
+            </a:r>
+            <a:r>
+              <a:rPr lang="en-US" sz="3600" dirty="0" err="1">
+                <a:solidFill>
+                  <a:schemeClr val="tx2"/>
+                </a:solidFill>
+                <a:latin typeface="Yanone Kaffeesatz Regular" panose="02000000000000000000" pitchFamily="2" charset="0"/>
+              </a:rPr>
+              <a:t>async</a:t>
+            </a:r>
+            <a:endParaRPr lang="en-US" sz="3600" dirty="0">
+              <a:solidFill>
+                <a:schemeClr val="tx2"/>
+              </a:solidFill>
+              <a:latin typeface="Yanone Kaffeesatz Regular" panose="02000000000000000000" pitchFamily="2" charset="0"/>
+            </a:endParaRPr>
+          </a:p>
+          <a:p>
+            <a:endParaRPr lang="en-US" sz="3600" dirty="0">
+              <a:solidFill>
+                <a:schemeClr val="tx2"/>
+              </a:solidFill>
+              <a:latin typeface="Yanone Kaffeesatz Regular" panose="02000000000000000000" pitchFamily="2" charset="0"/>
+            </a:endParaRPr>
+          </a:p>
+          <a:p>
+            <a:r>
+              <a:rPr lang="en-US" sz="3600" dirty="0">
+                <a:solidFill>
+                  <a:schemeClr val="accent4"/>
+                </a:solidFill>
+                <a:latin typeface="Yanone Kaffeesatz Regular" panose="02000000000000000000" pitchFamily="2" charset="0"/>
+              </a:rPr>
+              <a:t>Uniform API of Task</a:t>
+            </a:r>
+            <a:r>
+              <a:rPr lang="en-US" sz="3600" dirty="0">
+                <a:solidFill>
+                  <a:schemeClr val="tx2"/>
+                </a:solidFill>
+                <a:latin typeface="Yanone Kaffeesatz Regular" panose="02000000000000000000" pitchFamily="2" charset="0"/>
+              </a:rPr>
+              <a:t> allows to await CPU-bound as well as IO-bound tasks</a:t>
+            </a:r>
+            <a:endParaRPr lang="en-US" sz="3600" dirty="0">
+              <a:solidFill>
+                <a:schemeClr val="accent4"/>
+              </a:solidFill>
+              <a:latin typeface="Yanone Kaffeesatz Regular" panose="02000000000000000000" pitchFamily="2" charset="0"/>
+            </a:endParaRPr>
+          </a:p>
+        </p:txBody>
+      </p:sp>
+      <p:sp>
+        <p:nvSpPr>
+          <p:cNvPr id="7" name="Rectangle 6"/>
+          <p:cNvSpPr/>
+          <p:nvPr/>
+        </p:nvSpPr>
+        <p:spPr>
+          <a:xfrm>
+            <a:off x="1" y="4399885"/>
+            <a:ext cx="6494332" cy="1200329"/>
+          </a:xfrm>
+          <a:prstGeom prst="rect">
+            <a:avLst/>
+          </a:prstGeom>
+        </p:spPr>
+        <p:txBody>
+          <a:bodyPr wrap="square">
+            <a:spAutoFit/>
+          </a:bodyPr>
+          <a:lstStyle/>
+          <a:p>
+            <a:pPr algn="ctr"/>
+            <a:r>
+              <a:rPr lang="en-US" sz="7200" dirty="0">
+                <a:solidFill>
+                  <a:schemeClr val="accent3"/>
+                </a:solidFill>
+                <a:latin typeface="Yanone Kaffeesatz Regular" panose="02000000000000000000" pitchFamily="2" charset="0"/>
+              </a:rPr>
+              <a:t>reminder</a:t>
+            </a:r>
+          </a:p>
+        </p:txBody>
+      </p:sp>
+    </p:spTree>
+    <p:extLst>
+      <p:ext uri="{BB962C8B-B14F-4D97-AF65-F5344CB8AC3E}">
+        <p14:creationId xmlns:p14="http://schemas.microsoft.com/office/powerpoint/2010/main" val="2436182924"/>
+      </p:ext>
+    </p:extLst>
+  </p:cSld>
+  <p:clrMapOvr>
+    <a:masterClrMapping/>
+  </p:clrMapOvr>
+</p:sld>
+</file>
+
+<file path=ppt/slides/slide81.xml><?xml version="1.0" encoding="utf-8"?>
 <p:sld xmlns:a="http://schemas.openxmlformats.org/drawingml/2006/main" xmlns:r="http://schemas.openxmlformats.org/officeDocument/2006/relationships" xmlns:p="http://schemas.openxmlformats.org/presentationml/2006/main">
   <p:cSld>
     <p:spTree>
@@ -49088,17 +48581,10 @@
   <p:clrMapOvr>
     <a:masterClrMapping/>
   </p:clrMapOvr>
-  <p:timing>
-    <p:tnLst>
-      <p:par>
-        <p:cTn id="1" dur="indefinite" restart="never" nodeType="tmRoot"/>
-      </p:par>
-    </p:tnLst>
-  </p:timing>
 </p:sld>
 </file>
 
-<file path=ppt/slides/slide81.xml><?xml version="1.0" encoding="utf-8"?>
+<file path=ppt/slides/slide82.xml><?xml version="1.0" encoding="utf-8"?>
 <p:sld xmlns:a="http://schemas.openxmlformats.org/drawingml/2006/main" xmlns:r="http://schemas.openxmlformats.org/officeDocument/2006/relationships" xmlns:p="http://schemas.openxmlformats.org/presentationml/2006/main">
   <p:cSld>
     <p:spTree>
@@ -49173,7 +48659,7 @@
           <a:lstStyle/>
           <a:p>
             <a:r>
-              <a:rPr lang="de-CH" sz="3600" dirty="0" smtClean="0">
+              <a:rPr lang="de-CH" sz="3600" dirty="0">
                 <a:solidFill>
                   <a:schemeClr val="tx2"/>
                 </a:solidFill>
@@ -49182,7 +48668,7 @@
               <a:t>go.particular.net/</a:t>
             </a:r>
             <a:r>
-              <a:rPr lang="de-CH" sz="3600" dirty="0" smtClean="0">
+              <a:rPr lang="de-CH" sz="3600" dirty="0">
                 <a:solidFill>
                   <a:schemeClr val="accent4"/>
                 </a:solidFill>
@@ -49190,12 +48676,6 @@
               </a:rPr>
               <a:t>ndc16.async</a:t>
             </a:r>
-            <a:endParaRPr lang="de-CH" sz="3600" dirty="0">
-              <a:solidFill>
-                <a:schemeClr val="accent4"/>
-              </a:solidFill>
-              <a:latin typeface="Yanone Kaffeesatz Regular" panose="02000000000000000000" pitchFamily="2" charset="0"/>
-            </a:endParaRPr>
           </a:p>
         </p:txBody>
       </p:sp>
@@ -49209,17 +48689,10 @@
   <p:clrMapOvr>
     <a:masterClrMapping/>
   </p:clrMapOvr>
-  <p:timing>
-    <p:tnLst>
-      <p:par>
-        <p:cTn id="1" dur="indefinite" restart="never" nodeType="tmRoot"/>
-      </p:par>
-    </p:tnLst>
-  </p:timing>
 </p:sld>
 </file>
 
-<file path=ppt/slides/slide82.xml><?xml version="1.0" encoding="utf-8"?>
+<file path=ppt/slides/slide83.xml><?xml version="1.0" encoding="utf-8"?>
 <p:sld xmlns:a="http://schemas.openxmlformats.org/drawingml/2006/main" xmlns:r="http://schemas.openxmlformats.org/officeDocument/2006/relationships" xmlns:p="http://schemas.openxmlformats.org/presentationml/2006/main">
   <p:cSld>
     <p:spTree>
@@ -49344,17 +48817,10 @@
   <p:clrMapOvr>
     <a:masterClrMapping/>
   </p:clrMapOvr>
-  <p:timing>
-    <p:tnLst>
-      <p:par>
-        <p:cTn id="1" dur="indefinite" restart="never" nodeType="tmRoot"/>
-      </p:par>
-    </p:tnLst>
-  </p:timing>
 </p:sld>
 </file>
 
-<file path=ppt/slides/slide83.xml><?xml version="1.0" encoding="utf-8"?>
+<file path=ppt/slides/slide84.xml><?xml version="1.0" encoding="utf-8"?>
 <p:sld xmlns:a="http://schemas.openxmlformats.org/drawingml/2006/main" xmlns:r="http://schemas.openxmlformats.org/officeDocument/2006/relationships" xmlns:p="http://schemas.openxmlformats.org/presentationml/2006/main">
   <p:cSld>
     <p:spTree>
@@ -49445,17 +48911,10 @@
   <p:clrMapOvr>
     <a:masterClrMapping/>
   </p:clrMapOvr>
-  <p:timing>
-    <p:tnLst>
-      <p:par>
-        <p:cTn id="1" dur="indefinite" restart="never" nodeType="tmRoot"/>
-      </p:par>
-    </p:tnLst>
-  </p:timing>
 </p:sld>
 </file>
 
-<file path=ppt/slides/slide84.xml><?xml version="1.0" encoding="utf-8"?>
+<file path=ppt/slides/slide85.xml><?xml version="1.0" encoding="utf-8"?>
 <p:sld xmlns:a="http://schemas.openxmlformats.org/drawingml/2006/main" xmlns:r="http://schemas.openxmlformats.org/officeDocument/2006/relationships" xmlns:p="http://schemas.openxmlformats.org/presentationml/2006/main" show="0">
   <p:cSld>
     <p:spTree>
@@ -49974,7 +49433,7 @@
           <a:lstStyle/>
           <a:p>
             <a:r>
-              <a:rPr lang="en-US" sz="6000" dirty="0" smtClean="0">
+              <a:rPr lang="en-US" sz="6000" dirty="0">
                 <a:solidFill>
                   <a:schemeClr val="accent2"/>
                 </a:solidFill>
@@ -50709,21 +50168,6 @@
   <p:clrMapOvr>
     <a:masterClrMapping/>
   </p:clrMapOvr>
-  <mc:AlternateContent xmlns:mc="http://schemas.openxmlformats.org/markup-compatibility/2006" xmlns:p14="http://schemas.microsoft.com/office/powerpoint/2010/main">
-    <mc:Choice Requires="p14">
-      <p:transition spd="slow" p14:dur="2000"/>
-    </mc:Choice>
-    <mc:Fallback xmlns="">
-      <p:transition spd="slow"/>
-    </mc:Fallback>
-  </mc:AlternateContent>
-  <p:timing>
-    <p:tnLst>
-      <p:par>
-        <p:cTn id="1" dur="indefinite" restart="never" nodeType="tmRoot"/>
-      </p:par>
-    </p:tnLst>
-  </p:timing>
 </p:sld>
 </file>
 
@@ -51255,13 +50699,6 @@
   <p:clrMapOvr>
     <a:masterClrMapping/>
   </p:clrMapOvr>
-  <p:timing>
-    <p:tnLst>
-      <p:par>
-        <p:cTn id="1" dur="indefinite" restart="never" nodeType="tmRoot"/>
-      </p:par>
-    </p:tnLst>
-  </p:timing>
 </p:sld>
 </file>
 
